--- a/Kognitive Systeme Vortrag/Ethics in AI.pptx
+++ b/Kognitive Systeme Vortrag/Ethics in AI.pptx
@@ -5,7 +5,7 @@
     <p:sldMasterId id="2147483660" r:id="rId1"/>
   </p:sldMasterIdLst>
   <p:notesMasterIdLst>
-    <p:notesMasterId r:id="rId17"/>
+    <p:notesMasterId r:id="rId24"/>
   </p:notesMasterIdLst>
   <p:sldIdLst>
     <p:sldId id="257" r:id="rId2"/>
@@ -22,7 +22,14 @@
     <p:sldId id="271" r:id="rId13"/>
     <p:sldId id="272" r:id="rId14"/>
     <p:sldId id="261" r:id="rId15"/>
-    <p:sldId id="263" r:id="rId16"/>
+    <p:sldId id="274" r:id="rId16"/>
+    <p:sldId id="278" r:id="rId17"/>
+    <p:sldId id="279" r:id="rId18"/>
+    <p:sldId id="280" r:id="rId19"/>
+    <p:sldId id="281" r:id="rId20"/>
+    <p:sldId id="282" r:id="rId21"/>
+    <p:sldId id="283" r:id="rId22"/>
+    <p:sldId id="263" r:id="rId23"/>
   </p:sldIdLst>
   <p:sldSz cx="12192000" cy="6858000"/>
   <p:notesSz cx="6858000" cy="9144000"/>
@@ -1370,6 +1377,304 @@
           <a:bodyPr/>
           <a:lstStyle/>
           <a:p>
+            <a:endParaRPr lang="de-DE" dirty="0"/>
+          </a:p>
+        </p:txBody>
+      </p:sp>
+      <p:sp>
+        <p:nvSpPr>
+          <p:cNvPr id="4" name="Foliennummernplatzhalter 3"/>
+          <p:cNvSpPr>
+            <a:spLocks noGrp="1"/>
+          </p:cNvSpPr>
+          <p:nvPr>
+            <p:ph type="sldNum" sz="quarter" idx="5"/>
+          </p:nvPr>
+        </p:nvSpPr>
+        <p:spPr/>
+        <p:txBody>
+          <a:bodyPr/>
+          <a:lstStyle/>
+          <a:p>
+            <a:pPr marL="0" marR="0" lvl="0" indent="0" algn="ctr" defTabSz="457200" rtl="0" eaLnBrk="1" fontAlgn="auto" latinLnBrk="0" hangingPunct="1">
+              <a:lnSpc>
+                <a:spcPct val="100000"/>
+              </a:lnSpc>
+              <a:spcBef>
+                <a:spcPts val="0"/>
+              </a:spcBef>
+              <a:spcAft>
+                <a:spcPts val="0"/>
+              </a:spcAft>
+              <a:buClrTx/>
+              <a:buSzTx/>
+              <a:buFontTx/>
+              <a:buNone/>
+              <a:tabLst/>
+              <a:defRPr/>
+            </a:pPr>
+            <a:fld id="{0B4E03F4-693C-45B2-A7AD-D1F8CFC3F73E}" type="slidenum">
+              <a:rPr kumimoji="0" lang="de-DE" sz="1200" b="0" i="0" u="none" strike="noStrike" kern="1200" cap="none" spc="0" normalizeH="0" baseline="0" noProof="0" smtClean="0">
+                <a:ln>
+                  <a:noFill/>
+                </a:ln>
+                <a:solidFill>
+                  <a:prstClr val="black"/>
+                </a:solidFill>
+                <a:effectLst/>
+                <a:uLnTx/>
+                <a:uFillTx/>
+                <a:latin typeface="Calibri" panose="020F0502020204030204"/>
+                <a:ea typeface="+mn-ea"/>
+                <a:cs typeface="+mn-cs"/>
+              </a:rPr>
+              <a:pPr marL="0" marR="0" lvl="0" indent="0" algn="ctr" defTabSz="457200" rtl="0" eaLnBrk="1" fontAlgn="auto" latinLnBrk="0" hangingPunct="1">
+                <a:lnSpc>
+                  <a:spcPct val="100000"/>
+                </a:lnSpc>
+                <a:spcBef>
+                  <a:spcPts val="0"/>
+                </a:spcBef>
+                <a:spcAft>
+                  <a:spcPts val="0"/>
+                </a:spcAft>
+                <a:buClrTx/>
+                <a:buSzTx/>
+                <a:buFontTx/>
+                <a:buNone/>
+                <a:tabLst/>
+                <a:defRPr/>
+              </a:pPr>
+              <a:t>20</a:t>
+            </a:fld>
+            <a:endParaRPr kumimoji="0" lang="de-DE" sz="1200" b="0" i="0" u="none" strike="noStrike" kern="1200" cap="none" spc="0" normalizeH="0" baseline="0" noProof="0" dirty="0">
+              <a:ln>
+                <a:noFill/>
+              </a:ln>
+              <a:solidFill>
+                <a:prstClr val="black"/>
+              </a:solidFill>
+              <a:effectLst/>
+              <a:uLnTx/>
+              <a:uFillTx/>
+              <a:latin typeface="Calibri" panose="020F0502020204030204"/>
+              <a:ea typeface="+mn-ea"/>
+              <a:cs typeface="+mn-cs"/>
+            </a:endParaRPr>
+          </a:p>
+        </p:txBody>
+      </p:sp>
+    </p:spTree>
+    <p:extLst>
+      <p:ext uri="{BB962C8B-B14F-4D97-AF65-F5344CB8AC3E}">
+        <p14:creationId xmlns:p14="http://schemas.microsoft.com/office/powerpoint/2010/main" val="1662126864"/>
+      </p:ext>
+    </p:extLst>
+  </p:cSld>
+  <p:clrMapOvr>
+    <a:masterClrMapping/>
+  </p:clrMapOvr>
+</p:notes>
+</file>
+
+<file path=ppt/notesSlides/notesSlide15.xml><?xml version="1.0" encoding="utf-8"?>
+<p:notes xmlns:a="http://schemas.openxmlformats.org/drawingml/2006/main" xmlns:r="http://schemas.openxmlformats.org/officeDocument/2006/relationships" xmlns:p="http://schemas.openxmlformats.org/presentationml/2006/main">
+  <p:cSld>
+    <p:spTree>
+      <p:nvGrpSpPr>
+        <p:cNvPr id="1" name=""/>
+        <p:cNvGrpSpPr/>
+        <p:nvPr/>
+      </p:nvGrpSpPr>
+      <p:grpSpPr>
+        <a:xfrm>
+          <a:off x="0" y="0"/>
+          <a:ext cx="0" cy="0"/>
+          <a:chOff x="0" y="0"/>
+          <a:chExt cx="0" cy="0"/>
+        </a:xfrm>
+      </p:grpSpPr>
+      <p:sp>
+        <p:nvSpPr>
+          <p:cNvPr id="2" name="Folienbildplatzhalter 1"/>
+          <p:cNvSpPr>
+            <a:spLocks noGrp="1" noRot="1" noChangeAspect="1"/>
+          </p:cNvSpPr>
+          <p:nvPr>
+            <p:ph type="sldImg"/>
+          </p:nvPr>
+        </p:nvSpPr>
+        <p:spPr>
+          <a:xfrm>
+            <a:off x="685800" y="1143000"/>
+            <a:ext cx="5486400" cy="3086100"/>
+          </a:xfrm>
+        </p:spPr>
+      </p:sp>
+      <p:sp>
+        <p:nvSpPr>
+          <p:cNvPr id="3" name="Notizenplatzhalter 2"/>
+          <p:cNvSpPr>
+            <a:spLocks noGrp="1"/>
+          </p:cNvSpPr>
+          <p:nvPr>
+            <p:ph type="body" idx="1"/>
+          </p:nvPr>
+        </p:nvSpPr>
+        <p:spPr/>
+        <p:txBody>
+          <a:bodyPr/>
+          <a:lstStyle/>
+          <a:p>
+            <a:endParaRPr lang="de-DE" dirty="0"/>
+          </a:p>
+        </p:txBody>
+      </p:sp>
+      <p:sp>
+        <p:nvSpPr>
+          <p:cNvPr id="4" name="Foliennummernplatzhalter 3"/>
+          <p:cNvSpPr>
+            <a:spLocks noGrp="1"/>
+          </p:cNvSpPr>
+          <p:nvPr>
+            <p:ph type="sldNum" sz="quarter" idx="5"/>
+          </p:nvPr>
+        </p:nvSpPr>
+        <p:spPr/>
+        <p:txBody>
+          <a:bodyPr/>
+          <a:lstStyle/>
+          <a:p>
+            <a:pPr marL="0" marR="0" lvl="0" indent="0" algn="ctr" defTabSz="457200" rtl="0" eaLnBrk="1" fontAlgn="auto" latinLnBrk="0" hangingPunct="1">
+              <a:lnSpc>
+                <a:spcPct val="100000"/>
+              </a:lnSpc>
+              <a:spcBef>
+                <a:spcPts val="0"/>
+              </a:spcBef>
+              <a:spcAft>
+                <a:spcPts val="0"/>
+              </a:spcAft>
+              <a:buClrTx/>
+              <a:buSzTx/>
+              <a:buFontTx/>
+              <a:buNone/>
+              <a:tabLst/>
+              <a:defRPr/>
+            </a:pPr>
+            <a:fld id="{0B4E03F4-693C-45B2-A7AD-D1F8CFC3F73E}" type="slidenum">
+              <a:rPr kumimoji="0" lang="de-DE" sz="1200" b="0" i="0" u="none" strike="noStrike" kern="1200" cap="none" spc="0" normalizeH="0" baseline="0" noProof="0" smtClean="0">
+                <a:ln>
+                  <a:noFill/>
+                </a:ln>
+                <a:solidFill>
+                  <a:prstClr val="black"/>
+                </a:solidFill>
+                <a:effectLst/>
+                <a:uLnTx/>
+                <a:uFillTx/>
+                <a:latin typeface="Calibri" panose="020F0502020204030204"/>
+                <a:ea typeface="+mn-ea"/>
+                <a:cs typeface="+mn-cs"/>
+              </a:rPr>
+              <a:pPr marL="0" marR="0" lvl="0" indent="0" algn="ctr" defTabSz="457200" rtl="0" eaLnBrk="1" fontAlgn="auto" latinLnBrk="0" hangingPunct="1">
+                <a:lnSpc>
+                  <a:spcPct val="100000"/>
+                </a:lnSpc>
+                <a:spcBef>
+                  <a:spcPts val="0"/>
+                </a:spcBef>
+                <a:spcAft>
+                  <a:spcPts val="0"/>
+                </a:spcAft>
+                <a:buClrTx/>
+                <a:buSzTx/>
+                <a:buFontTx/>
+                <a:buNone/>
+                <a:tabLst/>
+                <a:defRPr/>
+              </a:pPr>
+              <a:t>21</a:t>
+            </a:fld>
+            <a:endParaRPr kumimoji="0" lang="de-DE" sz="1200" b="0" i="0" u="none" strike="noStrike" kern="1200" cap="none" spc="0" normalizeH="0" baseline="0" noProof="0" dirty="0">
+              <a:ln>
+                <a:noFill/>
+              </a:ln>
+              <a:solidFill>
+                <a:prstClr val="black"/>
+              </a:solidFill>
+              <a:effectLst/>
+              <a:uLnTx/>
+              <a:uFillTx/>
+              <a:latin typeface="Calibri" panose="020F0502020204030204"/>
+              <a:ea typeface="+mn-ea"/>
+              <a:cs typeface="+mn-cs"/>
+            </a:endParaRPr>
+          </a:p>
+        </p:txBody>
+      </p:sp>
+    </p:spTree>
+    <p:extLst>
+      <p:ext uri="{BB962C8B-B14F-4D97-AF65-F5344CB8AC3E}">
+        <p14:creationId xmlns:p14="http://schemas.microsoft.com/office/powerpoint/2010/main" val="3594752663"/>
+      </p:ext>
+    </p:extLst>
+  </p:cSld>
+  <p:clrMapOvr>
+    <a:masterClrMapping/>
+  </p:clrMapOvr>
+</p:notes>
+</file>
+
+<file path=ppt/notesSlides/notesSlide16.xml><?xml version="1.0" encoding="utf-8"?>
+<p:notes xmlns:a="http://schemas.openxmlformats.org/drawingml/2006/main" xmlns:r="http://schemas.openxmlformats.org/officeDocument/2006/relationships" xmlns:p="http://schemas.openxmlformats.org/presentationml/2006/main">
+  <p:cSld>
+    <p:spTree>
+      <p:nvGrpSpPr>
+        <p:cNvPr id="1" name=""/>
+        <p:cNvGrpSpPr/>
+        <p:nvPr/>
+      </p:nvGrpSpPr>
+      <p:grpSpPr>
+        <a:xfrm>
+          <a:off x="0" y="0"/>
+          <a:ext cx="0" cy="0"/>
+          <a:chOff x="0" y="0"/>
+          <a:chExt cx="0" cy="0"/>
+        </a:xfrm>
+      </p:grpSpPr>
+      <p:sp>
+        <p:nvSpPr>
+          <p:cNvPr id="2" name="Folienbildplatzhalter 1"/>
+          <p:cNvSpPr>
+            <a:spLocks noGrp="1" noRot="1" noChangeAspect="1"/>
+          </p:cNvSpPr>
+          <p:nvPr>
+            <p:ph type="sldImg"/>
+          </p:nvPr>
+        </p:nvSpPr>
+        <p:spPr>
+          <a:xfrm>
+            <a:off x="685800" y="1143000"/>
+            <a:ext cx="5486400" cy="3086100"/>
+          </a:xfrm>
+        </p:spPr>
+      </p:sp>
+      <p:sp>
+        <p:nvSpPr>
+          <p:cNvPr id="3" name="Notizenplatzhalter 2"/>
+          <p:cNvSpPr>
+            <a:spLocks noGrp="1"/>
+          </p:cNvSpPr>
+          <p:nvPr>
+            <p:ph type="body" idx="1"/>
+          </p:nvPr>
+        </p:nvSpPr>
+        <p:spPr/>
+        <p:txBody>
+          <a:bodyPr/>
+          <a:lstStyle/>
+          <a:p>
             <a:endParaRPr lang="de-DE"/>
           </a:p>
         </p:txBody>
@@ -1393,7 +1698,7 @@
             <a:fld id="{0B4E03F4-693C-45B2-A7AD-D1F8CFC3F73E}" type="slidenum">
               <a:rPr lang="de-DE" smtClean="0"/>
               <a:pPr algn="ctr"/>
-              <a:t>15</a:t>
+              <a:t>22</a:t>
             </a:fld>
             <a:endParaRPr lang="de-DE" dirty="0"/>
           </a:p>
@@ -6172,7 +6477,7 @@
             </a:pPr>
             <a:r>
               <a:rPr lang="de-DE" dirty="0"/>
-              <a:t>Lösungsansatz hier (vermutlich) die Verwendung eines diversifizierten Trainingssatzes</a:t>
+              <a:t>Lösungsansatz ist hier (vermutlich) die Verwendung eines diversifizierten Trainingssatzes</a:t>
             </a:r>
           </a:p>
         </p:txBody>
@@ -6302,7 +6607,7 @@
           <a:p>
             <a:r>
               <a:rPr lang="de-DE" dirty="0"/>
-              <a:t>Wie können diese Prinzipien in einer KI explizit implementiert werden ?</a:t>
+              <a:t>Wie können diese Prinzipien in einem KI-System als explizite Richtlinien und Regeln umgesetzt werden ?</a:t>
             </a:r>
           </a:p>
           <a:p>
@@ -6320,7 +6625,7 @@
           <a:p>
             <a:r>
               <a:rPr lang="de-DE" dirty="0"/>
-              <a:t>Gibt es Probleme und Risiken die unlösbar sind ?</a:t>
+              <a:t>Was sind Chancen und Risiken ?</a:t>
             </a:r>
           </a:p>
         </p:txBody>
@@ -6360,7 +6665,7 @@
           <p:cNvPr id="2" name="Titel 1">
             <a:extLst>
               <a:ext uri="{FF2B5EF4-FFF2-40B4-BE49-F238E27FC236}">
-                <a16:creationId xmlns:a16="http://schemas.microsoft.com/office/drawing/2014/main" id="{BFE782F4-7D8A-4E23-A78C-2C1726466768}"/>
+                <a16:creationId xmlns:a16="http://schemas.microsoft.com/office/drawing/2014/main" id="{2829282F-D05E-4895-870D-A31523A653C8}"/>
               </a:ext>
             </a:extLst>
           </p:cNvPr>
@@ -6371,14 +6676,35 @@
             <p:ph type="title"/>
           </p:nvPr>
         </p:nvSpPr>
-        <p:spPr/>
-        <p:txBody>
-          <a:bodyPr/>
-          <a:lstStyle/>
-          <a:p>
-            <a:r>
-              <a:rPr lang="de-DE" dirty="0"/>
-              <a:t>Quellen</a:t>
+        <p:spPr>
+          <a:xfrm>
+            <a:off x="838200" y="461379"/>
+            <a:ext cx="10515600" cy="1325563"/>
+          </a:xfrm>
+        </p:spPr>
+        <p:txBody>
+          <a:bodyPr/>
+          <a:lstStyle/>
+          <a:p>
+            <a:r>
+              <a:rPr lang="de-DE" dirty="0"/>
+              <a:t>Framework </a:t>
+            </a:r>
+            <a:r>
+              <a:rPr lang="de-DE" dirty="0" err="1"/>
+              <a:t>for</a:t>
+            </a:r>
+            <a:r>
+              <a:rPr lang="de-DE" dirty="0"/>
+              <a:t> </a:t>
+            </a:r>
+            <a:r>
+              <a:rPr lang="de-DE" dirty="0" err="1"/>
+              <a:t>Trustworthy</a:t>
+            </a:r>
+            <a:r>
+              <a:rPr lang="de-DE" dirty="0"/>
+              <a:t> AI</a:t>
             </a:r>
           </a:p>
         </p:txBody>
@@ -6388,7 +6714,7 @@
           <p:cNvPr id="3" name="Inhaltsplatzhalter 2">
             <a:extLst>
               <a:ext uri="{FF2B5EF4-FFF2-40B4-BE49-F238E27FC236}">
-                <a16:creationId xmlns:a16="http://schemas.microsoft.com/office/drawing/2014/main" id="{3C0DA323-2E8B-45E3-B6E8-079BE6C49975}"/>
+                <a16:creationId xmlns:a16="http://schemas.microsoft.com/office/drawing/2014/main" id="{20107F49-CFBB-407B-B42A-15FE989CEABC}"/>
               </a:ext>
             </a:extLst>
           </p:cNvPr>
@@ -6399,132 +6725,333 @@
             <p:ph idx="1"/>
           </p:nvPr>
         </p:nvSpPr>
-        <p:spPr/>
-        <p:txBody>
-          <a:bodyPr>
-            <a:normAutofit/>
-          </a:bodyPr>
-          <a:lstStyle/>
-          <a:p>
-            <a:endParaRPr lang="de-DE" sz="1600" dirty="0"/>
-          </a:p>
-          <a:p>
-            <a:r>
-              <a:rPr lang="de-DE" sz="1600" b="1" dirty="0">
-                <a:hlinkClick r:id="rId3"/>
-              </a:rPr>
-              <a:t>https://ec.europa.eu/futurium/en/ai-alliance-consultation/guidelines#Top</a:t>
-            </a:r>
-            <a:endParaRPr lang="de-DE" sz="1600" b="1" dirty="0"/>
-          </a:p>
-          <a:p>
-            <a:r>
-              <a:rPr lang="de-DE" sz="1600" b="1" dirty="0" err="1"/>
-              <a:t>Artificial</a:t>
-            </a:r>
-            <a:r>
-              <a:rPr lang="de-DE" sz="1600" b="1" dirty="0"/>
+        <p:spPr>
+          <a:xfrm>
+            <a:off x="838200" y="1825625"/>
+            <a:ext cx="10515600" cy="4351338"/>
+          </a:xfrm>
+        </p:spPr>
+        <p:txBody>
+          <a:bodyPr/>
+          <a:lstStyle/>
+          <a:p>
+            <a:r>
+              <a:rPr lang="de-DE" dirty="0"/>
+              <a:t>Entworfen durch die „</a:t>
+            </a:r>
+            <a:r>
+              <a:rPr lang="en-US" dirty="0"/>
+              <a:t>High-Level Expert Group on AI (AI HLEG)” </a:t>
+            </a:r>
+            <a:r>
+              <a:rPr lang="en-US" dirty="0" err="1"/>
+              <a:t>eingesetzt</a:t>
+            </a:r>
+            <a:r>
+              <a:rPr lang="en-US" dirty="0"/>
+              <a:t> von der </a:t>
+            </a:r>
+            <a:r>
+              <a:rPr lang="en-US" dirty="0" err="1"/>
+              <a:t>europäischen</a:t>
+            </a:r>
+            <a:r>
+              <a:rPr lang="en-US" dirty="0"/>
               <a:t> </a:t>
             </a:r>
             <a:r>
-              <a:rPr lang="de-DE" sz="1600" b="1" dirty="0" err="1"/>
-              <a:t>Intelligence</a:t>
-            </a:r>
-            <a:r>
-              <a:rPr lang="de-DE" sz="1600" b="1" dirty="0"/>
-              <a:t> in Society : OECD </a:t>
-            </a:r>
-          </a:p>
-          <a:p>
-            <a:r>
-              <a:rPr lang="de-DE" sz="1600" b="1" dirty="0"/>
-              <a:t>ETHICS GUIDELINES FOR TRUSTWORTHY AI : European </a:t>
-            </a:r>
-            <a:r>
-              <a:rPr lang="de-DE" sz="1600" b="1" dirty="0" err="1"/>
-              <a:t>Commission</a:t>
-            </a:r>
-            <a:endParaRPr lang="de-DE" sz="1600" b="1" dirty="0"/>
-          </a:p>
-          <a:p>
-            <a:r>
-              <a:rPr lang="de-DE" sz="1600" b="1"/>
-              <a:t>AI4People’s-Ethical-Framework-for-a-Good-AI-Society : </a:t>
-            </a:r>
-            <a:r>
-              <a:rPr lang="de-DE" sz="1600" b="1" dirty="0"/>
-              <a:t>Atomium-EISMD</a:t>
-            </a:r>
-          </a:p>
-          <a:p>
-            <a:r>
-              <a:rPr lang="de-DE" sz="1600" b="1" dirty="0">
-                <a:hlinkClick r:id="rId4"/>
-              </a:rPr>
-              <a:t>https://deepmind.com/about/ethics-and-society</a:t>
-            </a:r>
-            <a:endParaRPr lang="de-DE" sz="1600" b="1" dirty="0"/>
-          </a:p>
-          <a:p>
-            <a:r>
-              <a:rPr lang="de-DE" sz="1600" b="1" dirty="0">
-                <a:hlinkClick r:id="rId5"/>
-              </a:rPr>
-              <a:t>https://news.microsoft.com/de-de/ethik-prinzipien-kuenstliche-intelligenz/</a:t>
-            </a:r>
-            <a:endParaRPr lang="de-DE" sz="1600" b="1" dirty="0"/>
-          </a:p>
-          <a:p>
-            <a:r>
-              <a:rPr lang="de-DE" sz="1600" b="1" dirty="0">
-                <a:hlinkClick r:id="rId6"/>
-              </a:rPr>
-              <a:t>https://www.research.ibm.com/5-in-5/ai-and-bias/</a:t>
-            </a:r>
-            <a:endParaRPr lang="de-DE" sz="1600" b="1" dirty="0"/>
-          </a:p>
-          <a:p>
-            <a:r>
-              <a:rPr lang="de-DE" sz="1600" b="1" dirty="0">
-                <a:hlinkClick r:id="rId7"/>
-              </a:rPr>
-              <a:t>https://www.elektroniknet.de/elektronik/neo/ethik-trifft-kuenstliche-intelligenz-169943.html</a:t>
-            </a:r>
-            <a:endParaRPr lang="de-DE" sz="1600" b="1" dirty="0"/>
-          </a:p>
-          <a:p>
-            <a:r>
-              <a:rPr lang="de-DE" sz="1600" b="1" dirty="0">
-                <a:hlinkClick r:id="rId8"/>
-              </a:rPr>
-              <a:t>https://time.com/5520558/artificial-intelligence-racial-gender-bias/</a:t>
-            </a:r>
-            <a:endParaRPr lang="de-DE" sz="1600" b="1" dirty="0"/>
-          </a:p>
-          <a:p>
-            <a:r>
-              <a:rPr lang="de-DE" sz="1600" b="1" dirty="0">
-                <a:hlinkClick r:id="rId9"/>
-              </a:rPr>
-              <a:t>https://www.newscientist.com/article/2166207-discriminating-algorithms-5-times-ai-showed-prejudice/</a:t>
-            </a:r>
-            <a:endParaRPr lang="de-DE" sz="1600" b="1" dirty="0"/>
-          </a:p>
-          <a:p>
-            <a:r>
-              <a:rPr lang="de-DE" sz="1600" b="1" dirty="0">
-                <a:hlinkClick r:id="rId10"/>
-              </a:rPr>
-              <a:t>http://moralmachine.mit.edu/hl/de</a:t>
-            </a:r>
-            <a:endParaRPr lang="de-DE" sz="1600" b="1" dirty="0"/>
+              <a:rPr lang="en-US" dirty="0" err="1"/>
+              <a:t>Kommission</a:t>
+            </a:r>
+            <a:r>
+              <a:rPr lang="en-US" dirty="0"/>
+              <a:t> </a:t>
+            </a:r>
+          </a:p>
+          <a:p>
+            <a:endParaRPr lang="en-US" dirty="0"/>
+          </a:p>
+          <a:p>
+            <a:r>
+              <a:rPr lang="de-DE" dirty="0"/>
+              <a:t>Framework basierend auf fundamentalen Rechten aus der EU Charter und der UN-Resolution 217(Allgemeine Erklärung der Menschenrechte)</a:t>
+            </a:r>
+          </a:p>
+          <a:p>
+            <a:endParaRPr lang="de-DE" dirty="0"/>
+          </a:p>
+          <a:p>
+            <a:pPr marL="0" indent="0">
+              <a:buNone/>
+            </a:pPr>
+            <a:endParaRPr lang="de-DE" dirty="0"/>
           </a:p>
         </p:txBody>
       </p:sp>
     </p:spTree>
     <p:extLst>
       <p:ext uri="{BB962C8B-B14F-4D97-AF65-F5344CB8AC3E}">
-        <p14:creationId xmlns:p14="http://schemas.microsoft.com/office/powerpoint/2010/main" val="462788"/>
+        <p14:creationId xmlns:p14="http://schemas.microsoft.com/office/powerpoint/2010/main" val="1706823640"/>
+      </p:ext>
+    </p:extLst>
+  </p:cSld>
+  <p:clrMapOvr>
+    <a:masterClrMapping/>
+  </p:clrMapOvr>
+</p:sld>
+</file>
+
+<file path=ppt/slides/slide16.xml><?xml version="1.0" encoding="utf-8"?>
+<p:sld xmlns:a="http://schemas.openxmlformats.org/drawingml/2006/main" xmlns:r="http://schemas.openxmlformats.org/officeDocument/2006/relationships" xmlns:p="http://schemas.openxmlformats.org/presentationml/2006/main">
+  <p:cSld>
+    <p:spTree>
+      <p:nvGrpSpPr>
+        <p:cNvPr id="1" name=""/>
+        <p:cNvGrpSpPr/>
+        <p:nvPr/>
+      </p:nvGrpSpPr>
+      <p:grpSpPr>
+        <a:xfrm>
+          <a:off x="0" y="0"/>
+          <a:ext cx="0" cy="0"/>
+          <a:chOff x="0" y="0"/>
+          <a:chExt cx="0" cy="0"/>
+        </a:xfrm>
+      </p:grpSpPr>
+      <p:pic>
+        <p:nvPicPr>
+          <p:cNvPr id="5" name="Grafik 4">
+            <a:extLst>
+              <a:ext uri="{FF2B5EF4-FFF2-40B4-BE49-F238E27FC236}">
+                <a16:creationId xmlns:a16="http://schemas.microsoft.com/office/drawing/2014/main" id="{3562E66D-A0EF-4AC6-9879-75EDA4165195}"/>
+              </a:ext>
+            </a:extLst>
+          </p:cNvPr>
+          <p:cNvPicPr>
+            <a:picLocks noChangeAspect="1"/>
+          </p:cNvPicPr>
+          <p:nvPr/>
+        </p:nvPicPr>
+        <p:blipFill rotWithShape="1">
+          <a:blip r:embed="rId2">
+            <a:extLst>
+              <a:ext uri="{28A0092B-C50C-407E-A947-70E740481C1C}">
+                <a14:useLocalDpi xmlns:a14="http://schemas.microsoft.com/office/drawing/2010/main" val="0"/>
+              </a:ext>
+            </a:extLst>
+          </a:blip>
+          <a:srcRect b="70901"/>
+          <a:stretch/>
+        </p:blipFill>
+        <p:spPr>
+          <a:xfrm>
+            <a:off x="2109536" y="868277"/>
+            <a:ext cx="7274161" cy="1697370"/>
+          </a:xfrm>
+          <a:prstGeom prst="rect">
+            <a:avLst/>
+          </a:prstGeom>
+        </p:spPr>
+      </p:pic>
+    </p:spTree>
+    <p:extLst>
+      <p:ext uri="{BB962C8B-B14F-4D97-AF65-F5344CB8AC3E}">
+        <p14:creationId xmlns:p14="http://schemas.microsoft.com/office/powerpoint/2010/main" val="235932386"/>
+      </p:ext>
+    </p:extLst>
+  </p:cSld>
+  <p:clrMapOvr>
+    <a:masterClrMapping/>
+  </p:clrMapOvr>
+</p:sld>
+</file>
+
+<file path=ppt/slides/slide17.xml><?xml version="1.0" encoding="utf-8"?>
+<p:sld xmlns:a="http://schemas.openxmlformats.org/drawingml/2006/main" xmlns:r="http://schemas.openxmlformats.org/officeDocument/2006/relationships" xmlns:p="http://schemas.openxmlformats.org/presentationml/2006/main">
+  <p:cSld>
+    <p:spTree>
+      <p:nvGrpSpPr>
+        <p:cNvPr id="1" name=""/>
+        <p:cNvGrpSpPr/>
+        <p:nvPr/>
+      </p:nvGrpSpPr>
+      <p:grpSpPr>
+        <a:xfrm>
+          <a:off x="0" y="0"/>
+          <a:ext cx="0" cy="0"/>
+          <a:chOff x="0" y="0"/>
+          <a:chExt cx="0" cy="0"/>
+        </a:xfrm>
+      </p:grpSpPr>
+      <p:pic>
+        <p:nvPicPr>
+          <p:cNvPr id="5" name="Grafik 4">
+            <a:extLst>
+              <a:ext uri="{FF2B5EF4-FFF2-40B4-BE49-F238E27FC236}">
+                <a16:creationId xmlns:a16="http://schemas.microsoft.com/office/drawing/2014/main" id="{3562E66D-A0EF-4AC6-9879-75EDA4165195}"/>
+              </a:ext>
+            </a:extLst>
+          </p:cNvPr>
+          <p:cNvPicPr>
+            <a:picLocks noChangeAspect="1"/>
+          </p:cNvPicPr>
+          <p:nvPr/>
+        </p:nvPicPr>
+        <p:blipFill rotWithShape="1">
+          <a:blip r:embed="rId2">
+            <a:extLst>
+              <a:ext uri="{28A0092B-C50C-407E-A947-70E740481C1C}">
+                <a14:useLocalDpi xmlns:a14="http://schemas.microsoft.com/office/drawing/2010/main" val="0"/>
+              </a:ext>
+            </a:extLst>
+          </a:blip>
+          <a:srcRect b="50354"/>
+          <a:stretch/>
+        </p:blipFill>
+        <p:spPr>
+          <a:xfrm>
+            <a:off x="2109536" y="868277"/>
+            <a:ext cx="7274161" cy="2895855"/>
+          </a:xfrm>
+          <a:prstGeom prst="rect">
+            <a:avLst/>
+          </a:prstGeom>
+        </p:spPr>
+      </p:pic>
+    </p:spTree>
+    <p:extLst>
+      <p:ext uri="{BB962C8B-B14F-4D97-AF65-F5344CB8AC3E}">
+        <p14:creationId xmlns:p14="http://schemas.microsoft.com/office/powerpoint/2010/main" val="1460081809"/>
+      </p:ext>
+    </p:extLst>
+  </p:cSld>
+  <p:clrMapOvr>
+    <a:masterClrMapping/>
+  </p:clrMapOvr>
+</p:sld>
+</file>
+
+<file path=ppt/slides/slide18.xml><?xml version="1.0" encoding="utf-8"?>
+<p:sld xmlns:a="http://schemas.openxmlformats.org/drawingml/2006/main" xmlns:r="http://schemas.openxmlformats.org/officeDocument/2006/relationships" xmlns:p="http://schemas.openxmlformats.org/presentationml/2006/main">
+  <p:cSld>
+    <p:spTree>
+      <p:nvGrpSpPr>
+        <p:cNvPr id="1" name=""/>
+        <p:cNvGrpSpPr/>
+        <p:nvPr/>
+      </p:nvGrpSpPr>
+      <p:grpSpPr>
+        <a:xfrm>
+          <a:off x="0" y="0"/>
+          <a:ext cx="0" cy="0"/>
+          <a:chOff x="0" y="0"/>
+          <a:chExt cx="0" cy="0"/>
+        </a:xfrm>
+      </p:grpSpPr>
+      <p:pic>
+        <p:nvPicPr>
+          <p:cNvPr id="5" name="Grafik 4">
+            <a:extLst>
+              <a:ext uri="{FF2B5EF4-FFF2-40B4-BE49-F238E27FC236}">
+                <a16:creationId xmlns:a16="http://schemas.microsoft.com/office/drawing/2014/main" id="{3562E66D-A0EF-4AC6-9879-75EDA4165195}"/>
+              </a:ext>
+            </a:extLst>
+          </p:cNvPr>
+          <p:cNvPicPr>
+            <a:picLocks noChangeAspect="1"/>
+          </p:cNvPicPr>
+          <p:nvPr/>
+        </p:nvPicPr>
+        <p:blipFill rotWithShape="1">
+          <a:blip r:embed="rId2">
+            <a:extLst>
+              <a:ext uri="{28A0092B-C50C-407E-A947-70E740481C1C}">
+                <a14:useLocalDpi xmlns:a14="http://schemas.microsoft.com/office/drawing/2010/main" val="0"/>
+              </a:ext>
+            </a:extLst>
+          </a:blip>
+          <a:srcRect b="15045"/>
+          <a:stretch/>
+        </p:blipFill>
+        <p:spPr>
+          <a:xfrm>
+            <a:off x="2109536" y="868277"/>
+            <a:ext cx="7274161" cy="4955474"/>
+          </a:xfrm>
+          <a:prstGeom prst="rect">
+            <a:avLst/>
+          </a:prstGeom>
+        </p:spPr>
+      </p:pic>
+    </p:spTree>
+    <p:extLst>
+      <p:ext uri="{BB962C8B-B14F-4D97-AF65-F5344CB8AC3E}">
+        <p14:creationId xmlns:p14="http://schemas.microsoft.com/office/powerpoint/2010/main" val="1856411680"/>
+      </p:ext>
+    </p:extLst>
+  </p:cSld>
+  <p:clrMapOvr>
+    <a:masterClrMapping/>
+  </p:clrMapOvr>
+</p:sld>
+</file>
+
+<file path=ppt/slides/slide19.xml><?xml version="1.0" encoding="utf-8"?>
+<p:sld xmlns:a="http://schemas.openxmlformats.org/drawingml/2006/main" xmlns:r="http://schemas.openxmlformats.org/officeDocument/2006/relationships" xmlns:p="http://schemas.openxmlformats.org/presentationml/2006/main">
+  <p:cSld>
+    <p:spTree>
+      <p:nvGrpSpPr>
+        <p:cNvPr id="1" name=""/>
+        <p:cNvGrpSpPr/>
+        <p:nvPr/>
+      </p:nvGrpSpPr>
+      <p:grpSpPr>
+        <a:xfrm>
+          <a:off x="0" y="0"/>
+          <a:ext cx="0" cy="0"/>
+          <a:chOff x="0" y="0"/>
+          <a:chExt cx="0" cy="0"/>
+        </a:xfrm>
+      </p:grpSpPr>
+      <p:pic>
+        <p:nvPicPr>
+          <p:cNvPr id="5" name="Grafik 4">
+            <a:extLst>
+              <a:ext uri="{FF2B5EF4-FFF2-40B4-BE49-F238E27FC236}">
+                <a16:creationId xmlns:a16="http://schemas.microsoft.com/office/drawing/2014/main" id="{3562E66D-A0EF-4AC6-9879-75EDA4165195}"/>
+              </a:ext>
+            </a:extLst>
+          </p:cNvPr>
+          <p:cNvPicPr>
+            <a:picLocks noChangeAspect="1"/>
+          </p:cNvPicPr>
+          <p:nvPr/>
+        </p:nvPicPr>
+        <p:blipFill>
+          <a:blip r:embed="rId2">
+            <a:extLst>
+              <a:ext uri="{28A0092B-C50C-407E-A947-70E740481C1C}">
+                <a14:useLocalDpi xmlns:a14="http://schemas.microsoft.com/office/drawing/2010/main" val="0"/>
+              </a:ext>
+            </a:extLst>
+          </a:blip>
+          <a:srcRect/>
+          <a:stretch/>
+        </p:blipFill>
+        <p:spPr>
+          <a:xfrm>
+            <a:off x="2109536" y="868277"/>
+            <a:ext cx="7274161" cy="5833054"/>
+          </a:xfrm>
+          <a:prstGeom prst="rect">
+            <a:avLst/>
+          </a:prstGeom>
+        </p:spPr>
+      </p:pic>
+    </p:spTree>
+    <p:extLst>
+      <p:ext uri="{BB962C8B-B14F-4D97-AF65-F5344CB8AC3E}">
+        <p14:creationId xmlns:p14="http://schemas.microsoft.com/office/powerpoint/2010/main" val="4250791321"/>
       </p:ext>
     </p:extLst>
   </p:cSld>
@@ -6627,7 +7154,7 @@
             </a:pPr>
             <a:r>
               <a:rPr lang="de-DE" sz="2400" dirty="0"/>
-              <a:t>Einleitung -&gt; 3-5 min (mit konkreten Beispiel überraschend)</a:t>
+              <a:t>Einleitung </a:t>
             </a:r>
           </a:p>
           <a:p>
@@ -6636,7 +7163,7 @@
             </a:pPr>
             <a:r>
               <a:rPr lang="de-DE" sz="2400" dirty="0"/>
-              <a:t>Ethische Richtlinien für eine vertrauenswürde KI -&gt; 5 - 7 min(Ein Konzept erläutern, Vergleiche mit anderen bei Unterschieden)</a:t>
+              <a:t>Ethische Richtlinien für eine vertrauenswürde KI </a:t>
             </a:r>
           </a:p>
           <a:p>
@@ -6645,7 +7172,7 @@
             </a:pPr>
             <a:r>
               <a:rPr lang="de-DE" sz="2400" dirty="0"/>
-              <a:t>Das Thema Ethik in der KI in Unternehmen und der Wissenschaft -&gt; 5-7 min</a:t>
+              <a:t>Ethik in der KI in Unternehmen und der Wissenschaft</a:t>
             </a:r>
           </a:p>
           <a:p>
@@ -6654,7 +7181,7 @@
             </a:pPr>
             <a:r>
               <a:rPr lang="de-DE" sz="2400" dirty="0"/>
-              <a:t>Beispiele für ethische Probleme mit KI-Systemen -&gt; 3-5 min</a:t>
+              <a:t>Beispiele für ethische Probleme mit KI-Systemen</a:t>
             </a:r>
           </a:p>
           <a:p>
@@ -6669,10 +7196,7 @@
               <a:rPr lang="de-DE" sz="2400" dirty="0" err="1"/>
               <a:t>Machine</a:t>
             </a:r>
-            <a:r>
-              <a:rPr lang="de-DE" sz="2400" dirty="0"/>
-              <a:t> -&gt; 5 min</a:t>
-            </a:r>
+            <a:endParaRPr lang="de-DE" sz="2400" dirty="0"/>
           </a:p>
         </p:txBody>
       </p:sp>
@@ -6680,6 +7204,394 @@
     <p:extLst>
       <p:ext uri="{BB962C8B-B14F-4D97-AF65-F5344CB8AC3E}">
         <p14:creationId xmlns:p14="http://schemas.microsoft.com/office/powerpoint/2010/main" val="2990007432"/>
+      </p:ext>
+    </p:extLst>
+  </p:cSld>
+  <p:clrMapOvr>
+    <a:masterClrMapping/>
+  </p:clrMapOvr>
+</p:sld>
+</file>
+
+<file path=ppt/slides/slide20.xml><?xml version="1.0" encoding="utf-8"?>
+<p:sld xmlns:a="http://schemas.openxmlformats.org/drawingml/2006/main" xmlns:r="http://schemas.openxmlformats.org/officeDocument/2006/relationships" xmlns:p="http://schemas.openxmlformats.org/presentationml/2006/main">
+  <p:cSld>
+    <p:spTree>
+      <p:nvGrpSpPr>
+        <p:cNvPr id="1" name=""/>
+        <p:cNvGrpSpPr/>
+        <p:nvPr/>
+      </p:nvGrpSpPr>
+      <p:grpSpPr>
+        <a:xfrm>
+          <a:off x="0" y="0"/>
+          <a:ext cx="0" cy="0"/>
+          <a:chOff x="0" y="0"/>
+          <a:chExt cx="0" cy="0"/>
+        </a:xfrm>
+      </p:grpSpPr>
+      <p:sp>
+        <p:nvSpPr>
+          <p:cNvPr id="2" name="Titel 1">
+            <a:extLst>
+              <a:ext uri="{FF2B5EF4-FFF2-40B4-BE49-F238E27FC236}">
+                <a16:creationId xmlns:a16="http://schemas.microsoft.com/office/drawing/2014/main" id="{4A661E9F-83D9-4D9E-9ADC-73B1B73453E6}"/>
+              </a:ext>
+            </a:extLst>
+          </p:cNvPr>
+          <p:cNvSpPr>
+            <a:spLocks noGrp="1"/>
+          </p:cNvSpPr>
+          <p:nvPr>
+            <p:ph type="title"/>
+          </p:nvPr>
+        </p:nvSpPr>
+        <p:spPr/>
+        <p:txBody>
+          <a:bodyPr/>
+          <a:lstStyle/>
+          <a:p>
+            <a:r>
+              <a:rPr lang="de-DE" dirty="0"/>
+              <a:t>Ethik für die KI in Unternehmen und der Wissenschaft</a:t>
+            </a:r>
+          </a:p>
+        </p:txBody>
+      </p:sp>
+    </p:spTree>
+    <p:extLst>
+      <p:ext uri="{BB962C8B-B14F-4D97-AF65-F5344CB8AC3E}">
+        <p14:creationId xmlns:p14="http://schemas.microsoft.com/office/powerpoint/2010/main" val="3534936280"/>
+      </p:ext>
+    </p:extLst>
+  </p:cSld>
+  <p:clrMapOvr>
+    <a:masterClrMapping/>
+  </p:clrMapOvr>
+</p:sld>
+</file>
+
+<file path=ppt/slides/slide21.xml><?xml version="1.0" encoding="utf-8"?>
+<p:sld xmlns:a="http://schemas.openxmlformats.org/drawingml/2006/main" xmlns:r="http://schemas.openxmlformats.org/officeDocument/2006/relationships" xmlns:p="http://schemas.openxmlformats.org/presentationml/2006/main">
+  <p:cSld>
+    <p:spTree>
+      <p:nvGrpSpPr>
+        <p:cNvPr id="1" name=""/>
+        <p:cNvGrpSpPr/>
+        <p:nvPr/>
+      </p:nvGrpSpPr>
+      <p:grpSpPr>
+        <a:xfrm>
+          <a:off x="0" y="0"/>
+          <a:ext cx="0" cy="0"/>
+          <a:chOff x="0" y="0"/>
+          <a:chExt cx="0" cy="0"/>
+        </a:xfrm>
+      </p:grpSpPr>
+      <p:sp>
+        <p:nvSpPr>
+          <p:cNvPr id="3" name="Inhaltsplatzhalter 2">
+            <a:extLst>
+              <a:ext uri="{FF2B5EF4-FFF2-40B4-BE49-F238E27FC236}">
+                <a16:creationId xmlns:a16="http://schemas.microsoft.com/office/drawing/2014/main" id="{A95D0C09-CE64-40B8-BAF1-99FA0A0026CB}"/>
+              </a:ext>
+            </a:extLst>
+          </p:cNvPr>
+          <p:cNvSpPr>
+            <a:spLocks noGrp="1"/>
+          </p:cNvSpPr>
+          <p:nvPr>
+            <p:ph idx="1"/>
+          </p:nvPr>
+        </p:nvSpPr>
+        <p:spPr>
+          <a:xfrm>
+            <a:off x="838200" y="1825625"/>
+            <a:ext cx="10697308" cy="4351338"/>
+          </a:xfrm>
+        </p:spPr>
+        <p:txBody>
+          <a:bodyPr/>
+          <a:lstStyle/>
+          <a:p>
+            <a:r>
+              <a:rPr lang="de-DE" dirty="0"/>
+              <a:t>Die TUM hat das „TUM Institute </a:t>
+            </a:r>
+            <a:r>
+              <a:rPr lang="de-DE" dirty="0" err="1"/>
+              <a:t>for</a:t>
+            </a:r>
+            <a:r>
+              <a:rPr lang="de-DE" dirty="0"/>
+              <a:t> </a:t>
+            </a:r>
+            <a:r>
+              <a:rPr lang="de-DE" dirty="0" err="1"/>
+              <a:t>Ethics</a:t>
+            </a:r>
+            <a:r>
+              <a:rPr lang="de-DE" dirty="0"/>
+              <a:t>“ am 8. Oktober 2019 eröffnet</a:t>
+            </a:r>
+          </a:p>
+          <a:p>
+            <a:endParaRPr lang="de-DE" dirty="0"/>
+          </a:p>
+          <a:p>
+            <a:r>
+              <a:rPr lang="de-DE" dirty="0"/>
+              <a:t>Als Forschungsbereiche werden genannt:</a:t>
+            </a:r>
+          </a:p>
+          <a:p>
+            <a:pPr lvl="1"/>
+            <a:r>
+              <a:rPr lang="de-DE" dirty="0"/>
+              <a:t>Privatsphäre</a:t>
+            </a:r>
+          </a:p>
+          <a:p>
+            <a:pPr lvl="1"/>
+            <a:r>
+              <a:rPr lang="de-DE" dirty="0"/>
+              <a:t>Sicherheit</a:t>
+            </a:r>
+          </a:p>
+          <a:p>
+            <a:pPr lvl="1"/>
+            <a:r>
+              <a:rPr lang="de-DE" dirty="0"/>
+              <a:t>Ethik, Fairness und Vielfalt</a:t>
+            </a:r>
+          </a:p>
+          <a:p>
+            <a:pPr lvl="1"/>
+            <a:r>
+              <a:rPr lang="de-DE" dirty="0"/>
+              <a:t>Transparenz und Verantwortung</a:t>
+            </a:r>
+          </a:p>
+          <a:p>
+            <a:pPr lvl="1"/>
+            <a:r>
+              <a:rPr lang="de-DE" dirty="0"/>
+              <a:t>Kontrolle und Regulierung</a:t>
+            </a:r>
+          </a:p>
+          <a:p>
+            <a:pPr lvl="1"/>
+            <a:r>
+              <a:rPr lang="de-DE" dirty="0"/>
+              <a:t>…</a:t>
+            </a:r>
+          </a:p>
+          <a:p>
+            <a:pPr lvl="1"/>
+            <a:endParaRPr lang="de-DE" dirty="0"/>
+          </a:p>
+        </p:txBody>
+      </p:sp>
+    </p:spTree>
+    <p:extLst>
+      <p:ext uri="{BB962C8B-B14F-4D97-AF65-F5344CB8AC3E}">
+        <p14:creationId xmlns:p14="http://schemas.microsoft.com/office/powerpoint/2010/main" val="2168910227"/>
+      </p:ext>
+    </p:extLst>
+  </p:cSld>
+  <p:clrMapOvr>
+    <a:masterClrMapping/>
+  </p:clrMapOvr>
+</p:sld>
+</file>
+
+<file path=ppt/slides/slide22.xml><?xml version="1.0" encoding="utf-8"?>
+<p:sld xmlns:a="http://schemas.openxmlformats.org/drawingml/2006/main" xmlns:r="http://schemas.openxmlformats.org/officeDocument/2006/relationships" xmlns:p="http://schemas.openxmlformats.org/presentationml/2006/main">
+  <p:cSld>
+    <p:spTree>
+      <p:nvGrpSpPr>
+        <p:cNvPr id="1" name=""/>
+        <p:cNvGrpSpPr/>
+        <p:nvPr/>
+      </p:nvGrpSpPr>
+      <p:grpSpPr>
+        <a:xfrm>
+          <a:off x="0" y="0"/>
+          <a:ext cx="0" cy="0"/>
+          <a:chOff x="0" y="0"/>
+          <a:chExt cx="0" cy="0"/>
+        </a:xfrm>
+      </p:grpSpPr>
+      <p:sp>
+        <p:nvSpPr>
+          <p:cNvPr id="2" name="Titel 1">
+            <a:extLst>
+              <a:ext uri="{FF2B5EF4-FFF2-40B4-BE49-F238E27FC236}">
+                <a16:creationId xmlns:a16="http://schemas.microsoft.com/office/drawing/2014/main" id="{BFE782F4-7D8A-4E23-A78C-2C1726466768}"/>
+              </a:ext>
+            </a:extLst>
+          </p:cNvPr>
+          <p:cNvSpPr>
+            <a:spLocks noGrp="1"/>
+          </p:cNvSpPr>
+          <p:nvPr>
+            <p:ph type="title"/>
+          </p:nvPr>
+        </p:nvSpPr>
+        <p:spPr/>
+        <p:txBody>
+          <a:bodyPr/>
+          <a:lstStyle/>
+          <a:p>
+            <a:r>
+              <a:rPr lang="de-DE" dirty="0"/>
+              <a:t>Quellen</a:t>
+            </a:r>
+          </a:p>
+        </p:txBody>
+      </p:sp>
+      <p:sp>
+        <p:nvSpPr>
+          <p:cNvPr id="3" name="Inhaltsplatzhalter 2">
+            <a:extLst>
+              <a:ext uri="{FF2B5EF4-FFF2-40B4-BE49-F238E27FC236}">
+                <a16:creationId xmlns:a16="http://schemas.microsoft.com/office/drawing/2014/main" id="{3C0DA323-2E8B-45E3-B6E8-079BE6C49975}"/>
+              </a:ext>
+            </a:extLst>
+          </p:cNvPr>
+          <p:cNvSpPr>
+            <a:spLocks noGrp="1"/>
+          </p:cNvSpPr>
+          <p:nvPr>
+            <p:ph idx="1"/>
+          </p:nvPr>
+        </p:nvSpPr>
+        <p:spPr/>
+        <p:txBody>
+          <a:bodyPr>
+            <a:normAutofit/>
+          </a:bodyPr>
+          <a:lstStyle/>
+          <a:p>
+            <a:endParaRPr lang="de-DE" sz="1600" dirty="0"/>
+          </a:p>
+          <a:p>
+            <a:r>
+              <a:rPr lang="de-DE" sz="1600" b="1" dirty="0">
+                <a:hlinkClick r:id="rId3"/>
+              </a:rPr>
+              <a:t>https://ec.europa.eu/futurium/en/ai-alliance-consultation/guidelines#Top</a:t>
+            </a:r>
+            <a:endParaRPr lang="de-DE" sz="1600" b="1" dirty="0"/>
+          </a:p>
+          <a:p>
+            <a:r>
+              <a:rPr lang="de-DE" sz="1600" b="1" dirty="0" err="1"/>
+              <a:t>Artificial</a:t>
+            </a:r>
+            <a:r>
+              <a:rPr lang="de-DE" sz="1600" b="1" dirty="0"/>
+              <a:t> </a:t>
+            </a:r>
+            <a:r>
+              <a:rPr lang="de-DE" sz="1600" b="1" dirty="0" err="1"/>
+              <a:t>Intelligence</a:t>
+            </a:r>
+            <a:r>
+              <a:rPr lang="de-DE" sz="1600" b="1" dirty="0"/>
+              <a:t> in Society : OECD </a:t>
+            </a:r>
+          </a:p>
+          <a:p>
+            <a:r>
+              <a:rPr lang="de-DE" sz="1600" b="1" dirty="0"/>
+              <a:t>ETHICS GUIDELINES FOR TRUSTWORTHY AI : European </a:t>
+            </a:r>
+            <a:r>
+              <a:rPr lang="de-DE" sz="1600" b="1" dirty="0" err="1"/>
+              <a:t>Commission</a:t>
+            </a:r>
+            <a:endParaRPr lang="de-DE" sz="1600" b="1" dirty="0"/>
+          </a:p>
+          <a:p>
+            <a:r>
+              <a:rPr lang="de-DE" sz="1600" b="1"/>
+              <a:t>AI4People’s-Ethical-Framework-for-a-Good-AI-Society : </a:t>
+            </a:r>
+            <a:r>
+              <a:rPr lang="de-DE" sz="1600" b="1" dirty="0"/>
+              <a:t>Atomium-EISMD</a:t>
+            </a:r>
+          </a:p>
+          <a:p>
+            <a:r>
+              <a:rPr lang="de-DE" sz="1600" b="1" dirty="0">
+                <a:hlinkClick r:id="rId4"/>
+              </a:rPr>
+              <a:t>https://deepmind.com/about/ethics-and-society</a:t>
+            </a:r>
+            <a:endParaRPr lang="de-DE" sz="1600" b="1" dirty="0"/>
+          </a:p>
+          <a:p>
+            <a:r>
+              <a:rPr lang="de-DE" sz="1600" b="1" dirty="0">
+                <a:hlinkClick r:id="rId5"/>
+              </a:rPr>
+              <a:t>https://news.microsoft.com/de-de/ethik-prinzipien-kuenstliche-intelligenz/</a:t>
+            </a:r>
+            <a:endParaRPr lang="de-DE" sz="1600" b="1" dirty="0"/>
+          </a:p>
+          <a:p>
+            <a:r>
+              <a:rPr lang="de-DE" sz="1600" b="1" dirty="0">
+                <a:hlinkClick r:id="rId6"/>
+              </a:rPr>
+              <a:t>https://www.research.ibm.com/5-in-5/ai-and-bias/</a:t>
+            </a:r>
+            <a:endParaRPr lang="de-DE" sz="1600" b="1" dirty="0"/>
+          </a:p>
+          <a:p>
+            <a:r>
+              <a:rPr lang="de-DE" sz="1600" b="1" dirty="0">
+                <a:hlinkClick r:id="rId7"/>
+              </a:rPr>
+              <a:t>https://www.elektroniknet.de/elektronik/neo/ethik-trifft-kuenstliche-intelligenz-169943.html</a:t>
+            </a:r>
+            <a:endParaRPr lang="de-DE" sz="1600" b="1" dirty="0"/>
+          </a:p>
+          <a:p>
+            <a:r>
+              <a:rPr lang="de-DE" sz="1600" b="1" dirty="0">
+                <a:hlinkClick r:id="rId8"/>
+              </a:rPr>
+              <a:t>https://time.com/5520558/artificial-intelligence-racial-gender-bias/</a:t>
+            </a:r>
+            <a:endParaRPr lang="de-DE" sz="1600" b="1" dirty="0"/>
+          </a:p>
+          <a:p>
+            <a:r>
+              <a:rPr lang="de-DE" sz="1600" b="1" dirty="0">
+                <a:hlinkClick r:id="rId9"/>
+              </a:rPr>
+              <a:t>https://www.newscientist.com/article/2166207-discriminating-algorithms-5-times-ai-showed-prejudice/</a:t>
+            </a:r>
+            <a:endParaRPr lang="de-DE" sz="1600" b="1" dirty="0"/>
+          </a:p>
+          <a:p>
+            <a:r>
+              <a:rPr lang="de-DE" sz="1600" b="1" dirty="0">
+                <a:hlinkClick r:id="rId10"/>
+              </a:rPr>
+              <a:t>http://moralmachine.mit.edu/hl/de</a:t>
+            </a:r>
+            <a:endParaRPr lang="de-DE" sz="1600" b="1" dirty="0"/>
+          </a:p>
+        </p:txBody>
+      </p:sp>
+    </p:spTree>
+    <p:extLst>
+      <p:ext uri="{BB962C8B-B14F-4D97-AF65-F5344CB8AC3E}">
+        <p14:creationId xmlns:p14="http://schemas.microsoft.com/office/powerpoint/2010/main" val="462788"/>
       </p:ext>
     </p:extLst>
   </p:cSld>

--- a/Kognitive Systeme Vortrag/Ethics in AI.pptx
+++ b/Kognitive Systeme Vortrag/Ethics in AI.pptx
@@ -5,7 +5,7 @@
     <p:sldMasterId id="2147483660" r:id="rId1"/>
   </p:sldMasterIdLst>
   <p:notesMasterIdLst>
-    <p:notesMasterId r:id="rId24"/>
+    <p:notesMasterId r:id="rId27"/>
   </p:notesMasterIdLst>
   <p:sldIdLst>
     <p:sldId id="257" r:id="rId2"/>
@@ -29,7 +29,10 @@
     <p:sldId id="281" r:id="rId20"/>
     <p:sldId id="282" r:id="rId21"/>
     <p:sldId id="283" r:id="rId22"/>
-    <p:sldId id="263" r:id="rId23"/>
+    <p:sldId id="285" r:id="rId23"/>
+    <p:sldId id="286" r:id="rId24"/>
+    <p:sldId id="287" r:id="rId25"/>
+    <p:sldId id="263" r:id="rId26"/>
   </p:sldIdLst>
   <p:sldSz cx="12192000" cy="6858000"/>
   <p:notesSz cx="6858000" cy="9144000"/>
@@ -185,7 +188,7 @@
             </a:lvl1pPr>
           </a:lstStyle>
           <a:p>
-            <a:endParaRPr lang="de-DE"/>
+            <a:endParaRPr lang="de-DE" dirty="0"/>
           </a:p>
         </p:txBody>
       </p:sp>
@@ -218,9 +221,9 @@
           <a:p>
             <a:fld id="{E2367494-2034-4648-A566-44C19AD24298}" type="datetimeFigureOut">
               <a:rPr lang="de-DE" smtClean="0"/>
-              <a:t>27.11.2019</a:t>
+              <a:t>05.12.2019</a:t>
             </a:fld>
-            <a:endParaRPr lang="de-DE"/>
+            <a:endParaRPr lang="de-DE" dirty="0"/>
           </a:p>
         </p:txBody>
       </p:sp>
@@ -253,7 +256,7 @@
           <a:bodyPr vert="horz" lIns="91440" tIns="45720" rIns="91440" bIns="45720" rtlCol="0" anchor="ctr"/>
           <a:lstStyle/>
           <a:p>
-            <a:endParaRPr lang="de-DE"/>
+            <a:endParaRPr lang="de-DE" dirty="0"/>
           </a:p>
         </p:txBody>
       </p:sp>
@@ -343,7 +346,7 @@
             </a:lvl1pPr>
           </a:lstStyle>
           <a:p>
-            <a:endParaRPr lang="de-DE"/>
+            <a:endParaRPr lang="de-DE" dirty="0"/>
           </a:p>
         </p:txBody>
       </p:sp>
@@ -378,7 +381,7 @@
               <a:rPr lang="de-DE" smtClean="0"/>
               <a:t>‹Nr.›</a:t>
             </a:fld>
-            <a:endParaRPr lang="de-DE"/>
+            <a:endParaRPr lang="de-DE" dirty="0"/>
           </a:p>
         </p:txBody>
       </p:sp>
@@ -685,53 +688,13 @@
           <a:p>
             <a:r>
               <a:rPr lang="de-DE" dirty="0"/>
-              <a:t>Joy </a:t>
-            </a:r>
-            <a:r>
-              <a:rPr lang="de-DE" dirty="0" err="1"/>
-              <a:t>Buolamwini</a:t>
-            </a:r>
-            <a:r>
-              <a:rPr lang="de-DE" dirty="0"/>
-              <a:t> ist eine Informatikerin und ist die Gründerin der „</a:t>
-            </a:r>
-            <a:r>
-              <a:rPr lang="de-DE" dirty="0" err="1"/>
-              <a:t>Algorithmic</a:t>
-            </a:r>
-            <a:r>
-              <a:rPr lang="de-DE" dirty="0"/>
-              <a:t> </a:t>
-            </a:r>
-            <a:r>
-              <a:rPr lang="de-DE" dirty="0" err="1"/>
-              <a:t>justice</a:t>
-            </a:r>
-            <a:r>
-              <a:rPr lang="de-DE" dirty="0"/>
-              <a:t> </a:t>
-            </a:r>
-            <a:r>
-              <a:rPr lang="de-DE" dirty="0" err="1"/>
-              <a:t>league</a:t>
-            </a:r>
-            <a:r>
-              <a:rPr lang="de-DE" dirty="0"/>
-              <a:t>“.</a:t>
-            </a:r>
-          </a:p>
-          <a:p>
-            <a:r>
-              <a:rPr lang="de-DE" dirty="0"/>
-              <a:t>Durch Ihre Nachforschungen zu Gesichtsanalytischer KI entdeckte sie in KI Systemen, von großen Unternehmen wie Amazon und Microsoft, erhebliche Gender- und </a:t>
-            </a:r>
-            <a:r>
-              <a:rPr lang="de-DE" dirty="0" err="1"/>
-              <a:t>Racialbiases</a:t>
-            </a:r>
-            <a:r>
-              <a:rPr lang="de-DE" dirty="0"/>
-              <a:t>.</a:t>
+              <a:t>Joy Buolamwini ist eine Informatikerin und ist die Gründerin der „Algorithmic justice league“.</a:t>
+            </a:r>
+          </a:p>
+          <a:p>
+            <a:r>
+              <a:rPr lang="de-DE" dirty="0"/>
+              <a:t>Durch Ihre Nachforschungen zu Gesichtsanalytischer KI entdeckte sie in KI Systemen, von großen Unternehmen wie Amazon und Microsoft, erhebliche Gender- und Racialbiases.</a:t>
             </a:r>
           </a:p>
         </p:txBody>
@@ -883,53 +846,13 @@
           <a:p>
             <a:r>
               <a:rPr lang="de-DE" dirty="0"/>
-              <a:t>Joy </a:t>
-            </a:r>
-            <a:r>
-              <a:rPr lang="de-DE" dirty="0" err="1"/>
-              <a:t>Buolamwini</a:t>
-            </a:r>
-            <a:r>
-              <a:rPr lang="de-DE" dirty="0"/>
-              <a:t> ist eine Informatikerin und ist die Gründerin der „</a:t>
-            </a:r>
-            <a:r>
-              <a:rPr lang="de-DE" dirty="0" err="1"/>
-              <a:t>Algorithmic</a:t>
-            </a:r>
-            <a:r>
-              <a:rPr lang="de-DE" dirty="0"/>
-              <a:t> </a:t>
-            </a:r>
-            <a:r>
-              <a:rPr lang="de-DE" dirty="0" err="1"/>
-              <a:t>justice</a:t>
-            </a:r>
-            <a:r>
-              <a:rPr lang="de-DE" dirty="0"/>
-              <a:t> </a:t>
-            </a:r>
-            <a:r>
-              <a:rPr lang="de-DE" dirty="0" err="1"/>
-              <a:t>league</a:t>
-            </a:r>
-            <a:r>
-              <a:rPr lang="de-DE" dirty="0"/>
-              <a:t>“.</a:t>
-            </a:r>
-          </a:p>
-          <a:p>
-            <a:r>
-              <a:rPr lang="de-DE" dirty="0"/>
-              <a:t>Durch Ihre Nachforschungen zu Gesichtsanalytischer KI entdeckte sie in KI Systemen, von großen Unternehmen wie Amazon und Microsoft, erhebliche Gender- und </a:t>
-            </a:r>
-            <a:r>
-              <a:rPr lang="de-DE" dirty="0" err="1"/>
-              <a:t>Racialbiases</a:t>
-            </a:r>
-            <a:r>
-              <a:rPr lang="de-DE" dirty="0"/>
-              <a:t>.</a:t>
+              <a:t>Joy Buolamwini ist eine Informatikerin und ist die Gründerin der „Algorithmic justice league“.</a:t>
+            </a:r>
+          </a:p>
+          <a:p>
+            <a:r>
+              <a:rPr lang="de-DE" dirty="0"/>
+              <a:t>Durch Ihre Nachforschungen zu Gesichtsanalytischer KI entdeckte sie in KI Systemen, von großen Unternehmen wie Amazon und Microsoft, erhebliche Gender- und Racialbiases.</a:t>
             </a:r>
           </a:p>
         </p:txBody>
@@ -1675,7 +1598,7 @@
           <a:bodyPr/>
           <a:lstStyle/>
           <a:p>
-            <a:endParaRPr lang="de-DE"/>
+            <a:endParaRPr lang="de-DE" dirty="0"/>
           </a:p>
         </p:txBody>
       </p:sp>
@@ -1698,7 +1621,7 @@
             <a:fld id="{0B4E03F4-693C-45B2-A7AD-D1F8CFC3F73E}" type="slidenum">
               <a:rPr lang="de-DE" smtClean="0"/>
               <a:pPr algn="ctr"/>
-              <a:t>22</a:t>
+              <a:t>25</a:t>
             </a:fld>
             <a:endParaRPr lang="de-DE" dirty="0"/>
           </a:p>
@@ -2215,53 +2138,13 @@
           <a:p>
             <a:r>
               <a:rPr lang="de-DE" dirty="0"/>
-              <a:t>Joy </a:t>
-            </a:r>
-            <a:r>
-              <a:rPr lang="de-DE" dirty="0" err="1"/>
-              <a:t>Buolamwini</a:t>
-            </a:r>
-            <a:r>
-              <a:rPr lang="de-DE" dirty="0"/>
-              <a:t> ist eine Informatikerin und ist die Gründerin der „</a:t>
-            </a:r>
-            <a:r>
-              <a:rPr lang="de-DE" dirty="0" err="1"/>
-              <a:t>Algorithmic</a:t>
-            </a:r>
-            <a:r>
-              <a:rPr lang="de-DE" dirty="0"/>
-              <a:t> </a:t>
-            </a:r>
-            <a:r>
-              <a:rPr lang="de-DE" dirty="0" err="1"/>
-              <a:t>justice</a:t>
-            </a:r>
-            <a:r>
-              <a:rPr lang="de-DE" dirty="0"/>
-              <a:t> </a:t>
-            </a:r>
-            <a:r>
-              <a:rPr lang="de-DE" dirty="0" err="1"/>
-              <a:t>league</a:t>
-            </a:r>
-            <a:r>
-              <a:rPr lang="de-DE" dirty="0"/>
-              <a:t>“.</a:t>
-            </a:r>
-          </a:p>
-          <a:p>
-            <a:r>
-              <a:rPr lang="de-DE" dirty="0"/>
-              <a:t>Durch Ihre Nachforschungen zu Gesichtsanalytischer KI entdeckte sie in KI Systemen, von großen Unternehmen wie Amazon und Microsoft, erhebliche Gender- und </a:t>
-            </a:r>
-            <a:r>
-              <a:rPr lang="de-DE" dirty="0" err="1"/>
-              <a:t>Racialbiases</a:t>
-            </a:r>
-            <a:r>
-              <a:rPr lang="de-DE" dirty="0"/>
-              <a:t>.</a:t>
+              <a:t>Joy Buolamwini ist eine Informatikerin und ist die Gründerin der „Algorithmic justice league“.</a:t>
+            </a:r>
+          </a:p>
+          <a:p>
+            <a:r>
+              <a:rPr lang="de-DE" dirty="0"/>
+              <a:t>Durch Ihre Nachforschungen zu Gesichtsanalytischer KI entdeckte sie in KI Systemen, von großen Unternehmen wie Amazon und Microsoft, erhebliche Gender- und Racialbiases.</a:t>
             </a:r>
           </a:p>
         </p:txBody>
@@ -2413,53 +2296,13 @@
           <a:p>
             <a:r>
               <a:rPr lang="de-DE" dirty="0"/>
-              <a:t>Joy </a:t>
-            </a:r>
-            <a:r>
-              <a:rPr lang="de-DE" dirty="0" err="1"/>
-              <a:t>Buolamwini</a:t>
-            </a:r>
-            <a:r>
-              <a:rPr lang="de-DE" dirty="0"/>
-              <a:t> ist eine Informatikerin und ist die Gründerin der „</a:t>
-            </a:r>
-            <a:r>
-              <a:rPr lang="de-DE" dirty="0" err="1"/>
-              <a:t>Algorithmic</a:t>
-            </a:r>
-            <a:r>
-              <a:rPr lang="de-DE" dirty="0"/>
-              <a:t> </a:t>
-            </a:r>
-            <a:r>
-              <a:rPr lang="de-DE" dirty="0" err="1"/>
-              <a:t>justice</a:t>
-            </a:r>
-            <a:r>
-              <a:rPr lang="de-DE" dirty="0"/>
-              <a:t> </a:t>
-            </a:r>
-            <a:r>
-              <a:rPr lang="de-DE" dirty="0" err="1"/>
-              <a:t>league</a:t>
-            </a:r>
-            <a:r>
-              <a:rPr lang="de-DE" dirty="0"/>
-              <a:t>“.</a:t>
-            </a:r>
-          </a:p>
-          <a:p>
-            <a:r>
-              <a:rPr lang="de-DE" dirty="0"/>
-              <a:t>Durch Ihre Nachforschungen zu Gesichtsanalytischer KI entdeckte sie in KI Systemen, von großen Unternehmen wie Amazon und Microsoft, erhebliche Gender- und </a:t>
-            </a:r>
-            <a:r>
-              <a:rPr lang="de-DE" dirty="0" err="1"/>
-              <a:t>Racialbiases</a:t>
-            </a:r>
-            <a:r>
-              <a:rPr lang="de-DE" dirty="0"/>
-              <a:t>.</a:t>
+              <a:t>Joy Buolamwini ist eine Informatikerin und ist die Gründerin der „Algorithmic justice league“.</a:t>
+            </a:r>
+          </a:p>
+          <a:p>
+            <a:r>
+              <a:rPr lang="de-DE" dirty="0"/>
+              <a:t>Durch Ihre Nachforschungen zu Gesichtsanalytischer KI entdeckte sie in KI Systemen, von großen Unternehmen wie Amazon und Microsoft, erhebliche Gender- und Racialbiases.</a:t>
             </a:r>
           </a:p>
         </p:txBody>
@@ -2611,53 +2454,13 @@
           <a:p>
             <a:r>
               <a:rPr lang="de-DE" dirty="0"/>
-              <a:t>Joy </a:t>
-            </a:r>
-            <a:r>
-              <a:rPr lang="de-DE" dirty="0" err="1"/>
-              <a:t>Buolamwini</a:t>
-            </a:r>
-            <a:r>
-              <a:rPr lang="de-DE" dirty="0"/>
-              <a:t> ist eine Informatikerin und ist die Gründerin der „</a:t>
-            </a:r>
-            <a:r>
-              <a:rPr lang="de-DE" dirty="0" err="1"/>
-              <a:t>Algorithmic</a:t>
-            </a:r>
-            <a:r>
-              <a:rPr lang="de-DE" dirty="0"/>
-              <a:t> </a:t>
-            </a:r>
-            <a:r>
-              <a:rPr lang="de-DE" dirty="0" err="1"/>
-              <a:t>justice</a:t>
-            </a:r>
-            <a:r>
-              <a:rPr lang="de-DE" dirty="0"/>
-              <a:t> </a:t>
-            </a:r>
-            <a:r>
-              <a:rPr lang="de-DE" dirty="0" err="1"/>
-              <a:t>league</a:t>
-            </a:r>
-            <a:r>
-              <a:rPr lang="de-DE" dirty="0"/>
-              <a:t>“.</a:t>
-            </a:r>
-          </a:p>
-          <a:p>
-            <a:r>
-              <a:rPr lang="de-DE" dirty="0"/>
-              <a:t>Durch Ihre Nachforschungen zu Gesichtsanalytischer KI entdeckte sie in KI Systemen, von großen Unternehmen wie Amazon und Microsoft, erhebliche Gender- und </a:t>
-            </a:r>
-            <a:r>
-              <a:rPr lang="de-DE" dirty="0" err="1"/>
-              <a:t>Racialbiases</a:t>
-            </a:r>
-            <a:r>
-              <a:rPr lang="de-DE" dirty="0"/>
-              <a:t>.</a:t>
+              <a:t>Joy Buolamwini ist eine Informatikerin und ist die Gründerin der „Algorithmic justice league“.</a:t>
+            </a:r>
+          </a:p>
+          <a:p>
+            <a:r>
+              <a:rPr lang="de-DE" dirty="0"/>
+              <a:t>Durch Ihre Nachforschungen zu Gesichtsanalytischer KI entdeckte sie in KI Systemen, von großen Unternehmen wie Amazon und Microsoft, erhebliche Gender- und Racialbiases.</a:t>
             </a:r>
           </a:p>
         </p:txBody>
@@ -2809,53 +2612,13 @@
           <a:p>
             <a:r>
               <a:rPr lang="de-DE" dirty="0"/>
-              <a:t>Joy </a:t>
-            </a:r>
-            <a:r>
-              <a:rPr lang="de-DE" dirty="0" err="1"/>
-              <a:t>Buolamwini</a:t>
-            </a:r>
-            <a:r>
-              <a:rPr lang="de-DE" dirty="0"/>
-              <a:t> ist eine Informatikerin und ist die Gründerin der „</a:t>
-            </a:r>
-            <a:r>
-              <a:rPr lang="de-DE" dirty="0" err="1"/>
-              <a:t>Algorithmic</a:t>
-            </a:r>
-            <a:r>
-              <a:rPr lang="de-DE" dirty="0"/>
-              <a:t> </a:t>
-            </a:r>
-            <a:r>
-              <a:rPr lang="de-DE" dirty="0" err="1"/>
-              <a:t>justice</a:t>
-            </a:r>
-            <a:r>
-              <a:rPr lang="de-DE" dirty="0"/>
-              <a:t> </a:t>
-            </a:r>
-            <a:r>
-              <a:rPr lang="de-DE" dirty="0" err="1"/>
-              <a:t>league</a:t>
-            </a:r>
-            <a:r>
-              <a:rPr lang="de-DE" dirty="0"/>
-              <a:t>“.</a:t>
-            </a:r>
-          </a:p>
-          <a:p>
-            <a:r>
-              <a:rPr lang="de-DE" dirty="0"/>
-              <a:t>Durch Ihre Nachforschungen zu Gesichtsanalytischer KI entdeckte sie in KI Systemen, von großen Unternehmen wie Amazon und Microsoft, erhebliche Gender- und </a:t>
-            </a:r>
-            <a:r>
-              <a:rPr lang="de-DE" dirty="0" err="1"/>
-              <a:t>Racialbiases</a:t>
-            </a:r>
-            <a:r>
-              <a:rPr lang="de-DE" dirty="0"/>
-              <a:t>.</a:t>
+              <a:t>Joy Buolamwini ist eine Informatikerin und ist die Gründerin der „Algorithmic justice league“.</a:t>
+            </a:r>
+          </a:p>
+          <a:p>
+            <a:r>
+              <a:rPr lang="de-DE" dirty="0"/>
+              <a:t>Durch Ihre Nachforschungen zu Gesichtsanalytischer KI entdeckte sie in KI Systemen, von großen Unternehmen wie Amazon und Microsoft, erhebliche Gender- und Racialbiases.</a:t>
             </a:r>
           </a:p>
         </p:txBody>
@@ -3007,53 +2770,13 @@
           <a:p>
             <a:r>
               <a:rPr lang="de-DE" dirty="0"/>
-              <a:t>Joy </a:t>
-            </a:r>
-            <a:r>
-              <a:rPr lang="de-DE" dirty="0" err="1"/>
-              <a:t>Buolamwini</a:t>
-            </a:r>
-            <a:r>
-              <a:rPr lang="de-DE" dirty="0"/>
-              <a:t> ist eine Informatikerin und ist die Gründerin der „</a:t>
-            </a:r>
-            <a:r>
-              <a:rPr lang="de-DE" dirty="0" err="1"/>
-              <a:t>Algorithmic</a:t>
-            </a:r>
-            <a:r>
-              <a:rPr lang="de-DE" dirty="0"/>
-              <a:t> </a:t>
-            </a:r>
-            <a:r>
-              <a:rPr lang="de-DE" dirty="0" err="1"/>
-              <a:t>justice</a:t>
-            </a:r>
-            <a:r>
-              <a:rPr lang="de-DE" dirty="0"/>
-              <a:t> </a:t>
-            </a:r>
-            <a:r>
-              <a:rPr lang="de-DE" dirty="0" err="1"/>
-              <a:t>league</a:t>
-            </a:r>
-            <a:r>
-              <a:rPr lang="de-DE" dirty="0"/>
-              <a:t>“.</a:t>
-            </a:r>
-          </a:p>
-          <a:p>
-            <a:r>
-              <a:rPr lang="de-DE" dirty="0"/>
-              <a:t>Durch Ihre Nachforschungen zu Gesichtsanalytischer KI entdeckte sie in KI Systemen, von großen Unternehmen wie Amazon und Microsoft, erhebliche Gender- und </a:t>
-            </a:r>
-            <a:r>
-              <a:rPr lang="de-DE" dirty="0" err="1"/>
-              <a:t>Racialbiases</a:t>
-            </a:r>
-            <a:r>
-              <a:rPr lang="de-DE" dirty="0"/>
-              <a:t>.</a:t>
+              <a:t>Joy Buolamwini ist eine Informatikerin und ist die Gründerin der „Algorithmic justice league“.</a:t>
+            </a:r>
+          </a:p>
+          <a:p>
+            <a:r>
+              <a:rPr lang="de-DE" dirty="0"/>
+              <a:t>Durch Ihre Nachforschungen zu Gesichtsanalytischer KI entdeckte sie in KI Systemen, von großen Unternehmen wie Amazon und Microsoft, erhebliche Gender- und Racialbiases.</a:t>
             </a:r>
           </a:p>
         </p:txBody>
@@ -3283,7 +3006,7 @@
           <a:bodyPr/>
           <a:lstStyle/>
           <a:p>
-            <a:endParaRPr lang="de-DE" altLang="de-DE"/>
+            <a:endParaRPr lang="de-DE" altLang="de-DE" dirty="0"/>
           </a:p>
         </p:txBody>
       </p:sp>
@@ -3302,7 +3025,7 @@
           <a:bodyPr/>
           <a:lstStyle/>
           <a:p>
-            <a:endParaRPr lang="de-DE" altLang="de-DE"/>
+            <a:endParaRPr lang="de-DE" altLang="de-DE" dirty="0"/>
           </a:p>
         </p:txBody>
       </p:sp>
@@ -3326,7 +3049,7 @@
               <a:pPr/>
               <a:t>‹Nr.›</a:t>
             </a:fld>
-            <a:endParaRPr lang="de-DE" altLang="de-DE"/>
+            <a:endParaRPr lang="de-DE" altLang="de-DE" dirty="0"/>
           </a:p>
         </p:txBody>
       </p:sp>
@@ -3450,7 +3173,7 @@
           <a:bodyPr/>
           <a:lstStyle/>
           <a:p>
-            <a:endParaRPr lang="de-DE" altLang="de-DE"/>
+            <a:endParaRPr lang="de-DE" altLang="de-DE" dirty="0"/>
           </a:p>
         </p:txBody>
       </p:sp>
@@ -3469,7 +3192,7 @@
           <a:bodyPr/>
           <a:lstStyle/>
           <a:p>
-            <a:endParaRPr lang="de-DE" altLang="de-DE"/>
+            <a:endParaRPr lang="de-DE" altLang="de-DE" dirty="0"/>
           </a:p>
         </p:txBody>
       </p:sp>
@@ -3493,7 +3216,7 @@
               <a:pPr/>
               <a:t>‹Nr.›</a:t>
             </a:fld>
-            <a:endParaRPr lang="de-DE" altLang="de-DE"/>
+            <a:endParaRPr lang="de-DE" altLang="de-DE" dirty="0"/>
           </a:p>
         </p:txBody>
       </p:sp>
@@ -3627,7 +3350,7 @@
           <a:bodyPr/>
           <a:lstStyle/>
           <a:p>
-            <a:endParaRPr lang="de-DE" altLang="de-DE"/>
+            <a:endParaRPr lang="de-DE" altLang="de-DE" dirty="0"/>
           </a:p>
         </p:txBody>
       </p:sp>
@@ -3646,7 +3369,7 @@
           <a:bodyPr/>
           <a:lstStyle/>
           <a:p>
-            <a:endParaRPr lang="de-DE" altLang="de-DE"/>
+            <a:endParaRPr lang="de-DE" altLang="de-DE" dirty="0"/>
           </a:p>
         </p:txBody>
       </p:sp>
@@ -3670,7 +3393,7 @@
               <a:pPr/>
               <a:t>‹Nr.›</a:t>
             </a:fld>
-            <a:endParaRPr lang="de-DE" altLang="de-DE"/>
+            <a:endParaRPr lang="de-DE" altLang="de-DE" dirty="0"/>
           </a:p>
         </p:txBody>
       </p:sp>
@@ -3794,7 +3517,7 @@
           <a:bodyPr/>
           <a:lstStyle/>
           <a:p>
-            <a:endParaRPr lang="de-DE" altLang="de-DE"/>
+            <a:endParaRPr lang="de-DE" altLang="de-DE" dirty="0"/>
           </a:p>
         </p:txBody>
       </p:sp>
@@ -3813,7 +3536,7 @@
           <a:bodyPr/>
           <a:lstStyle/>
           <a:p>
-            <a:endParaRPr lang="de-DE" altLang="de-DE"/>
+            <a:endParaRPr lang="de-DE" altLang="de-DE" dirty="0"/>
           </a:p>
         </p:txBody>
       </p:sp>
@@ -3837,7 +3560,7 @@
               <a:pPr/>
               <a:t>‹Nr.›</a:t>
             </a:fld>
-            <a:endParaRPr lang="de-DE" altLang="de-DE"/>
+            <a:endParaRPr lang="de-DE" altLang="de-DE" dirty="0"/>
           </a:p>
         </p:txBody>
       </p:sp>
@@ -4035,7 +3758,7 @@
           <a:bodyPr/>
           <a:lstStyle/>
           <a:p>
-            <a:endParaRPr lang="de-DE" altLang="de-DE"/>
+            <a:endParaRPr lang="de-DE" altLang="de-DE" dirty="0"/>
           </a:p>
         </p:txBody>
       </p:sp>
@@ -4054,7 +3777,7 @@
           <a:bodyPr/>
           <a:lstStyle/>
           <a:p>
-            <a:endParaRPr lang="de-DE" altLang="de-DE"/>
+            <a:endParaRPr lang="de-DE" altLang="de-DE" dirty="0"/>
           </a:p>
         </p:txBody>
       </p:sp>
@@ -4078,7 +3801,7 @@
               <a:pPr/>
               <a:t>‹Nr.›</a:t>
             </a:fld>
-            <a:endParaRPr lang="de-DE" altLang="de-DE"/>
+            <a:endParaRPr lang="de-DE" altLang="de-DE" dirty="0"/>
           </a:p>
         </p:txBody>
       </p:sp>
@@ -4264,7 +3987,7 @@
           <a:bodyPr/>
           <a:lstStyle/>
           <a:p>
-            <a:endParaRPr lang="de-DE" altLang="de-DE"/>
+            <a:endParaRPr lang="de-DE" altLang="de-DE" dirty="0"/>
           </a:p>
         </p:txBody>
       </p:sp>
@@ -4283,7 +4006,7 @@
           <a:bodyPr/>
           <a:lstStyle/>
           <a:p>
-            <a:endParaRPr lang="de-DE" altLang="de-DE"/>
+            <a:endParaRPr lang="de-DE" altLang="de-DE" dirty="0"/>
           </a:p>
         </p:txBody>
       </p:sp>
@@ -4307,7 +4030,7 @@
               <a:pPr/>
               <a:t>‹Nr.›</a:t>
             </a:fld>
-            <a:endParaRPr lang="de-DE" altLang="de-DE"/>
+            <a:endParaRPr lang="de-DE" altLang="de-DE" dirty="0"/>
           </a:p>
         </p:txBody>
       </p:sp>
@@ -4628,7 +4351,7 @@
           <a:bodyPr/>
           <a:lstStyle/>
           <a:p>
-            <a:endParaRPr lang="de-DE" altLang="de-DE"/>
+            <a:endParaRPr lang="de-DE" altLang="de-DE" dirty="0"/>
           </a:p>
         </p:txBody>
       </p:sp>
@@ -4647,7 +4370,7 @@
           <a:bodyPr/>
           <a:lstStyle/>
           <a:p>
-            <a:endParaRPr lang="de-DE" altLang="de-DE"/>
+            <a:endParaRPr lang="de-DE" altLang="de-DE" dirty="0"/>
           </a:p>
         </p:txBody>
       </p:sp>
@@ -4671,7 +4394,7 @@
               <a:pPr/>
               <a:t>‹Nr.›</a:t>
             </a:fld>
-            <a:endParaRPr lang="de-DE" altLang="de-DE"/>
+            <a:endParaRPr lang="de-DE" altLang="de-DE" dirty="0"/>
           </a:p>
         </p:txBody>
       </p:sp>
@@ -4743,7 +4466,7 @@
           <a:bodyPr/>
           <a:lstStyle/>
           <a:p>
-            <a:endParaRPr lang="de-DE" altLang="de-DE"/>
+            <a:endParaRPr lang="de-DE" altLang="de-DE" dirty="0"/>
           </a:p>
         </p:txBody>
       </p:sp>
@@ -4762,7 +4485,7 @@
           <a:bodyPr/>
           <a:lstStyle/>
           <a:p>
-            <a:endParaRPr lang="de-DE" altLang="de-DE"/>
+            <a:endParaRPr lang="de-DE" altLang="de-DE" dirty="0"/>
           </a:p>
         </p:txBody>
       </p:sp>
@@ -4786,7 +4509,7 @@
               <a:pPr/>
               <a:t>‹Nr.›</a:t>
             </a:fld>
-            <a:endParaRPr lang="de-DE" altLang="de-DE"/>
+            <a:endParaRPr lang="de-DE" altLang="de-DE" dirty="0"/>
           </a:p>
         </p:txBody>
       </p:sp>
@@ -4835,7 +4558,7 @@
           <a:bodyPr/>
           <a:lstStyle/>
           <a:p>
-            <a:endParaRPr lang="de-DE" altLang="de-DE"/>
+            <a:endParaRPr lang="de-DE" altLang="de-DE" dirty="0"/>
           </a:p>
         </p:txBody>
       </p:sp>
@@ -4854,7 +4577,7 @@
           <a:bodyPr/>
           <a:lstStyle/>
           <a:p>
-            <a:endParaRPr lang="de-DE" altLang="de-DE"/>
+            <a:endParaRPr lang="de-DE" altLang="de-DE" dirty="0"/>
           </a:p>
         </p:txBody>
       </p:sp>
@@ -4878,7 +4601,7 @@
               <a:pPr/>
               <a:t>‹Nr.›</a:t>
             </a:fld>
-            <a:endParaRPr lang="de-DE" altLang="de-DE"/>
+            <a:endParaRPr lang="de-DE" altLang="de-DE" dirty="0"/>
           </a:p>
         </p:txBody>
       </p:sp>
@@ -5109,7 +4832,7 @@
           <a:bodyPr/>
           <a:lstStyle/>
           <a:p>
-            <a:endParaRPr lang="de-DE" altLang="de-DE"/>
+            <a:endParaRPr lang="de-DE" altLang="de-DE" dirty="0"/>
           </a:p>
         </p:txBody>
       </p:sp>
@@ -5128,7 +4851,7 @@
           <a:bodyPr/>
           <a:lstStyle/>
           <a:p>
-            <a:endParaRPr lang="de-DE" altLang="de-DE"/>
+            <a:endParaRPr lang="de-DE" altLang="de-DE" dirty="0"/>
           </a:p>
         </p:txBody>
       </p:sp>
@@ -5152,7 +4875,7 @@
               <a:pPr/>
               <a:t>‹Nr.›</a:t>
             </a:fld>
-            <a:endParaRPr lang="de-DE" altLang="de-DE"/>
+            <a:endParaRPr lang="de-DE" altLang="de-DE" dirty="0"/>
           </a:p>
         </p:txBody>
       </p:sp>
@@ -5276,7 +4999,7 @@
           </a:lstStyle>
           <a:p>
             <a:r>
-              <a:rPr lang="de-DE"/>
+              <a:rPr lang="de-DE" dirty="0"/>
               <a:t>Bild durch Klicken auf Symbol hinzufügen</a:t>
             </a:r>
             <a:endParaRPr lang="en-US" dirty="0"/>
@@ -5363,7 +5086,7 @@
           <a:bodyPr/>
           <a:lstStyle/>
           <a:p>
-            <a:endParaRPr lang="de-DE" altLang="de-DE"/>
+            <a:endParaRPr lang="de-DE" altLang="de-DE" dirty="0"/>
           </a:p>
         </p:txBody>
       </p:sp>
@@ -5382,7 +5105,7 @@
           <a:bodyPr/>
           <a:lstStyle/>
           <a:p>
-            <a:endParaRPr lang="de-DE" altLang="de-DE"/>
+            <a:endParaRPr lang="de-DE" altLang="de-DE" dirty="0"/>
           </a:p>
         </p:txBody>
       </p:sp>
@@ -5406,7 +5129,7 @@
               <a:pPr/>
               <a:t>‹Nr.›</a:t>
             </a:fld>
-            <a:endParaRPr lang="de-DE" altLang="de-DE"/>
+            <a:endParaRPr lang="de-DE" altLang="de-DE" dirty="0"/>
           </a:p>
         </p:txBody>
       </p:sp>
@@ -5573,7 +5296,7 @@
             </a:lvl1pPr>
           </a:lstStyle>
           <a:p>
-            <a:endParaRPr lang="de-DE" altLang="de-DE"/>
+            <a:endParaRPr lang="de-DE" altLang="de-DE" dirty="0"/>
           </a:p>
         </p:txBody>
       </p:sp>
@@ -5610,7 +5333,7 @@
             </a:lvl1pPr>
           </a:lstStyle>
           <a:p>
-            <a:endParaRPr lang="de-DE" altLang="de-DE"/>
+            <a:endParaRPr lang="de-DE" altLang="de-DE" dirty="0"/>
           </a:p>
         </p:txBody>
       </p:sp>
@@ -5652,7 +5375,7 @@
               <a:pPr/>
               <a:t>‹Nr.›</a:t>
             </a:fld>
-            <a:endParaRPr lang="de-DE" altLang="de-DE"/>
+            <a:endParaRPr lang="de-DE" altLang="de-DE" dirty="0"/>
           </a:p>
         </p:txBody>
       </p:sp>
@@ -6696,15 +6419,7 @@
             </a:r>
             <a:r>
               <a:rPr lang="de-DE" dirty="0"/>
-              <a:t> </a:t>
-            </a:r>
-            <a:r>
-              <a:rPr lang="de-DE" dirty="0" err="1"/>
-              <a:t>Trustworthy</a:t>
-            </a:r>
-            <a:r>
-              <a:rPr lang="de-DE" dirty="0"/>
-              <a:t> AI</a:t>
+              <a:t> Trustworthy AI</a:t>
             </a:r>
           </a:p>
         </p:txBody>
@@ -6744,23 +6459,15 @@
               <a:t>High-Level Expert Group on AI (AI HLEG)” </a:t>
             </a:r>
             <a:r>
-              <a:rPr lang="en-US" dirty="0" err="1"/>
+              <a:rPr lang="de-DE" dirty="0"/>
               <a:t>eingesetzt</a:t>
             </a:r>
             <a:r>
               <a:rPr lang="en-US" dirty="0"/>
-              <a:t> von der </a:t>
-            </a:r>
-            <a:r>
-              <a:rPr lang="en-US" dirty="0" err="1"/>
-              <a:t>europäischen</a:t>
-            </a:r>
-            <a:r>
-              <a:rPr lang="en-US" dirty="0"/>
-              <a:t> </a:t>
-            </a:r>
-            <a:r>
-              <a:rPr lang="en-US" dirty="0" err="1"/>
+              <a:t> von der europäischen </a:t>
+            </a:r>
+            <a:r>
+              <a:rPr lang="de-DE" dirty="0"/>
               <a:t>Kommission</a:t>
             </a:r>
             <a:r>
@@ -7190,13 +6897,8 @@
             </a:pPr>
             <a:r>
               <a:rPr lang="de-DE" sz="2400" dirty="0"/>
-              <a:t>Moral </a:t>
-            </a:r>
-            <a:r>
-              <a:rPr lang="de-DE" sz="2400" dirty="0" err="1"/>
-              <a:t>Machine</a:t>
-            </a:r>
-            <a:endParaRPr lang="de-DE" sz="2400" dirty="0"/>
+              <a:t>Moral Machine</a:t>
+            </a:r>
           </a:p>
         </p:txBody>
       </p:sp>
@@ -7332,6 +7034,22 @@
             </a:r>
             <a:r>
               <a:rPr lang="de-DE" dirty="0"/>
+              <a:t> in </a:t>
+            </a:r>
+            <a:r>
+              <a:rPr lang="de-DE" dirty="0" err="1"/>
+              <a:t>Artificial</a:t>
+            </a:r>
+            <a:r>
+              <a:rPr lang="de-DE" dirty="0"/>
+              <a:t> </a:t>
+            </a:r>
+            <a:r>
+              <a:rPr lang="de-DE" dirty="0" err="1"/>
+              <a:t>Intelligence</a:t>
+            </a:r>
+            <a:r>
+              <a:rPr lang="de-DE" dirty="0"/>
               <a:t>“ am 8. Oktober 2019 eröffnet</a:t>
             </a:r>
           </a:p>
@@ -7427,6 +7145,412 @@
           <p:cNvPr id="2" name="Titel 1">
             <a:extLst>
               <a:ext uri="{FF2B5EF4-FFF2-40B4-BE49-F238E27FC236}">
+                <a16:creationId xmlns:a16="http://schemas.microsoft.com/office/drawing/2014/main" id="{2829282F-D05E-4895-870D-A31523A653C8}"/>
+              </a:ext>
+            </a:extLst>
+          </p:cNvPr>
+          <p:cNvSpPr>
+            <a:spLocks noGrp="1"/>
+          </p:cNvSpPr>
+          <p:nvPr>
+            <p:ph type="title"/>
+          </p:nvPr>
+        </p:nvSpPr>
+        <p:spPr>
+          <a:xfrm>
+            <a:off x="838200" y="461379"/>
+            <a:ext cx="10515600" cy="1325563"/>
+          </a:xfrm>
+        </p:spPr>
+        <p:txBody>
+          <a:bodyPr/>
+          <a:lstStyle/>
+          <a:p>
+            <a:r>
+              <a:rPr lang="de-DE" dirty="0"/>
+              <a:t>DeepMind(ALPHABET)</a:t>
+            </a:r>
+          </a:p>
+        </p:txBody>
+      </p:sp>
+      <p:sp>
+        <p:nvSpPr>
+          <p:cNvPr id="3" name="Inhaltsplatzhalter 2">
+            <a:extLst>
+              <a:ext uri="{FF2B5EF4-FFF2-40B4-BE49-F238E27FC236}">
+                <a16:creationId xmlns:a16="http://schemas.microsoft.com/office/drawing/2014/main" id="{20107F49-CFBB-407B-B42A-15FE989CEABC}"/>
+              </a:ext>
+            </a:extLst>
+          </p:cNvPr>
+          <p:cNvSpPr>
+            <a:spLocks noGrp="1"/>
+          </p:cNvSpPr>
+          <p:nvPr>
+            <p:ph idx="1"/>
+          </p:nvPr>
+        </p:nvSpPr>
+        <p:spPr>
+          <a:xfrm>
+            <a:off x="838200" y="1825625"/>
+            <a:ext cx="10515600" cy="4351338"/>
+          </a:xfrm>
+        </p:spPr>
+        <p:txBody>
+          <a:bodyPr/>
+          <a:lstStyle/>
+          <a:p>
+            <a:r>
+              <a:rPr lang="de-DE" dirty="0"/>
+              <a:t>DeepMind hat ein „</a:t>
+            </a:r>
+            <a:r>
+              <a:rPr lang="de-DE" dirty="0" err="1"/>
+              <a:t>Ethics</a:t>
+            </a:r>
+            <a:r>
+              <a:rPr lang="de-DE" dirty="0"/>
+              <a:t> &amp; Society Team“ aufgestellt, welches aus Entwicklern und Wissenschaftlern aus vielen Bereichen besteht</a:t>
+            </a:r>
+          </a:p>
+          <a:p>
+            <a:r>
+              <a:rPr lang="de-DE" dirty="0"/>
+              <a:t>Verschiedene weitere Initiativen werden als Partner genannt</a:t>
+            </a:r>
+          </a:p>
+          <a:p>
+            <a:r>
+              <a:rPr lang="de-DE" dirty="0"/>
+              <a:t>Als Arbeitsthemen des „</a:t>
+            </a:r>
+            <a:r>
+              <a:rPr lang="de-DE" dirty="0" err="1"/>
+              <a:t>Ethics</a:t>
+            </a:r>
+            <a:r>
+              <a:rPr lang="de-DE" dirty="0"/>
+              <a:t> &amp; Society Team“  werden genannt:</a:t>
+            </a:r>
+          </a:p>
+          <a:p>
+            <a:pPr lvl="1"/>
+            <a:r>
+              <a:rPr lang="de-DE" dirty="0"/>
+              <a:t>Privatsphäre, Transparenz und Fairness</a:t>
+            </a:r>
+          </a:p>
+          <a:p>
+            <a:pPr lvl="1"/>
+            <a:r>
+              <a:rPr lang="de-DE" dirty="0"/>
+              <a:t>KI-Moral und KI-Werte</a:t>
+            </a:r>
+          </a:p>
+          <a:p>
+            <a:pPr lvl="1"/>
+            <a:r>
+              <a:rPr lang="de-DE" dirty="0"/>
+              <a:t>Kontrolle und Verantwortlichkeit</a:t>
+            </a:r>
+          </a:p>
+          <a:p>
+            <a:pPr lvl="1"/>
+            <a:r>
+              <a:rPr lang="de-DE" dirty="0"/>
+              <a:t>KI und die komplexen Herausforderungen auf der Welt</a:t>
+            </a:r>
+          </a:p>
+          <a:p>
+            <a:pPr lvl="1"/>
+            <a:r>
+              <a:rPr lang="de-DE" dirty="0"/>
+              <a:t>Missbrauch und unbeabsichtigte Konsequenzen</a:t>
+            </a:r>
+          </a:p>
+          <a:p>
+            <a:pPr lvl="1"/>
+            <a:r>
+              <a:rPr lang="de-DE" dirty="0"/>
+              <a:t>Ökonomische Auswirkungen: Inklusion und Gleichstellung</a:t>
+            </a:r>
+          </a:p>
+          <a:p>
+            <a:pPr marL="0" indent="0">
+              <a:buNone/>
+            </a:pPr>
+            <a:endParaRPr lang="de-DE" dirty="0"/>
+          </a:p>
+        </p:txBody>
+      </p:sp>
+    </p:spTree>
+    <p:extLst>
+      <p:ext uri="{BB962C8B-B14F-4D97-AF65-F5344CB8AC3E}">
+        <p14:creationId xmlns:p14="http://schemas.microsoft.com/office/powerpoint/2010/main" val="713834784"/>
+      </p:ext>
+    </p:extLst>
+  </p:cSld>
+  <p:clrMapOvr>
+    <a:masterClrMapping/>
+  </p:clrMapOvr>
+</p:sld>
+</file>
+
+<file path=ppt/slides/slide23.xml><?xml version="1.0" encoding="utf-8"?>
+<p:sld xmlns:a="http://schemas.openxmlformats.org/drawingml/2006/main" xmlns:r="http://schemas.openxmlformats.org/officeDocument/2006/relationships" xmlns:p="http://schemas.openxmlformats.org/presentationml/2006/main">
+  <p:cSld>
+    <p:spTree>
+      <p:nvGrpSpPr>
+        <p:cNvPr id="1" name=""/>
+        <p:cNvGrpSpPr/>
+        <p:nvPr/>
+      </p:nvGrpSpPr>
+      <p:grpSpPr>
+        <a:xfrm>
+          <a:off x="0" y="0"/>
+          <a:ext cx="0" cy="0"/>
+          <a:chOff x="0" y="0"/>
+          <a:chExt cx="0" cy="0"/>
+        </a:xfrm>
+      </p:grpSpPr>
+      <p:sp>
+        <p:nvSpPr>
+          <p:cNvPr id="2" name="Titel 1">
+            <a:extLst>
+              <a:ext uri="{FF2B5EF4-FFF2-40B4-BE49-F238E27FC236}">
+                <a16:creationId xmlns:a16="http://schemas.microsoft.com/office/drawing/2014/main" id="{2829282F-D05E-4895-870D-A31523A653C8}"/>
+              </a:ext>
+            </a:extLst>
+          </p:cNvPr>
+          <p:cNvSpPr>
+            <a:spLocks noGrp="1"/>
+          </p:cNvSpPr>
+          <p:nvPr>
+            <p:ph type="title"/>
+          </p:nvPr>
+        </p:nvSpPr>
+        <p:spPr>
+          <a:xfrm>
+            <a:off x="838200" y="461379"/>
+            <a:ext cx="10515600" cy="1325563"/>
+          </a:xfrm>
+        </p:spPr>
+        <p:txBody>
+          <a:bodyPr/>
+          <a:lstStyle/>
+          <a:p>
+            <a:r>
+              <a:rPr lang="de-DE" dirty="0"/>
+              <a:t>Microsoft</a:t>
+            </a:r>
+          </a:p>
+        </p:txBody>
+      </p:sp>
+      <p:sp>
+        <p:nvSpPr>
+          <p:cNvPr id="3" name="Inhaltsplatzhalter 2">
+            <a:extLst>
+              <a:ext uri="{FF2B5EF4-FFF2-40B4-BE49-F238E27FC236}">
+                <a16:creationId xmlns:a16="http://schemas.microsoft.com/office/drawing/2014/main" id="{20107F49-CFBB-407B-B42A-15FE989CEABC}"/>
+              </a:ext>
+            </a:extLst>
+          </p:cNvPr>
+          <p:cNvSpPr>
+            <a:spLocks noGrp="1"/>
+          </p:cNvSpPr>
+          <p:nvPr>
+            <p:ph idx="1"/>
+          </p:nvPr>
+        </p:nvSpPr>
+        <p:spPr>
+          <a:xfrm>
+            <a:off x="838200" y="1825625"/>
+            <a:ext cx="10515600" cy="4351338"/>
+          </a:xfrm>
+        </p:spPr>
+        <p:txBody>
+          <a:bodyPr>
+            <a:normAutofit/>
+          </a:bodyPr>
+          <a:lstStyle/>
+          <a:p>
+            <a:r>
+              <a:rPr lang="de-DE" dirty="0"/>
+              <a:t>Microsoft hat in Deutschland einen „KI-Expertenrat“ gegründet, welcher aus Wissenschaftlern und leitenden Personen der größten Tech-Unternehmen in Deutschland besteht</a:t>
+            </a:r>
+          </a:p>
+          <a:p>
+            <a:r>
+              <a:rPr lang="de-DE" dirty="0"/>
+              <a:t>Der Expertenrat soll sich </a:t>
+            </a:r>
+            <a:r>
+              <a:rPr lang="de-DE" dirty="0" err="1"/>
+              <a:t>sich</a:t>
+            </a:r>
+            <a:r>
+              <a:rPr lang="de-DE" dirty="0"/>
+              <a:t>, ganz allgemein, mit allen Fragen bezüglich KI beschäftigen. Im Vergleich zu DeepMind, wird der primär wirtschaftliche Blickwinkel vom Expertenrat mehrfach betont.</a:t>
+            </a:r>
+          </a:p>
+          <a:p>
+            <a:pPr marL="0" indent="0">
+              <a:buNone/>
+            </a:pPr>
+            <a:endParaRPr lang="de-DE" dirty="0"/>
+          </a:p>
+        </p:txBody>
+      </p:sp>
+    </p:spTree>
+    <p:extLst>
+      <p:ext uri="{BB962C8B-B14F-4D97-AF65-F5344CB8AC3E}">
+        <p14:creationId xmlns:p14="http://schemas.microsoft.com/office/powerpoint/2010/main" val="682592643"/>
+      </p:ext>
+    </p:extLst>
+  </p:cSld>
+  <p:clrMapOvr>
+    <a:masterClrMapping/>
+  </p:clrMapOvr>
+</p:sld>
+</file>
+
+<file path=ppt/slides/slide24.xml><?xml version="1.0" encoding="utf-8"?>
+<p:sld xmlns:a="http://schemas.openxmlformats.org/drawingml/2006/main" xmlns:r="http://schemas.openxmlformats.org/officeDocument/2006/relationships" xmlns:p="http://schemas.openxmlformats.org/presentationml/2006/main">
+  <p:cSld>
+    <p:spTree>
+      <p:nvGrpSpPr>
+        <p:cNvPr id="1" name=""/>
+        <p:cNvGrpSpPr/>
+        <p:nvPr/>
+      </p:nvGrpSpPr>
+      <p:grpSpPr>
+        <a:xfrm>
+          <a:off x="0" y="0"/>
+          <a:ext cx="0" cy="0"/>
+          <a:chOff x="0" y="0"/>
+          <a:chExt cx="0" cy="0"/>
+        </a:xfrm>
+      </p:grpSpPr>
+      <p:sp>
+        <p:nvSpPr>
+          <p:cNvPr id="2" name="Titel 1">
+            <a:extLst>
+              <a:ext uri="{FF2B5EF4-FFF2-40B4-BE49-F238E27FC236}">
+                <a16:creationId xmlns:a16="http://schemas.microsoft.com/office/drawing/2014/main" id="{2829282F-D05E-4895-870D-A31523A653C8}"/>
+              </a:ext>
+            </a:extLst>
+          </p:cNvPr>
+          <p:cNvSpPr>
+            <a:spLocks noGrp="1"/>
+          </p:cNvSpPr>
+          <p:nvPr>
+            <p:ph type="title"/>
+          </p:nvPr>
+        </p:nvSpPr>
+        <p:spPr>
+          <a:xfrm>
+            <a:off x="838200" y="461379"/>
+            <a:ext cx="10515600" cy="1325563"/>
+          </a:xfrm>
+        </p:spPr>
+        <p:txBody>
+          <a:bodyPr/>
+          <a:lstStyle/>
+          <a:p>
+            <a:r>
+              <a:rPr lang="de-DE" dirty="0"/>
+              <a:t>IBM</a:t>
+            </a:r>
+          </a:p>
+        </p:txBody>
+      </p:sp>
+      <p:sp>
+        <p:nvSpPr>
+          <p:cNvPr id="3" name="Inhaltsplatzhalter 2">
+            <a:extLst>
+              <a:ext uri="{FF2B5EF4-FFF2-40B4-BE49-F238E27FC236}">
+                <a16:creationId xmlns:a16="http://schemas.microsoft.com/office/drawing/2014/main" id="{20107F49-CFBB-407B-B42A-15FE989CEABC}"/>
+              </a:ext>
+            </a:extLst>
+          </p:cNvPr>
+          <p:cNvSpPr>
+            <a:spLocks noGrp="1"/>
+          </p:cNvSpPr>
+          <p:nvPr>
+            <p:ph idx="1"/>
+          </p:nvPr>
+        </p:nvSpPr>
+        <p:spPr>
+          <a:xfrm>
+            <a:off x="838200" y="1825625"/>
+            <a:ext cx="10515600" cy="4351338"/>
+          </a:xfrm>
+        </p:spPr>
+        <p:txBody>
+          <a:bodyPr>
+            <a:normAutofit/>
+          </a:bodyPr>
+          <a:lstStyle/>
+          <a:p>
+            <a:r>
+              <a:rPr lang="de-DE" dirty="0"/>
+              <a:t>Mit IBM Research beteiligt sich IBM am Diskurs über KI</a:t>
+            </a:r>
+          </a:p>
+          <a:p>
+            <a:r>
+              <a:rPr lang="de-DE" dirty="0"/>
+              <a:t>Im Bereich „Bias in AI“ wird bei IBM Research intensiv geforscht</a:t>
+            </a:r>
+          </a:p>
+          <a:p>
+            <a:r>
+              <a:rPr lang="de-DE" dirty="0"/>
+              <a:t>Eine dedizierte Expertengruppe, wie bei DeepMind und Microsoft, wird nicht genannt</a:t>
+            </a:r>
+          </a:p>
+          <a:p>
+            <a:pPr marL="0" indent="0">
+              <a:buNone/>
+            </a:pPr>
+            <a:endParaRPr lang="de-DE" dirty="0"/>
+          </a:p>
+        </p:txBody>
+      </p:sp>
+    </p:spTree>
+    <p:extLst>
+      <p:ext uri="{BB962C8B-B14F-4D97-AF65-F5344CB8AC3E}">
+        <p14:creationId xmlns:p14="http://schemas.microsoft.com/office/powerpoint/2010/main" val="3160441387"/>
+      </p:ext>
+    </p:extLst>
+  </p:cSld>
+  <p:clrMapOvr>
+    <a:masterClrMapping/>
+  </p:clrMapOvr>
+</p:sld>
+</file>
+
+<file path=ppt/slides/slide25.xml><?xml version="1.0" encoding="utf-8"?>
+<p:sld xmlns:a="http://schemas.openxmlformats.org/drawingml/2006/main" xmlns:r="http://schemas.openxmlformats.org/officeDocument/2006/relationships" xmlns:p="http://schemas.openxmlformats.org/presentationml/2006/main">
+  <p:cSld>
+    <p:spTree>
+      <p:nvGrpSpPr>
+        <p:cNvPr id="1" name=""/>
+        <p:cNvGrpSpPr/>
+        <p:nvPr/>
+      </p:nvGrpSpPr>
+      <p:grpSpPr>
+        <a:xfrm>
+          <a:off x="0" y="0"/>
+          <a:ext cx="0" cy="0"/>
+          <a:chOff x="0" y="0"/>
+          <a:chExt cx="0" cy="0"/>
+        </a:xfrm>
+      </p:grpSpPr>
+      <p:sp>
+        <p:nvSpPr>
+          <p:cNvPr id="2" name="Titel 1">
+            <a:extLst>
+              <a:ext uri="{FF2B5EF4-FFF2-40B4-BE49-F238E27FC236}">
                 <a16:creationId xmlns:a16="http://schemas.microsoft.com/office/drawing/2014/main" id="{BFE782F4-7D8A-4E23-A78C-2C1726466768}"/>
               </a:ext>
             </a:extLst>
@@ -7486,41 +7610,20 @@
           </a:p>
           <a:p>
             <a:r>
-              <a:rPr lang="de-DE" sz="1600" b="1" dirty="0" err="1"/>
-              <a:t>Artificial</a:t>
-            </a:r>
-            <a:r>
               <a:rPr lang="de-DE" sz="1600" b="1" dirty="0"/>
-              <a:t> </a:t>
-            </a:r>
-            <a:r>
-              <a:rPr lang="de-DE" sz="1600" b="1" dirty="0" err="1"/>
-              <a:t>Intelligence</a:t>
-            </a:r>
+              <a:t>Artificial Intelligence in Society : OECD </a:t>
+            </a:r>
+          </a:p>
+          <a:p>
             <a:r>
               <a:rPr lang="de-DE" sz="1600" b="1" dirty="0"/>
-              <a:t> in Society : OECD </a:t>
+              <a:t>ETHICS GUIDELINES FOR TRUSTWORTHY AI : European Commission</a:t>
             </a:r>
           </a:p>
           <a:p>
             <a:r>
               <a:rPr lang="de-DE" sz="1600" b="1" dirty="0"/>
-              <a:t>ETHICS GUIDELINES FOR TRUSTWORTHY AI : European </a:t>
-            </a:r>
-            <a:r>
-              <a:rPr lang="de-DE" sz="1600" b="1" dirty="0" err="1"/>
-              <a:t>Commission</a:t>
-            </a:r>
-            <a:endParaRPr lang="de-DE" sz="1600" b="1" dirty="0"/>
-          </a:p>
-          <a:p>
-            <a:r>
-              <a:rPr lang="de-DE" sz="1600" b="1"/>
-              <a:t>AI4People’s-Ethical-Framework-for-a-Good-AI-Society : </a:t>
-            </a:r>
-            <a:r>
-              <a:rPr lang="de-DE" sz="1600" b="1" dirty="0"/>
-              <a:t>Atomium-EISMD</a:t>
+              <a:t>AI4People’s-Ethical-Framework-for-a-Good-AI-Society : Atomium-EISMD</a:t>
             </a:r>
           </a:p>
           <a:p>

--- a/Kognitive Systeme Vortrag/Ethics in AI.pptx
+++ b/Kognitive Systeme Vortrag/Ethics in AI.pptx
@@ -5,34 +5,41 @@
     <p:sldMasterId id="2147483660" r:id="rId1"/>
   </p:sldMasterIdLst>
   <p:notesMasterIdLst>
-    <p:notesMasterId r:id="rId27"/>
+    <p:notesMasterId r:id="rId34"/>
   </p:notesMasterIdLst>
   <p:sldIdLst>
-    <p:sldId id="257" r:id="rId2"/>
-    <p:sldId id="262" r:id="rId3"/>
-    <p:sldId id="273" r:id="rId4"/>
-    <p:sldId id="259" r:id="rId5"/>
-    <p:sldId id="267" r:id="rId6"/>
-    <p:sldId id="260" r:id="rId7"/>
-    <p:sldId id="264" r:id="rId8"/>
+    <p:sldId id="292" r:id="rId2"/>
+    <p:sldId id="257" r:id="rId3"/>
+    <p:sldId id="262" r:id="rId4"/>
+    <p:sldId id="273" r:id="rId5"/>
+    <p:sldId id="259" r:id="rId6"/>
+    <p:sldId id="267" r:id="rId7"/>
+    <p:sldId id="260" r:id="rId8"/>
     <p:sldId id="268" r:id="rId9"/>
     <p:sldId id="270" r:id="rId10"/>
-    <p:sldId id="269" r:id="rId11"/>
-    <p:sldId id="266" r:id="rId12"/>
-    <p:sldId id="271" r:id="rId13"/>
+    <p:sldId id="266" r:id="rId11"/>
+    <p:sldId id="271" r:id="rId12"/>
+    <p:sldId id="261" r:id="rId13"/>
     <p:sldId id="272" r:id="rId14"/>
-    <p:sldId id="261" r:id="rId15"/>
-    <p:sldId id="274" r:id="rId16"/>
-    <p:sldId id="278" r:id="rId17"/>
-    <p:sldId id="279" r:id="rId18"/>
-    <p:sldId id="280" r:id="rId19"/>
-    <p:sldId id="281" r:id="rId20"/>
-    <p:sldId id="282" r:id="rId21"/>
-    <p:sldId id="283" r:id="rId22"/>
-    <p:sldId id="285" r:id="rId23"/>
-    <p:sldId id="286" r:id="rId24"/>
-    <p:sldId id="287" r:id="rId25"/>
-    <p:sldId id="263" r:id="rId26"/>
+    <p:sldId id="274" r:id="rId15"/>
+    <p:sldId id="278" r:id="rId16"/>
+    <p:sldId id="279" r:id="rId17"/>
+    <p:sldId id="280" r:id="rId18"/>
+    <p:sldId id="281" r:id="rId19"/>
+    <p:sldId id="282" r:id="rId20"/>
+    <p:sldId id="283" r:id="rId21"/>
+    <p:sldId id="285" r:id="rId22"/>
+    <p:sldId id="286" r:id="rId23"/>
+    <p:sldId id="287" r:id="rId24"/>
+    <p:sldId id="289" r:id="rId25"/>
+    <p:sldId id="288" r:id="rId26"/>
+    <p:sldId id="290" r:id="rId27"/>
+    <p:sldId id="291" r:id="rId28"/>
+    <p:sldId id="294" r:id="rId29"/>
+    <p:sldId id="295" r:id="rId30"/>
+    <p:sldId id="296" r:id="rId31"/>
+    <p:sldId id="293" r:id="rId32"/>
+    <p:sldId id="263" r:id="rId33"/>
   </p:sldIdLst>
   <p:sldSz cx="12192000" cy="6858000"/>
   <p:notesSz cx="6858000" cy="9144000"/>
@@ -221,7 +228,7 @@
           <a:p>
             <a:fld id="{E2367494-2034-4648-A566-44C19AD24298}" type="datetimeFigureOut">
               <a:rPr lang="de-DE" smtClean="0"/>
-              <a:t>05.12.2019</a:t>
+              <a:t>09.12.2019</a:t>
             </a:fld>
             <a:endParaRPr lang="de-DE" dirty="0"/>
           </a:p>
@@ -605,7 +612,7 @@
                 <a:tabLst/>
                 <a:defRPr/>
               </a:pPr>
-              <a:t>1</a:t>
+              <a:t>2</a:t>
             </a:fld>
             <a:endParaRPr kumimoji="0" lang="de-DE" sz="1200" b="0" i="0" u="none" strike="noStrike" kern="1200" cap="none" spc="0" normalizeH="0" baseline="0" noProof="0" dirty="0">
               <a:ln>
@@ -638,6 +645,2219 @@
 </file>
 
 <file path=ppt/notesSlides/notesSlide10.xml><?xml version="1.0" encoding="utf-8"?>
+<p:notes xmlns:a="http://schemas.openxmlformats.org/drawingml/2006/main" xmlns:r="http://schemas.openxmlformats.org/officeDocument/2006/relationships" xmlns:p="http://schemas.openxmlformats.org/presentationml/2006/main">
+  <p:cSld>
+    <p:spTree>
+      <p:nvGrpSpPr>
+        <p:cNvPr id="1" name=""/>
+        <p:cNvGrpSpPr/>
+        <p:nvPr/>
+      </p:nvGrpSpPr>
+      <p:grpSpPr>
+        <a:xfrm>
+          <a:off x="0" y="0"/>
+          <a:ext cx="0" cy="0"/>
+          <a:chOff x="0" y="0"/>
+          <a:chExt cx="0" cy="0"/>
+        </a:xfrm>
+      </p:grpSpPr>
+      <p:sp>
+        <p:nvSpPr>
+          <p:cNvPr id="2" name="Folienbildplatzhalter 1"/>
+          <p:cNvSpPr>
+            <a:spLocks noGrp="1" noRot="1" noChangeAspect="1"/>
+          </p:cNvSpPr>
+          <p:nvPr>
+            <p:ph type="sldImg"/>
+          </p:nvPr>
+        </p:nvSpPr>
+        <p:spPr>
+          <a:xfrm>
+            <a:off x="685800" y="1143000"/>
+            <a:ext cx="5486400" cy="3086100"/>
+          </a:xfrm>
+        </p:spPr>
+      </p:sp>
+      <p:sp>
+        <p:nvSpPr>
+          <p:cNvPr id="3" name="Notizenplatzhalter 2"/>
+          <p:cNvSpPr>
+            <a:spLocks noGrp="1"/>
+          </p:cNvSpPr>
+          <p:nvPr>
+            <p:ph type="body" idx="1"/>
+          </p:nvPr>
+        </p:nvSpPr>
+        <p:spPr/>
+        <p:txBody>
+          <a:bodyPr/>
+          <a:lstStyle/>
+          <a:p>
+            <a:endParaRPr lang="de-DE" dirty="0"/>
+          </a:p>
+        </p:txBody>
+      </p:sp>
+      <p:sp>
+        <p:nvSpPr>
+          <p:cNvPr id="4" name="Foliennummernplatzhalter 3"/>
+          <p:cNvSpPr>
+            <a:spLocks noGrp="1"/>
+          </p:cNvSpPr>
+          <p:nvPr>
+            <p:ph type="sldNum" sz="quarter" idx="5"/>
+          </p:nvPr>
+        </p:nvSpPr>
+        <p:spPr/>
+        <p:txBody>
+          <a:bodyPr/>
+          <a:lstStyle/>
+          <a:p>
+            <a:pPr marL="0" marR="0" lvl="0" indent="0" algn="ctr" defTabSz="457200" rtl="0" eaLnBrk="1" fontAlgn="auto" latinLnBrk="0" hangingPunct="1">
+              <a:lnSpc>
+                <a:spcPct val="100000"/>
+              </a:lnSpc>
+              <a:spcBef>
+                <a:spcPts val="0"/>
+              </a:spcBef>
+              <a:spcAft>
+                <a:spcPts val="0"/>
+              </a:spcAft>
+              <a:buClrTx/>
+              <a:buSzTx/>
+              <a:buFontTx/>
+              <a:buNone/>
+              <a:tabLst/>
+              <a:defRPr/>
+            </a:pPr>
+            <a:fld id="{0B4E03F4-693C-45B2-A7AD-D1F8CFC3F73E}" type="slidenum">
+              <a:rPr kumimoji="0" lang="de-DE" sz="1200" b="0" i="0" u="none" strike="noStrike" kern="1200" cap="none" spc="0" normalizeH="0" baseline="0" noProof="0" smtClean="0">
+                <a:ln>
+                  <a:noFill/>
+                </a:ln>
+                <a:solidFill>
+                  <a:prstClr val="black"/>
+                </a:solidFill>
+                <a:effectLst/>
+                <a:uLnTx/>
+                <a:uFillTx/>
+                <a:latin typeface="Calibri" panose="020F0502020204030204"/>
+                <a:ea typeface="+mn-ea"/>
+                <a:cs typeface="+mn-cs"/>
+              </a:rPr>
+              <a:pPr marL="0" marR="0" lvl="0" indent="0" algn="ctr" defTabSz="457200" rtl="0" eaLnBrk="1" fontAlgn="auto" latinLnBrk="0" hangingPunct="1">
+                <a:lnSpc>
+                  <a:spcPct val="100000"/>
+                </a:lnSpc>
+                <a:spcBef>
+                  <a:spcPts val="0"/>
+                </a:spcBef>
+                <a:spcAft>
+                  <a:spcPts val="0"/>
+                </a:spcAft>
+                <a:buClrTx/>
+                <a:buSzTx/>
+                <a:buFontTx/>
+                <a:buNone/>
+                <a:tabLst/>
+                <a:defRPr/>
+              </a:pPr>
+              <a:t>12</a:t>
+            </a:fld>
+            <a:endParaRPr kumimoji="0" lang="de-DE" sz="1200" b="0" i="0" u="none" strike="noStrike" kern="1200" cap="none" spc="0" normalizeH="0" baseline="0" noProof="0" dirty="0">
+              <a:ln>
+                <a:noFill/>
+              </a:ln>
+              <a:solidFill>
+                <a:prstClr val="black"/>
+              </a:solidFill>
+              <a:effectLst/>
+              <a:uLnTx/>
+              <a:uFillTx/>
+              <a:latin typeface="Calibri" panose="020F0502020204030204"/>
+              <a:ea typeface="+mn-ea"/>
+              <a:cs typeface="+mn-cs"/>
+            </a:endParaRPr>
+          </a:p>
+        </p:txBody>
+      </p:sp>
+    </p:spTree>
+    <p:extLst>
+      <p:ext uri="{BB962C8B-B14F-4D97-AF65-F5344CB8AC3E}">
+        <p14:creationId xmlns:p14="http://schemas.microsoft.com/office/powerpoint/2010/main" val="429863160"/>
+      </p:ext>
+    </p:extLst>
+  </p:cSld>
+  <p:clrMapOvr>
+    <a:masterClrMapping/>
+  </p:clrMapOvr>
+</p:notes>
+</file>
+
+<file path=ppt/notesSlides/notesSlide11.xml><?xml version="1.0" encoding="utf-8"?>
+<p:notes xmlns:a="http://schemas.openxmlformats.org/drawingml/2006/main" xmlns:r="http://schemas.openxmlformats.org/officeDocument/2006/relationships" xmlns:p="http://schemas.openxmlformats.org/presentationml/2006/main">
+  <p:cSld>
+    <p:spTree>
+      <p:nvGrpSpPr>
+        <p:cNvPr id="1" name=""/>
+        <p:cNvGrpSpPr/>
+        <p:nvPr/>
+      </p:nvGrpSpPr>
+      <p:grpSpPr>
+        <a:xfrm>
+          <a:off x="0" y="0"/>
+          <a:ext cx="0" cy="0"/>
+          <a:chOff x="0" y="0"/>
+          <a:chExt cx="0" cy="0"/>
+        </a:xfrm>
+      </p:grpSpPr>
+      <p:sp>
+        <p:nvSpPr>
+          <p:cNvPr id="2" name="Folienbildplatzhalter 1"/>
+          <p:cNvSpPr>
+            <a:spLocks noGrp="1" noRot="1" noChangeAspect="1"/>
+          </p:cNvSpPr>
+          <p:nvPr>
+            <p:ph type="sldImg"/>
+          </p:nvPr>
+        </p:nvSpPr>
+        <p:spPr>
+          <a:xfrm>
+            <a:off x="685800" y="1143000"/>
+            <a:ext cx="5486400" cy="3086100"/>
+          </a:xfrm>
+        </p:spPr>
+      </p:sp>
+      <p:sp>
+        <p:nvSpPr>
+          <p:cNvPr id="3" name="Notizenplatzhalter 2"/>
+          <p:cNvSpPr>
+            <a:spLocks noGrp="1"/>
+          </p:cNvSpPr>
+          <p:nvPr>
+            <p:ph type="body" idx="1"/>
+          </p:nvPr>
+        </p:nvSpPr>
+        <p:spPr/>
+        <p:txBody>
+          <a:bodyPr/>
+          <a:lstStyle/>
+          <a:p>
+            <a:endParaRPr lang="de-DE" dirty="0"/>
+          </a:p>
+        </p:txBody>
+      </p:sp>
+      <p:sp>
+        <p:nvSpPr>
+          <p:cNvPr id="4" name="Foliennummernplatzhalter 3"/>
+          <p:cNvSpPr>
+            <a:spLocks noGrp="1"/>
+          </p:cNvSpPr>
+          <p:nvPr>
+            <p:ph type="sldNum" sz="quarter" idx="5"/>
+          </p:nvPr>
+        </p:nvSpPr>
+        <p:spPr/>
+        <p:txBody>
+          <a:bodyPr/>
+          <a:lstStyle/>
+          <a:p>
+            <a:pPr marL="0" marR="0" lvl="0" indent="0" algn="ctr" defTabSz="457200" rtl="0" eaLnBrk="1" fontAlgn="auto" latinLnBrk="0" hangingPunct="1">
+              <a:lnSpc>
+                <a:spcPct val="100000"/>
+              </a:lnSpc>
+              <a:spcBef>
+                <a:spcPts val="0"/>
+              </a:spcBef>
+              <a:spcAft>
+                <a:spcPts val="0"/>
+              </a:spcAft>
+              <a:buClrTx/>
+              <a:buSzTx/>
+              <a:buFontTx/>
+              <a:buNone/>
+              <a:tabLst/>
+              <a:defRPr/>
+            </a:pPr>
+            <a:fld id="{0B4E03F4-693C-45B2-A7AD-D1F8CFC3F73E}" type="slidenum">
+              <a:rPr kumimoji="0" lang="de-DE" sz="1200" b="0" i="0" u="none" strike="noStrike" kern="1200" cap="none" spc="0" normalizeH="0" baseline="0" noProof="0" smtClean="0">
+                <a:ln>
+                  <a:noFill/>
+                </a:ln>
+                <a:solidFill>
+                  <a:prstClr val="black"/>
+                </a:solidFill>
+                <a:effectLst/>
+                <a:uLnTx/>
+                <a:uFillTx/>
+                <a:latin typeface="Calibri" panose="020F0502020204030204"/>
+                <a:ea typeface="+mn-ea"/>
+                <a:cs typeface="+mn-cs"/>
+              </a:rPr>
+              <a:pPr marL="0" marR="0" lvl="0" indent="0" algn="ctr" defTabSz="457200" rtl="0" eaLnBrk="1" fontAlgn="auto" latinLnBrk="0" hangingPunct="1">
+                <a:lnSpc>
+                  <a:spcPct val="100000"/>
+                </a:lnSpc>
+                <a:spcBef>
+                  <a:spcPts val="0"/>
+                </a:spcBef>
+                <a:spcAft>
+                  <a:spcPts val="0"/>
+                </a:spcAft>
+                <a:buClrTx/>
+                <a:buSzTx/>
+                <a:buFontTx/>
+                <a:buNone/>
+                <a:tabLst/>
+                <a:defRPr/>
+              </a:pPr>
+              <a:t>13</a:t>
+            </a:fld>
+            <a:endParaRPr kumimoji="0" lang="de-DE" sz="1200" b="0" i="0" u="none" strike="noStrike" kern="1200" cap="none" spc="0" normalizeH="0" baseline="0" noProof="0" dirty="0">
+              <a:ln>
+                <a:noFill/>
+              </a:ln>
+              <a:solidFill>
+                <a:prstClr val="black"/>
+              </a:solidFill>
+              <a:effectLst/>
+              <a:uLnTx/>
+              <a:uFillTx/>
+              <a:latin typeface="Calibri" panose="020F0502020204030204"/>
+              <a:ea typeface="+mn-ea"/>
+              <a:cs typeface="+mn-cs"/>
+            </a:endParaRPr>
+          </a:p>
+        </p:txBody>
+      </p:sp>
+    </p:spTree>
+    <p:extLst>
+      <p:ext uri="{BB962C8B-B14F-4D97-AF65-F5344CB8AC3E}">
+        <p14:creationId xmlns:p14="http://schemas.microsoft.com/office/powerpoint/2010/main" val="1224705159"/>
+      </p:ext>
+    </p:extLst>
+  </p:cSld>
+  <p:clrMapOvr>
+    <a:masterClrMapping/>
+  </p:clrMapOvr>
+</p:notes>
+</file>
+
+<file path=ppt/notesSlides/notesSlide12.xml><?xml version="1.0" encoding="utf-8"?>
+<p:notes xmlns:a="http://schemas.openxmlformats.org/drawingml/2006/main" xmlns:r="http://schemas.openxmlformats.org/officeDocument/2006/relationships" xmlns:p="http://schemas.openxmlformats.org/presentationml/2006/main">
+  <p:cSld>
+    <p:spTree>
+      <p:nvGrpSpPr>
+        <p:cNvPr id="1" name=""/>
+        <p:cNvGrpSpPr/>
+        <p:nvPr/>
+      </p:nvGrpSpPr>
+      <p:grpSpPr>
+        <a:xfrm>
+          <a:off x="0" y="0"/>
+          <a:ext cx="0" cy="0"/>
+          <a:chOff x="0" y="0"/>
+          <a:chExt cx="0" cy="0"/>
+        </a:xfrm>
+      </p:grpSpPr>
+      <p:sp>
+        <p:nvSpPr>
+          <p:cNvPr id="2" name="Folienbildplatzhalter 1"/>
+          <p:cNvSpPr>
+            <a:spLocks noGrp="1" noRot="1" noChangeAspect="1"/>
+          </p:cNvSpPr>
+          <p:nvPr>
+            <p:ph type="sldImg"/>
+          </p:nvPr>
+        </p:nvSpPr>
+        <p:spPr>
+          <a:xfrm>
+            <a:off x="685800" y="1143000"/>
+            <a:ext cx="5486400" cy="3086100"/>
+          </a:xfrm>
+        </p:spPr>
+      </p:sp>
+      <p:sp>
+        <p:nvSpPr>
+          <p:cNvPr id="3" name="Notizenplatzhalter 2"/>
+          <p:cNvSpPr>
+            <a:spLocks noGrp="1"/>
+          </p:cNvSpPr>
+          <p:nvPr>
+            <p:ph type="body" idx="1"/>
+          </p:nvPr>
+        </p:nvSpPr>
+        <p:spPr/>
+        <p:txBody>
+          <a:bodyPr/>
+          <a:lstStyle/>
+          <a:p>
+            <a:endParaRPr lang="de-DE" dirty="0"/>
+          </a:p>
+        </p:txBody>
+      </p:sp>
+      <p:sp>
+        <p:nvSpPr>
+          <p:cNvPr id="4" name="Foliennummernplatzhalter 3"/>
+          <p:cNvSpPr>
+            <a:spLocks noGrp="1"/>
+          </p:cNvSpPr>
+          <p:nvPr>
+            <p:ph type="sldNum" sz="quarter" idx="5"/>
+          </p:nvPr>
+        </p:nvSpPr>
+        <p:spPr/>
+        <p:txBody>
+          <a:bodyPr/>
+          <a:lstStyle/>
+          <a:p>
+            <a:pPr marL="0" marR="0" lvl="0" indent="0" algn="ctr" defTabSz="457200" rtl="0" eaLnBrk="1" fontAlgn="auto" latinLnBrk="0" hangingPunct="1">
+              <a:lnSpc>
+                <a:spcPct val="100000"/>
+              </a:lnSpc>
+              <a:spcBef>
+                <a:spcPts val="0"/>
+              </a:spcBef>
+              <a:spcAft>
+                <a:spcPts val="0"/>
+              </a:spcAft>
+              <a:buClrTx/>
+              <a:buSzTx/>
+              <a:buFontTx/>
+              <a:buNone/>
+              <a:tabLst/>
+              <a:defRPr/>
+            </a:pPr>
+            <a:fld id="{0B4E03F4-693C-45B2-A7AD-D1F8CFC3F73E}" type="slidenum">
+              <a:rPr kumimoji="0" lang="de-DE" sz="1200" b="0" i="0" u="none" strike="noStrike" kern="1200" cap="none" spc="0" normalizeH="0" baseline="0" noProof="0" smtClean="0">
+                <a:ln>
+                  <a:noFill/>
+                </a:ln>
+                <a:solidFill>
+                  <a:prstClr val="black"/>
+                </a:solidFill>
+                <a:effectLst/>
+                <a:uLnTx/>
+                <a:uFillTx/>
+                <a:latin typeface="Calibri" panose="020F0502020204030204"/>
+                <a:ea typeface="+mn-ea"/>
+                <a:cs typeface="+mn-cs"/>
+              </a:rPr>
+              <a:pPr marL="0" marR="0" lvl="0" indent="0" algn="ctr" defTabSz="457200" rtl="0" eaLnBrk="1" fontAlgn="auto" latinLnBrk="0" hangingPunct="1">
+                <a:lnSpc>
+                  <a:spcPct val="100000"/>
+                </a:lnSpc>
+                <a:spcBef>
+                  <a:spcPts val="0"/>
+                </a:spcBef>
+                <a:spcAft>
+                  <a:spcPts val="0"/>
+                </a:spcAft>
+                <a:buClrTx/>
+                <a:buSzTx/>
+                <a:buFontTx/>
+                <a:buNone/>
+                <a:tabLst/>
+                <a:defRPr/>
+              </a:pPr>
+              <a:t>19</a:t>
+            </a:fld>
+            <a:endParaRPr kumimoji="0" lang="de-DE" sz="1200" b="0" i="0" u="none" strike="noStrike" kern="1200" cap="none" spc="0" normalizeH="0" baseline="0" noProof="0" dirty="0">
+              <a:ln>
+                <a:noFill/>
+              </a:ln>
+              <a:solidFill>
+                <a:prstClr val="black"/>
+              </a:solidFill>
+              <a:effectLst/>
+              <a:uLnTx/>
+              <a:uFillTx/>
+              <a:latin typeface="Calibri" panose="020F0502020204030204"/>
+              <a:ea typeface="+mn-ea"/>
+              <a:cs typeface="+mn-cs"/>
+            </a:endParaRPr>
+          </a:p>
+        </p:txBody>
+      </p:sp>
+    </p:spTree>
+    <p:extLst>
+      <p:ext uri="{BB962C8B-B14F-4D97-AF65-F5344CB8AC3E}">
+        <p14:creationId xmlns:p14="http://schemas.microsoft.com/office/powerpoint/2010/main" val="1662126864"/>
+      </p:ext>
+    </p:extLst>
+  </p:cSld>
+  <p:clrMapOvr>
+    <a:masterClrMapping/>
+  </p:clrMapOvr>
+</p:notes>
+</file>
+
+<file path=ppt/notesSlides/notesSlide13.xml><?xml version="1.0" encoding="utf-8"?>
+<p:notes xmlns:a="http://schemas.openxmlformats.org/drawingml/2006/main" xmlns:r="http://schemas.openxmlformats.org/officeDocument/2006/relationships" xmlns:p="http://schemas.openxmlformats.org/presentationml/2006/main">
+  <p:cSld>
+    <p:spTree>
+      <p:nvGrpSpPr>
+        <p:cNvPr id="1" name=""/>
+        <p:cNvGrpSpPr/>
+        <p:nvPr/>
+      </p:nvGrpSpPr>
+      <p:grpSpPr>
+        <a:xfrm>
+          <a:off x="0" y="0"/>
+          <a:ext cx="0" cy="0"/>
+          <a:chOff x="0" y="0"/>
+          <a:chExt cx="0" cy="0"/>
+        </a:xfrm>
+      </p:grpSpPr>
+      <p:sp>
+        <p:nvSpPr>
+          <p:cNvPr id="2" name="Folienbildplatzhalter 1"/>
+          <p:cNvSpPr>
+            <a:spLocks noGrp="1" noRot="1" noChangeAspect="1"/>
+          </p:cNvSpPr>
+          <p:nvPr>
+            <p:ph type="sldImg"/>
+          </p:nvPr>
+        </p:nvSpPr>
+        <p:spPr>
+          <a:xfrm>
+            <a:off x="685800" y="1143000"/>
+            <a:ext cx="5486400" cy="3086100"/>
+          </a:xfrm>
+        </p:spPr>
+      </p:sp>
+      <p:sp>
+        <p:nvSpPr>
+          <p:cNvPr id="3" name="Notizenplatzhalter 2"/>
+          <p:cNvSpPr>
+            <a:spLocks noGrp="1"/>
+          </p:cNvSpPr>
+          <p:nvPr>
+            <p:ph type="body" idx="1"/>
+          </p:nvPr>
+        </p:nvSpPr>
+        <p:spPr/>
+        <p:txBody>
+          <a:bodyPr/>
+          <a:lstStyle/>
+          <a:p>
+            <a:endParaRPr lang="de-DE" dirty="0"/>
+          </a:p>
+        </p:txBody>
+      </p:sp>
+      <p:sp>
+        <p:nvSpPr>
+          <p:cNvPr id="4" name="Foliennummernplatzhalter 3"/>
+          <p:cNvSpPr>
+            <a:spLocks noGrp="1"/>
+          </p:cNvSpPr>
+          <p:nvPr>
+            <p:ph type="sldNum" sz="quarter" idx="5"/>
+          </p:nvPr>
+        </p:nvSpPr>
+        <p:spPr/>
+        <p:txBody>
+          <a:bodyPr/>
+          <a:lstStyle/>
+          <a:p>
+            <a:pPr marL="0" marR="0" lvl="0" indent="0" algn="ctr" defTabSz="457200" rtl="0" eaLnBrk="1" fontAlgn="auto" latinLnBrk="0" hangingPunct="1">
+              <a:lnSpc>
+                <a:spcPct val="100000"/>
+              </a:lnSpc>
+              <a:spcBef>
+                <a:spcPts val="0"/>
+              </a:spcBef>
+              <a:spcAft>
+                <a:spcPts val="0"/>
+              </a:spcAft>
+              <a:buClrTx/>
+              <a:buSzTx/>
+              <a:buFontTx/>
+              <a:buNone/>
+              <a:tabLst/>
+              <a:defRPr/>
+            </a:pPr>
+            <a:fld id="{0B4E03F4-693C-45B2-A7AD-D1F8CFC3F73E}" type="slidenum">
+              <a:rPr kumimoji="0" lang="de-DE" sz="1200" b="0" i="0" u="none" strike="noStrike" kern="1200" cap="none" spc="0" normalizeH="0" baseline="0" noProof="0" smtClean="0">
+                <a:ln>
+                  <a:noFill/>
+                </a:ln>
+                <a:solidFill>
+                  <a:prstClr val="black"/>
+                </a:solidFill>
+                <a:effectLst/>
+                <a:uLnTx/>
+                <a:uFillTx/>
+                <a:latin typeface="Calibri" panose="020F0502020204030204"/>
+                <a:ea typeface="+mn-ea"/>
+                <a:cs typeface="+mn-cs"/>
+              </a:rPr>
+              <a:pPr marL="0" marR="0" lvl="0" indent="0" algn="ctr" defTabSz="457200" rtl="0" eaLnBrk="1" fontAlgn="auto" latinLnBrk="0" hangingPunct="1">
+                <a:lnSpc>
+                  <a:spcPct val="100000"/>
+                </a:lnSpc>
+                <a:spcBef>
+                  <a:spcPts val="0"/>
+                </a:spcBef>
+                <a:spcAft>
+                  <a:spcPts val="0"/>
+                </a:spcAft>
+                <a:buClrTx/>
+                <a:buSzTx/>
+                <a:buFontTx/>
+                <a:buNone/>
+                <a:tabLst/>
+                <a:defRPr/>
+              </a:pPr>
+              <a:t>20</a:t>
+            </a:fld>
+            <a:endParaRPr kumimoji="0" lang="de-DE" sz="1200" b="0" i="0" u="none" strike="noStrike" kern="1200" cap="none" spc="0" normalizeH="0" baseline="0" noProof="0" dirty="0">
+              <a:ln>
+                <a:noFill/>
+              </a:ln>
+              <a:solidFill>
+                <a:prstClr val="black"/>
+              </a:solidFill>
+              <a:effectLst/>
+              <a:uLnTx/>
+              <a:uFillTx/>
+              <a:latin typeface="Calibri" panose="020F0502020204030204"/>
+              <a:ea typeface="+mn-ea"/>
+              <a:cs typeface="+mn-cs"/>
+            </a:endParaRPr>
+          </a:p>
+        </p:txBody>
+      </p:sp>
+    </p:spTree>
+    <p:extLst>
+      <p:ext uri="{BB962C8B-B14F-4D97-AF65-F5344CB8AC3E}">
+        <p14:creationId xmlns:p14="http://schemas.microsoft.com/office/powerpoint/2010/main" val="3594752663"/>
+      </p:ext>
+    </p:extLst>
+  </p:cSld>
+  <p:clrMapOvr>
+    <a:masterClrMapping/>
+  </p:clrMapOvr>
+</p:notes>
+</file>
+
+<file path=ppt/notesSlides/notesSlide14.xml><?xml version="1.0" encoding="utf-8"?>
+<p:notes xmlns:a="http://schemas.openxmlformats.org/drawingml/2006/main" xmlns:r="http://schemas.openxmlformats.org/officeDocument/2006/relationships" xmlns:p="http://schemas.openxmlformats.org/presentationml/2006/main">
+  <p:cSld>
+    <p:spTree>
+      <p:nvGrpSpPr>
+        <p:cNvPr id="1" name=""/>
+        <p:cNvGrpSpPr/>
+        <p:nvPr/>
+      </p:nvGrpSpPr>
+      <p:grpSpPr>
+        <a:xfrm>
+          <a:off x="0" y="0"/>
+          <a:ext cx="0" cy="0"/>
+          <a:chOff x="0" y="0"/>
+          <a:chExt cx="0" cy="0"/>
+        </a:xfrm>
+      </p:grpSpPr>
+      <p:sp>
+        <p:nvSpPr>
+          <p:cNvPr id="2" name="Folienbildplatzhalter 1"/>
+          <p:cNvSpPr>
+            <a:spLocks noGrp="1" noRot="1" noChangeAspect="1"/>
+          </p:cNvSpPr>
+          <p:nvPr>
+            <p:ph type="sldImg"/>
+          </p:nvPr>
+        </p:nvSpPr>
+        <p:spPr>
+          <a:xfrm>
+            <a:off x="685800" y="1143000"/>
+            <a:ext cx="5486400" cy="3086100"/>
+          </a:xfrm>
+        </p:spPr>
+      </p:sp>
+      <p:sp>
+        <p:nvSpPr>
+          <p:cNvPr id="3" name="Notizenplatzhalter 2"/>
+          <p:cNvSpPr>
+            <a:spLocks noGrp="1"/>
+          </p:cNvSpPr>
+          <p:nvPr>
+            <p:ph type="body" idx="1"/>
+          </p:nvPr>
+        </p:nvSpPr>
+        <p:spPr/>
+        <p:txBody>
+          <a:bodyPr/>
+          <a:lstStyle/>
+          <a:p>
+            <a:endParaRPr lang="de-DE" dirty="0"/>
+          </a:p>
+        </p:txBody>
+      </p:sp>
+      <p:sp>
+        <p:nvSpPr>
+          <p:cNvPr id="4" name="Foliennummernplatzhalter 3"/>
+          <p:cNvSpPr>
+            <a:spLocks noGrp="1"/>
+          </p:cNvSpPr>
+          <p:nvPr>
+            <p:ph type="sldNum" sz="quarter" idx="5"/>
+          </p:nvPr>
+        </p:nvSpPr>
+        <p:spPr/>
+        <p:txBody>
+          <a:bodyPr/>
+          <a:lstStyle/>
+          <a:p>
+            <a:pPr marL="0" marR="0" lvl="0" indent="0" algn="ctr" defTabSz="457200" rtl="0" eaLnBrk="1" fontAlgn="auto" latinLnBrk="0" hangingPunct="1">
+              <a:lnSpc>
+                <a:spcPct val="100000"/>
+              </a:lnSpc>
+              <a:spcBef>
+                <a:spcPts val="0"/>
+              </a:spcBef>
+              <a:spcAft>
+                <a:spcPts val="0"/>
+              </a:spcAft>
+              <a:buClrTx/>
+              <a:buSzTx/>
+              <a:buFontTx/>
+              <a:buNone/>
+              <a:tabLst/>
+              <a:defRPr/>
+            </a:pPr>
+            <a:fld id="{0B4E03F4-693C-45B2-A7AD-D1F8CFC3F73E}" type="slidenum">
+              <a:rPr kumimoji="0" lang="de-DE" sz="1200" b="0" i="0" u="none" strike="noStrike" kern="1200" cap="none" spc="0" normalizeH="0" baseline="0" noProof="0" smtClean="0">
+                <a:ln>
+                  <a:noFill/>
+                </a:ln>
+                <a:solidFill>
+                  <a:prstClr val="black"/>
+                </a:solidFill>
+                <a:effectLst/>
+                <a:uLnTx/>
+                <a:uFillTx/>
+                <a:latin typeface="Calibri" panose="020F0502020204030204"/>
+                <a:ea typeface="+mn-ea"/>
+                <a:cs typeface="+mn-cs"/>
+              </a:rPr>
+              <a:pPr marL="0" marR="0" lvl="0" indent="0" algn="ctr" defTabSz="457200" rtl="0" eaLnBrk="1" fontAlgn="auto" latinLnBrk="0" hangingPunct="1">
+                <a:lnSpc>
+                  <a:spcPct val="100000"/>
+                </a:lnSpc>
+                <a:spcBef>
+                  <a:spcPts val="0"/>
+                </a:spcBef>
+                <a:spcAft>
+                  <a:spcPts val="0"/>
+                </a:spcAft>
+                <a:buClrTx/>
+                <a:buSzTx/>
+                <a:buFontTx/>
+                <a:buNone/>
+                <a:tabLst/>
+                <a:defRPr/>
+              </a:pPr>
+              <a:t>24</a:t>
+            </a:fld>
+            <a:endParaRPr kumimoji="0" lang="de-DE" sz="1200" b="0" i="0" u="none" strike="noStrike" kern="1200" cap="none" spc="0" normalizeH="0" baseline="0" noProof="0" dirty="0">
+              <a:ln>
+                <a:noFill/>
+              </a:ln>
+              <a:solidFill>
+                <a:prstClr val="black"/>
+              </a:solidFill>
+              <a:effectLst/>
+              <a:uLnTx/>
+              <a:uFillTx/>
+              <a:latin typeface="Calibri" panose="020F0502020204030204"/>
+              <a:ea typeface="+mn-ea"/>
+              <a:cs typeface="+mn-cs"/>
+            </a:endParaRPr>
+          </a:p>
+        </p:txBody>
+      </p:sp>
+    </p:spTree>
+    <p:extLst>
+      <p:ext uri="{BB962C8B-B14F-4D97-AF65-F5344CB8AC3E}">
+        <p14:creationId xmlns:p14="http://schemas.microsoft.com/office/powerpoint/2010/main" val="776846606"/>
+      </p:ext>
+    </p:extLst>
+  </p:cSld>
+  <p:clrMapOvr>
+    <a:masterClrMapping/>
+  </p:clrMapOvr>
+</p:notes>
+</file>
+
+<file path=ppt/notesSlides/notesSlide15.xml><?xml version="1.0" encoding="utf-8"?>
+<p:notes xmlns:a="http://schemas.openxmlformats.org/drawingml/2006/main" xmlns:r="http://schemas.openxmlformats.org/officeDocument/2006/relationships" xmlns:p="http://schemas.openxmlformats.org/presentationml/2006/main">
+  <p:cSld>
+    <p:spTree>
+      <p:nvGrpSpPr>
+        <p:cNvPr id="1" name=""/>
+        <p:cNvGrpSpPr/>
+        <p:nvPr/>
+      </p:nvGrpSpPr>
+      <p:grpSpPr>
+        <a:xfrm>
+          <a:off x="0" y="0"/>
+          <a:ext cx="0" cy="0"/>
+          <a:chOff x="0" y="0"/>
+          <a:chExt cx="0" cy="0"/>
+        </a:xfrm>
+      </p:grpSpPr>
+      <p:sp>
+        <p:nvSpPr>
+          <p:cNvPr id="2" name="Folienbildplatzhalter 1"/>
+          <p:cNvSpPr>
+            <a:spLocks noGrp="1" noRot="1" noChangeAspect="1"/>
+          </p:cNvSpPr>
+          <p:nvPr>
+            <p:ph type="sldImg"/>
+          </p:nvPr>
+        </p:nvSpPr>
+        <p:spPr>
+          <a:xfrm>
+            <a:off x="685800" y="1143000"/>
+            <a:ext cx="5486400" cy="3086100"/>
+          </a:xfrm>
+        </p:spPr>
+      </p:sp>
+      <p:sp>
+        <p:nvSpPr>
+          <p:cNvPr id="3" name="Notizenplatzhalter 2"/>
+          <p:cNvSpPr>
+            <a:spLocks noGrp="1"/>
+          </p:cNvSpPr>
+          <p:nvPr>
+            <p:ph type="body" idx="1"/>
+          </p:nvPr>
+        </p:nvSpPr>
+        <p:spPr/>
+        <p:txBody>
+          <a:bodyPr/>
+          <a:lstStyle/>
+          <a:p>
+            <a:endParaRPr lang="de-DE" dirty="0"/>
+          </a:p>
+        </p:txBody>
+      </p:sp>
+      <p:sp>
+        <p:nvSpPr>
+          <p:cNvPr id="4" name="Foliennummernplatzhalter 3"/>
+          <p:cNvSpPr>
+            <a:spLocks noGrp="1"/>
+          </p:cNvSpPr>
+          <p:nvPr>
+            <p:ph type="sldNum" sz="quarter" idx="5"/>
+          </p:nvPr>
+        </p:nvSpPr>
+        <p:spPr/>
+        <p:txBody>
+          <a:bodyPr/>
+          <a:lstStyle/>
+          <a:p>
+            <a:pPr marL="0" marR="0" lvl="0" indent="0" algn="ctr" defTabSz="457200" rtl="0" eaLnBrk="1" fontAlgn="auto" latinLnBrk="0" hangingPunct="1">
+              <a:lnSpc>
+                <a:spcPct val="100000"/>
+              </a:lnSpc>
+              <a:spcBef>
+                <a:spcPts val="0"/>
+              </a:spcBef>
+              <a:spcAft>
+                <a:spcPts val="0"/>
+              </a:spcAft>
+              <a:buClrTx/>
+              <a:buSzTx/>
+              <a:buFontTx/>
+              <a:buNone/>
+              <a:tabLst/>
+              <a:defRPr/>
+            </a:pPr>
+            <a:fld id="{0B4E03F4-693C-45B2-A7AD-D1F8CFC3F73E}" type="slidenum">
+              <a:rPr kumimoji="0" lang="de-DE" sz="1200" b="0" i="0" u="none" strike="noStrike" kern="1200" cap="none" spc="0" normalizeH="0" baseline="0" noProof="0" smtClean="0">
+                <a:ln>
+                  <a:noFill/>
+                </a:ln>
+                <a:solidFill>
+                  <a:prstClr val="black"/>
+                </a:solidFill>
+                <a:effectLst/>
+                <a:uLnTx/>
+                <a:uFillTx/>
+                <a:latin typeface="Calibri" panose="020F0502020204030204"/>
+                <a:ea typeface="+mn-ea"/>
+                <a:cs typeface="+mn-cs"/>
+              </a:rPr>
+              <a:pPr marL="0" marR="0" lvl="0" indent="0" algn="ctr" defTabSz="457200" rtl="0" eaLnBrk="1" fontAlgn="auto" latinLnBrk="0" hangingPunct="1">
+                <a:lnSpc>
+                  <a:spcPct val="100000"/>
+                </a:lnSpc>
+                <a:spcBef>
+                  <a:spcPts val="0"/>
+                </a:spcBef>
+                <a:spcAft>
+                  <a:spcPts val="0"/>
+                </a:spcAft>
+                <a:buClrTx/>
+                <a:buSzTx/>
+                <a:buFontTx/>
+                <a:buNone/>
+                <a:tabLst/>
+                <a:defRPr/>
+              </a:pPr>
+              <a:t>26</a:t>
+            </a:fld>
+            <a:endParaRPr kumimoji="0" lang="de-DE" sz="1200" b="0" i="0" u="none" strike="noStrike" kern="1200" cap="none" spc="0" normalizeH="0" baseline="0" noProof="0" dirty="0">
+              <a:ln>
+                <a:noFill/>
+              </a:ln>
+              <a:solidFill>
+                <a:prstClr val="black"/>
+              </a:solidFill>
+              <a:effectLst/>
+              <a:uLnTx/>
+              <a:uFillTx/>
+              <a:latin typeface="Calibri" panose="020F0502020204030204"/>
+              <a:ea typeface="+mn-ea"/>
+              <a:cs typeface="+mn-cs"/>
+            </a:endParaRPr>
+          </a:p>
+        </p:txBody>
+      </p:sp>
+    </p:spTree>
+    <p:extLst>
+      <p:ext uri="{BB962C8B-B14F-4D97-AF65-F5344CB8AC3E}">
+        <p14:creationId xmlns:p14="http://schemas.microsoft.com/office/powerpoint/2010/main" val="1721736728"/>
+      </p:ext>
+    </p:extLst>
+  </p:cSld>
+  <p:clrMapOvr>
+    <a:masterClrMapping/>
+  </p:clrMapOvr>
+</p:notes>
+</file>
+
+<file path=ppt/notesSlides/notesSlide16.xml><?xml version="1.0" encoding="utf-8"?>
+<p:notes xmlns:a="http://schemas.openxmlformats.org/drawingml/2006/main" xmlns:r="http://schemas.openxmlformats.org/officeDocument/2006/relationships" xmlns:p="http://schemas.openxmlformats.org/presentationml/2006/main">
+  <p:cSld>
+    <p:spTree>
+      <p:nvGrpSpPr>
+        <p:cNvPr id="1" name=""/>
+        <p:cNvGrpSpPr/>
+        <p:nvPr/>
+      </p:nvGrpSpPr>
+      <p:grpSpPr>
+        <a:xfrm>
+          <a:off x="0" y="0"/>
+          <a:ext cx="0" cy="0"/>
+          <a:chOff x="0" y="0"/>
+          <a:chExt cx="0" cy="0"/>
+        </a:xfrm>
+      </p:grpSpPr>
+      <p:sp>
+        <p:nvSpPr>
+          <p:cNvPr id="2" name="Folienbildplatzhalter 1"/>
+          <p:cNvSpPr>
+            <a:spLocks noGrp="1" noRot="1" noChangeAspect="1"/>
+          </p:cNvSpPr>
+          <p:nvPr>
+            <p:ph type="sldImg"/>
+          </p:nvPr>
+        </p:nvSpPr>
+        <p:spPr>
+          <a:xfrm>
+            <a:off x="685800" y="1143000"/>
+            <a:ext cx="5486400" cy="3086100"/>
+          </a:xfrm>
+        </p:spPr>
+      </p:sp>
+      <p:sp>
+        <p:nvSpPr>
+          <p:cNvPr id="3" name="Notizenplatzhalter 2"/>
+          <p:cNvSpPr>
+            <a:spLocks noGrp="1"/>
+          </p:cNvSpPr>
+          <p:nvPr>
+            <p:ph type="body" idx="1"/>
+          </p:nvPr>
+        </p:nvSpPr>
+        <p:spPr/>
+        <p:txBody>
+          <a:bodyPr/>
+          <a:lstStyle/>
+          <a:p>
+            <a:endParaRPr lang="de-DE" dirty="0"/>
+          </a:p>
+        </p:txBody>
+      </p:sp>
+      <p:sp>
+        <p:nvSpPr>
+          <p:cNvPr id="4" name="Foliennummernplatzhalter 3"/>
+          <p:cNvSpPr>
+            <a:spLocks noGrp="1"/>
+          </p:cNvSpPr>
+          <p:nvPr>
+            <p:ph type="sldNum" sz="quarter" idx="5"/>
+          </p:nvPr>
+        </p:nvSpPr>
+        <p:spPr/>
+        <p:txBody>
+          <a:bodyPr/>
+          <a:lstStyle/>
+          <a:p>
+            <a:pPr marL="0" marR="0" lvl="0" indent="0" algn="ctr" defTabSz="457200" rtl="0" eaLnBrk="1" fontAlgn="auto" latinLnBrk="0" hangingPunct="1">
+              <a:lnSpc>
+                <a:spcPct val="100000"/>
+              </a:lnSpc>
+              <a:spcBef>
+                <a:spcPts val="0"/>
+              </a:spcBef>
+              <a:spcAft>
+                <a:spcPts val="0"/>
+              </a:spcAft>
+              <a:buClrTx/>
+              <a:buSzTx/>
+              <a:buFontTx/>
+              <a:buNone/>
+              <a:tabLst/>
+              <a:defRPr/>
+            </a:pPr>
+            <a:fld id="{0B4E03F4-693C-45B2-A7AD-D1F8CFC3F73E}" type="slidenum">
+              <a:rPr kumimoji="0" lang="de-DE" sz="1200" b="0" i="0" u="none" strike="noStrike" kern="1200" cap="none" spc="0" normalizeH="0" baseline="0" noProof="0" smtClean="0">
+                <a:ln>
+                  <a:noFill/>
+                </a:ln>
+                <a:solidFill>
+                  <a:prstClr val="black"/>
+                </a:solidFill>
+                <a:effectLst/>
+                <a:uLnTx/>
+                <a:uFillTx/>
+                <a:latin typeface="Calibri" panose="020F0502020204030204"/>
+                <a:ea typeface="+mn-ea"/>
+                <a:cs typeface="+mn-cs"/>
+              </a:rPr>
+              <a:pPr marL="0" marR="0" lvl="0" indent="0" algn="ctr" defTabSz="457200" rtl="0" eaLnBrk="1" fontAlgn="auto" latinLnBrk="0" hangingPunct="1">
+                <a:lnSpc>
+                  <a:spcPct val="100000"/>
+                </a:lnSpc>
+                <a:spcBef>
+                  <a:spcPts val="0"/>
+                </a:spcBef>
+                <a:spcAft>
+                  <a:spcPts val="0"/>
+                </a:spcAft>
+                <a:buClrTx/>
+                <a:buSzTx/>
+                <a:buFontTx/>
+                <a:buNone/>
+                <a:tabLst/>
+                <a:defRPr/>
+              </a:pPr>
+              <a:t>28</a:t>
+            </a:fld>
+            <a:endParaRPr kumimoji="0" lang="de-DE" sz="1200" b="0" i="0" u="none" strike="noStrike" kern="1200" cap="none" spc="0" normalizeH="0" baseline="0" noProof="0" dirty="0">
+              <a:ln>
+                <a:noFill/>
+              </a:ln>
+              <a:solidFill>
+                <a:prstClr val="black"/>
+              </a:solidFill>
+              <a:effectLst/>
+              <a:uLnTx/>
+              <a:uFillTx/>
+              <a:latin typeface="Calibri" panose="020F0502020204030204"/>
+              <a:ea typeface="+mn-ea"/>
+              <a:cs typeface="+mn-cs"/>
+            </a:endParaRPr>
+          </a:p>
+        </p:txBody>
+      </p:sp>
+    </p:spTree>
+    <p:extLst>
+      <p:ext uri="{BB962C8B-B14F-4D97-AF65-F5344CB8AC3E}">
+        <p14:creationId xmlns:p14="http://schemas.microsoft.com/office/powerpoint/2010/main" val="2187319991"/>
+      </p:ext>
+    </p:extLst>
+  </p:cSld>
+  <p:clrMapOvr>
+    <a:masterClrMapping/>
+  </p:clrMapOvr>
+</p:notes>
+</file>
+
+<file path=ppt/notesSlides/notesSlide17.xml><?xml version="1.0" encoding="utf-8"?>
+<p:notes xmlns:a="http://schemas.openxmlformats.org/drawingml/2006/main" xmlns:r="http://schemas.openxmlformats.org/officeDocument/2006/relationships" xmlns:p="http://schemas.openxmlformats.org/presentationml/2006/main">
+  <p:cSld>
+    <p:spTree>
+      <p:nvGrpSpPr>
+        <p:cNvPr id="1" name=""/>
+        <p:cNvGrpSpPr/>
+        <p:nvPr/>
+      </p:nvGrpSpPr>
+      <p:grpSpPr>
+        <a:xfrm>
+          <a:off x="0" y="0"/>
+          <a:ext cx="0" cy="0"/>
+          <a:chOff x="0" y="0"/>
+          <a:chExt cx="0" cy="0"/>
+        </a:xfrm>
+      </p:grpSpPr>
+      <p:sp>
+        <p:nvSpPr>
+          <p:cNvPr id="2" name="Folienbildplatzhalter 1"/>
+          <p:cNvSpPr>
+            <a:spLocks noGrp="1" noRot="1" noChangeAspect="1"/>
+          </p:cNvSpPr>
+          <p:nvPr>
+            <p:ph type="sldImg"/>
+          </p:nvPr>
+        </p:nvSpPr>
+        <p:spPr>
+          <a:xfrm>
+            <a:off x="685800" y="1143000"/>
+            <a:ext cx="5486400" cy="3086100"/>
+          </a:xfrm>
+        </p:spPr>
+      </p:sp>
+      <p:sp>
+        <p:nvSpPr>
+          <p:cNvPr id="3" name="Notizenplatzhalter 2"/>
+          <p:cNvSpPr>
+            <a:spLocks noGrp="1"/>
+          </p:cNvSpPr>
+          <p:nvPr>
+            <p:ph type="body" idx="1"/>
+          </p:nvPr>
+        </p:nvSpPr>
+        <p:spPr/>
+        <p:txBody>
+          <a:bodyPr/>
+          <a:lstStyle/>
+          <a:p>
+            <a:endParaRPr lang="de-DE" dirty="0"/>
+          </a:p>
+        </p:txBody>
+      </p:sp>
+      <p:sp>
+        <p:nvSpPr>
+          <p:cNvPr id="4" name="Foliennummernplatzhalter 3"/>
+          <p:cNvSpPr>
+            <a:spLocks noGrp="1"/>
+          </p:cNvSpPr>
+          <p:nvPr>
+            <p:ph type="sldNum" sz="quarter" idx="5"/>
+          </p:nvPr>
+        </p:nvSpPr>
+        <p:spPr/>
+        <p:txBody>
+          <a:bodyPr/>
+          <a:lstStyle/>
+          <a:p>
+            <a:pPr algn="ctr"/>
+            <a:fld id="{0B4E03F4-693C-45B2-A7AD-D1F8CFC3F73E}" type="slidenum">
+              <a:rPr lang="de-DE" smtClean="0"/>
+              <a:pPr algn="ctr"/>
+              <a:t>32</a:t>
+            </a:fld>
+            <a:endParaRPr lang="de-DE" dirty="0"/>
+          </a:p>
+        </p:txBody>
+      </p:sp>
+    </p:spTree>
+    <p:extLst>
+      <p:ext uri="{BB962C8B-B14F-4D97-AF65-F5344CB8AC3E}">
+        <p14:creationId xmlns:p14="http://schemas.microsoft.com/office/powerpoint/2010/main" val="88416694"/>
+      </p:ext>
+    </p:extLst>
+  </p:cSld>
+  <p:clrMapOvr>
+    <a:masterClrMapping/>
+  </p:clrMapOvr>
+</p:notes>
+</file>
+
+<file path=ppt/notesSlides/notesSlide2.xml><?xml version="1.0" encoding="utf-8"?>
+<p:notes xmlns:a="http://schemas.openxmlformats.org/drawingml/2006/main" xmlns:r="http://schemas.openxmlformats.org/officeDocument/2006/relationships" xmlns:p="http://schemas.openxmlformats.org/presentationml/2006/main">
+  <p:cSld>
+    <p:spTree>
+      <p:nvGrpSpPr>
+        <p:cNvPr id="1" name=""/>
+        <p:cNvGrpSpPr/>
+        <p:nvPr/>
+      </p:nvGrpSpPr>
+      <p:grpSpPr>
+        <a:xfrm>
+          <a:off x="0" y="0"/>
+          <a:ext cx="0" cy="0"/>
+          <a:chOff x="0" y="0"/>
+          <a:chExt cx="0" cy="0"/>
+        </a:xfrm>
+      </p:grpSpPr>
+      <p:sp>
+        <p:nvSpPr>
+          <p:cNvPr id="2" name="Folienbildplatzhalter 1"/>
+          <p:cNvSpPr>
+            <a:spLocks noGrp="1" noRot="1" noChangeAspect="1"/>
+          </p:cNvSpPr>
+          <p:nvPr>
+            <p:ph type="sldImg"/>
+          </p:nvPr>
+        </p:nvSpPr>
+        <p:spPr>
+          <a:xfrm>
+            <a:off x="685800" y="1143000"/>
+            <a:ext cx="5486400" cy="3086100"/>
+          </a:xfrm>
+        </p:spPr>
+      </p:sp>
+      <p:sp>
+        <p:nvSpPr>
+          <p:cNvPr id="3" name="Notizenplatzhalter 2"/>
+          <p:cNvSpPr>
+            <a:spLocks noGrp="1"/>
+          </p:cNvSpPr>
+          <p:nvPr>
+            <p:ph type="body" idx="1"/>
+          </p:nvPr>
+        </p:nvSpPr>
+        <p:spPr/>
+        <p:txBody>
+          <a:bodyPr/>
+          <a:lstStyle/>
+          <a:p>
+            <a:endParaRPr lang="de-DE" dirty="0"/>
+          </a:p>
+        </p:txBody>
+      </p:sp>
+      <p:sp>
+        <p:nvSpPr>
+          <p:cNvPr id="4" name="Foliennummernplatzhalter 3"/>
+          <p:cNvSpPr>
+            <a:spLocks noGrp="1"/>
+          </p:cNvSpPr>
+          <p:nvPr>
+            <p:ph type="sldNum" sz="quarter" idx="5"/>
+          </p:nvPr>
+        </p:nvSpPr>
+        <p:spPr/>
+        <p:txBody>
+          <a:bodyPr/>
+          <a:lstStyle/>
+          <a:p>
+            <a:pPr marL="0" marR="0" lvl="0" indent="0" algn="ctr" defTabSz="457200" rtl="0" eaLnBrk="1" fontAlgn="auto" latinLnBrk="0" hangingPunct="1">
+              <a:lnSpc>
+                <a:spcPct val="100000"/>
+              </a:lnSpc>
+              <a:spcBef>
+                <a:spcPts val="0"/>
+              </a:spcBef>
+              <a:spcAft>
+                <a:spcPts val="0"/>
+              </a:spcAft>
+              <a:buClrTx/>
+              <a:buSzTx/>
+              <a:buFontTx/>
+              <a:buNone/>
+              <a:tabLst/>
+              <a:defRPr/>
+            </a:pPr>
+            <a:fld id="{0B4E03F4-693C-45B2-A7AD-D1F8CFC3F73E}" type="slidenum">
+              <a:rPr kumimoji="0" lang="de-DE" sz="1200" b="0" i="0" u="none" strike="noStrike" kern="1200" cap="none" spc="0" normalizeH="0" baseline="0" noProof="0" smtClean="0">
+                <a:ln>
+                  <a:noFill/>
+                </a:ln>
+                <a:solidFill>
+                  <a:prstClr val="black"/>
+                </a:solidFill>
+                <a:effectLst/>
+                <a:uLnTx/>
+                <a:uFillTx/>
+                <a:latin typeface="Calibri" panose="020F0502020204030204"/>
+                <a:ea typeface="+mn-ea"/>
+                <a:cs typeface="+mn-cs"/>
+              </a:rPr>
+              <a:pPr marL="0" marR="0" lvl="0" indent="0" algn="ctr" defTabSz="457200" rtl="0" eaLnBrk="1" fontAlgn="auto" latinLnBrk="0" hangingPunct="1">
+                <a:lnSpc>
+                  <a:spcPct val="100000"/>
+                </a:lnSpc>
+                <a:spcBef>
+                  <a:spcPts val="0"/>
+                </a:spcBef>
+                <a:spcAft>
+                  <a:spcPts val="0"/>
+                </a:spcAft>
+                <a:buClrTx/>
+                <a:buSzTx/>
+                <a:buFontTx/>
+                <a:buNone/>
+                <a:tabLst/>
+                <a:defRPr/>
+              </a:pPr>
+              <a:t>3</a:t>
+            </a:fld>
+            <a:endParaRPr kumimoji="0" lang="de-DE" sz="1200" b="0" i="0" u="none" strike="noStrike" kern="1200" cap="none" spc="0" normalizeH="0" baseline="0" noProof="0" dirty="0">
+              <a:ln>
+                <a:noFill/>
+              </a:ln>
+              <a:solidFill>
+                <a:prstClr val="black"/>
+              </a:solidFill>
+              <a:effectLst/>
+              <a:uLnTx/>
+              <a:uFillTx/>
+              <a:latin typeface="Calibri" panose="020F0502020204030204"/>
+              <a:ea typeface="+mn-ea"/>
+              <a:cs typeface="+mn-cs"/>
+            </a:endParaRPr>
+          </a:p>
+        </p:txBody>
+      </p:sp>
+    </p:spTree>
+    <p:extLst>
+      <p:ext uri="{BB962C8B-B14F-4D97-AF65-F5344CB8AC3E}">
+        <p14:creationId xmlns:p14="http://schemas.microsoft.com/office/powerpoint/2010/main" val="457944372"/>
+      </p:ext>
+    </p:extLst>
+  </p:cSld>
+  <p:clrMapOvr>
+    <a:masterClrMapping/>
+  </p:clrMapOvr>
+</p:notes>
+</file>
+
+<file path=ppt/notesSlides/notesSlide3.xml><?xml version="1.0" encoding="utf-8"?>
+<p:notes xmlns:a="http://schemas.openxmlformats.org/drawingml/2006/main" xmlns:r="http://schemas.openxmlformats.org/officeDocument/2006/relationships" xmlns:p="http://schemas.openxmlformats.org/presentationml/2006/main">
+  <p:cSld>
+    <p:spTree>
+      <p:nvGrpSpPr>
+        <p:cNvPr id="1" name=""/>
+        <p:cNvGrpSpPr/>
+        <p:nvPr/>
+      </p:nvGrpSpPr>
+      <p:grpSpPr>
+        <a:xfrm>
+          <a:off x="0" y="0"/>
+          <a:ext cx="0" cy="0"/>
+          <a:chOff x="0" y="0"/>
+          <a:chExt cx="0" cy="0"/>
+        </a:xfrm>
+      </p:grpSpPr>
+      <p:sp>
+        <p:nvSpPr>
+          <p:cNvPr id="2" name="Folienbildplatzhalter 1"/>
+          <p:cNvSpPr>
+            <a:spLocks noGrp="1" noRot="1" noChangeAspect="1"/>
+          </p:cNvSpPr>
+          <p:nvPr>
+            <p:ph type="sldImg"/>
+          </p:nvPr>
+        </p:nvSpPr>
+        <p:spPr>
+          <a:xfrm>
+            <a:off x="685800" y="1143000"/>
+            <a:ext cx="5486400" cy="3086100"/>
+          </a:xfrm>
+        </p:spPr>
+      </p:sp>
+      <p:sp>
+        <p:nvSpPr>
+          <p:cNvPr id="3" name="Notizenplatzhalter 2"/>
+          <p:cNvSpPr>
+            <a:spLocks noGrp="1"/>
+          </p:cNvSpPr>
+          <p:nvPr>
+            <p:ph type="body" idx="1"/>
+          </p:nvPr>
+        </p:nvSpPr>
+        <p:spPr/>
+        <p:txBody>
+          <a:bodyPr/>
+          <a:lstStyle/>
+          <a:p>
+            <a:endParaRPr lang="de-DE" dirty="0"/>
+          </a:p>
+        </p:txBody>
+      </p:sp>
+      <p:sp>
+        <p:nvSpPr>
+          <p:cNvPr id="4" name="Foliennummernplatzhalter 3"/>
+          <p:cNvSpPr>
+            <a:spLocks noGrp="1"/>
+          </p:cNvSpPr>
+          <p:nvPr>
+            <p:ph type="sldNum" sz="quarter" idx="5"/>
+          </p:nvPr>
+        </p:nvSpPr>
+        <p:spPr/>
+        <p:txBody>
+          <a:bodyPr/>
+          <a:lstStyle/>
+          <a:p>
+            <a:pPr marL="0" marR="0" lvl="0" indent="0" algn="ctr" defTabSz="457200" rtl="0" eaLnBrk="1" fontAlgn="auto" latinLnBrk="0" hangingPunct="1">
+              <a:lnSpc>
+                <a:spcPct val="100000"/>
+              </a:lnSpc>
+              <a:spcBef>
+                <a:spcPts val="0"/>
+              </a:spcBef>
+              <a:spcAft>
+                <a:spcPts val="0"/>
+              </a:spcAft>
+              <a:buClrTx/>
+              <a:buSzTx/>
+              <a:buFontTx/>
+              <a:buNone/>
+              <a:tabLst/>
+              <a:defRPr/>
+            </a:pPr>
+            <a:fld id="{0B4E03F4-693C-45B2-A7AD-D1F8CFC3F73E}" type="slidenum">
+              <a:rPr kumimoji="0" lang="de-DE" sz="1200" b="0" i="0" u="none" strike="noStrike" kern="1200" cap="none" spc="0" normalizeH="0" baseline="0" noProof="0" smtClean="0">
+                <a:ln>
+                  <a:noFill/>
+                </a:ln>
+                <a:solidFill>
+                  <a:prstClr val="black"/>
+                </a:solidFill>
+                <a:effectLst/>
+                <a:uLnTx/>
+                <a:uFillTx/>
+                <a:latin typeface="Calibri" panose="020F0502020204030204"/>
+                <a:ea typeface="+mn-ea"/>
+                <a:cs typeface="+mn-cs"/>
+              </a:rPr>
+              <a:pPr marL="0" marR="0" lvl="0" indent="0" algn="ctr" defTabSz="457200" rtl="0" eaLnBrk="1" fontAlgn="auto" latinLnBrk="0" hangingPunct="1">
+                <a:lnSpc>
+                  <a:spcPct val="100000"/>
+                </a:lnSpc>
+                <a:spcBef>
+                  <a:spcPts val="0"/>
+                </a:spcBef>
+                <a:spcAft>
+                  <a:spcPts val="0"/>
+                </a:spcAft>
+                <a:buClrTx/>
+                <a:buSzTx/>
+                <a:buFontTx/>
+                <a:buNone/>
+                <a:tabLst/>
+                <a:defRPr/>
+              </a:pPr>
+              <a:t>5</a:t>
+            </a:fld>
+            <a:endParaRPr kumimoji="0" lang="de-DE" sz="1200" b="0" i="0" u="none" strike="noStrike" kern="1200" cap="none" spc="0" normalizeH="0" baseline="0" noProof="0" dirty="0">
+              <a:ln>
+                <a:noFill/>
+              </a:ln>
+              <a:solidFill>
+                <a:prstClr val="black"/>
+              </a:solidFill>
+              <a:effectLst/>
+              <a:uLnTx/>
+              <a:uFillTx/>
+              <a:latin typeface="Calibri" panose="020F0502020204030204"/>
+              <a:ea typeface="+mn-ea"/>
+              <a:cs typeface="+mn-cs"/>
+            </a:endParaRPr>
+          </a:p>
+        </p:txBody>
+      </p:sp>
+    </p:spTree>
+    <p:extLst>
+      <p:ext uri="{BB962C8B-B14F-4D97-AF65-F5344CB8AC3E}">
+        <p14:creationId xmlns:p14="http://schemas.microsoft.com/office/powerpoint/2010/main" val="12031120"/>
+      </p:ext>
+    </p:extLst>
+  </p:cSld>
+  <p:clrMapOvr>
+    <a:masterClrMapping/>
+  </p:clrMapOvr>
+</p:notes>
+</file>
+
+<file path=ppt/notesSlides/notesSlide4.xml><?xml version="1.0" encoding="utf-8"?>
+<p:notes xmlns:a="http://schemas.openxmlformats.org/drawingml/2006/main" xmlns:r="http://schemas.openxmlformats.org/officeDocument/2006/relationships" xmlns:p="http://schemas.openxmlformats.org/presentationml/2006/main">
+  <p:cSld>
+    <p:spTree>
+      <p:nvGrpSpPr>
+        <p:cNvPr id="1" name=""/>
+        <p:cNvGrpSpPr/>
+        <p:nvPr/>
+      </p:nvGrpSpPr>
+      <p:grpSpPr>
+        <a:xfrm>
+          <a:off x="0" y="0"/>
+          <a:ext cx="0" cy="0"/>
+          <a:chOff x="0" y="0"/>
+          <a:chExt cx="0" cy="0"/>
+        </a:xfrm>
+      </p:grpSpPr>
+      <p:sp>
+        <p:nvSpPr>
+          <p:cNvPr id="2" name="Folienbildplatzhalter 1"/>
+          <p:cNvSpPr>
+            <a:spLocks noGrp="1" noRot="1" noChangeAspect="1"/>
+          </p:cNvSpPr>
+          <p:nvPr>
+            <p:ph type="sldImg"/>
+          </p:nvPr>
+        </p:nvSpPr>
+        <p:spPr>
+          <a:xfrm>
+            <a:off x="685800" y="1143000"/>
+            <a:ext cx="5486400" cy="3086100"/>
+          </a:xfrm>
+        </p:spPr>
+      </p:sp>
+      <p:sp>
+        <p:nvSpPr>
+          <p:cNvPr id="3" name="Notizenplatzhalter 2"/>
+          <p:cNvSpPr>
+            <a:spLocks noGrp="1"/>
+          </p:cNvSpPr>
+          <p:nvPr>
+            <p:ph type="body" idx="1"/>
+          </p:nvPr>
+        </p:nvSpPr>
+        <p:spPr/>
+        <p:txBody>
+          <a:bodyPr/>
+          <a:lstStyle/>
+          <a:p>
+            <a:endParaRPr lang="de-DE" dirty="0"/>
+          </a:p>
+        </p:txBody>
+      </p:sp>
+      <p:sp>
+        <p:nvSpPr>
+          <p:cNvPr id="4" name="Foliennummernplatzhalter 3"/>
+          <p:cNvSpPr>
+            <a:spLocks noGrp="1"/>
+          </p:cNvSpPr>
+          <p:nvPr>
+            <p:ph type="sldNum" sz="quarter" idx="5"/>
+          </p:nvPr>
+        </p:nvSpPr>
+        <p:spPr/>
+        <p:txBody>
+          <a:bodyPr/>
+          <a:lstStyle/>
+          <a:p>
+            <a:pPr marL="0" marR="0" lvl="0" indent="0" algn="ctr" defTabSz="457200" rtl="0" eaLnBrk="1" fontAlgn="auto" latinLnBrk="0" hangingPunct="1">
+              <a:lnSpc>
+                <a:spcPct val="100000"/>
+              </a:lnSpc>
+              <a:spcBef>
+                <a:spcPts val="0"/>
+              </a:spcBef>
+              <a:spcAft>
+                <a:spcPts val="0"/>
+              </a:spcAft>
+              <a:buClrTx/>
+              <a:buSzTx/>
+              <a:buFontTx/>
+              <a:buNone/>
+              <a:tabLst/>
+              <a:defRPr/>
+            </a:pPr>
+            <a:fld id="{0B4E03F4-693C-45B2-A7AD-D1F8CFC3F73E}" type="slidenum">
+              <a:rPr kumimoji="0" lang="de-DE" sz="1200" b="0" i="0" u="none" strike="noStrike" kern="1200" cap="none" spc="0" normalizeH="0" baseline="0" noProof="0" smtClean="0">
+                <a:ln>
+                  <a:noFill/>
+                </a:ln>
+                <a:solidFill>
+                  <a:prstClr val="black"/>
+                </a:solidFill>
+                <a:effectLst/>
+                <a:uLnTx/>
+                <a:uFillTx/>
+                <a:latin typeface="Calibri" panose="020F0502020204030204"/>
+                <a:ea typeface="+mn-ea"/>
+                <a:cs typeface="+mn-cs"/>
+              </a:rPr>
+              <a:pPr marL="0" marR="0" lvl="0" indent="0" algn="ctr" defTabSz="457200" rtl="0" eaLnBrk="1" fontAlgn="auto" latinLnBrk="0" hangingPunct="1">
+                <a:lnSpc>
+                  <a:spcPct val="100000"/>
+                </a:lnSpc>
+                <a:spcBef>
+                  <a:spcPts val="0"/>
+                </a:spcBef>
+                <a:spcAft>
+                  <a:spcPts val="0"/>
+                </a:spcAft>
+                <a:buClrTx/>
+                <a:buSzTx/>
+                <a:buFontTx/>
+                <a:buNone/>
+                <a:tabLst/>
+                <a:defRPr/>
+              </a:pPr>
+              <a:t>6</a:t>
+            </a:fld>
+            <a:endParaRPr kumimoji="0" lang="de-DE" sz="1200" b="0" i="0" u="none" strike="noStrike" kern="1200" cap="none" spc="0" normalizeH="0" baseline="0" noProof="0" dirty="0">
+              <a:ln>
+                <a:noFill/>
+              </a:ln>
+              <a:solidFill>
+                <a:prstClr val="black"/>
+              </a:solidFill>
+              <a:effectLst/>
+              <a:uLnTx/>
+              <a:uFillTx/>
+              <a:latin typeface="Calibri" panose="020F0502020204030204"/>
+              <a:ea typeface="+mn-ea"/>
+              <a:cs typeface="+mn-cs"/>
+            </a:endParaRPr>
+          </a:p>
+        </p:txBody>
+      </p:sp>
+    </p:spTree>
+    <p:extLst>
+      <p:ext uri="{BB962C8B-B14F-4D97-AF65-F5344CB8AC3E}">
+        <p14:creationId xmlns:p14="http://schemas.microsoft.com/office/powerpoint/2010/main" val="3922925236"/>
+      </p:ext>
+    </p:extLst>
+  </p:cSld>
+  <p:clrMapOvr>
+    <a:masterClrMapping/>
+  </p:clrMapOvr>
+</p:notes>
+</file>
+
+<file path=ppt/notesSlides/notesSlide5.xml><?xml version="1.0" encoding="utf-8"?>
+<p:notes xmlns:a="http://schemas.openxmlformats.org/drawingml/2006/main" xmlns:r="http://schemas.openxmlformats.org/officeDocument/2006/relationships" xmlns:p="http://schemas.openxmlformats.org/presentationml/2006/main">
+  <p:cSld>
+    <p:spTree>
+      <p:nvGrpSpPr>
+        <p:cNvPr id="1" name=""/>
+        <p:cNvGrpSpPr/>
+        <p:nvPr/>
+      </p:nvGrpSpPr>
+      <p:grpSpPr>
+        <a:xfrm>
+          <a:off x="0" y="0"/>
+          <a:ext cx="0" cy="0"/>
+          <a:chOff x="0" y="0"/>
+          <a:chExt cx="0" cy="0"/>
+        </a:xfrm>
+      </p:grpSpPr>
+      <p:sp>
+        <p:nvSpPr>
+          <p:cNvPr id="2" name="Folienbildplatzhalter 1"/>
+          <p:cNvSpPr>
+            <a:spLocks noGrp="1" noRot="1" noChangeAspect="1"/>
+          </p:cNvSpPr>
+          <p:nvPr>
+            <p:ph type="sldImg"/>
+          </p:nvPr>
+        </p:nvSpPr>
+        <p:spPr>
+          <a:xfrm>
+            <a:off x="685800" y="1143000"/>
+            <a:ext cx="5486400" cy="3086100"/>
+          </a:xfrm>
+        </p:spPr>
+      </p:sp>
+      <p:sp>
+        <p:nvSpPr>
+          <p:cNvPr id="3" name="Notizenplatzhalter 2"/>
+          <p:cNvSpPr>
+            <a:spLocks noGrp="1"/>
+          </p:cNvSpPr>
+          <p:nvPr>
+            <p:ph type="body" idx="1"/>
+          </p:nvPr>
+        </p:nvSpPr>
+        <p:spPr/>
+        <p:txBody>
+          <a:bodyPr/>
+          <a:lstStyle/>
+          <a:p>
+            <a:r>
+              <a:rPr lang="de-DE" dirty="0"/>
+              <a:t>Joy Buolamwini ist eine Informatikerin und ist die Gründerin der „Algorithmic justice league“.</a:t>
+            </a:r>
+          </a:p>
+          <a:p>
+            <a:r>
+              <a:rPr lang="de-DE" dirty="0"/>
+              <a:t>Durch Ihre Nachforschungen zu Gesichtsanalytischer KI entdeckte sie in KI Systemen, von großen Unternehmen wie Amazon und Microsoft, erhebliche Gender- und Racialbiases.</a:t>
+            </a:r>
+          </a:p>
+        </p:txBody>
+      </p:sp>
+      <p:sp>
+        <p:nvSpPr>
+          <p:cNvPr id="4" name="Foliennummernplatzhalter 3"/>
+          <p:cNvSpPr>
+            <a:spLocks noGrp="1"/>
+          </p:cNvSpPr>
+          <p:nvPr>
+            <p:ph type="sldNum" sz="quarter" idx="5"/>
+          </p:nvPr>
+        </p:nvSpPr>
+        <p:spPr/>
+        <p:txBody>
+          <a:bodyPr/>
+          <a:lstStyle/>
+          <a:p>
+            <a:pPr marL="0" marR="0" lvl="0" indent="0" algn="ctr" defTabSz="457200" rtl="0" eaLnBrk="1" fontAlgn="auto" latinLnBrk="0" hangingPunct="1">
+              <a:lnSpc>
+                <a:spcPct val="100000"/>
+              </a:lnSpc>
+              <a:spcBef>
+                <a:spcPts val="0"/>
+              </a:spcBef>
+              <a:spcAft>
+                <a:spcPts val="0"/>
+              </a:spcAft>
+              <a:buClrTx/>
+              <a:buSzTx/>
+              <a:buFontTx/>
+              <a:buNone/>
+              <a:tabLst/>
+              <a:defRPr/>
+            </a:pPr>
+            <a:fld id="{0B4E03F4-693C-45B2-A7AD-D1F8CFC3F73E}" type="slidenum">
+              <a:rPr kumimoji="0" lang="de-DE" sz="1200" b="0" i="0" u="none" strike="noStrike" kern="1200" cap="none" spc="0" normalizeH="0" baseline="0" noProof="0" smtClean="0">
+                <a:ln>
+                  <a:noFill/>
+                </a:ln>
+                <a:solidFill>
+                  <a:prstClr val="black"/>
+                </a:solidFill>
+                <a:effectLst/>
+                <a:uLnTx/>
+                <a:uFillTx/>
+                <a:latin typeface="Calibri" panose="020F0502020204030204"/>
+                <a:ea typeface="+mn-ea"/>
+                <a:cs typeface="+mn-cs"/>
+              </a:rPr>
+              <a:pPr marL="0" marR="0" lvl="0" indent="0" algn="ctr" defTabSz="457200" rtl="0" eaLnBrk="1" fontAlgn="auto" latinLnBrk="0" hangingPunct="1">
+                <a:lnSpc>
+                  <a:spcPct val="100000"/>
+                </a:lnSpc>
+                <a:spcBef>
+                  <a:spcPts val="0"/>
+                </a:spcBef>
+                <a:spcAft>
+                  <a:spcPts val="0"/>
+                </a:spcAft>
+                <a:buClrTx/>
+                <a:buSzTx/>
+                <a:buFontTx/>
+                <a:buNone/>
+                <a:tabLst/>
+                <a:defRPr/>
+              </a:pPr>
+              <a:t>7</a:t>
+            </a:fld>
+            <a:endParaRPr kumimoji="0" lang="de-DE" sz="1200" b="0" i="0" u="none" strike="noStrike" kern="1200" cap="none" spc="0" normalizeH="0" baseline="0" noProof="0" dirty="0">
+              <a:ln>
+                <a:noFill/>
+              </a:ln>
+              <a:solidFill>
+                <a:prstClr val="black"/>
+              </a:solidFill>
+              <a:effectLst/>
+              <a:uLnTx/>
+              <a:uFillTx/>
+              <a:latin typeface="Calibri" panose="020F0502020204030204"/>
+              <a:ea typeface="+mn-ea"/>
+              <a:cs typeface="+mn-cs"/>
+            </a:endParaRPr>
+          </a:p>
+        </p:txBody>
+      </p:sp>
+    </p:spTree>
+    <p:extLst>
+      <p:ext uri="{BB962C8B-B14F-4D97-AF65-F5344CB8AC3E}">
+        <p14:creationId xmlns:p14="http://schemas.microsoft.com/office/powerpoint/2010/main" val="748073832"/>
+      </p:ext>
+    </p:extLst>
+  </p:cSld>
+  <p:clrMapOvr>
+    <a:masterClrMapping/>
+  </p:clrMapOvr>
+</p:notes>
+</file>
+
+<file path=ppt/notesSlides/notesSlide6.xml><?xml version="1.0" encoding="utf-8"?>
+<p:notes xmlns:a="http://schemas.openxmlformats.org/drawingml/2006/main" xmlns:r="http://schemas.openxmlformats.org/officeDocument/2006/relationships" xmlns:p="http://schemas.openxmlformats.org/presentationml/2006/main">
+  <p:cSld>
+    <p:spTree>
+      <p:nvGrpSpPr>
+        <p:cNvPr id="1" name=""/>
+        <p:cNvGrpSpPr/>
+        <p:nvPr/>
+      </p:nvGrpSpPr>
+      <p:grpSpPr>
+        <a:xfrm>
+          <a:off x="0" y="0"/>
+          <a:ext cx="0" cy="0"/>
+          <a:chOff x="0" y="0"/>
+          <a:chExt cx="0" cy="0"/>
+        </a:xfrm>
+      </p:grpSpPr>
+      <p:sp>
+        <p:nvSpPr>
+          <p:cNvPr id="2" name="Folienbildplatzhalter 1"/>
+          <p:cNvSpPr>
+            <a:spLocks noGrp="1" noRot="1" noChangeAspect="1"/>
+          </p:cNvSpPr>
+          <p:nvPr>
+            <p:ph type="sldImg"/>
+          </p:nvPr>
+        </p:nvSpPr>
+        <p:spPr>
+          <a:xfrm>
+            <a:off x="685800" y="1143000"/>
+            <a:ext cx="5486400" cy="3086100"/>
+          </a:xfrm>
+        </p:spPr>
+      </p:sp>
+      <p:sp>
+        <p:nvSpPr>
+          <p:cNvPr id="3" name="Notizenplatzhalter 2"/>
+          <p:cNvSpPr>
+            <a:spLocks noGrp="1"/>
+          </p:cNvSpPr>
+          <p:nvPr>
+            <p:ph type="body" idx="1"/>
+          </p:nvPr>
+        </p:nvSpPr>
+        <p:spPr/>
+        <p:txBody>
+          <a:bodyPr/>
+          <a:lstStyle/>
+          <a:p>
+            <a:r>
+              <a:rPr lang="de-DE" dirty="0"/>
+              <a:t>Joy Buolamwini ist eine Informatikerin und ist die Gründerin der „Algorithmic justice league“.</a:t>
+            </a:r>
+          </a:p>
+          <a:p>
+            <a:r>
+              <a:rPr lang="de-DE" dirty="0"/>
+              <a:t>Durch Ihre Nachforschungen zu Gesichtsanalytischer KI entdeckte sie in KI Systemen, von großen Unternehmen wie Amazon und Microsoft, erhebliche Gender- und Racialbiases.</a:t>
+            </a:r>
+          </a:p>
+        </p:txBody>
+      </p:sp>
+      <p:sp>
+        <p:nvSpPr>
+          <p:cNvPr id="4" name="Foliennummernplatzhalter 3"/>
+          <p:cNvSpPr>
+            <a:spLocks noGrp="1"/>
+          </p:cNvSpPr>
+          <p:nvPr>
+            <p:ph type="sldNum" sz="quarter" idx="5"/>
+          </p:nvPr>
+        </p:nvSpPr>
+        <p:spPr/>
+        <p:txBody>
+          <a:bodyPr/>
+          <a:lstStyle/>
+          <a:p>
+            <a:pPr marL="0" marR="0" lvl="0" indent="0" algn="ctr" defTabSz="457200" rtl="0" eaLnBrk="1" fontAlgn="auto" latinLnBrk="0" hangingPunct="1">
+              <a:lnSpc>
+                <a:spcPct val="100000"/>
+              </a:lnSpc>
+              <a:spcBef>
+                <a:spcPts val="0"/>
+              </a:spcBef>
+              <a:spcAft>
+                <a:spcPts val="0"/>
+              </a:spcAft>
+              <a:buClrTx/>
+              <a:buSzTx/>
+              <a:buFontTx/>
+              <a:buNone/>
+              <a:tabLst/>
+              <a:defRPr/>
+            </a:pPr>
+            <a:fld id="{0B4E03F4-693C-45B2-A7AD-D1F8CFC3F73E}" type="slidenum">
+              <a:rPr kumimoji="0" lang="de-DE" sz="1200" b="0" i="0" u="none" strike="noStrike" kern="1200" cap="none" spc="0" normalizeH="0" baseline="0" noProof="0" smtClean="0">
+                <a:ln>
+                  <a:noFill/>
+                </a:ln>
+                <a:solidFill>
+                  <a:prstClr val="black"/>
+                </a:solidFill>
+                <a:effectLst/>
+                <a:uLnTx/>
+                <a:uFillTx/>
+                <a:latin typeface="Calibri" panose="020F0502020204030204"/>
+                <a:ea typeface="+mn-ea"/>
+                <a:cs typeface="+mn-cs"/>
+              </a:rPr>
+              <a:pPr marL="0" marR="0" lvl="0" indent="0" algn="ctr" defTabSz="457200" rtl="0" eaLnBrk="1" fontAlgn="auto" latinLnBrk="0" hangingPunct="1">
+                <a:lnSpc>
+                  <a:spcPct val="100000"/>
+                </a:lnSpc>
+                <a:spcBef>
+                  <a:spcPts val="0"/>
+                </a:spcBef>
+                <a:spcAft>
+                  <a:spcPts val="0"/>
+                </a:spcAft>
+                <a:buClrTx/>
+                <a:buSzTx/>
+                <a:buFontTx/>
+                <a:buNone/>
+                <a:tabLst/>
+                <a:defRPr/>
+              </a:pPr>
+              <a:t>8</a:t>
+            </a:fld>
+            <a:endParaRPr kumimoji="0" lang="de-DE" sz="1200" b="0" i="0" u="none" strike="noStrike" kern="1200" cap="none" spc="0" normalizeH="0" baseline="0" noProof="0" dirty="0">
+              <a:ln>
+                <a:noFill/>
+              </a:ln>
+              <a:solidFill>
+                <a:prstClr val="black"/>
+              </a:solidFill>
+              <a:effectLst/>
+              <a:uLnTx/>
+              <a:uFillTx/>
+              <a:latin typeface="Calibri" panose="020F0502020204030204"/>
+              <a:ea typeface="+mn-ea"/>
+              <a:cs typeface="+mn-cs"/>
+            </a:endParaRPr>
+          </a:p>
+        </p:txBody>
+      </p:sp>
+    </p:spTree>
+    <p:extLst>
+      <p:ext uri="{BB962C8B-B14F-4D97-AF65-F5344CB8AC3E}">
+        <p14:creationId xmlns:p14="http://schemas.microsoft.com/office/powerpoint/2010/main" val="2294850372"/>
+      </p:ext>
+    </p:extLst>
+  </p:cSld>
+  <p:clrMapOvr>
+    <a:masterClrMapping/>
+  </p:clrMapOvr>
+</p:notes>
+</file>
+
+<file path=ppt/notesSlides/notesSlide7.xml><?xml version="1.0" encoding="utf-8"?>
+<p:notes xmlns:a="http://schemas.openxmlformats.org/drawingml/2006/main" xmlns:r="http://schemas.openxmlformats.org/officeDocument/2006/relationships" xmlns:p="http://schemas.openxmlformats.org/presentationml/2006/main">
+  <p:cSld>
+    <p:spTree>
+      <p:nvGrpSpPr>
+        <p:cNvPr id="1" name=""/>
+        <p:cNvGrpSpPr/>
+        <p:nvPr/>
+      </p:nvGrpSpPr>
+      <p:grpSpPr>
+        <a:xfrm>
+          <a:off x="0" y="0"/>
+          <a:ext cx="0" cy="0"/>
+          <a:chOff x="0" y="0"/>
+          <a:chExt cx="0" cy="0"/>
+        </a:xfrm>
+      </p:grpSpPr>
+      <p:sp>
+        <p:nvSpPr>
+          <p:cNvPr id="2" name="Folienbildplatzhalter 1"/>
+          <p:cNvSpPr>
+            <a:spLocks noGrp="1" noRot="1" noChangeAspect="1"/>
+          </p:cNvSpPr>
+          <p:nvPr>
+            <p:ph type="sldImg"/>
+          </p:nvPr>
+        </p:nvSpPr>
+        <p:spPr>
+          <a:xfrm>
+            <a:off x="685800" y="1143000"/>
+            <a:ext cx="5486400" cy="3086100"/>
+          </a:xfrm>
+        </p:spPr>
+      </p:sp>
+      <p:sp>
+        <p:nvSpPr>
+          <p:cNvPr id="3" name="Notizenplatzhalter 2"/>
+          <p:cNvSpPr>
+            <a:spLocks noGrp="1"/>
+          </p:cNvSpPr>
+          <p:nvPr>
+            <p:ph type="body" idx="1"/>
+          </p:nvPr>
+        </p:nvSpPr>
+        <p:spPr/>
+        <p:txBody>
+          <a:bodyPr/>
+          <a:lstStyle/>
+          <a:p>
+            <a:r>
+              <a:rPr lang="de-DE" dirty="0"/>
+              <a:t>Joy Buolamwini ist eine Informatikerin und ist die Gründerin der „Algorithmic justice league“.</a:t>
+            </a:r>
+          </a:p>
+          <a:p>
+            <a:r>
+              <a:rPr lang="de-DE" dirty="0"/>
+              <a:t>Durch Ihre Nachforschungen zu Gesichtsanalytischer KI entdeckte sie in KI Systemen, von großen Unternehmen wie Amazon und Microsoft, erhebliche Gender- und Racialbiases.</a:t>
+            </a:r>
+          </a:p>
+        </p:txBody>
+      </p:sp>
+      <p:sp>
+        <p:nvSpPr>
+          <p:cNvPr id="4" name="Foliennummernplatzhalter 3"/>
+          <p:cNvSpPr>
+            <a:spLocks noGrp="1"/>
+          </p:cNvSpPr>
+          <p:nvPr>
+            <p:ph type="sldNum" sz="quarter" idx="5"/>
+          </p:nvPr>
+        </p:nvSpPr>
+        <p:spPr/>
+        <p:txBody>
+          <a:bodyPr/>
+          <a:lstStyle/>
+          <a:p>
+            <a:pPr marL="0" marR="0" lvl="0" indent="0" algn="ctr" defTabSz="457200" rtl="0" eaLnBrk="1" fontAlgn="auto" latinLnBrk="0" hangingPunct="1">
+              <a:lnSpc>
+                <a:spcPct val="100000"/>
+              </a:lnSpc>
+              <a:spcBef>
+                <a:spcPts val="0"/>
+              </a:spcBef>
+              <a:spcAft>
+                <a:spcPts val="0"/>
+              </a:spcAft>
+              <a:buClrTx/>
+              <a:buSzTx/>
+              <a:buFontTx/>
+              <a:buNone/>
+              <a:tabLst/>
+              <a:defRPr/>
+            </a:pPr>
+            <a:fld id="{0B4E03F4-693C-45B2-A7AD-D1F8CFC3F73E}" type="slidenum">
+              <a:rPr kumimoji="0" lang="de-DE" sz="1200" b="0" i="0" u="none" strike="noStrike" kern="1200" cap="none" spc="0" normalizeH="0" baseline="0" noProof="0" smtClean="0">
+                <a:ln>
+                  <a:noFill/>
+                </a:ln>
+                <a:solidFill>
+                  <a:prstClr val="black"/>
+                </a:solidFill>
+                <a:effectLst/>
+                <a:uLnTx/>
+                <a:uFillTx/>
+                <a:latin typeface="Calibri" panose="020F0502020204030204"/>
+                <a:ea typeface="+mn-ea"/>
+                <a:cs typeface="+mn-cs"/>
+              </a:rPr>
+              <a:pPr marL="0" marR="0" lvl="0" indent="0" algn="ctr" defTabSz="457200" rtl="0" eaLnBrk="1" fontAlgn="auto" latinLnBrk="0" hangingPunct="1">
+                <a:lnSpc>
+                  <a:spcPct val="100000"/>
+                </a:lnSpc>
+                <a:spcBef>
+                  <a:spcPts val="0"/>
+                </a:spcBef>
+                <a:spcAft>
+                  <a:spcPts val="0"/>
+                </a:spcAft>
+                <a:buClrTx/>
+                <a:buSzTx/>
+                <a:buFontTx/>
+                <a:buNone/>
+                <a:tabLst/>
+                <a:defRPr/>
+              </a:pPr>
+              <a:t>9</a:t>
+            </a:fld>
+            <a:endParaRPr kumimoji="0" lang="de-DE" sz="1200" b="0" i="0" u="none" strike="noStrike" kern="1200" cap="none" spc="0" normalizeH="0" baseline="0" noProof="0" dirty="0">
+              <a:ln>
+                <a:noFill/>
+              </a:ln>
+              <a:solidFill>
+                <a:prstClr val="black"/>
+              </a:solidFill>
+              <a:effectLst/>
+              <a:uLnTx/>
+              <a:uFillTx/>
+              <a:latin typeface="Calibri" panose="020F0502020204030204"/>
+              <a:ea typeface="+mn-ea"/>
+              <a:cs typeface="+mn-cs"/>
+            </a:endParaRPr>
+          </a:p>
+        </p:txBody>
+      </p:sp>
+    </p:spTree>
+    <p:extLst>
+      <p:ext uri="{BB962C8B-B14F-4D97-AF65-F5344CB8AC3E}">
+        <p14:creationId xmlns:p14="http://schemas.microsoft.com/office/powerpoint/2010/main" val="765214794"/>
+      </p:ext>
+    </p:extLst>
+  </p:cSld>
+  <p:clrMapOvr>
+    <a:masterClrMapping/>
+  </p:clrMapOvr>
+</p:notes>
+</file>
+
+<file path=ppt/notesSlides/notesSlide8.xml><?xml version="1.0" encoding="utf-8"?>
+<p:notes xmlns:a="http://schemas.openxmlformats.org/drawingml/2006/main" xmlns:r="http://schemas.openxmlformats.org/officeDocument/2006/relationships" xmlns:p="http://schemas.openxmlformats.org/presentationml/2006/main">
+  <p:cSld>
+    <p:spTree>
+      <p:nvGrpSpPr>
+        <p:cNvPr id="1" name=""/>
+        <p:cNvGrpSpPr/>
+        <p:nvPr/>
+      </p:nvGrpSpPr>
+      <p:grpSpPr>
+        <a:xfrm>
+          <a:off x="0" y="0"/>
+          <a:ext cx="0" cy="0"/>
+          <a:chOff x="0" y="0"/>
+          <a:chExt cx="0" cy="0"/>
+        </a:xfrm>
+      </p:grpSpPr>
+      <p:sp>
+        <p:nvSpPr>
+          <p:cNvPr id="2" name="Folienbildplatzhalter 1"/>
+          <p:cNvSpPr>
+            <a:spLocks noGrp="1" noRot="1" noChangeAspect="1"/>
+          </p:cNvSpPr>
+          <p:nvPr>
+            <p:ph type="sldImg"/>
+          </p:nvPr>
+        </p:nvSpPr>
+        <p:spPr>
+          <a:xfrm>
+            <a:off x="685800" y="1143000"/>
+            <a:ext cx="5486400" cy="3086100"/>
+          </a:xfrm>
+        </p:spPr>
+      </p:sp>
+      <p:sp>
+        <p:nvSpPr>
+          <p:cNvPr id="3" name="Notizenplatzhalter 2"/>
+          <p:cNvSpPr>
+            <a:spLocks noGrp="1"/>
+          </p:cNvSpPr>
+          <p:nvPr>
+            <p:ph type="body" idx="1"/>
+          </p:nvPr>
+        </p:nvSpPr>
+        <p:spPr/>
+        <p:txBody>
+          <a:bodyPr/>
+          <a:lstStyle/>
+          <a:p>
+            <a:r>
+              <a:rPr lang="de-DE" dirty="0"/>
+              <a:t>Joy Buolamwini ist eine Informatikerin und ist die Gründerin der „Algorithmic justice league“.</a:t>
+            </a:r>
+          </a:p>
+          <a:p>
+            <a:r>
+              <a:rPr lang="de-DE" dirty="0"/>
+              <a:t>Durch Ihre Nachforschungen zu Gesichtsanalytischer KI entdeckte sie in KI Systemen, von großen Unternehmen wie Amazon und Microsoft, erhebliche Gender- und Racialbiases.</a:t>
+            </a:r>
+          </a:p>
+        </p:txBody>
+      </p:sp>
+      <p:sp>
+        <p:nvSpPr>
+          <p:cNvPr id="4" name="Foliennummernplatzhalter 3"/>
+          <p:cNvSpPr>
+            <a:spLocks noGrp="1"/>
+          </p:cNvSpPr>
+          <p:nvPr>
+            <p:ph type="sldNum" sz="quarter" idx="5"/>
+          </p:nvPr>
+        </p:nvSpPr>
+        <p:spPr/>
+        <p:txBody>
+          <a:bodyPr/>
+          <a:lstStyle/>
+          <a:p>
+            <a:pPr marL="0" marR="0" lvl="0" indent="0" algn="ctr" defTabSz="457200" rtl="0" eaLnBrk="1" fontAlgn="auto" latinLnBrk="0" hangingPunct="1">
+              <a:lnSpc>
+                <a:spcPct val="100000"/>
+              </a:lnSpc>
+              <a:spcBef>
+                <a:spcPts val="0"/>
+              </a:spcBef>
+              <a:spcAft>
+                <a:spcPts val="0"/>
+              </a:spcAft>
+              <a:buClrTx/>
+              <a:buSzTx/>
+              <a:buFontTx/>
+              <a:buNone/>
+              <a:tabLst/>
+              <a:defRPr/>
+            </a:pPr>
+            <a:fld id="{0B4E03F4-693C-45B2-A7AD-D1F8CFC3F73E}" type="slidenum">
+              <a:rPr kumimoji="0" lang="de-DE" sz="1200" b="0" i="0" u="none" strike="noStrike" kern="1200" cap="none" spc="0" normalizeH="0" baseline="0" noProof="0" smtClean="0">
+                <a:ln>
+                  <a:noFill/>
+                </a:ln>
+                <a:solidFill>
+                  <a:prstClr val="black"/>
+                </a:solidFill>
+                <a:effectLst/>
+                <a:uLnTx/>
+                <a:uFillTx/>
+                <a:latin typeface="Calibri" panose="020F0502020204030204"/>
+                <a:ea typeface="+mn-ea"/>
+                <a:cs typeface="+mn-cs"/>
+              </a:rPr>
+              <a:pPr marL="0" marR="0" lvl="0" indent="0" algn="ctr" defTabSz="457200" rtl="0" eaLnBrk="1" fontAlgn="auto" latinLnBrk="0" hangingPunct="1">
+                <a:lnSpc>
+                  <a:spcPct val="100000"/>
+                </a:lnSpc>
+                <a:spcBef>
+                  <a:spcPts val="0"/>
+                </a:spcBef>
+                <a:spcAft>
+                  <a:spcPts val="0"/>
+                </a:spcAft>
+                <a:buClrTx/>
+                <a:buSzTx/>
+                <a:buFontTx/>
+                <a:buNone/>
+                <a:tabLst/>
+                <a:defRPr/>
+              </a:pPr>
+              <a:t>10</a:t>
+            </a:fld>
+            <a:endParaRPr kumimoji="0" lang="de-DE" sz="1200" b="0" i="0" u="none" strike="noStrike" kern="1200" cap="none" spc="0" normalizeH="0" baseline="0" noProof="0" dirty="0">
+              <a:ln>
+                <a:noFill/>
+              </a:ln>
+              <a:solidFill>
+                <a:prstClr val="black"/>
+              </a:solidFill>
+              <a:effectLst/>
+              <a:uLnTx/>
+              <a:uFillTx/>
+              <a:latin typeface="Calibri" panose="020F0502020204030204"/>
+              <a:ea typeface="+mn-ea"/>
+              <a:cs typeface="+mn-cs"/>
+            </a:endParaRPr>
+          </a:p>
+        </p:txBody>
+      </p:sp>
+    </p:spTree>
+    <p:extLst>
+      <p:ext uri="{BB962C8B-B14F-4D97-AF65-F5344CB8AC3E}">
+        <p14:creationId xmlns:p14="http://schemas.microsoft.com/office/powerpoint/2010/main" val="2301123703"/>
+      </p:ext>
+    </p:extLst>
+  </p:cSld>
+  <p:clrMapOvr>
+    <a:masterClrMapping/>
+  </p:clrMapOvr>
+</p:notes>
+</file>
+
+<file path=ppt/notesSlides/notesSlide9.xml><?xml version="1.0" encoding="utf-8"?>
 <p:notes xmlns:a="http://schemas.openxmlformats.org/drawingml/2006/main" xmlns:r="http://schemas.openxmlformats.org/officeDocument/2006/relationships" xmlns:p="http://schemas.openxmlformats.org/presentationml/2006/main">
   <p:cSld>
     <p:spTree>
@@ -785,2089 +3005,7 @@
     </p:spTree>
     <p:extLst>
       <p:ext uri="{BB962C8B-B14F-4D97-AF65-F5344CB8AC3E}">
-        <p14:creationId xmlns:p14="http://schemas.microsoft.com/office/powerpoint/2010/main" val="2301123703"/>
-      </p:ext>
-    </p:extLst>
-  </p:cSld>
-  <p:clrMapOvr>
-    <a:masterClrMapping/>
-  </p:clrMapOvr>
-</p:notes>
-</file>
-
-<file path=ppt/notesSlides/notesSlide11.xml><?xml version="1.0" encoding="utf-8"?>
-<p:notes xmlns:a="http://schemas.openxmlformats.org/drawingml/2006/main" xmlns:r="http://schemas.openxmlformats.org/officeDocument/2006/relationships" xmlns:p="http://schemas.openxmlformats.org/presentationml/2006/main">
-  <p:cSld>
-    <p:spTree>
-      <p:nvGrpSpPr>
-        <p:cNvPr id="1" name=""/>
-        <p:cNvGrpSpPr/>
-        <p:nvPr/>
-      </p:nvGrpSpPr>
-      <p:grpSpPr>
-        <a:xfrm>
-          <a:off x="0" y="0"/>
-          <a:ext cx="0" cy="0"/>
-          <a:chOff x="0" y="0"/>
-          <a:chExt cx="0" cy="0"/>
-        </a:xfrm>
-      </p:grpSpPr>
-      <p:sp>
-        <p:nvSpPr>
-          <p:cNvPr id="2" name="Folienbildplatzhalter 1"/>
-          <p:cNvSpPr>
-            <a:spLocks noGrp="1" noRot="1" noChangeAspect="1"/>
-          </p:cNvSpPr>
-          <p:nvPr>
-            <p:ph type="sldImg"/>
-          </p:nvPr>
-        </p:nvSpPr>
-        <p:spPr>
-          <a:xfrm>
-            <a:off x="685800" y="1143000"/>
-            <a:ext cx="5486400" cy="3086100"/>
-          </a:xfrm>
-        </p:spPr>
-      </p:sp>
-      <p:sp>
-        <p:nvSpPr>
-          <p:cNvPr id="3" name="Notizenplatzhalter 2"/>
-          <p:cNvSpPr>
-            <a:spLocks noGrp="1"/>
-          </p:cNvSpPr>
-          <p:nvPr>
-            <p:ph type="body" idx="1"/>
-          </p:nvPr>
-        </p:nvSpPr>
-        <p:spPr/>
-        <p:txBody>
-          <a:bodyPr/>
-          <a:lstStyle/>
-          <a:p>
-            <a:r>
-              <a:rPr lang="de-DE" dirty="0"/>
-              <a:t>Joy Buolamwini ist eine Informatikerin und ist die Gründerin der „Algorithmic justice league“.</a:t>
-            </a:r>
-          </a:p>
-          <a:p>
-            <a:r>
-              <a:rPr lang="de-DE" dirty="0"/>
-              <a:t>Durch Ihre Nachforschungen zu Gesichtsanalytischer KI entdeckte sie in KI Systemen, von großen Unternehmen wie Amazon und Microsoft, erhebliche Gender- und Racialbiases.</a:t>
-            </a:r>
-          </a:p>
-        </p:txBody>
-      </p:sp>
-      <p:sp>
-        <p:nvSpPr>
-          <p:cNvPr id="4" name="Foliennummernplatzhalter 3"/>
-          <p:cNvSpPr>
-            <a:spLocks noGrp="1"/>
-          </p:cNvSpPr>
-          <p:nvPr>
-            <p:ph type="sldNum" sz="quarter" idx="5"/>
-          </p:nvPr>
-        </p:nvSpPr>
-        <p:spPr/>
-        <p:txBody>
-          <a:bodyPr/>
-          <a:lstStyle/>
-          <a:p>
-            <a:pPr marL="0" marR="0" lvl="0" indent="0" algn="ctr" defTabSz="457200" rtl="0" eaLnBrk="1" fontAlgn="auto" latinLnBrk="0" hangingPunct="1">
-              <a:lnSpc>
-                <a:spcPct val="100000"/>
-              </a:lnSpc>
-              <a:spcBef>
-                <a:spcPts val="0"/>
-              </a:spcBef>
-              <a:spcAft>
-                <a:spcPts val="0"/>
-              </a:spcAft>
-              <a:buClrTx/>
-              <a:buSzTx/>
-              <a:buFontTx/>
-              <a:buNone/>
-              <a:tabLst/>
-              <a:defRPr/>
-            </a:pPr>
-            <a:fld id="{0B4E03F4-693C-45B2-A7AD-D1F8CFC3F73E}" type="slidenum">
-              <a:rPr kumimoji="0" lang="de-DE" sz="1200" b="0" i="0" u="none" strike="noStrike" kern="1200" cap="none" spc="0" normalizeH="0" baseline="0" noProof="0" smtClean="0">
-                <a:ln>
-                  <a:noFill/>
-                </a:ln>
-                <a:solidFill>
-                  <a:prstClr val="black"/>
-                </a:solidFill>
-                <a:effectLst/>
-                <a:uLnTx/>
-                <a:uFillTx/>
-                <a:latin typeface="Calibri" panose="020F0502020204030204"/>
-                <a:ea typeface="+mn-ea"/>
-                <a:cs typeface="+mn-cs"/>
-              </a:rPr>
-              <a:pPr marL="0" marR="0" lvl="0" indent="0" algn="ctr" defTabSz="457200" rtl="0" eaLnBrk="1" fontAlgn="auto" latinLnBrk="0" hangingPunct="1">
-                <a:lnSpc>
-                  <a:spcPct val="100000"/>
-                </a:lnSpc>
-                <a:spcBef>
-                  <a:spcPts val="0"/>
-                </a:spcBef>
-                <a:spcAft>
-                  <a:spcPts val="0"/>
-                </a:spcAft>
-                <a:buClrTx/>
-                <a:buSzTx/>
-                <a:buFontTx/>
-                <a:buNone/>
-                <a:tabLst/>
-                <a:defRPr/>
-              </a:pPr>
-              <a:t>12</a:t>
-            </a:fld>
-            <a:endParaRPr kumimoji="0" lang="de-DE" sz="1200" b="0" i="0" u="none" strike="noStrike" kern="1200" cap="none" spc="0" normalizeH="0" baseline="0" noProof="0" dirty="0">
-              <a:ln>
-                <a:noFill/>
-              </a:ln>
-              <a:solidFill>
-                <a:prstClr val="black"/>
-              </a:solidFill>
-              <a:effectLst/>
-              <a:uLnTx/>
-              <a:uFillTx/>
-              <a:latin typeface="Calibri" panose="020F0502020204030204"/>
-              <a:ea typeface="+mn-ea"/>
-              <a:cs typeface="+mn-cs"/>
-            </a:endParaRPr>
-          </a:p>
-        </p:txBody>
-      </p:sp>
-    </p:spTree>
-    <p:extLst>
-      <p:ext uri="{BB962C8B-B14F-4D97-AF65-F5344CB8AC3E}">
         <p14:creationId xmlns:p14="http://schemas.microsoft.com/office/powerpoint/2010/main" val="618085888"/>
-      </p:ext>
-    </p:extLst>
-  </p:cSld>
-  <p:clrMapOvr>
-    <a:masterClrMapping/>
-  </p:clrMapOvr>
-</p:notes>
-</file>
-
-<file path=ppt/notesSlides/notesSlide12.xml><?xml version="1.0" encoding="utf-8"?>
-<p:notes xmlns:a="http://schemas.openxmlformats.org/drawingml/2006/main" xmlns:r="http://schemas.openxmlformats.org/officeDocument/2006/relationships" xmlns:p="http://schemas.openxmlformats.org/presentationml/2006/main">
-  <p:cSld>
-    <p:spTree>
-      <p:nvGrpSpPr>
-        <p:cNvPr id="1" name=""/>
-        <p:cNvGrpSpPr/>
-        <p:nvPr/>
-      </p:nvGrpSpPr>
-      <p:grpSpPr>
-        <a:xfrm>
-          <a:off x="0" y="0"/>
-          <a:ext cx="0" cy="0"/>
-          <a:chOff x="0" y="0"/>
-          <a:chExt cx="0" cy="0"/>
-        </a:xfrm>
-      </p:grpSpPr>
-      <p:sp>
-        <p:nvSpPr>
-          <p:cNvPr id="2" name="Folienbildplatzhalter 1"/>
-          <p:cNvSpPr>
-            <a:spLocks noGrp="1" noRot="1" noChangeAspect="1"/>
-          </p:cNvSpPr>
-          <p:nvPr>
-            <p:ph type="sldImg"/>
-          </p:nvPr>
-        </p:nvSpPr>
-        <p:spPr>
-          <a:xfrm>
-            <a:off x="685800" y="1143000"/>
-            <a:ext cx="5486400" cy="3086100"/>
-          </a:xfrm>
-        </p:spPr>
-      </p:sp>
-      <p:sp>
-        <p:nvSpPr>
-          <p:cNvPr id="3" name="Notizenplatzhalter 2"/>
-          <p:cNvSpPr>
-            <a:spLocks noGrp="1"/>
-          </p:cNvSpPr>
-          <p:nvPr>
-            <p:ph type="body" idx="1"/>
-          </p:nvPr>
-        </p:nvSpPr>
-        <p:spPr/>
-        <p:txBody>
-          <a:bodyPr/>
-          <a:lstStyle/>
-          <a:p>
-            <a:endParaRPr lang="de-DE" dirty="0"/>
-          </a:p>
-        </p:txBody>
-      </p:sp>
-      <p:sp>
-        <p:nvSpPr>
-          <p:cNvPr id="4" name="Foliennummernplatzhalter 3"/>
-          <p:cNvSpPr>
-            <a:spLocks noGrp="1"/>
-          </p:cNvSpPr>
-          <p:nvPr>
-            <p:ph type="sldNum" sz="quarter" idx="5"/>
-          </p:nvPr>
-        </p:nvSpPr>
-        <p:spPr/>
-        <p:txBody>
-          <a:bodyPr/>
-          <a:lstStyle/>
-          <a:p>
-            <a:pPr marL="0" marR="0" lvl="0" indent="0" algn="ctr" defTabSz="457200" rtl="0" eaLnBrk="1" fontAlgn="auto" latinLnBrk="0" hangingPunct="1">
-              <a:lnSpc>
-                <a:spcPct val="100000"/>
-              </a:lnSpc>
-              <a:spcBef>
-                <a:spcPts val="0"/>
-              </a:spcBef>
-              <a:spcAft>
-                <a:spcPts val="0"/>
-              </a:spcAft>
-              <a:buClrTx/>
-              <a:buSzTx/>
-              <a:buFontTx/>
-              <a:buNone/>
-              <a:tabLst/>
-              <a:defRPr/>
-            </a:pPr>
-            <a:fld id="{0B4E03F4-693C-45B2-A7AD-D1F8CFC3F73E}" type="slidenum">
-              <a:rPr kumimoji="0" lang="de-DE" sz="1200" b="0" i="0" u="none" strike="noStrike" kern="1200" cap="none" spc="0" normalizeH="0" baseline="0" noProof="0" smtClean="0">
-                <a:ln>
-                  <a:noFill/>
-                </a:ln>
-                <a:solidFill>
-                  <a:prstClr val="black"/>
-                </a:solidFill>
-                <a:effectLst/>
-                <a:uLnTx/>
-                <a:uFillTx/>
-                <a:latin typeface="Calibri" panose="020F0502020204030204"/>
-                <a:ea typeface="+mn-ea"/>
-                <a:cs typeface="+mn-cs"/>
-              </a:rPr>
-              <a:pPr marL="0" marR="0" lvl="0" indent="0" algn="ctr" defTabSz="457200" rtl="0" eaLnBrk="1" fontAlgn="auto" latinLnBrk="0" hangingPunct="1">
-                <a:lnSpc>
-                  <a:spcPct val="100000"/>
-                </a:lnSpc>
-                <a:spcBef>
-                  <a:spcPts val="0"/>
-                </a:spcBef>
-                <a:spcAft>
-                  <a:spcPts val="0"/>
-                </a:spcAft>
-                <a:buClrTx/>
-                <a:buSzTx/>
-                <a:buFontTx/>
-                <a:buNone/>
-                <a:tabLst/>
-                <a:defRPr/>
-              </a:pPr>
-              <a:t>13</a:t>
-            </a:fld>
-            <a:endParaRPr kumimoji="0" lang="de-DE" sz="1200" b="0" i="0" u="none" strike="noStrike" kern="1200" cap="none" spc="0" normalizeH="0" baseline="0" noProof="0" dirty="0">
-              <a:ln>
-                <a:noFill/>
-              </a:ln>
-              <a:solidFill>
-                <a:prstClr val="black"/>
-              </a:solidFill>
-              <a:effectLst/>
-              <a:uLnTx/>
-              <a:uFillTx/>
-              <a:latin typeface="Calibri" panose="020F0502020204030204"/>
-              <a:ea typeface="+mn-ea"/>
-              <a:cs typeface="+mn-cs"/>
-            </a:endParaRPr>
-          </a:p>
-        </p:txBody>
-      </p:sp>
-    </p:spTree>
-    <p:extLst>
-      <p:ext uri="{BB962C8B-B14F-4D97-AF65-F5344CB8AC3E}">
-        <p14:creationId xmlns:p14="http://schemas.microsoft.com/office/powerpoint/2010/main" val="1224705159"/>
-      </p:ext>
-    </p:extLst>
-  </p:cSld>
-  <p:clrMapOvr>
-    <a:masterClrMapping/>
-  </p:clrMapOvr>
-</p:notes>
-</file>
-
-<file path=ppt/notesSlides/notesSlide13.xml><?xml version="1.0" encoding="utf-8"?>
-<p:notes xmlns:a="http://schemas.openxmlformats.org/drawingml/2006/main" xmlns:r="http://schemas.openxmlformats.org/officeDocument/2006/relationships" xmlns:p="http://schemas.openxmlformats.org/presentationml/2006/main">
-  <p:cSld>
-    <p:spTree>
-      <p:nvGrpSpPr>
-        <p:cNvPr id="1" name=""/>
-        <p:cNvGrpSpPr/>
-        <p:nvPr/>
-      </p:nvGrpSpPr>
-      <p:grpSpPr>
-        <a:xfrm>
-          <a:off x="0" y="0"/>
-          <a:ext cx="0" cy="0"/>
-          <a:chOff x="0" y="0"/>
-          <a:chExt cx="0" cy="0"/>
-        </a:xfrm>
-      </p:grpSpPr>
-      <p:sp>
-        <p:nvSpPr>
-          <p:cNvPr id="2" name="Folienbildplatzhalter 1"/>
-          <p:cNvSpPr>
-            <a:spLocks noGrp="1" noRot="1" noChangeAspect="1"/>
-          </p:cNvSpPr>
-          <p:nvPr>
-            <p:ph type="sldImg"/>
-          </p:nvPr>
-        </p:nvSpPr>
-        <p:spPr>
-          <a:xfrm>
-            <a:off x="685800" y="1143000"/>
-            <a:ext cx="5486400" cy="3086100"/>
-          </a:xfrm>
-        </p:spPr>
-      </p:sp>
-      <p:sp>
-        <p:nvSpPr>
-          <p:cNvPr id="3" name="Notizenplatzhalter 2"/>
-          <p:cNvSpPr>
-            <a:spLocks noGrp="1"/>
-          </p:cNvSpPr>
-          <p:nvPr>
-            <p:ph type="body" idx="1"/>
-          </p:nvPr>
-        </p:nvSpPr>
-        <p:spPr/>
-        <p:txBody>
-          <a:bodyPr/>
-          <a:lstStyle/>
-          <a:p>
-            <a:endParaRPr lang="de-DE" dirty="0"/>
-          </a:p>
-        </p:txBody>
-      </p:sp>
-      <p:sp>
-        <p:nvSpPr>
-          <p:cNvPr id="4" name="Foliennummernplatzhalter 3"/>
-          <p:cNvSpPr>
-            <a:spLocks noGrp="1"/>
-          </p:cNvSpPr>
-          <p:nvPr>
-            <p:ph type="sldNum" sz="quarter" idx="5"/>
-          </p:nvPr>
-        </p:nvSpPr>
-        <p:spPr/>
-        <p:txBody>
-          <a:bodyPr/>
-          <a:lstStyle/>
-          <a:p>
-            <a:pPr marL="0" marR="0" lvl="0" indent="0" algn="ctr" defTabSz="457200" rtl="0" eaLnBrk="1" fontAlgn="auto" latinLnBrk="0" hangingPunct="1">
-              <a:lnSpc>
-                <a:spcPct val="100000"/>
-              </a:lnSpc>
-              <a:spcBef>
-                <a:spcPts val="0"/>
-              </a:spcBef>
-              <a:spcAft>
-                <a:spcPts val="0"/>
-              </a:spcAft>
-              <a:buClrTx/>
-              <a:buSzTx/>
-              <a:buFontTx/>
-              <a:buNone/>
-              <a:tabLst/>
-              <a:defRPr/>
-            </a:pPr>
-            <a:fld id="{0B4E03F4-693C-45B2-A7AD-D1F8CFC3F73E}" type="slidenum">
-              <a:rPr kumimoji="0" lang="de-DE" sz="1200" b="0" i="0" u="none" strike="noStrike" kern="1200" cap="none" spc="0" normalizeH="0" baseline="0" noProof="0" smtClean="0">
-                <a:ln>
-                  <a:noFill/>
-                </a:ln>
-                <a:solidFill>
-                  <a:prstClr val="black"/>
-                </a:solidFill>
-                <a:effectLst/>
-                <a:uLnTx/>
-                <a:uFillTx/>
-                <a:latin typeface="Calibri" panose="020F0502020204030204"/>
-                <a:ea typeface="+mn-ea"/>
-                <a:cs typeface="+mn-cs"/>
-              </a:rPr>
-              <a:pPr marL="0" marR="0" lvl="0" indent="0" algn="ctr" defTabSz="457200" rtl="0" eaLnBrk="1" fontAlgn="auto" latinLnBrk="0" hangingPunct="1">
-                <a:lnSpc>
-                  <a:spcPct val="100000"/>
-                </a:lnSpc>
-                <a:spcBef>
-                  <a:spcPts val="0"/>
-                </a:spcBef>
-                <a:spcAft>
-                  <a:spcPts val="0"/>
-                </a:spcAft>
-                <a:buClrTx/>
-                <a:buSzTx/>
-                <a:buFontTx/>
-                <a:buNone/>
-                <a:tabLst/>
-                <a:defRPr/>
-              </a:pPr>
-              <a:t>14</a:t>
-            </a:fld>
-            <a:endParaRPr kumimoji="0" lang="de-DE" sz="1200" b="0" i="0" u="none" strike="noStrike" kern="1200" cap="none" spc="0" normalizeH="0" baseline="0" noProof="0" dirty="0">
-              <a:ln>
-                <a:noFill/>
-              </a:ln>
-              <a:solidFill>
-                <a:prstClr val="black"/>
-              </a:solidFill>
-              <a:effectLst/>
-              <a:uLnTx/>
-              <a:uFillTx/>
-              <a:latin typeface="Calibri" panose="020F0502020204030204"/>
-              <a:ea typeface="+mn-ea"/>
-              <a:cs typeface="+mn-cs"/>
-            </a:endParaRPr>
-          </a:p>
-        </p:txBody>
-      </p:sp>
-    </p:spTree>
-    <p:extLst>
-      <p:ext uri="{BB962C8B-B14F-4D97-AF65-F5344CB8AC3E}">
-        <p14:creationId xmlns:p14="http://schemas.microsoft.com/office/powerpoint/2010/main" val="3017867936"/>
-      </p:ext>
-    </p:extLst>
-  </p:cSld>
-  <p:clrMapOvr>
-    <a:masterClrMapping/>
-  </p:clrMapOvr>
-</p:notes>
-</file>
-
-<file path=ppt/notesSlides/notesSlide14.xml><?xml version="1.0" encoding="utf-8"?>
-<p:notes xmlns:a="http://schemas.openxmlformats.org/drawingml/2006/main" xmlns:r="http://schemas.openxmlformats.org/officeDocument/2006/relationships" xmlns:p="http://schemas.openxmlformats.org/presentationml/2006/main">
-  <p:cSld>
-    <p:spTree>
-      <p:nvGrpSpPr>
-        <p:cNvPr id="1" name=""/>
-        <p:cNvGrpSpPr/>
-        <p:nvPr/>
-      </p:nvGrpSpPr>
-      <p:grpSpPr>
-        <a:xfrm>
-          <a:off x="0" y="0"/>
-          <a:ext cx="0" cy="0"/>
-          <a:chOff x="0" y="0"/>
-          <a:chExt cx="0" cy="0"/>
-        </a:xfrm>
-      </p:grpSpPr>
-      <p:sp>
-        <p:nvSpPr>
-          <p:cNvPr id="2" name="Folienbildplatzhalter 1"/>
-          <p:cNvSpPr>
-            <a:spLocks noGrp="1" noRot="1" noChangeAspect="1"/>
-          </p:cNvSpPr>
-          <p:nvPr>
-            <p:ph type="sldImg"/>
-          </p:nvPr>
-        </p:nvSpPr>
-        <p:spPr>
-          <a:xfrm>
-            <a:off x="685800" y="1143000"/>
-            <a:ext cx="5486400" cy="3086100"/>
-          </a:xfrm>
-        </p:spPr>
-      </p:sp>
-      <p:sp>
-        <p:nvSpPr>
-          <p:cNvPr id="3" name="Notizenplatzhalter 2"/>
-          <p:cNvSpPr>
-            <a:spLocks noGrp="1"/>
-          </p:cNvSpPr>
-          <p:nvPr>
-            <p:ph type="body" idx="1"/>
-          </p:nvPr>
-        </p:nvSpPr>
-        <p:spPr/>
-        <p:txBody>
-          <a:bodyPr/>
-          <a:lstStyle/>
-          <a:p>
-            <a:endParaRPr lang="de-DE" dirty="0"/>
-          </a:p>
-        </p:txBody>
-      </p:sp>
-      <p:sp>
-        <p:nvSpPr>
-          <p:cNvPr id="4" name="Foliennummernplatzhalter 3"/>
-          <p:cNvSpPr>
-            <a:spLocks noGrp="1"/>
-          </p:cNvSpPr>
-          <p:nvPr>
-            <p:ph type="sldNum" sz="quarter" idx="5"/>
-          </p:nvPr>
-        </p:nvSpPr>
-        <p:spPr/>
-        <p:txBody>
-          <a:bodyPr/>
-          <a:lstStyle/>
-          <a:p>
-            <a:pPr marL="0" marR="0" lvl="0" indent="0" algn="ctr" defTabSz="457200" rtl="0" eaLnBrk="1" fontAlgn="auto" latinLnBrk="0" hangingPunct="1">
-              <a:lnSpc>
-                <a:spcPct val="100000"/>
-              </a:lnSpc>
-              <a:spcBef>
-                <a:spcPts val="0"/>
-              </a:spcBef>
-              <a:spcAft>
-                <a:spcPts val="0"/>
-              </a:spcAft>
-              <a:buClrTx/>
-              <a:buSzTx/>
-              <a:buFontTx/>
-              <a:buNone/>
-              <a:tabLst/>
-              <a:defRPr/>
-            </a:pPr>
-            <a:fld id="{0B4E03F4-693C-45B2-A7AD-D1F8CFC3F73E}" type="slidenum">
-              <a:rPr kumimoji="0" lang="de-DE" sz="1200" b="0" i="0" u="none" strike="noStrike" kern="1200" cap="none" spc="0" normalizeH="0" baseline="0" noProof="0" smtClean="0">
-                <a:ln>
-                  <a:noFill/>
-                </a:ln>
-                <a:solidFill>
-                  <a:prstClr val="black"/>
-                </a:solidFill>
-                <a:effectLst/>
-                <a:uLnTx/>
-                <a:uFillTx/>
-                <a:latin typeface="Calibri" panose="020F0502020204030204"/>
-                <a:ea typeface="+mn-ea"/>
-                <a:cs typeface="+mn-cs"/>
-              </a:rPr>
-              <a:pPr marL="0" marR="0" lvl="0" indent="0" algn="ctr" defTabSz="457200" rtl="0" eaLnBrk="1" fontAlgn="auto" latinLnBrk="0" hangingPunct="1">
-                <a:lnSpc>
-                  <a:spcPct val="100000"/>
-                </a:lnSpc>
-                <a:spcBef>
-                  <a:spcPts val="0"/>
-                </a:spcBef>
-                <a:spcAft>
-                  <a:spcPts val="0"/>
-                </a:spcAft>
-                <a:buClrTx/>
-                <a:buSzTx/>
-                <a:buFontTx/>
-                <a:buNone/>
-                <a:tabLst/>
-                <a:defRPr/>
-              </a:pPr>
-              <a:t>20</a:t>
-            </a:fld>
-            <a:endParaRPr kumimoji="0" lang="de-DE" sz="1200" b="0" i="0" u="none" strike="noStrike" kern="1200" cap="none" spc="0" normalizeH="0" baseline="0" noProof="0" dirty="0">
-              <a:ln>
-                <a:noFill/>
-              </a:ln>
-              <a:solidFill>
-                <a:prstClr val="black"/>
-              </a:solidFill>
-              <a:effectLst/>
-              <a:uLnTx/>
-              <a:uFillTx/>
-              <a:latin typeface="Calibri" panose="020F0502020204030204"/>
-              <a:ea typeface="+mn-ea"/>
-              <a:cs typeface="+mn-cs"/>
-            </a:endParaRPr>
-          </a:p>
-        </p:txBody>
-      </p:sp>
-    </p:spTree>
-    <p:extLst>
-      <p:ext uri="{BB962C8B-B14F-4D97-AF65-F5344CB8AC3E}">
-        <p14:creationId xmlns:p14="http://schemas.microsoft.com/office/powerpoint/2010/main" val="1662126864"/>
-      </p:ext>
-    </p:extLst>
-  </p:cSld>
-  <p:clrMapOvr>
-    <a:masterClrMapping/>
-  </p:clrMapOvr>
-</p:notes>
-</file>
-
-<file path=ppt/notesSlides/notesSlide15.xml><?xml version="1.0" encoding="utf-8"?>
-<p:notes xmlns:a="http://schemas.openxmlformats.org/drawingml/2006/main" xmlns:r="http://schemas.openxmlformats.org/officeDocument/2006/relationships" xmlns:p="http://schemas.openxmlformats.org/presentationml/2006/main">
-  <p:cSld>
-    <p:spTree>
-      <p:nvGrpSpPr>
-        <p:cNvPr id="1" name=""/>
-        <p:cNvGrpSpPr/>
-        <p:nvPr/>
-      </p:nvGrpSpPr>
-      <p:grpSpPr>
-        <a:xfrm>
-          <a:off x="0" y="0"/>
-          <a:ext cx="0" cy="0"/>
-          <a:chOff x="0" y="0"/>
-          <a:chExt cx="0" cy="0"/>
-        </a:xfrm>
-      </p:grpSpPr>
-      <p:sp>
-        <p:nvSpPr>
-          <p:cNvPr id="2" name="Folienbildplatzhalter 1"/>
-          <p:cNvSpPr>
-            <a:spLocks noGrp="1" noRot="1" noChangeAspect="1"/>
-          </p:cNvSpPr>
-          <p:nvPr>
-            <p:ph type="sldImg"/>
-          </p:nvPr>
-        </p:nvSpPr>
-        <p:spPr>
-          <a:xfrm>
-            <a:off x="685800" y="1143000"/>
-            <a:ext cx="5486400" cy="3086100"/>
-          </a:xfrm>
-        </p:spPr>
-      </p:sp>
-      <p:sp>
-        <p:nvSpPr>
-          <p:cNvPr id="3" name="Notizenplatzhalter 2"/>
-          <p:cNvSpPr>
-            <a:spLocks noGrp="1"/>
-          </p:cNvSpPr>
-          <p:nvPr>
-            <p:ph type="body" idx="1"/>
-          </p:nvPr>
-        </p:nvSpPr>
-        <p:spPr/>
-        <p:txBody>
-          <a:bodyPr/>
-          <a:lstStyle/>
-          <a:p>
-            <a:endParaRPr lang="de-DE" dirty="0"/>
-          </a:p>
-        </p:txBody>
-      </p:sp>
-      <p:sp>
-        <p:nvSpPr>
-          <p:cNvPr id="4" name="Foliennummernplatzhalter 3"/>
-          <p:cNvSpPr>
-            <a:spLocks noGrp="1"/>
-          </p:cNvSpPr>
-          <p:nvPr>
-            <p:ph type="sldNum" sz="quarter" idx="5"/>
-          </p:nvPr>
-        </p:nvSpPr>
-        <p:spPr/>
-        <p:txBody>
-          <a:bodyPr/>
-          <a:lstStyle/>
-          <a:p>
-            <a:pPr marL="0" marR="0" lvl="0" indent="0" algn="ctr" defTabSz="457200" rtl="0" eaLnBrk="1" fontAlgn="auto" latinLnBrk="0" hangingPunct="1">
-              <a:lnSpc>
-                <a:spcPct val="100000"/>
-              </a:lnSpc>
-              <a:spcBef>
-                <a:spcPts val="0"/>
-              </a:spcBef>
-              <a:spcAft>
-                <a:spcPts val="0"/>
-              </a:spcAft>
-              <a:buClrTx/>
-              <a:buSzTx/>
-              <a:buFontTx/>
-              <a:buNone/>
-              <a:tabLst/>
-              <a:defRPr/>
-            </a:pPr>
-            <a:fld id="{0B4E03F4-693C-45B2-A7AD-D1F8CFC3F73E}" type="slidenum">
-              <a:rPr kumimoji="0" lang="de-DE" sz="1200" b="0" i="0" u="none" strike="noStrike" kern="1200" cap="none" spc="0" normalizeH="0" baseline="0" noProof="0" smtClean="0">
-                <a:ln>
-                  <a:noFill/>
-                </a:ln>
-                <a:solidFill>
-                  <a:prstClr val="black"/>
-                </a:solidFill>
-                <a:effectLst/>
-                <a:uLnTx/>
-                <a:uFillTx/>
-                <a:latin typeface="Calibri" panose="020F0502020204030204"/>
-                <a:ea typeface="+mn-ea"/>
-                <a:cs typeface="+mn-cs"/>
-              </a:rPr>
-              <a:pPr marL="0" marR="0" lvl="0" indent="0" algn="ctr" defTabSz="457200" rtl="0" eaLnBrk="1" fontAlgn="auto" latinLnBrk="0" hangingPunct="1">
-                <a:lnSpc>
-                  <a:spcPct val="100000"/>
-                </a:lnSpc>
-                <a:spcBef>
-                  <a:spcPts val="0"/>
-                </a:spcBef>
-                <a:spcAft>
-                  <a:spcPts val="0"/>
-                </a:spcAft>
-                <a:buClrTx/>
-                <a:buSzTx/>
-                <a:buFontTx/>
-                <a:buNone/>
-                <a:tabLst/>
-                <a:defRPr/>
-              </a:pPr>
-              <a:t>21</a:t>
-            </a:fld>
-            <a:endParaRPr kumimoji="0" lang="de-DE" sz="1200" b="0" i="0" u="none" strike="noStrike" kern="1200" cap="none" spc="0" normalizeH="0" baseline="0" noProof="0" dirty="0">
-              <a:ln>
-                <a:noFill/>
-              </a:ln>
-              <a:solidFill>
-                <a:prstClr val="black"/>
-              </a:solidFill>
-              <a:effectLst/>
-              <a:uLnTx/>
-              <a:uFillTx/>
-              <a:latin typeface="Calibri" panose="020F0502020204030204"/>
-              <a:ea typeface="+mn-ea"/>
-              <a:cs typeface="+mn-cs"/>
-            </a:endParaRPr>
-          </a:p>
-        </p:txBody>
-      </p:sp>
-    </p:spTree>
-    <p:extLst>
-      <p:ext uri="{BB962C8B-B14F-4D97-AF65-F5344CB8AC3E}">
-        <p14:creationId xmlns:p14="http://schemas.microsoft.com/office/powerpoint/2010/main" val="3594752663"/>
-      </p:ext>
-    </p:extLst>
-  </p:cSld>
-  <p:clrMapOvr>
-    <a:masterClrMapping/>
-  </p:clrMapOvr>
-</p:notes>
-</file>
-
-<file path=ppt/notesSlides/notesSlide16.xml><?xml version="1.0" encoding="utf-8"?>
-<p:notes xmlns:a="http://schemas.openxmlformats.org/drawingml/2006/main" xmlns:r="http://schemas.openxmlformats.org/officeDocument/2006/relationships" xmlns:p="http://schemas.openxmlformats.org/presentationml/2006/main">
-  <p:cSld>
-    <p:spTree>
-      <p:nvGrpSpPr>
-        <p:cNvPr id="1" name=""/>
-        <p:cNvGrpSpPr/>
-        <p:nvPr/>
-      </p:nvGrpSpPr>
-      <p:grpSpPr>
-        <a:xfrm>
-          <a:off x="0" y="0"/>
-          <a:ext cx="0" cy="0"/>
-          <a:chOff x="0" y="0"/>
-          <a:chExt cx="0" cy="0"/>
-        </a:xfrm>
-      </p:grpSpPr>
-      <p:sp>
-        <p:nvSpPr>
-          <p:cNvPr id="2" name="Folienbildplatzhalter 1"/>
-          <p:cNvSpPr>
-            <a:spLocks noGrp="1" noRot="1" noChangeAspect="1"/>
-          </p:cNvSpPr>
-          <p:nvPr>
-            <p:ph type="sldImg"/>
-          </p:nvPr>
-        </p:nvSpPr>
-        <p:spPr>
-          <a:xfrm>
-            <a:off x="685800" y="1143000"/>
-            <a:ext cx="5486400" cy="3086100"/>
-          </a:xfrm>
-        </p:spPr>
-      </p:sp>
-      <p:sp>
-        <p:nvSpPr>
-          <p:cNvPr id="3" name="Notizenplatzhalter 2"/>
-          <p:cNvSpPr>
-            <a:spLocks noGrp="1"/>
-          </p:cNvSpPr>
-          <p:nvPr>
-            <p:ph type="body" idx="1"/>
-          </p:nvPr>
-        </p:nvSpPr>
-        <p:spPr/>
-        <p:txBody>
-          <a:bodyPr/>
-          <a:lstStyle/>
-          <a:p>
-            <a:endParaRPr lang="de-DE" dirty="0"/>
-          </a:p>
-        </p:txBody>
-      </p:sp>
-      <p:sp>
-        <p:nvSpPr>
-          <p:cNvPr id="4" name="Foliennummernplatzhalter 3"/>
-          <p:cNvSpPr>
-            <a:spLocks noGrp="1"/>
-          </p:cNvSpPr>
-          <p:nvPr>
-            <p:ph type="sldNum" sz="quarter" idx="5"/>
-          </p:nvPr>
-        </p:nvSpPr>
-        <p:spPr/>
-        <p:txBody>
-          <a:bodyPr/>
-          <a:lstStyle/>
-          <a:p>
-            <a:pPr algn="ctr"/>
-            <a:fld id="{0B4E03F4-693C-45B2-A7AD-D1F8CFC3F73E}" type="slidenum">
-              <a:rPr lang="de-DE" smtClean="0"/>
-              <a:pPr algn="ctr"/>
-              <a:t>25</a:t>
-            </a:fld>
-            <a:endParaRPr lang="de-DE" dirty="0"/>
-          </a:p>
-        </p:txBody>
-      </p:sp>
-    </p:spTree>
-    <p:extLst>
-      <p:ext uri="{BB962C8B-B14F-4D97-AF65-F5344CB8AC3E}">
-        <p14:creationId xmlns:p14="http://schemas.microsoft.com/office/powerpoint/2010/main" val="88416694"/>
-      </p:ext>
-    </p:extLst>
-  </p:cSld>
-  <p:clrMapOvr>
-    <a:masterClrMapping/>
-  </p:clrMapOvr>
-</p:notes>
-</file>
-
-<file path=ppt/notesSlides/notesSlide2.xml><?xml version="1.0" encoding="utf-8"?>
-<p:notes xmlns:a="http://schemas.openxmlformats.org/drawingml/2006/main" xmlns:r="http://schemas.openxmlformats.org/officeDocument/2006/relationships" xmlns:p="http://schemas.openxmlformats.org/presentationml/2006/main">
-  <p:cSld>
-    <p:spTree>
-      <p:nvGrpSpPr>
-        <p:cNvPr id="1" name=""/>
-        <p:cNvGrpSpPr/>
-        <p:nvPr/>
-      </p:nvGrpSpPr>
-      <p:grpSpPr>
-        <a:xfrm>
-          <a:off x="0" y="0"/>
-          <a:ext cx="0" cy="0"/>
-          <a:chOff x="0" y="0"/>
-          <a:chExt cx="0" cy="0"/>
-        </a:xfrm>
-      </p:grpSpPr>
-      <p:sp>
-        <p:nvSpPr>
-          <p:cNvPr id="2" name="Folienbildplatzhalter 1"/>
-          <p:cNvSpPr>
-            <a:spLocks noGrp="1" noRot="1" noChangeAspect="1"/>
-          </p:cNvSpPr>
-          <p:nvPr>
-            <p:ph type="sldImg"/>
-          </p:nvPr>
-        </p:nvSpPr>
-        <p:spPr>
-          <a:xfrm>
-            <a:off x="685800" y="1143000"/>
-            <a:ext cx="5486400" cy="3086100"/>
-          </a:xfrm>
-        </p:spPr>
-      </p:sp>
-      <p:sp>
-        <p:nvSpPr>
-          <p:cNvPr id="3" name="Notizenplatzhalter 2"/>
-          <p:cNvSpPr>
-            <a:spLocks noGrp="1"/>
-          </p:cNvSpPr>
-          <p:nvPr>
-            <p:ph type="body" idx="1"/>
-          </p:nvPr>
-        </p:nvSpPr>
-        <p:spPr/>
-        <p:txBody>
-          <a:bodyPr/>
-          <a:lstStyle/>
-          <a:p>
-            <a:endParaRPr lang="de-DE" dirty="0"/>
-          </a:p>
-        </p:txBody>
-      </p:sp>
-      <p:sp>
-        <p:nvSpPr>
-          <p:cNvPr id="4" name="Foliennummernplatzhalter 3"/>
-          <p:cNvSpPr>
-            <a:spLocks noGrp="1"/>
-          </p:cNvSpPr>
-          <p:nvPr>
-            <p:ph type="sldNum" sz="quarter" idx="5"/>
-          </p:nvPr>
-        </p:nvSpPr>
-        <p:spPr/>
-        <p:txBody>
-          <a:bodyPr/>
-          <a:lstStyle/>
-          <a:p>
-            <a:pPr marL="0" marR="0" lvl="0" indent="0" algn="ctr" defTabSz="457200" rtl="0" eaLnBrk="1" fontAlgn="auto" latinLnBrk="0" hangingPunct="1">
-              <a:lnSpc>
-                <a:spcPct val="100000"/>
-              </a:lnSpc>
-              <a:spcBef>
-                <a:spcPts val="0"/>
-              </a:spcBef>
-              <a:spcAft>
-                <a:spcPts val="0"/>
-              </a:spcAft>
-              <a:buClrTx/>
-              <a:buSzTx/>
-              <a:buFontTx/>
-              <a:buNone/>
-              <a:tabLst/>
-              <a:defRPr/>
-            </a:pPr>
-            <a:fld id="{0B4E03F4-693C-45B2-A7AD-D1F8CFC3F73E}" type="slidenum">
-              <a:rPr kumimoji="0" lang="de-DE" sz="1200" b="0" i="0" u="none" strike="noStrike" kern="1200" cap="none" spc="0" normalizeH="0" baseline="0" noProof="0" smtClean="0">
-                <a:ln>
-                  <a:noFill/>
-                </a:ln>
-                <a:solidFill>
-                  <a:prstClr val="black"/>
-                </a:solidFill>
-                <a:effectLst/>
-                <a:uLnTx/>
-                <a:uFillTx/>
-                <a:latin typeface="Calibri" panose="020F0502020204030204"/>
-                <a:ea typeface="+mn-ea"/>
-                <a:cs typeface="+mn-cs"/>
-              </a:rPr>
-              <a:pPr marL="0" marR="0" lvl="0" indent="0" algn="ctr" defTabSz="457200" rtl="0" eaLnBrk="1" fontAlgn="auto" latinLnBrk="0" hangingPunct="1">
-                <a:lnSpc>
-                  <a:spcPct val="100000"/>
-                </a:lnSpc>
-                <a:spcBef>
-                  <a:spcPts val="0"/>
-                </a:spcBef>
-                <a:spcAft>
-                  <a:spcPts val="0"/>
-                </a:spcAft>
-                <a:buClrTx/>
-                <a:buSzTx/>
-                <a:buFontTx/>
-                <a:buNone/>
-                <a:tabLst/>
-                <a:defRPr/>
-              </a:pPr>
-              <a:t>2</a:t>
-            </a:fld>
-            <a:endParaRPr kumimoji="0" lang="de-DE" sz="1200" b="0" i="0" u="none" strike="noStrike" kern="1200" cap="none" spc="0" normalizeH="0" baseline="0" noProof="0" dirty="0">
-              <a:ln>
-                <a:noFill/>
-              </a:ln>
-              <a:solidFill>
-                <a:prstClr val="black"/>
-              </a:solidFill>
-              <a:effectLst/>
-              <a:uLnTx/>
-              <a:uFillTx/>
-              <a:latin typeface="Calibri" panose="020F0502020204030204"/>
-              <a:ea typeface="+mn-ea"/>
-              <a:cs typeface="+mn-cs"/>
-            </a:endParaRPr>
-          </a:p>
-        </p:txBody>
-      </p:sp>
-    </p:spTree>
-    <p:extLst>
-      <p:ext uri="{BB962C8B-B14F-4D97-AF65-F5344CB8AC3E}">
-        <p14:creationId xmlns:p14="http://schemas.microsoft.com/office/powerpoint/2010/main" val="457944372"/>
-      </p:ext>
-    </p:extLst>
-  </p:cSld>
-  <p:clrMapOvr>
-    <a:masterClrMapping/>
-  </p:clrMapOvr>
-</p:notes>
-</file>
-
-<file path=ppt/notesSlides/notesSlide3.xml><?xml version="1.0" encoding="utf-8"?>
-<p:notes xmlns:a="http://schemas.openxmlformats.org/drawingml/2006/main" xmlns:r="http://schemas.openxmlformats.org/officeDocument/2006/relationships" xmlns:p="http://schemas.openxmlformats.org/presentationml/2006/main">
-  <p:cSld>
-    <p:spTree>
-      <p:nvGrpSpPr>
-        <p:cNvPr id="1" name=""/>
-        <p:cNvGrpSpPr/>
-        <p:nvPr/>
-      </p:nvGrpSpPr>
-      <p:grpSpPr>
-        <a:xfrm>
-          <a:off x="0" y="0"/>
-          <a:ext cx="0" cy="0"/>
-          <a:chOff x="0" y="0"/>
-          <a:chExt cx="0" cy="0"/>
-        </a:xfrm>
-      </p:grpSpPr>
-      <p:sp>
-        <p:nvSpPr>
-          <p:cNvPr id="2" name="Folienbildplatzhalter 1"/>
-          <p:cNvSpPr>
-            <a:spLocks noGrp="1" noRot="1" noChangeAspect="1"/>
-          </p:cNvSpPr>
-          <p:nvPr>
-            <p:ph type="sldImg"/>
-          </p:nvPr>
-        </p:nvSpPr>
-        <p:spPr>
-          <a:xfrm>
-            <a:off x="685800" y="1143000"/>
-            <a:ext cx="5486400" cy="3086100"/>
-          </a:xfrm>
-        </p:spPr>
-      </p:sp>
-      <p:sp>
-        <p:nvSpPr>
-          <p:cNvPr id="3" name="Notizenplatzhalter 2"/>
-          <p:cNvSpPr>
-            <a:spLocks noGrp="1"/>
-          </p:cNvSpPr>
-          <p:nvPr>
-            <p:ph type="body" idx="1"/>
-          </p:nvPr>
-        </p:nvSpPr>
-        <p:spPr/>
-        <p:txBody>
-          <a:bodyPr/>
-          <a:lstStyle/>
-          <a:p>
-            <a:endParaRPr lang="de-DE" dirty="0"/>
-          </a:p>
-        </p:txBody>
-      </p:sp>
-      <p:sp>
-        <p:nvSpPr>
-          <p:cNvPr id="4" name="Foliennummernplatzhalter 3"/>
-          <p:cNvSpPr>
-            <a:spLocks noGrp="1"/>
-          </p:cNvSpPr>
-          <p:nvPr>
-            <p:ph type="sldNum" sz="quarter" idx="5"/>
-          </p:nvPr>
-        </p:nvSpPr>
-        <p:spPr/>
-        <p:txBody>
-          <a:bodyPr/>
-          <a:lstStyle/>
-          <a:p>
-            <a:pPr marL="0" marR="0" lvl="0" indent="0" algn="ctr" defTabSz="457200" rtl="0" eaLnBrk="1" fontAlgn="auto" latinLnBrk="0" hangingPunct="1">
-              <a:lnSpc>
-                <a:spcPct val="100000"/>
-              </a:lnSpc>
-              <a:spcBef>
-                <a:spcPts val="0"/>
-              </a:spcBef>
-              <a:spcAft>
-                <a:spcPts val="0"/>
-              </a:spcAft>
-              <a:buClrTx/>
-              <a:buSzTx/>
-              <a:buFontTx/>
-              <a:buNone/>
-              <a:tabLst/>
-              <a:defRPr/>
-            </a:pPr>
-            <a:fld id="{0B4E03F4-693C-45B2-A7AD-D1F8CFC3F73E}" type="slidenum">
-              <a:rPr kumimoji="0" lang="de-DE" sz="1200" b="0" i="0" u="none" strike="noStrike" kern="1200" cap="none" spc="0" normalizeH="0" baseline="0" noProof="0" smtClean="0">
-                <a:ln>
-                  <a:noFill/>
-                </a:ln>
-                <a:solidFill>
-                  <a:prstClr val="black"/>
-                </a:solidFill>
-                <a:effectLst/>
-                <a:uLnTx/>
-                <a:uFillTx/>
-                <a:latin typeface="Calibri" panose="020F0502020204030204"/>
-                <a:ea typeface="+mn-ea"/>
-                <a:cs typeface="+mn-cs"/>
-              </a:rPr>
-              <a:pPr marL="0" marR="0" lvl="0" indent="0" algn="ctr" defTabSz="457200" rtl="0" eaLnBrk="1" fontAlgn="auto" latinLnBrk="0" hangingPunct="1">
-                <a:lnSpc>
-                  <a:spcPct val="100000"/>
-                </a:lnSpc>
-                <a:spcBef>
-                  <a:spcPts val="0"/>
-                </a:spcBef>
-                <a:spcAft>
-                  <a:spcPts val="0"/>
-                </a:spcAft>
-                <a:buClrTx/>
-                <a:buSzTx/>
-                <a:buFontTx/>
-                <a:buNone/>
-                <a:tabLst/>
-                <a:defRPr/>
-              </a:pPr>
-              <a:t>4</a:t>
-            </a:fld>
-            <a:endParaRPr kumimoji="0" lang="de-DE" sz="1200" b="0" i="0" u="none" strike="noStrike" kern="1200" cap="none" spc="0" normalizeH="0" baseline="0" noProof="0" dirty="0">
-              <a:ln>
-                <a:noFill/>
-              </a:ln>
-              <a:solidFill>
-                <a:prstClr val="black"/>
-              </a:solidFill>
-              <a:effectLst/>
-              <a:uLnTx/>
-              <a:uFillTx/>
-              <a:latin typeface="Calibri" panose="020F0502020204030204"/>
-              <a:ea typeface="+mn-ea"/>
-              <a:cs typeface="+mn-cs"/>
-            </a:endParaRPr>
-          </a:p>
-        </p:txBody>
-      </p:sp>
-    </p:spTree>
-    <p:extLst>
-      <p:ext uri="{BB962C8B-B14F-4D97-AF65-F5344CB8AC3E}">
-        <p14:creationId xmlns:p14="http://schemas.microsoft.com/office/powerpoint/2010/main" val="12031120"/>
-      </p:ext>
-    </p:extLst>
-  </p:cSld>
-  <p:clrMapOvr>
-    <a:masterClrMapping/>
-  </p:clrMapOvr>
-</p:notes>
-</file>
-
-<file path=ppt/notesSlides/notesSlide4.xml><?xml version="1.0" encoding="utf-8"?>
-<p:notes xmlns:a="http://schemas.openxmlformats.org/drawingml/2006/main" xmlns:r="http://schemas.openxmlformats.org/officeDocument/2006/relationships" xmlns:p="http://schemas.openxmlformats.org/presentationml/2006/main">
-  <p:cSld>
-    <p:spTree>
-      <p:nvGrpSpPr>
-        <p:cNvPr id="1" name=""/>
-        <p:cNvGrpSpPr/>
-        <p:nvPr/>
-      </p:nvGrpSpPr>
-      <p:grpSpPr>
-        <a:xfrm>
-          <a:off x="0" y="0"/>
-          <a:ext cx="0" cy="0"/>
-          <a:chOff x="0" y="0"/>
-          <a:chExt cx="0" cy="0"/>
-        </a:xfrm>
-      </p:grpSpPr>
-      <p:sp>
-        <p:nvSpPr>
-          <p:cNvPr id="2" name="Folienbildplatzhalter 1"/>
-          <p:cNvSpPr>
-            <a:spLocks noGrp="1" noRot="1" noChangeAspect="1"/>
-          </p:cNvSpPr>
-          <p:nvPr>
-            <p:ph type="sldImg"/>
-          </p:nvPr>
-        </p:nvSpPr>
-        <p:spPr>
-          <a:xfrm>
-            <a:off x="685800" y="1143000"/>
-            <a:ext cx="5486400" cy="3086100"/>
-          </a:xfrm>
-        </p:spPr>
-      </p:sp>
-      <p:sp>
-        <p:nvSpPr>
-          <p:cNvPr id="3" name="Notizenplatzhalter 2"/>
-          <p:cNvSpPr>
-            <a:spLocks noGrp="1"/>
-          </p:cNvSpPr>
-          <p:nvPr>
-            <p:ph type="body" idx="1"/>
-          </p:nvPr>
-        </p:nvSpPr>
-        <p:spPr/>
-        <p:txBody>
-          <a:bodyPr/>
-          <a:lstStyle/>
-          <a:p>
-            <a:endParaRPr lang="de-DE" dirty="0"/>
-          </a:p>
-        </p:txBody>
-      </p:sp>
-      <p:sp>
-        <p:nvSpPr>
-          <p:cNvPr id="4" name="Foliennummernplatzhalter 3"/>
-          <p:cNvSpPr>
-            <a:spLocks noGrp="1"/>
-          </p:cNvSpPr>
-          <p:nvPr>
-            <p:ph type="sldNum" sz="quarter" idx="5"/>
-          </p:nvPr>
-        </p:nvSpPr>
-        <p:spPr/>
-        <p:txBody>
-          <a:bodyPr/>
-          <a:lstStyle/>
-          <a:p>
-            <a:pPr marL="0" marR="0" lvl="0" indent="0" algn="ctr" defTabSz="457200" rtl="0" eaLnBrk="1" fontAlgn="auto" latinLnBrk="0" hangingPunct="1">
-              <a:lnSpc>
-                <a:spcPct val="100000"/>
-              </a:lnSpc>
-              <a:spcBef>
-                <a:spcPts val="0"/>
-              </a:spcBef>
-              <a:spcAft>
-                <a:spcPts val="0"/>
-              </a:spcAft>
-              <a:buClrTx/>
-              <a:buSzTx/>
-              <a:buFontTx/>
-              <a:buNone/>
-              <a:tabLst/>
-              <a:defRPr/>
-            </a:pPr>
-            <a:fld id="{0B4E03F4-693C-45B2-A7AD-D1F8CFC3F73E}" type="slidenum">
-              <a:rPr kumimoji="0" lang="de-DE" sz="1200" b="0" i="0" u="none" strike="noStrike" kern="1200" cap="none" spc="0" normalizeH="0" baseline="0" noProof="0" smtClean="0">
-                <a:ln>
-                  <a:noFill/>
-                </a:ln>
-                <a:solidFill>
-                  <a:prstClr val="black"/>
-                </a:solidFill>
-                <a:effectLst/>
-                <a:uLnTx/>
-                <a:uFillTx/>
-                <a:latin typeface="Calibri" panose="020F0502020204030204"/>
-                <a:ea typeface="+mn-ea"/>
-                <a:cs typeface="+mn-cs"/>
-              </a:rPr>
-              <a:pPr marL="0" marR="0" lvl="0" indent="0" algn="ctr" defTabSz="457200" rtl="0" eaLnBrk="1" fontAlgn="auto" latinLnBrk="0" hangingPunct="1">
-                <a:lnSpc>
-                  <a:spcPct val="100000"/>
-                </a:lnSpc>
-                <a:spcBef>
-                  <a:spcPts val="0"/>
-                </a:spcBef>
-                <a:spcAft>
-                  <a:spcPts val="0"/>
-                </a:spcAft>
-                <a:buClrTx/>
-                <a:buSzTx/>
-                <a:buFontTx/>
-                <a:buNone/>
-                <a:tabLst/>
-                <a:defRPr/>
-              </a:pPr>
-              <a:t>5</a:t>
-            </a:fld>
-            <a:endParaRPr kumimoji="0" lang="de-DE" sz="1200" b="0" i="0" u="none" strike="noStrike" kern="1200" cap="none" spc="0" normalizeH="0" baseline="0" noProof="0" dirty="0">
-              <a:ln>
-                <a:noFill/>
-              </a:ln>
-              <a:solidFill>
-                <a:prstClr val="black"/>
-              </a:solidFill>
-              <a:effectLst/>
-              <a:uLnTx/>
-              <a:uFillTx/>
-              <a:latin typeface="Calibri" panose="020F0502020204030204"/>
-              <a:ea typeface="+mn-ea"/>
-              <a:cs typeface="+mn-cs"/>
-            </a:endParaRPr>
-          </a:p>
-        </p:txBody>
-      </p:sp>
-    </p:spTree>
-    <p:extLst>
-      <p:ext uri="{BB962C8B-B14F-4D97-AF65-F5344CB8AC3E}">
-        <p14:creationId xmlns:p14="http://schemas.microsoft.com/office/powerpoint/2010/main" val="3922925236"/>
-      </p:ext>
-    </p:extLst>
-  </p:cSld>
-  <p:clrMapOvr>
-    <a:masterClrMapping/>
-  </p:clrMapOvr>
-</p:notes>
-</file>
-
-<file path=ppt/notesSlides/notesSlide5.xml><?xml version="1.0" encoding="utf-8"?>
-<p:notes xmlns:a="http://schemas.openxmlformats.org/drawingml/2006/main" xmlns:r="http://schemas.openxmlformats.org/officeDocument/2006/relationships" xmlns:p="http://schemas.openxmlformats.org/presentationml/2006/main">
-  <p:cSld>
-    <p:spTree>
-      <p:nvGrpSpPr>
-        <p:cNvPr id="1" name=""/>
-        <p:cNvGrpSpPr/>
-        <p:nvPr/>
-      </p:nvGrpSpPr>
-      <p:grpSpPr>
-        <a:xfrm>
-          <a:off x="0" y="0"/>
-          <a:ext cx="0" cy="0"/>
-          <a:chOff x="0" y="0"/>
-          <a:chExt cx="0" cy="0"/>
-        </a:xfrm>
-      </p:grpSpPr>
-      <p:sp>
-        <p:nvSpPr>
-          <p:cNvPr id="2" name="Folienbildplatzhalter 1"/>
-          <p:cNvSpPr>
-            <a:spLocks noGrp="1" noRot="1" noChangeAspect="1"/>
-          </p:cNvSpPr>
-          <p:nvPr>
-            <p:ph type="sldImg"/>
-          </p:nvPr>
-        </p:nvSpPr>
-        <p:spPr>
-          <a:xfrm>
-            <a:off x="685800" y="1143000"/>
-            <a:ext cx="5486400" cy="3086100"/>
-          </a:xfrm>
-        </p:spPr>
-      </p:sp>
-      <p:sp>
-        <p:nvSpPr>
-          <p:cNvPr id="3" name="Notizenplatzhalter 2"/>
-          <p:cNvSpPr>
-            <a:spLocks noGrp="1"/>
-          </p:cNvSpPr>
-          <p:nvPr>
-            <p:ph type="body" idx="1"/>
-          </p:nvPr>
-        </p:nvSpPr>
-        <p:spPr/>
-        <p:txBody>
-          <a:bodyPr/>
-          <a:lstStyle/>
-          <a:p>
-            <a:r>
-              <a:rPr lang="de-DE" dirty="0"/>
-              <a:t>Joy Buolamwini ist eine Informatikerin und ist die Gründerin der „Algorithmic justice league“.</a:t>
-            </a:r>
-          </a:p>
-          <a:p>
-            <a:r>
-              <a:rPr lang="de-DE" dirty="0"/>
-              <a:t>Durch Ihre Nachforschungen zu Gesichtsanalytischer KI entdeckte sie in KI Systemen, von großen Unternehmen wie Amazon und Microsoft, erhebliche Gender- und Racialbiases.</a:t>
-            </a:r>
-          </a:p>
-        </p:txBody>
-      </p:sp>
-      <p:sp>
-        <p:nvSpPr>
-          <p:cNvPr id="4" name="Foliennummernplatzhalter 3"/>
-          <p:cNvSpPr>
-            <a:spLocks noGrp="1"/>
-          </p:cNvSpPr>
-          <p:nvPr>
-            <p:ph type="sldNum" sz="quarter" idx="5"/>
-          </p:nvPr>
-        </p:nvSpPr>
-        <p:spPr/>
-        <p:txBody>
-          <a:bodyPr/>
-          <a:lstStyle/>
-          <a:p>
-            <a:pPr marL="0" marR="0" lvl="0" indent="0" algn="ctr" defTabSz="457200" rtl="0" eaLnBrk="1" fontAlgn="auto" latinLnBrk="0" hangingPunct="1">
-              <a:lnSpc>
-                <a:spcPct val="100000"/>
-              </a:lnSpc>
-              <a:spcBef>
-                <a:spcPts val="0"/>
-              </a:spcBef>
-              <a:spcAft>
-                <a:spcPts val="0"/>
-              </a:spcAft>
-              <a:buClrTx/>
-              <a:buSzTx/>
-              <a:buFontTx/>
-              <a:buNone/>
-              <a:tabLst/>
-              <a:defRPr/>
-            </a:pPr>
-            <a:fld id="{0B4E03F4-693C-45B2-A7AD-D1F8CFC3F73E}" type="slidenum">
-              <a:rPr kumimoji="0" lang="de-DE" sz="1200" b="0" i="0" u="none" strike="noStrike" kern="1200" cap="none" spc="0" normalizeH="0" baseline="0" noProof="0" smtClean="0">
-                <a:ln>
-                  <a:noFill/>
-                </a:ln>
-                <a:solidFill>
-                  <a:prstClr val="black"/>
-                </a:solidFill>
-                <a:effectLst/>
-                <a:uLnTx/>
-                <a:uFillTx/>
-                <a:latin typeface="Calibri" panose="020F0502020204030204"/>
-                <a:ea typeface="+mn-ea"/>
-                <a:cs typeface="+mn-cs"/>
-              </a:rPr>
-              <a:pPr marL="0" marR="0" lvl="0" indent="0" algn="ctr" defTabSz="457200" rtl="0" eaLnBrk="1" fontAlgn="auto" latinLnBrk="0" hangingPunct="1">
-                <a:lnSpc>
-                  <a:spcPct val="100000"/>
-                </a:lnSpc>
-                <a:spcBef>
-                  <a:spcPts val="0"/>
-                </a:spcBef>
-                <a:spcAft>
-                  <a:spcPts val="0"/>
-                </a:spcAft>
-                <a:buClrTx/>
-                <a:buSzTx/>
-                <a:buFontTx/>
-                <a:buNone/>
-                <a:tabLst/>
-                <a:defRPr/>
-              </a:pPr>
-              <a:t>6</a:t>
-            </a:fld>
-            <a:endParaRPr kumimoji="0" lang="de-DE" sz="1200" b="0" i="0" u="none" strike="noStrike" kern="1200" cap="none" spc="0" normalizeH="0" baseline="0" noProof="0" dirty="0">
-              <a:ln>
-                <a:noFill/>
-              </a:ln>
-              <a:solidFill>
-                <a:prstClr val="black"/>
-              </a:solidFill>
-              <a:effectLst/>
-              <a:uLnTx/>
-              <a:uFillTx/>
-              <a:latin typeface="Calibri" panose="020F0502020204030204"/>
-              <a:ea typeface="+mn-ea"/>
-              <a:cs typeface="+mn-cs"/>
-            </a:endParaRPr>
-          </a:p>
-        </p:txBody>
-      </p:sp>
-    </p:spTree>
-    <p:extLst>
-      <p:ext uri="{BB962C8B-B14F-4D97-AF65-F5344CB8AC3E}">
-        <p14:creationId xmlns:p14="http://schemas.microsoft.com/office/powerpoint/2010/main" val="748073832"/>
-      </p:ext>
-    </p:extLst>
-  </p:cSld>
-  <p:clrMapOvr>
-    <a:masterClrMapping/>
-  </p:clrMapOvr>
-</p:notes>
-</file>
-
-<file path=ppt/notesSlides/notesSlide6.xml><?xml version="1.0" encoding="utf-8"?>
-<p:notes xmlns:a="http://schemas.openxmlformats.org/drawingml/2006/main" xmlns:r="http://schemas.openxmlformats.org/officeDocument/2006/relationships" xmlns:p="http://schemas.openxmlformats.org/presentationml/2006/main">
-  <p:cSld>
-    <p:spTree>
-      <p:nvGrpSpPr>
-        <p:cNvPr id="1" name=""/>
-        <p:cNvGrpSpPr/>
-        <p:nvPr/>
-      </p:nvGrpSpPr>
-      <p:grpSpPr>
-        <a:xfrm>
-          <a:off x="0" y="0"/>
-          <a:ext cx="0" cy="0"/>
-          <a:chOff x="0" y="0"/>
-          <a:chExt cx="0" cy="0"/>
-        </a:xfrm>
-      </p:grpSpPr>
-      <p:sp>
-        <p:nvSpPr>
-          <p:cNvPr id="2" name="Folienbildplatzhalter 1"/>
-          <p:cNvSpPr>
-            <a:spLocks noGrp="1" noRot="1" noChangeAspect="1"/>
-          </p:cNvSpPr>
-          <p:nvPr>
-            <p:ph type="sldImg"/>
-          </p:nvPr>
-        </p:nvSpPr>
-        <p:spPr>
-          <a:xfrm>
-            <a:off x="685800" y="1143000"/>
-            <a:ext cx="5486400" cy="3086100"/>
-          </a:xfrm>
-        </p:spPr>
-      </p:sp>
-      <p:sp>
-        <p:nvSpPr>
-          <p:cNvPr id="3" name="Notizenplatzhalter 2"/>
-          <p:cNvSpPr>
-            <a:spLocks noGrp="1"/>
-          </p:cNvSpPr>
-          <p:nvPr>
-            <p:ph type="body" idx="1"/>
-          </p:nvPr>
-        </p:nvSpPr>
-        <p:spPr/>
-        <p:txBody>
-          <a:bodyPr/>
-          <a:lstStyle/>
-          <a:p>
-            <a:r>
-              <a:rPr lang="de-DE" dirty="0"/>
-              <a:t>Joy Buolamwini ist eine Informatikerin und ist die Gründerin der „Algorithmic justice league“.</a:t>
-            </a:r>
-          </a:p>
-          <a:p>
-            <a:r>
-              <a:rPr lang="de-DE" dirty="0"/>
-              <a:t>Durch Ihre Nachforschungen zu Gesichtsanalytischer KI entdeckte sie in KI Systemen, von großen Unternehmen wie Amazon und Microsoft, erhebliche Gender- und Racialbiases.</a:t>
-            </a:r>
-          </a:p>
-        </p:txBody>
-      </p:sp>
-      <p:sp>
-        <p:nvSpPr>
-          <p:cNvPr id="4" name="Foliennummernplatzhalter 3"/>
-          <p:cNvSpPr>
-            <a:spLocks noGrp="1"/>
-          </p:cNvSpPr>
-          <p:nvPr>
-            <p:ph type="sldNum" sz="quarter" idx="5"/>
-          </p:nvPr>
-        </p:nvSpPr>
-        <p:spPr/>
-        <p:txBody>
-          <a:bodyPr/>
-          <a:lstStyle/>
-          <a:p>
-            <a:pPr marL="0" marR="0" lvl="0" indent="0" algn="ctr" defTabSz="457200" rtl="0" eaLnBrk="1" fontAlgn="auto" latinLnBrk="0" hangingPunct="1">
-              <a:lnSpc>
-                <a:spcPct val="100000"/>
-              </a:lnSpc>
-              <a:spcBef>
-                <a:spcPts val="0"/>
-              </a:spcBef>
-              <a:spcAft>
-                <a:spcPts val="0"/>
-              </a:spcAft>
-              <a:buClrTx/>
-              <a:buSzTx/>
-              <a:buFontTx/>
-              <a:buNone/>
-              <a:tabLst/>
-              <a:defRPr/>
-            </a:pPr>
-            <a:fld id="{0B4E03F4-693C-45B2-A7AD-D1F8CFC3F73E}" type="slidenum">
-              <a:rPr kumimoji="0" lang="de-DE" sz="1200" b="0" i="0" u="none" strike="noStrike" kern="1200" cap="none" spc="0" normalizeH="0" baseline="0" noProof="0" smtClean="0">
-                <a:ln>
-                  <a:noFill/>
-                </a:ln>
-                <a:solidFill>
-                  <a:prstClr val="black"/>
-                </a:solidFill>
-                <a:effectLst/>
-                <a:uLnTx/>
-                <a:uFillTx/>
-                <a:latin typeface="Calibri" panose="020F0502020204030204"/>
-                <a:ea typeface="+mn-ea"/>
-                <a:cs typeface="+mn-cs"/>
-              </a:rPr>
-              <a:pPr marL="0" marR="0" lvl="0" indent="0" algn="ctr" defTabSz="457200" rtl="0" eaLnBrk="1" fontAlgn="auto" latinLnBrk="0" hangingPunct="1">
-                <a:lnSpc>
-                  <a:spcPct val="100000"/>
-                </a:lnSpc>
-                <a:spcBef>
-                  <a:spcPts val="0"/>
-                </a:spcBef>
-                <a:spcAft>
-                  <a:spcPts val="0"/>
-                </a:spcAft>
-                <a:buClrTx/>
-                <a:buSzTx/>
-                <a:buFontTx/>
-                <a:buNone/>
-                <a:tabLst/>
-                <a:defRPr/>
-              </a:pPr>
-              <a:t>7</a:t>
-            </a:fld>
-            <a:endParaRPr kumimoji="0" lang="de-DE" sz="1200" b="0" i="0" u="none" strike="noStrike" kern="1200" cap="none" spc="0" normalizeH="0" baseline="0" noProof="0" dirty="0">
-              <a:ln>
-                <a:noFill/>
-              </a:ln>
-              <a:solidFill>
-                <a:prstClr val="black"/>
-              </a:solidFill>
-              <a:effectLst/>
-              <a:uLnTx/>
-              <a:uFillTx/>
-              <a:latin typeface="Calibri" panose="020F0502020204030204"/>
-              <a:ea typeface="+mn-ea"/>
-              <a:cs typeface="+mn-cs"/>
-            </a:endParaRPr>
-          </a:p>
-        </p:txBody>
-      </p:sp>
-    </p:spTree>
-    <p:extLst>
-      <p:ext uri="{BB962C8B-B14F-4D97-AF65-F5344CB8AC3E}">
-        <p14:creationId xmlns:p14="http://schemas.microsoft.com/office/powerpoint/2010/main" val="1108586075"/>
-      </p:ext>
-    </p:extLst>
-  </p:cSld>
-  <p:clrMapOvr>
-    <a:masterClrMapping/>
-  </p:clrMapOvr>
-</p:notes>
-</file>
-
-<file path=ppt/notesSlides/notesSlide7.xml><?xml version="1.0" encoding="utf-8"?>
-<p:notes xmlns:a="http://schemas.openxmlformats.org/drawingml/2006/main" xmlns:r="http://schemas.openxmlformats.org/officeDocument/2006/relationships" xmlns:p="http://schemas.openxmlformats.org/presentationml/2006/main">
-  <p:cSld>
-    <p:spTree>
-      <p:nvGrpSpPr>
-        <p:cNvPr id="1" name=""/>
-        <p:cNvGrpSpPr/>
-        <p:nvPr/>
-      </p:nvGrpSpPr>
-      <p:grpSpPr>
-        <a:xfrm>
-          <a:off x="0" y="0"/>
-          <a:ext cx="0" cy="0"/>
-          <a:chOff x="0" y="0"/>
-          <a:chExt cx="0" cy="0"/>
-        </a:xfrm>
-      </p:grpSpPr>
-      <p:sp>
-        <p:nvSpPr>
-          <p:cNvPr id="2" name="Folienbildplatzhalter 1"/>
-          <p:cNvSpPr>
-            <a:spLocks noGrp="1" noRot="1" noChangeAspect="1"/>
-          </p:cNvSpPr>
-          <p:nvPr>
-            <p:ph type="sldImg"/>
-          </p:nvPr>
-        </p:nvSpPr>
-        <p:spPr>
-          <a:xfrm>
-            <a:off x="685800" y="1143000"/>
-            <a:ext cx="5486400" cy="3086100"/>
-          </a:xfrm>
-        </p:spPr>
-      </p:sp>
-      <p:sp>
-        <p:nvSpPr>
-          <p:cNvPr id="3" name="Notizenplatzhalter 2"/>
-          <p:cNvSpPr>
-            <a:spLocks noGrp="1"/>
-          </p:cNvSpPr>
-          <p:nvPr>
-            <p:ph type="body" idx="1"/>
-          </p:nvPr>
-        </p:nvSpPr>
-        <p:spPr/>
-        <p:txBody>
-          <a:bodyPr/>
-          <a:lstStyle/>
-          <a:p>
-            <a:r>
-              <a:rPr lang="de-DE" dirty="0"/>
-              <a:t>Joy Buolamwini ist eine Informatikerin und ist die Gründerin der „Algorithmic justice league“.</a:t>
-            </a:r>
-          </a:p>
-          <a:p>
-            <a:r>
-              <a:rPr lang="de-DE" dirty="0"/>
-              <a:t>Durch Ihre Nachforschungen zu Gesichtsanalytischer KI entdeckte sie in KI Systemen, von großen Unternehmen wie Amazon und Microsoft, erhebliche Gender- und Racialbiases.</a:t>
-            </a:r>
-          </a:p>
-        </p:txBody>
-      </p:sp>
-      <p:sp>
-        <p:nvSpPr>
-          <p:cNvPr id="4" name="Foliennummernplatzhalter 3"/>
-          <p:cNvSpPr>
-            <a:spLocks noGrp="1"/>
-          </p:cNvSpPr>
-          <p:nvPr>
-            <p:ph type="sldNum" sz="quarter" idx="5"/>
-          </p:nvPr>
-        </p:nvSpPr>
-        <p:spPr/>
-        <p:txBody>
-          <a:bodyPr/>
-          <a:lstStyle/>
-          <a:p>
-            <a:pPr marL="0" marR="0" lvl="0" indent="0" algn="ctr" defTabSz="457200" rtl="0" eaLnBrk="1" fontAlgn="auto" latinLnBrk="0" hangingPunct="1">
-              <a:lnSpc>
-                <a:spcPct val="100000"/>
-              </a:lnSpc>
-              <a:spcBef>
-                <a:spcPts val="0"/>
-              </a:spcBef>
-              <a:spcAft>
-                <a:spcPts val="0"/>
-              </a:spcAft>
-              <a:buClrTx/>
-              <a:buSzTx/>
-              <a:buFontTx/>
-              <a:buNone/>
-              <a:tabLst/>
-              <a:defRPr/>
-            </a:pPr>
-            <a:fld id="{0B4E03F4-693C-45B2-A7AD-D1F8CFC3F73E}" type="slidenum">
-              <a:rPr kumimoji="0" lang="de-DE" sz="1200" b="0" i="0" u="none" strike="noStrike" kern="1200" cap="none" spc="0" normalizeH="0" baseline="0" noProof="0" smtClean="0">
-                <a:ln>
-                  <a:noFill/>
-                </a:ln>
-                <a:solidFill>
-                  <a:prstClr val="black"/>
-                </a:solidFill>
-                <a:effectLst/>
-                <a:uLnTx/>
-                <a:uFillTx/>
-                <a:latin typeface="Calibri" panose="020F0502020204030204"/>
-                <a:ea typeface="+mn-ea"/>
-                <a:cs typeface="+mn-cs"/>
-              </a:rPr>
-              <a:pPr marL="0" marR="0" lvl="0" indent="0" algn="ctr" defTabSz="457200" rtl="0" eaLnBrk="1" fontAlgn="auto" latinLnBrk="0" hangingPunct="1">
-                <a:lnSpc>
-                  <a:spcPct val="100000"/>
-                </a:lnSpc>
-                <a:spcBef>
-                  <a:spcPts val="0"/>
-                </a:spcBef>
-                <a:spcAft>
-                  <a:spcPts val="0"/>
-                </a:spcAft>
-                <a:buClrTx/>
-                <a:buSzTx/>
-                <a:buFontTx/>
-                <a:buNone/>
-                <a:tabLst/>
-                <a:defRPr/>
-              </a:pPr>
-              <a:t>8</a:t>
-            </a:fld>
-            <a:endParaRPr kumimoji="0" lang="de-DE" sz="1200" b="0" i="0" u="none" strike="noStrike" kern="1200" cap="none" spc="0" normalizeH="0" baseline="0" noProof="0" dirty="0">
-              <a:ln>
-                <a:noFill/>
-              </a:ln>
-              <a:solidFill>
-                <a:prstClr val="black"/>
-              </a:solidFill>
-              <a:effectLst/>
-              <a:uLnTx/>
-              <a:uFillTx/>
-              <a:latin typeface="Calibri" panose="020F0502020204030204"/>
-              <a:ea typeface="+mn-ea"/>
-              <a:cs typeface="+mn-cs"/>
-            </a:endParaRPr>
-          </a:p>
-        </p:txBody>
-      </p:sp>
-    </p:spTree>
-    <p:extLst>
-      <p:ext uri="{BB962C8B-B14F-4D97-AF65-F5344CB8AC3E}">
-        <p14:creationId xmlns:p14="http://schemas.microsoft.com/office/powerpoint/2010/main" val="2294850372"/>
-      </p:ext>
-    </p:extLst>
-  </p:cSld>
-  <p:clrMapOvr>
-    <a:masterClrMapping/>
-  </p:clrMapOvr>
-</p:notes>
-</file>
-
-<file path=ppt/notesSlides/notesSlide8.xml><?xml version="1.0" encoding="utf-8"?>
-<p:notes xmlns:a="http://schemas.openxmlformats.org/drawingml/2006/main" xmlns:r="http://schemas.openxmlformats.org/officeDocument/2006/relationships" xmlns:p="http://schemas.openxmlformats.org/presentationml/2006/main">
-  <p:cSld>
-    <p:spTree>
-      <p:nvGrpSpPr>
-        <p:cNvPr id="1" name=""/>
-        <p:cNvGrpSpPr/>
-        <p:nvPr/>
-      </p:nvGrpSpPr>
-      <p:grpSpPr>
-        <a:xfrm>
-          <a:off x="0" y="0"/>
-          <a:ext cx="0" cy="0"/>
-          <a:chOff x="0" y="0"/>
-          <a:chExt cx="0" cy="0"/>
-        </a:xfrm>
-      </p:grpSpPr>
-      <p:sp>
-        <p:nvSpPr>
-          <p:cNvPr id="2" name="Folienbildplatzhalter 1"/>
-          <p:cNvSpPr>
-            <a:spLocks noGrp="1" noRot="1" noChangeAspect="1"/>
-          </p:cNvSpPr>
-          <p:nvPr>
-            <p:ph type="sldImg"/>
-          </p:nvPr>
-        </p:nvSpPr>
-        <p:spPr>
-          <a:xfrm>
-            <a:off x="685800" y="1143000"/>
-            <a:ext cx="5486400" cy="3086100"/>
-          </a:xfrm>
-        </p:spPr>
-      </p:sp>
-      <p:sp>
-        <p:nvSpPr>
-          <p:cNvPr id="3" name="Notizenplatzhalter 2"/>
-          <p:cNvSpPr>
-            <a:spLocks noGrp="1"/>
-          </p:cNvSpPr>
-          <p:nvPr>
-            <p:ph type="body" idx="1"/>
-          </p:nvPr>
-        </p:nvSpPr>
-        <p:spPr/>
-        <p:txBody>
-          <a:bodyPr/>
-          <a:lstStyle/>
-          <a:p>
-            <a:r>
-              <a:rPr lang="de-DE" dirty="0"/>
-              <a:t>Joy Buolamwini ist eine Informatikerin und ist die Gründerin der „Algorithmic justice league“.</a:t>
-            </a:r>
-          </a:p>
-          <a:p>
-            <a:r>
-              <a:rPr lang="de-DE" dirty="0"/>
-              <a:t>Durch Ihre Nachforschungen zu Gesichtsanalytischer KI entdeckte sie in KI Systemen, von großen Unternehmen wie Amazon und Microsoft, erhebliche Gender- und Racialbiases.</a:t>
-            </a:r>
-          </a:p>
-        </p:txBody>
-      </p:sp>
-      <p:sp>
-        <p:nvSpPr>
-          <p:cNvPr id="4" name="Foliennummernplatzhalter 3"/>
-          <p:cNvSpPr>
-            <a:spLocks noGrp="1"/>
-          </p:cNvSpPr>
-          <p:nvPr>
-            <p:ph type="sldNum" sz="quarter" idx="5"/>
-          </p:nvPr>
-        </p:nvSpPr>
-        <p:spPr/>
-        <p:txBody>
-          <a:bodyPr/>
-          <a:lstStyle/>
-          <a:p>
-            <a:pPr marL="0" marR="0" lvl="0" indent="0" algn="ctr" defTabSz="457200" rtl="0" eaLnBrk="1" fontAlgn="auto" latinLnBrk="0" hangingPunct="1">
-              <a:lnSpc>
-                <a:spcPct val="100000"/>
-              </a:lnSpc>
-              <a:spcBef>
-                <a:spcPts val="0"/>
-              </a:spcBef>
-              <a:spcAft>
-                <a:spcPts val="0"/>
-              </a:spcAft>
-              <a:buClrTx/>
-              <a:buSzTx/>
-              <a:buFontTx/>
-              <a:buNone/>
-              <a:tabLst/>
-              <a:defRPr/>
-            </a:pPr>
-            <a:fld id="{0B4E03F4-693C-45B2-A7AD-D1F8CFC3F73E}" type="slidenum">
-              <a:rPr kumimoji="0" lang="de-DE" sz="1200" b="0" i="0" u="none" strike="noStrike" kern="1200" cap="none" spc="0" normalizeH="0" baseline="0" noProof="0" smtClean="0">
-                <a:ln>
-                  <a:noFill/>
-                </a:ln>
-                <a:solidFill>
-                  <a:prstClr val="black"/>
-                </a:solidFill>
-                <a:effectLst/>
-                <a:uLnTx/>
-                <a:uFillTx/>
-                <a:latin typeface="Calibri" panose="020F0502020204030204"/>
-                <a:ea typeface="+mn-ea"/>
-                <a:cs typeface="+mn-cs"/>
-              </a:rPr>
-              <a:pPr marL="0" marR="0" lvl="0" indent="0" algn="ctr" defTabSz="457200" rtl="0" eaLnBrk="1" fontAlgn="auto" latinLnBrk="0" hangingPunct="1">
-                <a:lnSpc>
-                  <a:spcPct val="100000"/>
-                </a:lnSpc>
-                <a:spcBef>
-                  <a:spcPts val="0"/>
-                </a:spcBef>
-                <a:spcAft>
-                  <a:spcPts val="0"/>
-                </a:spcAft>
-                <a:buClrTx/>
-                <a:buSzTx/>
-                <a:buFontTx/>
-                <a:buNone/>
-                <a:tabLst/>
-                <a:defRPr/>
-              </a:pPr>
-              <a:t>9</a:t>
-            </a:fld>
-            <a:endParaRPr kumimoji="0" lang="de-DE" sz="1200" b="0" i="0" u="none" strike="noStrike" kern="1200" cap="none" spc="0" normalizeH="0" baseline="0" noProof="0" dirty="0">
-              <a:ln>
-                <a:noFill/>
-              </a:ln>
-              <a:solidFill>
-                <a:prstClr val="black"/>
-              </a:solidFill>
-              <a:effectLst/>
-              <a:uLnTx/>
-              <a:uFillTx/>
-              <a:latin typeface="Calibri" panose="020F0502020204030204"/>
-              <a:ea typeface="+mn-ea"/>
-              <a:cs typeface="+mn-cs"/>
-            </a:endParaRPr>
-          </a:p>
-        </p:txBody>
-      </p:sp>
-    </p:spTree>
-    <p:extLst>
-      <p:ext uri="{BB962C8B-B14F-4D97-AF65-F5344CB8AC3E}">
-        <p14:creationId xmlns:p14="http://schemas.microsoft.com/office/powerpoint/2010/main" val="765214794"/>
-      </p:ext>
-    </p:extLst>
-  </p:cSld>
-  <p:clrMapOvr>
-    <a:masterClrMapping/>
-  </p:clrMapOvr>
-</p:notes>
-</file>
-
-<file path=ppt/notesSlides/notesSlide9.xml><?xml version="1.0" encoding="utf-8"?>
-<p:notes xmlns:a="http://schemas.openxmlformats.org/drawingml/2006/main" xmlns:r="http://schemas.openxmlformats.org/officeDocument/2006/relationships" xmlns:p="http://schemas.openxmlformats.org/presentationml/2006/main">
-  <p:cSld>
-    <p:spTree>
-      <p:nvGrpSpPr>
-        <p:cNvPr id="1" name=""/>
-        <p:cNvGrpSpPr/>
-        <p:nvPr/>
-      </p:nvGrpSpPr>
-      <p:grpSpPr>
-        <a:xfrm>
-          <a:off x="0" y="0"/>
-          <a:ext cx="0" cy="0"/>
-          <a:chOff x="0" y="0"/>
-          <a:chExt cx="0" cy="0"/>
-        </a:xfrm>
-      </p:grpSpPr>
-      <p:sp>
-        <p:nvSpPr>
-          <p:cNvPr id="2" name="Folienbildplatzhalter 1"/>
-          <p:cNvSpPr>
-            <a:spLocks noGrp="1" noRot="1" noChangeAspect="1"/>
-          </p:cNvSpPr>
-          <p:nvPr>
-            <p:ph type="sldImg"/>
-          </p:nvPr>
-        </p:nvSpPr>
-        <p:spPr>
-          <a:xfrm>
-            <a:off x="685800" y="1143000"/>
-            <a:ext cx="5486400" cy="3086100"/>
-          </a:xfrm>
-        </p:spPr>
-      </p:sp>
-      <p:sp>
-        <p:nvSpPr>
-          <p:cNvPr id="3" name="Notizenplatzhalter 2"/>
-          <p:cNvSpPr>
-            <a:spLocks noGrp="1"/>
-          </p:cNvSpPr>
-          <p:nvPr>
-            <p:ph type="body" idx="1"/>
-          </p:nvPr>
-        </p:nvSpPr>
-        <p:spPr/>
-        <p:txBody>
-          <a:bodyPr/>
-          <a:lstStyle/>
-          <a:p>
-            <a:r>
-              <a:rPr lang="de-DE" dirty="0"/>
-              <a:t>Joy Buolamwini ist eine Informatikerin und ist die Gründerin der „Algorithmic justice league“.</a:t>
-            </a:r>
-          </a:p>
-          <a:p>
-            <a:r>
-              <a:rPr lang="de-DE" dirty="0"/>
-              <a:t>Durch Ihre Nachforschungen zu Gesichtsanalytischer KI entdeckte sie in KI Systemen, von großen Unternehmen wie Amazon und Microsoft, erhebliche Gender- und Racialbiases.</a:t>
-            </a:r>
-          </a:p>
-        </p:txBody>
-      </p:sp>
-      <p:sp>
-        <p:nvSpPr>
-          <p:cNvPr id="4" name="Foliennummernplatzhalter 3"/>
-          <p:cNvSpPr>
-            <a:spLocks noGrp="1"/>
-          </p:cNvSpPr>
-          <p:nvPr>
-            <p:ph type="sldNum" sz="quarter" idx="5"/>
-          </p:nvPr>
-        </p:nvSpPr>
-        <p:spPr/>
-        <p:txBody>
-          <a:bodyPr/>
-          <a:lstStyle/>
-          <a:p>
-            <a:pPr marL="0" marR="0" lvl="0" indent="0" algn="ctr" defTabSz="457200" rtl="0" eaLnBrk="1" fontAlgn="auto" latinLnBrk="0" hangingPunct="1">
-              <a:lnSpc>
-                <a:spcPct val="100000"/>
-              </a:lnSpc>
-              <a:spcBef>
-                <a:spcPts val="0"/>
-              </a:spcBef>
-              <a:spcAft>
-                <a:spcPts val="0"/>
-              </a:spcAft>
-              <a:buClrTx/>
-              <a:buSzTx/>
-              <a:buFontTx/>
-              <a:buNone/>
-              <a:tabLst/>
-              <a:defRPr/>
-            </a:pPr>
-            <a:fld id="{0B4E03F4-693C-45B2-A7AD-D1F8CFC3F73E}" type="slidenum">
-              <a:rPr kumimoji="0" lang="de-DE" sz="1200" b="0" i="0" u="none" strike="noStrike" kern="1200" cap="none" spc="0" normalizeH="0" baseline="0" noProof="0" smtClean="0">
-                <a:ln>
-                  <a:noFill/>
-                </a:ln>
-                <a:solidFill>
-                  <a:prstClr val="black"/>
-                </a:solidFill>
-                <a:effectLst/>
-                <a:uLnTx/>
-                <a:uFillTx/>
-                <a:latin typeface="Calibri" panose="020F0502020204030204"/>
-                <a:ea typeface="+mn-ea"/>
-                <a:cs typeface="+mn-cs"/>
-              </a:rPr>
-              <a:pPr marL="0" marR="0" lvl="0" indent="0" algn="ctr" defTabSz="457200" rtl="0" eaLnBrk="1" fontAlgn="auto" latinLnBrk="0" hangingPunct="1">
-                <a:lnSpc>
-                  <a:spcPct val="100000"/>
-                </a:lnSpc>
-                <a:spcBef>
-                  <a:spcPts val="0"/>
-                </a:spcBef>
-                <a:spcAft>
-                  <a:spcPts val="0"/>
-                </a:spcAft>
-                <a:buClrTx/>
-                <a:buSzTx/>
-                <a:buFontTx/>
-                <a:buNone/>
-                <a:tabLst/>
-                <a:defRPr/>
-              </a:pPr>
-              <a:t>10</a:t>
-            </a:fld>
-            <a:endParaRPr kumimoji="0" lang="de-DE" sz="1200" b="0" i="0" u="none" strike="noStrike" kern="1200" cap="none" spc="0" normalizeH="0" baseline="0" noProof="0" dirty="0">
-              <a:ln>
-                <a:noFill/>
-              </a:ln>
-              <a:solidFill>
-                <a:prstClr val="black"/>
-              </a:solidFill>
-              <a:effectLst/>
-              <a:uLnTx/>
-              <a:uFillTx/>
-              <a:latin typeface="Calibri" panose="020F0502020204030204"/>
-              <a:ea typeface="+mn-ea"/>
-              <a:cs typeface="+mn-cs"/>
-            </a:endParaRPr>
-          </a:p>
-        </p:txBody>
-      </p:sp>
-    </p:spTree>
-    <p:extLst>
-      <p:ext uri="{BB962C8B-B14F-4D97-AF65-F5344CB8AC3E}">
-        <p14:creationId xmlns:p14="http://schemas.microsoft.com/office/powerpoint/2010/main" val="1619581823"/>
       </p:ext>
     </p:extLst>
   </p:cSld>
@@ -5780,6 +5918,14 @@
 <file path=ppt/slides/slide1.xml><?xml version="1.0" encoding="utf-8"?>
 <p:sld xmlns:a="http://schemas.openxmlformats.org/drawingml/2006/main" xmlns:r="http://schemas.openxmlformats.org/officeDocument/2006/relationships" xmlns:p="http://schemas.openxmlformats.org/presentationml/2006/main">
   <p:cSld>
+    <p:bg>
+      <p:bgPr>
+        <a:solidFill>
+          <a:schemeClr val="bg1"/>
+        </a:solidFill>
+        <a:effectLst/>
+      </p:bgPr>
+    </p:bg>
     <p:spTree>
       <p:nvGrpSpPr>
         <p:cNvPr id="1" name=""/>
@@ -5796,106 +5942,45 @@
       </p:grpSpPr>
       <p:sp>
         <p:nvSpPr>
-          <p:cNvPr id="2052" name="Text Box 4">
+          <p:cNvPr id="2" name="Titel 1">
             <a:extLst>
               <a:ext uri="{FF2B5EF4-FFF2-40B4-BE49-F238E27FC236}">
-                <a16:creationId xmlns:a16="http://schemas.microsoft.com/office/drawing/2014/main" id="{B51FAB6F-B618-4994-A1DA-22C00650436C}"/>
+                <a16:creationId xmlns:a16="http://schemas.microsoft.com/office/drawing/2014/main" id="{AE6FBFD7-FC8E-4416-B438-EBE70DF0FD19}"/>
               </a:ext>
             </a:extLst>
           </p:cNvPr>
-          <p:cNvSpPr txBox="1">
-            <a:spLocks noChangeArrowheads="1"/>
-          </p:cNvSpPr>
-          <p:nvPr/>
-        </p:nvSpPr>
-        <p:spPr bwMode="auto">
+          <p:cNvSpPr>
+            <a:spLocks noGrp="1"/>
+          </p:cNvSpPr>
+          <p:nvPr>
+            <p:ph type="ctrTitle"/>
+          </p:nvPr>
+        </p:nvSpPr>
+        <p:spPr>
           <a:xfrm>
-            <a:off x="3810001" y="2743201"/>
-            <a:ext cx="4614863" cy="900246"/>
+            <a:off x="1060174" y="2235200"/>
+            <a:ext cx="10363200" cy="2387600"/>
           </a:xfrm>
-          <a:prstGeom prst="rect">
-            <a:avLst/>
-          </a:prstGeom>
-          <a:noFill/>
-          <a:ln>
-            <a:noFill/>
-          </a:ln>
-          <a:effectLst/>
-          <a:extLst>
-            <a:ext uri="{909E8E84-426E-40DD-AFC4-6F175D3DCCD1}">
-              <a14:hiddenFill xmlns:a14="http://schemas.microsoft.com/office/drawing/2010/main">
-                <a:solidFill>
-                  <a:schemeClr val="accent1"/>
-                </a:solidFill>
-              </a14:hiddenFill>
-            </a:ext>
-            <a:ext uri="{91240B29-F687-4F45-9708-019B960494DF}">
-              <a14:hiddenLine xmlns:a14="http://schemas.microsoft.com/office/drawing/2010/main" w="9525">
-                <a:solidFill>
-                  <a:schemeClr val="tx1"/>
-                </a:solidFill>
-                <a:miter lim="800000"/>
-                <a:headEnd/>
-                <a:tailEnd/>
-              </a14:hiddenLine>
-            </a:ext>
-            <a:ext uri="{AF507438-7753-43E0-B8FC-AC1667EBCBE1}">
-              <a14:hiddenEffects xmlns:a14="http://schemas.microsoft.com/office/drawing/2010/main">
-                <a:effectLst>
-                  <a:outerShdw dist="35921" dir="2700000" algn="ctr" rotWithShape="0">
-                    <a:schemeClr val="bg2"/>
-                  </a:outerShdw>
-                </a:effectLst>
-              </a14:hiddenEffects>
-            </a:ext>
-          </a:extLst>
         </p:spPr>
         <p:txBody>
           <a:bodyPr>
-            <a:spAutoFit/>
+            <a:normAutofit/>
           </a:bodyPr>
           <a:lstStyle/>
           <a:p>
-            <a:pPr defTabSz="457200">
-              <a:spcBef>
-                <a:spcPct val="50000"/>
-              </a:spcBef>
-              <a:buClr>
-                <a:srgbClr val="FF6600"/>
-              </a:buClr>
-            </a:pPr>
-            <a:r>
-              <a:rPr lang="de-DE" altLang="de-DE" sz="2100" b="1" dirty="0">
-                <a:solidFill>
-                  <a:prstClr val="black"/>
-                </a:solidFill>
-                <a:latin typeface="Arial" panose="020B0604020202020204" pitchFamily="34" charset="0"/>
-              </a:rPr>
-              <a:t>Oliver Bosin</a:t>
-            </a:r>
-          </a:p>
-          <a:p>
-            <a:pPr defTabSz="457200">
-              <a:spcBef>
-                <a:spcPct val="50000"/>
-              </a:spcBef>
-              <a:buClr>
-                <a:srgbClr val="FF6600"/>
-              </a:buClr>
-            </a:pPr>
-            <a:r>
-              <a:rPr lang="de-DE" altLang="de-DE" sz="2100" b="1" dirty="0">
-                <a:solidFill>
-                  <a:prstClr val="black"/>
-                </a:solidFill>
-                <a:latin typeface="Arial" panose="020B0604020202020204" pitchFamily="34" charset="0"/>
-              </a:rPr>
-              <a:t>Ethik in der KI</a:t>
+            <a:r>
+              <a:rPr lang="de-DE" sz="6600" dirty="0"/>
+              <a:t>Lieber künstliche Intelligenz als menschliche Dummheit!?</a:t>
             </a:r>
           </a:p>
         </p:txBody>
       </p:sp>
     </p:spTree>
+    <p:extLst>
+      <p:ext uri="{BB962C8B-B14F-4D97-AF65-F5344CB8AC3E}">
+        <p14:creationId xmlns:p14="http://schemas.microsoft.com/office/powerpoint/2010/main" val="4286661173"/>
+      </p:ext>
+    </p:extLst>
   </p:cSld>
   <p:clrMapOvr>
     <a:masterClrMapping/>
@@ -5938,7 +6023,9 @@
         </p:nvSpPr>
         <p:spPr/>
         <p:txBody>
-          <a:bodyPr/>
+          <a:bodyPr>
+            <a:normAutofit/>
+          </a:bodyPr>
           <a:lstStyle/>
           <a:p>
             <a:r>
@@ -5978,13 +6065,26 @@
               <a:rPr lang="de-DE" dirty="0"/>
               <a:t>Es wurden ungeeignete Trainingsdaten verwendet</a:t>
             </a:r>
+          </a:p>
+          <a:p>
+            <a:pPr lvl="1"/>
+            <a:r>
+              <a:rPr lang="de-DE" dirty="0"/>
+              <a:t>Ein evaluierter Fotosatz enthielt 75 % Männer, 80 % hellhäutige Menschen und nur 5 % dunkelhäutige Frauen</a:t>
+            </a:r>
+          </a:p>
+          <a:p>
+            <a:pPr marL="457200" lvl="1" indent="0">
+              <a:buNone/>
+            </a:pPr>
+            <a:endParaRPr lang="de-DE" dirty="0"/>
           </a:p>
         </p:txBody>
       </p:sp>
     </p:spTree>
     <p:extLst>
       <p:ext uri="{BB962C8B-B14F-4D97-AF65-F5344CB8AC3E}">
-        <p14:creationId xmlns:p14="http://schemas.microsoft.com/office/powerpoint/2010/main" val="1497394737"/>
+        <p14:creationId xmlns:p14="http://schemas.microsoft.com/office/powerpoint/2010/main" val="502606065"/>
       </p:ext>
     </p:extLst>
   </p:cSld>
@@ -6027,7 +6127,12 @@
             <p:ph idx="1"/>
           </p:nvPr>
         </p:nvSpPr>
-        <p:spPr/>
+        <p:spPr>
+          <a:xfrm>
+            <a:off x="838200" y="1825624"/>
+            <a:ext cx="10515600" cy="4549049"/>
+          </a:xfrm>
+        </p:spPr>
         <p:txBody>
           <a:bodyPr>
             <a:normAutofit/>
@@ -6080,17 +6185,24 @@
             </a:r>
           </a:p>
           <a:p>
+            <a:pPr lvl="1"/>
+            <a:endParaRPr lang="de-DE" dirty="0"/>
+          </a:p>
+          <a:p>
             <a:pPr marL="457200" lvl="1" indent="0">
               <a:buNone/>
             </a:pPr>
-            <a:endParaRPr lang="de-DE" dirty="0"/>
+            <a:r>
+              <a:rPr lang="de-DE" dirty="0"/>
+              <a:t>Lösungsansatz ist hier (vermutlich) die Verwendung eines diversifizierten Trainingssatzes</a:t>
+            </a:r>
           </a:p>
         </p:txBody>
       </p:sp>
     </p:spTree>
     <p:extLst>
       <p:ext uri="{BB962C8B-B14F-4D97-AF65-F5344CB8AC3E}">
-        <p14:creationId xmlns:p14="http://schemas.microsoft.com/office/powerpoint/2010/main" val="502606065"/>
+        <p14:creationId xmlns:p14="http://schemas.microsoft.com/office/powerpoint/2010/main" val="2656809793"/>
       </p:ext>
     </p:extLst>
   </p:cSld>
@@ -6119,10 +6231,10 @@
       </p:grpSpPr>
       <p:sp>
         <p:nvSpPr>
-          <p:cNvPr id="4" name="Inhaltsplatzhalter 3">
+          <p:cNvPr id="3" name="Inhaltsplatzhalter 2">
             <a:extLst>
               <a:ext uri="{FF2B5EF4-FFF2-40B4-BE49-F238E27FC236}">
-                <a16:creationId xmlns:a16="http://schemas.microsoft.com/office/drawing/2014/main" id="{A2B1E647-3ECA-4E62-B9A5-C01674006D48}"/>
+                <a16:creationId xmlns:a16="http://schemas.microsoft.com/office/drawing/2014/main" id="{A95D0C09-CE64-40B8-BAF1-99FA0A0026CB}"/>
               </a:ext>
             </a:extLst>
           </p:cNvPr>
@@ -6135,72 +6247,44 @@
         </p:nvSpPr>
         <p:spPr>
           <a:xfrm>
-            <a:off x="838200" y="1825624"/>
-            <a:ext cx="10515600" cy="4549049"/>
+            <a:off x="838200" y="1825625"/>
+            <a:ext cx="10697308" cy="4351338"/>
           </a:xfrm>
         </p:spPr>
         <p:txBody>
-          <a:bodyPr>
-            <a:normAutofit/>
-          </a:bodyPr>
-          <a:lstStyle/>
-          <a:p>
-            <a:r>
-              <a:rPr lang="de-DE" dirty="0"/>
-              <a:t>Wie zeigte sich der Bias bei den evaluierten KI-Systemen ?</a:t>
-            </a:r>
-          </a:p>
-          <a:p>
-            <a:pPr lvl="1"/>
-            <a:r>
-              <a:rPr lang="de-DE" dirty="0"/>
-              <a:t>1 % Fehlerrate bei hellhäutigen Männern</a:t>
-            </a:r>
-          </a:p>
-          <a:p>
-            <a:pPr lvl="1"/>
-            <a:r>
-              <a:rPr lang="de-DE" dirty="0"/>
-              <a:t>35 % Fehlerrate bei dunkelhäutigen Frauen</a:t>
-            </a:r>
-          </a:p>
-          <a:p>
-            <a:pPr marL="0" indent="0">
-              <a:buNone/>
-            </a:pPr>
+          <a:bodyPr/>
+          <a:lstStyle/>
+          <a:p>
+            <a:r>
+              <a:rPr lang="de-DE" dirty="0"/>
+              <a:t>Wie können Prinzipien für eine vertrauenswürde KI aussehen ?</a:t>
+            </a:r>
+          </a:p>
+          <a:p>
             <a:endParaRPr lang="de-DE" dirty="0"/>
           </a:p>
           <a:p>
             <a:r>
               <a:rPr lang="de-DE" dirty="0"/>
-              <a:t>Wie dieser Bias (vermutlich) entstanden ist ?</a:t>
-            </a:r>
-          </a:p>
-          <a:p>
-            <a:pPr lvl="1"/>
-            <a:r>
-              <a:rPr lang="de-DE" dirty="0"/>
-              <a:t>Es wurden ungeeignete Trainingsdaten verwendet</a:t>
-            </a:r>
-          </a:p>
-          <a:p>
-            <a:pPr lvl="1"/>
-            <a:r>
-              <a:rPr lang="de-DE" dirty="0"/>
-              <a:t>Ein evaluierter Fotosatz enthielt 75 % Männer, 80 % hellhäutige Menschen und nur 5 % dunkelhäutige Frauen</a:t>
-            </a:r>
-          </a:p>
-          <a:p>
-            <a:pPr lvl="1"/>
+              <a:t>Wie können diese Prinzipien in einem KI-System als explizite Richtlinien und Regeln umgesetzt werden ?</a:t>
+            </a:r>
+          </a:p>
+          <a:p>
             <a:endParaRPr lang="de-DE" dirty="0"/>
           </a:p>
           <a:p>
-            <a:pPr marL="457200" lvl="1" indent="0">
-              <a:buNone/>
-            </a:pPr>
-            <a:r>
-              <a:rPr lang="de-DE" dirty="0"/>
-              <a:t>Lösungsansatz ist hier (vermutlich) die Verwendung eines diversifizierten Trainingssatzes</a:t>
+            <a:r>
+              <a:rPr lang="de-DE" dirty="0"/>
+              <a:t>Wie kann die Vertrauenswürdigkeit einer KI beurteilt werden ?</a:t>
+            </a:r>
+          </a:p>
+          <a:p>
+            <a:endParaRPr lang="de-DE" dirty="0"/>
+          </a:p>
+          <a:p>
+            <a:r>
+              <a:rPr lang="de-DE" dirty="0"/>
+              <a:t>Was sind Chancen und Risiken ?</a:t>
             </a:r>
           </a:p>
         </p:txBody>
@@ -6208,7 +6292,7 @@
     </p:spTree>
     <p:extLst>
       <p:ext uri="{BB962C8B-B14F-4D97-AF65-F5344CB8AC3E}">
-        <p14:creationId xmlns:p14="http://schemas.microsoft.com/office/powerpoint/2010/main" val="2656809793"/>
+        <p14:creationId xmlns:p14="http://schemas.microsoft.com/office/powerpoint/2010/main" val="3514201352"/>
       </p:ext>
     </p:extLst>
   </p:cSld>
@@ -6256,6 +6340,7 @@
           <a:bodyPr/>
           <a:lstStyle/>
           <a:p>
+            <a:pPr algn="ctr"/>
             <a:r>
               <a:rPr lang="de-DE" dirty="0"/>
               <a:t>Ethische Richtlinien für eine vertrauenswürde KI</a:t>
@@ -6295,96 +6380,6 @@
       </p:grpSpPr>
       <p:sp>
         <p:nvSpPr>
-          <p:cNvPr id="3" name="Inhaltsplatzhalter 2">
-            <a:extLst>
-              <a:ext uri="{FF2B5EF4-FFF2-40B4-BE49-F238E27FC236}">
-                <a16:creationId xmlns:a16="http://schemas.microsoft.com/office/drawing/2014/main" id="{A95D0C09-CE64-40B8-BAF1-99FA0A0026CB}"/>
-              </a:ext>
-            </a:extLst>
-          </p:cNvPr>
-          <p:cNvSpPr>
-            <a:spLocks noGrp="1"/>
-          </p:cNvSpPr>
-          <p:nvPr>
-            <p:ph idx="1"/>
-          </p:nvPr>
-        </p:nvSpPr>
-        <p:spPr>
-          <a:xfrm>
-            <a:off x="838200" y="1825625"/>
-            <a:ext cx="10697308" cy="4351338"/>
-          </a:xfrm>
-        </p:spPr>
-        <p:txBody>
-          <a:bodyPr/>
-          <a:lstStyle/>
-          <a:p>
-            <a:r>
-              <a:rPr lang="de-DE" dirty="0"/>
-              <a:t>Wie können Prinzipien für eine vertrauenswürde KI aussehen ?</a:t>
-            </a:r>
-          </a:p>
-          <a:p>
-            <a:endParaRPr lang="de-DE" dirty="0"/>
-          </a:p>
-          <a:p>
-            <a:r>
-              <a:rPr lang="de-DE" dirty="0"/>
-              <a:t>Wie können diese Prinzipien in einem KI-System als explizite Richtlinien und Regeln umgesetzt werden ?</a:t>
-            </a:r>
-          </a:p>
-          <a:p>
-            <a:endParaRPr lang="de-DE" dirty="0"/>
-          </a:p>
-          <a:p>
-            <a:r>
-              <a:rPr lang="de-DE" dirty="0"/>
-              <a:t>Wie kann die Vertrauenswürdigkeit einer KI beurteilt werden ?</a:t>
-            </a:r>
-          </a:p>
-          <a:p>
-            <a:endParaRPr lang="de-DE" dirty="0"/>
-          </a:p>
-          <a:p>
-            <a:r>
-              <a:rPr lang="de-DE" dirty="0"/>
-              <a:t>Was sind Chancen und Risiken ?</a:t>
-            </a:r>
-          </a:p>
-        </p:txBody>
-      </p:sp>
-    </p:spTree>
-    <p:extLst>
-      <p:ext uri="{BB962C8B-B14F-4D97-AF65-F5344CB8AC3E}">
-        <p14:creationId xmlns:p14="http://schemas.microsoft.com/office/powerpoint/2010/main" val="1817253787"/>
-      </p:ext>
-    </p:extLst>
-  </p:cSld>
-  <p:clrMapOvr>
-    <a:masterClrMapping/>
-  </p:clrMapOvr>
-</p:sld>
-</file>
-
-<file path=ppt/slides/slide15.xml><?xml version="1.0" encoding="utf-8"?>
-<p:sld xmlns:a="http://schemas.openxmlformats.org/drawingml/2006/main" xmlns:r="http://schemas.openxmlformats.org/officeDocument/2006/relationships" xmlns:p="http://schemas.openxmlformats.org/presentationml/2006/main">
-  <p:cSld>
-    <p:spTree>
-      <p:nvGrpSpPr>
-        <p:cNvPr id="1" name=""/>
-        <p:cNvGrpSpPr/>
-        <p:nvPr/>
-      </p:nvGrpSpPr>
-      <p:grpSpPr>
-        <a:xfrm>
-          <a:off x="0" y="0"/>
-          <a:ext cx="0" cy="0"/>
-          <a:chOff x="0" y="0"/>
-          <a:chExt cx="0" cy="0"/>
-        </a:xfrm>
-      </p:grpSpPr>
-      <p:sp>
-        <p:nvSpPr>
           <p:cNvPr id="2" name="Titel 1">
             <a:extLst>
               <a:ext uri="{FF2B5EF4-FFF2-40B4-BE49-F238E27FC236}">
@@ -6456,7 +6451,7 @@
             </a:r>
             <a:r>
               <a:rPr lang="en-US" dirty="0"/>
-              <a:t>High-Level Expert Group on AI (AI HLEG)” </a:t>
+              <a:t>High-Level Expert Group on AI (AI HLEG)”, </a:t>
             </a:r>
             <a:r>
               <a:rPr lang="de-DE" dirty="0"/>
@@ -6508,7 +6503,7 @@
 </p:sld>
 </file>
 
-<file path=ppt/slides/slide16.xml><?xml version="1.0" encoding="utf-8"?>
+<file path=ppt/slides/slide15.xml><?xml version="1.0" encoding="utf-8"?>
 <p:sld xmlns:a="http://schemas.openxmlformats.org/drawingml/2006/main" xmlns:r="http://schemas.openxmlformats.org/officeDocument/2006/relationships" xmlns:p="http://schemas.openxmlformats.org/presentationml/2006/main">
   <p:cSld>
     <p:spTree>
@@ -6573,7 +6568,7 @@
 </p:sld>
 </file>
 
-<file path=ppt/slides/slide17.xml><?xml version="1.0" encoding="utf-8"?>
+<file path=ppt/slides/slide16.xml><?xml version="1.0" encoding="utf-8"?>
 <p:sld xmlns:a="http://schemas.openxmlformats.org/drawingml/2006/main" xmlns:r="http://schemas.openxmlformats.org/officeDocument/2006/relationships" xmlns:p="http://schemas.openxmlformats.org/presentationml/2006/main">
   <p:cSld>
     <p:spTree>
@@ -6638,7 +6633,7 @@
 </p:sld>
 </file>
 
-<file path=ppt/slides/slide18.xml><?xml version="1.0" encoding="utf-8"?>
+<file path=ppt/slides/slide17.xml><?xml version="1.0" encoding="utf-8"?>
 <p:sld xmlns:a="http://schemas.openxmlformats.org/drawingml/2006/main" xmlns:r="http://schemas.openxmlformats.org/officeDocument/2006/relationships" xmlns:p="http://schemas.openxmlformats.org/presentationml/2006/main">
   <p:cSld>
     <p:spTree>
@@ -6703,7 +6698,7 @@
 </p:sld>
 </file>
 
-<file path=ppt/slides/slide19.xml><?xml version="1.0" encoding="utf-8"?>
+<file path=ppt/slides/slide18.xml><?xml version="1.0" encoding="utf-8"?>
 <p:sld xmlns:a="http://schemas.openxmlformats.org/drawingml/2006/main" xmlns:r="http://schemas.openxmlformats.org/officeDocument/2006/relationships" xmlns:p="http://schemas.openxmlformats.org/presentationml/2006/main">
   <p:cSld>
     <p:spTree>
@@ -6768,17 +6763,9 @@
 </p:sld>
 </file>
 
-<file path=ppt/slides/slide2.xml><?xml version="1.0" encoding="utf-8"?>
+<file path=ppt/slides/slide19.xml><?xml version="1.0" encoding="utf-8"?>
 <p:sld xmlns:a="http://schemas.openxmlformats.org/drawingml/2006/main" xmlns:r="http://schemas.openxmlformats.org/officeDocument/2006/relationships" xmlns:p="http://schemas.openxmlformats.org/presentationml/2006/main">
   <p:cSld>
-    <p:bg>
-      <p:bgPr>
-        <a:solidFill>
-          <a:schemeClr val="bg1"/>
-        </a:solidFill>
-        <a:effectLst/>
-      </p:bgPr>
-    </p:bg>
     <p:spTree>
       <p:nvGrpSpPr>
         <p:cNvPr id="1" name=""/>
@@ -6798,7 +6785,7 @@
           <p:cNvPr id="2" name="Titel 1">
             <a:extLst>
               <a:ext uri="{FF2B5EF4-FFF2-40B4-BE49-F238E27FC236}">
-                <a16:creationId xmlns:a16="http://schemas.microsoft.com/office/drawing/2014/main" id="{67E17295-A6B2-4EA8-81FC-1CC4E1398660}"/>
+                <a16:creationId xmlns:a16="http://schemas.microsoft.com/office/drawing/2014/main" id="{4A661E9F-83D9-4D9E-9ADC-73B1B73453E6}"/>
               </a:ext>
             </a:extLst>
           </p:cNvPr>
@@ -6809,105 +6796,157 @@
             <p:ph type="title"/>
           </p:nvPr>
         </p:nvSpPr>
-        <p:spPr>
-          <a:xfrm>
-            <a:off x="838200" y="624568"/>
-            <a:ext cx="3766457" cy="5412920"/>
-          </a:xfrm>
-        </p:spPr>
-        <p:txBody>
-          <a:bodyPr>
-            <a:normAutofit/>
-          </a:bodyPr>
-          <a:lstStyle/>
-          <a:p>
-            <a:r>
-              <a:rPr lang="de-DE" dirty="0"/>
-              <a:t>Gliederung</a:t>
-            </a:r>
-          </a:p>
-        </p:txBody>
-      </p:sp>
-      <p:sp>
-        <p:nvSpPr>
-          <p:cNvPr id="3" name="Inhaltsplatzhalter 2">
+        <p:spPr/>
+        <p:txBody>
+          <a:bodyPr/>
+          <a:lstStyle/>
+          <a:p>
+            <a:pPr algn="ctr"/>
+            <a:r>
+              <a:rPr lang="de-DE" dirty="0"/>
+              <a:t>Ethik für die KI in Wissenschaft und Unternehmen</a:t>
+            </a:r>
+          </a:p>
+        </p:txBody>
+      </p:sp>
+    </p:spTree>
+    <p:extLst>
+      <p:ext uri="{BB962C8B-B14F-4D97-AF65-F5344CB8AC3E}">
+        <p14:creationId xmlns:p14="http://schemas.microsoft.com/office/powerpoint/2010/main" val="3534936280"/>
+      </p:ext>
+    </p:extLst>
+  </p:cSld>
+  <p:clrMapOvr>
+    <a:masterClrMapping/>
+  </p:clrMapOvr>
+</p:sld>
+</file>
+
+<file path=ppt/slides/slide2.xml><?xml version="1.0" encoding="utf-8"?>
+<p:sld xmlns:a="http://schemas.openxmlformats.org/drawingml/2006/main" xmlns:r="http://schemas.openxmlformats.org/officeDocument/2006/relationships" xmlns:p="http://schemas.openxmlformats.org/presentationml/2006/main">
+  <p:cSld>
+    <p:spTree>
+      <p:nvGrpSpPr>
+        <p:cNvPr id="1" name=""/>
+        <p:cNvGrpSpPr/>
+        <p:nvPr/>
+      </p:nvGrpSpPr>
+      <p:grpSpPr>
+        <a:xfrm>
+          <a:off x="0" y="0"/>
+          <a:ext cx="0" cy="0"/>
+          <a:chOff x="0" y="0"/>
+          <a:chExt cx="0" cy="0"/>
+        </a:xfrm>
+      </p:grpSpPr>
+      <p:sp>
+        <p:nvSpPr>
+          <p:cNvPr id="2052" name="Text Box 4">
             <a:extLst>
               <a:ext uri="{FF2B5EF4-FFF2-40B4-BE49-F238E27FC236}">
-                <a16:creationId xmlns:a16="http://schemas.microsoft.com/office/drawing/2014/main" id="{A1FDCF08-0790-4D6E-80A8-D5498C5F4930}"/>
+                <a16:creationId xmlns:a16="http://schemas.microsoft.com/office/drawing/2014/main" id="{B51FAB6F-B618-4994-A1DA-22C00650436C}"/>
               </a:ext>
             </a:extLst>
           </p:cNvPr>
-          <p:cNvSpPr>
-            <a:spLocks noGrp="1"/>
-          </p:cNvSpPr>
-          <p:nvPr>
-            <p:ph idx="1"/>
-          </p:nvPr>
-        </p:nvSpPr>
-        <p:spPr>
+          <p:cNvSpPr txBox="1">
+            <a:spLocks noChangeArrowheads="1"/>
+          </p:cNvSpPr>
+          <p:nvPr/>
+        </p:nvSpPr>
+        <p:spPr bwMode="auto">
           <a:xfrm>
-            <a:off x="5029200" y="624568"/>
-            <a:ext cx="6324598" cy="5412920"/>
+            <a:off x="4406349" y="2729949"/>
+            <a:ext cx="4614863" cy="1477328"/>
           </a:xfrm>
+          <a:prstGeom prst="rect">
+            <a:avLst/>
+          </a:prstGeom>
+          <a:noFill/>
+          <a:ln>
+            <a:noFill/>
+          </a:ln>
+          <a:effectLst/>
+          <a:extLst>
+            <a:ext uri="{909E8E84-426E-40DD-AFC4-6F175D3DCCD1}">
+              <a14:hiddenFill xmlns:a14="http://schemas.microsoft.com/office/drawing/2010/main">
+                <a:solidFill>
+                  <a:schemeClr val="accent1"/>
+                </a:solidFill>
+              </a14:hiddenFill>
+            </a:ext>
+            <a:ext uri="{91240B29-F687-4F45-9708-019B960494DF}">
+              <a14:hiddenLine xmlns:a14="http://schemas.microsoft.com/office/drawing/2010/main" w="9525">
+                <a:solidFill>
+                  <a:schemeClr val="tx1"/>
+                </a:solidFill>
+                <a:miter lim="800000"/>
+                <a:headEnd/>
+                <a:tailEnd/>
+              </a14:hiddenLine>
+            </a:ext>
+            <a:ext uri="{AF507438-7753-43E0-B8FC-AC1667EBCBE1}">
+              <a14:hiddenEffects xmlns:a14="http://schemas.microsoft.com/office/drawing/2010/main">
+                <a:effectLst>
+                  <a:outerShdw dist="35921" dir="2700000" algn="ctr" rotWithShape="0">
+                    <a:schemeClr val="bg2"/>
+                  </a:outerShdw>
+                </a:effectLst>
+              </a14:hiddenEffects>
+            </a:ext>
+          </a:extLst>
         </p:spPr>
         <p:txBody>
-          <a:bodyPr anchor="ctr">
-            <a:normAutofit/>
+          <a:bodyPr>
+            <a:spAutoFit/>
           </a:bodyPr>
           <a:lstStyle/>
           <a:p>
-            <a:pPr marL="514350" indent="-514350">
-              <a:buAutoNum type="arabicPeriod"/>
+            <a:pPr defTabSz="457200">
+              <a:spcBef>
+                <a:spcPct val="50000"/>
+              </a:spcBef>
+              <a:buClr>
+                <a:srgbClr val="FF6600"/>
+              </a:buClr>
             </a:pPr>
             <a:r>
-              <a:rPr lang="de-DE" sz="2400" dirty="0"/>
-              <a:t>Einleitung </a:t>
-            </a:r>
-          </a:p>
-          <a:p>
-            <a:pPr marL="514350" indent="-514350">
-              <a:buAutoNum type="arabicPeriod"/>
+              <a:rPr lang="de-DE" altLang="de-DE" sz="3600" b="1" dirty="0">
+                <a:solidFill>
+                  <a:prstClr val="black"/>
+                </a:solidFill>
+                <a:latin typeface="Arial" panose="020B0604020202020204" pitchFamily="34" charset="0"/>
+              </a:rPr>
+              <a:t>Oliver Bosin</a:t>
+            </a:r>
+          </a:p>
+          <a:p>
+            <a:pPr defTabSz="457200">
+              <a:spcBef>
+                <a:spcPct val="50000"/>
+              </a:spcBef>
+              <a:buClr>
+                <a:srgbClr val="FF6600"/>
+              </a:buClr>
             </a:pPr>
             <a:r>
-              <a:rPr lang="de-DE" sz="2400" dirty="0"/>
-              <a:t>Ethische Richtlinien für eine vertrauenswürde KI </a:t>
-            </a:r>
-          </a:p>
-          <a:p>
-            <a:pPr marL="514350" indent="-514350">
-              <a:buAutoNum type="arabicPeriod"/>
-            </a:pPr>
-            <a:r>
-              <a:rPr lang="de-DE" sz="2400" dirty="0"/>
-              <a:t>Ethik in der KI in Unternehmen und der Wissenschaft</a:t>
-            </a:r>
-          </a:p>
-          <a:p>
-            <a:pPr marL="514350" indent="-514350">
-              <a:buAutoNum type="arabicPeriod"/>
-            </a:pPr>
-            <a:r>
-              <a:rPr lang="de-DE" sz="2400" dirty="0"/>
-              <a:t>Beispiele für ethische Probleme mit KI-Systemen</a:t>
-            </a:r>
-          </a:p>
-          <a:p>
-            <a:pPr marL="514350" indent="-514350">
-              <a:buAutoNum type="arabicPeriod"/>
-            </a:pPr>
-            <a:r>
-              <a:rPr lang="de-DE" sz="2400" dirty="0"/>
-              <a:t>Moral Machine</a:t>
-            </a:r>
+              <a:rPr lang="de-DE" altLang="de-DE" sz="3600" b="1" dirty="0">
+                <a:solidFill>
+                  <a:prstClr val="black"/>
+                </a:solidFill>
+                <a:latin typeface="Arial" panose="020B0604020202020204" pitchFamily="34" charset="0"/>
+              </a:rPr>
+              <a:t>Ethik in der KI</a:t>
+            </a:r>
+            <a:endParaRPr lang="de-DE" altLang="de-DE" sz="2100" b="1" dirty="0">
+              <a:solidFill>
+                <a:prstClr val="black"/>
+              </a:solidFill>
+              <a:latin typeface="Arial" panose="020B0604020202020204" pitchFamily="34" charset="0"/>
+            </a:endParaRPr>
           </a:p>
         </p:txBody>
       </p:sp>
     </p:spTree>
-    <p:extLst>
-      <p:ext uri="{BB962C8B-B14F-4D97-AF65-F5344CB8AC3E}">
-        <p14:creationId xmlns:p14="http://schemas.microsoft.com/office/powerpoint/2010/main" val="2990007432"/>
-      </p:ext>
-    </p:extLst>
   </p:cSld>
   <p:clrMapOvr>
     <a:masterClrMapping/>
@@ -6934,10 +6973,10 @@
       </p:grpSpPr>
       <p:sp>
         <p:nvSpPr>
-          <p:cNvPr id="2" name="Titel 1">
+          <p:cNvPr id="3" name="Inhaltsplatzhalter 2">
             <a:extLst>
               <a:ext uri="{FF2B5EF4-FFF2-40B4-BE49-F238E27FC236}">
-                <a16:creationId xmlns:a16="http://schemas.microsoft.com/office/drawing/2014/main" id="{4A661E9F-83D9-4D9E-9ADC-73B1B73453E6}"/>
+                <a16:creationId xmlns:a16="http://schemas.microsoft.com/office/drawing/2014/main" id="{A95D0C09-CE64-40B8-BAF1-99FA0A0026CB}"/>
               </a:ext>
             </a:extLst>
           </p:cNvPr>
@@ -6945,25 +6984,117 @@
             <a:spLocks noGrp="1"/>
           </p:cNvSpPr>
           <p:nvPr>
-            <p:ph type="title"/>
-          </p:nvPr>
-        </p:nvSpPr>
-        <p:spPr/>
-        <p:txBody>
-          <a:bodyPr/>
-          <a:lstStyle/>
-          <a:p>
-            <a:r>
-              <a:rPr lang="de-DE" dirty="0"/>
-              <a:t>Ethik für die KI in Unternehmen und der Wissenschaft</a:t>
-            </a:r>
+            <p:ph idx="1"/>
+          </p:nvPr>
+        </p:nvSpPr>
+        <p:spPr>
+          <a:xfrm>
+            <a:off x="838200" y="1825625"/>
+            <a:ext cx="10697308" cy="4351338"/>
+          </a:xfrm>
+        </p:spPr>
+        <p:txBody>
+          <a:bodyPr/>
+          <a:lstStyle/>
+          <a:p>
+            <a:r>
+              <a:rPr lang="de-DE" dirty="0"/>
+              <a:t>Die TUM hat das „TUM Institute </a:t>
+            </a:r>
+            <a:r>
+              <a:rPr lang="de-DE" dirty="0" err="1"/>
+              <a:t>for</a:t>
+            </a:r>
+            <a:r>
+              <a:rPr lang="de-DE" dirty="0"/>
+              <a:t> </a:t>
+            </a:r>
+            <a:r>
+              <a:rPr lang="de-DE" dirty="0" err="1"/>
+              <a:t>Ethics</a:t>
+            </a:r>
+            <a:r>
+              <a:rPr lang="de-DE" dirty="0"/>
+              <a:t> in </a:t>
+            </a:r>
+            <a:r>
+              <a:rPr lang="de-DE" dirty="0" err="1"/>
+              <a:t>Artificial</a:t>
+            </a:r>
+            <a:r>
+              <a:rPr lang="de-DE" dirty="0"/>
+              <a:t> </a:t>
+            </a:r>
+            <a:r>
+              <a:rPr lang="de-DE" dirty="0" err="1"/>
+              <a:t>Intelligence</a:t>
+            </a:r>
+            <a:r>
+              <a:rPr lang="de-DE" dirty="0"/>
+              <a:t>“ am 8. Oktober 2019 eröffnet</a:t>
+            </a:r>
+          </a:p>
+          <a:p>
+            <a:endParaRPr lang="de-DE" dirty="0"/>
+          </a:p>
+          <a:p>
+            <a:r>
+              <a:rPr lang="de-DE" dirty="0"/>
+              <a:t>Als Forschungsbereiche werden genannt:</a:t>
+            </a:r>
+          </a:p>
+          <a:p>
+            <a:pPr lvl="1"/>
+            <a:r>
+              <a:rPr lang="de-DE" dirty="0"/>
+              <a:t>Privatsphäre</a:t>
+            </a:r>
+          </a:p>
+          <a:p>
+            <a:pPr lvl="1"/>
+            <a:r>
+              <a:rPr lang="de-DE" dirty="0"/>
+              <a:t>Sicherheit</a:t>
+            </a:r>
+          </a:p>
+          <a:p>
+            <a:pPr lvl="1"/>
+            <a:r>
+              <a:rPr lang="de-DE" dirty="0"/>
+              <a:t>Ethik, Fairness und Vielfalt</a:t>
+            </a:r>
+          </a:p>
+          <a:p>
+            <a:pPr lvl="1"/>
+            <a:r>
+              <a:rPr lang="de-DE" dirty="0"/>
+              <a:t>Transparenz und Verantwortung</a:t>
+            </a:r>
+          </a:p>
+          <a:p>
+            <a:pPr lvl="1"/>
+            <a:r>
+              <a:rPr lang="de-DE" dirty="0"/>
+              <a:t>Kontrolle und Regulierung</a:t>
+            </a:r>
+          </a:p>
+          <a:p>
+            <a:pPr lvl="1"/>
+            <a:r>
+              <a:rPr lang="de-DE" dirty="0"/>
+              <a:t>…</a:t>
+            </a:r>
+          </a:p>
+          <a:p>
+            <a:pPr lvl="1"/>
+            <a:endParaRPr lang="de-DE" dirty="0"/>
           </a:p>
         </p:txBody>
       </p:sp>
     </p:spTree>
     <p:extLst>
       <p:ext uri="{BB962C8B-B14F-4D97-AF65-F5344CB8AC3E}">
-        <p14:creationId xmlns:p14="http://schemas.microsoft.com/office/powerpoint/2010/main" val="3534936280"/>
+        <p14:creationId xmlns:p14="http://schemas.microsoft.com/office/powerpoint/2010/main" val="2168910227"/>
       </p:ext>
     </p:extLst>
   </p:cSld>
@@ -6992,10 +7123,43 @@
       </p:grpSpPr>
       <p:sp>
         <p:nvSpPr>
+          <p:cNvPr id="2" name="Titel 1">
+            <a:extLst>
+              <a:ext uri="{FF2B5EF4-FFF2-40B4-BE49-F238E27FC236}">
+                <a16:creationId xmlns:a16="http://schemas.microsoft.com/office/drawing/2014/main" id="{2829282F-D05E-4895-870D-A31523A653C8}"/>
+              </a:ext>
+            </a:extLst>
+          </p:cNvPr>
+          <p:cNvSpPr>
+            <a:spLocks noGrp="1"/>
+          </p:cNvSpPr>
+          <p:nvPr>
+            <p:ph type="title"/>
+          </p:nvPr>
+        </p:nvSpPr>
+        <p:spPr>
+          <a:xfrm>
+            <a:off x="838200" y="461379"/>
+            <a:ext cx="10515600" cy="1325563"/>
+          </a:xfrm>
+        </p:spPr>
+        <p:txBody>
+          <a:bodyPr/>
+          <a:lstStyle/>
+          <a:p>
+            <a:r>
+              <a:rPr lang="de-DE" dirty="0"/>
+              <a:t>DeepMind(ALPHABET)</a:t>
+            </a:r>
+          </a:p>
+        </p:txBody>
+      </p:sp>
+      <p:sp>
+        <p:nvSpPr>
           <p:cNvPr id="3" name="Inhaltsplatzhalter 2">
             <a:extLst>
               <a:ext uri="{FF2B5EF4-FFF2-40B4-BE49-F238E27FC236}">
-                <a16:creationId xmlns:a16="http://schemas.microsoft.com/office/drawing/2014/main" id="{A95D0C09-CE64-40B8-BAF1-99FA0A0026CB}"/>
+                <a16:creationId xmlns:a16="http://schemas.microsoft.com/office/drawing/2014/main" id="{20107F49-CFBB-407B-B42A-15FE989CEABC}"/>
               </a:ext>
             </a:extLst>
           </p:cNvPr>
@@ -7009,7 +7173,7 @@
         <p:spPr>
           <a:xfrm>
             <a:off x="838200" y="1825625"/>
-            <a:ext cx="10697308" cy="4351338"/>
+            <a:ext cx="10515600" cy="4351338"/>
           </a:xfrm>
         </p:spPr>
         <p:txBody>
@@ -7018,15 +7182,7 @@
           <a:p>
             <a:r>
               <a:rPr lang="de-DE" dirty="0"/>
-              <a:t>Die TUM hat das „TUM Institute </a:t>
-            </a:r>
-            <a:r>
-              <a:rPr lang="de-DE" dirty="0" err="1"/>
-              <a:t>for</a:t>
-            </a:r>
-            <a:r>
-              <a:rPr lang="de-DE" dirty="0"/>
-              <a:t> </a:t>
+              <a:t>DeepMind hat ein „</a:t>
             </a:r>
             <a:r>
               <a:rPr lang="de-DE" dirty="0" err="1"/>
@@ -7034,78 +7190,75 @@
             </a:r>
             <a:r>
               <a:rPr lang="de-DE" dirty="0"/>
-              <a:t> in </a:t>
+              <a:t> &amp; Society Team“ aufgestellt, welches aus Entwicklern und Wissenschaftlern aus vielen Bereichen besteht</a:t>
+            </a:r>
+          </a:p>
+          <a:p>
+            <a:r>
+              <a:rPr lang="de-DE" dirty="0"/>
+              <a:t>Verschiedene weitere Initiativen werden als Partner genannt</a:t>
+            </a:r>
+          </a:p>
+          <a:p>
+            <a:r>
+              <a:rPr lang="de-DE" dirty="0"/>
+              <a:t>Als Arbeitsthemen des „</a:t>
             </a:r>
             <a:r>
               <a:rPr lang="de-DE" dirty="0" err="1"/>
-              <a:t>Artificial</a:t>
-            </a:r>
-            <a:r>
-              <a:rPr lang="de-DE" dirty="0"/>
-              <a:t> </a:t>
-            </a:r>
-            <a:r>
-              <a:rPr lang="de-DE" dirty="0" err="1"/>
-              <a:t>Intelligence</a:t>
-            </a:r>
-            <a:r>
-              <a:rPr lang="de-DE" dirty="0"/>
-              <a:t>“ am 8. Oktober 2019 eröffnet</a:t>
-            </a:r>
-          </a:p>
-          <a:p>
-            <a:endParaRPr lang="de-DE" dirty="0"/>
-          </a:p>
-          <a:p>
-            <a:r>
-              <a:rPr lang="de-DE" dirty="0"/>
-              <a:t>Als Forschungsbereiche werden genannt:</a:t>
+              <a:t>Ethics</a:t>
+            </a:r>
+            <a:r>
+              <a:rPr lang="de-DE" dirty="0"/>
+              <a:t> &amp; Society Team“  werden genannt:</a:t>
             </a:r>
           </a:p>
           <a:p>
             <a:pPr lvl="1"/>
             <a:r>
               <a:rPr lang="de-DE" dirty="0"/>
-              <a:t>Privatsphäre</a:t>
+              <a:t>Privatsphäre, Transparenz und Fairness</a:t>
             </a:r>
           </a:p>
           <a:p>
             <a:pPr lvl="1"/>
             <a:r>
               <a:rPr lang="de-DE" dirty="0"/>
-              <a:t>Sicherheit</a:t>
+              <a:t>KI-Moral und KI-Werte</a:t>
             </a:r>
           </a:p>
           <a:p>
             <a:pPr lvl="1"/>
             <a:r>
               <a:rPr lang="de-DE" dirty="0"/>
-              <a:t>Ethik, Fairness und Vielfalt</a:t>
+              <a:t>Kontrolle und Verantwortlichkeit</a:t>
             </a:r>
           </a:p>
           <a:p>
             <a:pPr lvl="1"/>
             <a:r>
               <a:rPr lang="de-DE" dirty="0"/>
-              <a:t>Transparenz und Verantwortung</a:t>
+              <a:t>KI und die komplexen Herausforderungen auf der Welt</a:t>
             </a:r>
           </a:p>
           <a:p>
             <a:pPr lvl="1"/>
             <a:r>
               <a:rPr lang="de-DE" dirty="0"/>
-              <a:t>Kontrolle und Regulierung</a:t>
+              <a:t>Missbrauch und unbeabsichtigte Konsequenzen</a:t>
             </a:r>
           </a:p>
           <a:p>
             <a:pPr lvl="1"/>
             <a:r>
               <a:rPr lang="de-DE" dirty="0"/>
-              <a:t>…</a:t>
-            </a:r>
-          </a:p>
-          <a:p>
-            <a:pPr lvl="1"/>
+              <a:t>Ökonomische Auswirkungen: Inklusion und Gleichstellung</a:t>
+            </a:r>
+          </a:p>
+          <a:p>
+            <a:pPr marL="0" indent="0">
+              <a:buNone/>
+            </a:pPr>
             <a:endParaRPr lang="de-DE" dirty="0"/>
           </a:p>
         </p:txBody>
@@ -7113,7 +7266,7 @@
     </p:spTree>
     <p:extLst>
       <p:ext uri="{BB962C8B-B14F-4D97-AF65-F5344CB8AC3E}">
-        <p14:creationId xmlns:p14="http://schemas.microsoft.com/office/powerpoint/2010/main" val="2168910227"/>
+        <p14:creationId xmlns:p14="http://schemas.microsoft.com/office/powerpoint/2010/main" val="713834784"/>
       </p:ext>
     </p:extLst>
   </p:cSld>
@@ -7168,7 +7321,7 @@
           <a:p>
             <a:r>
               <a:rPr lang="de-DE" dirty="0"/>
-              <a:t>DeepMind(ALPHABET)</a:t>
+              <a:t>Microsoft</a:t>
             </a:r>
           </a:p>
         </p:txBody>
@@ -7196,82 +7349,20 @@
           </a:xfrm>
         </p:spPr>
         <p:txBody>
-          <a:bodyPr/>
-          <a:lstStyle/>
-          <a:p>
-            <a:r>
-              <a:rPr lang="de-DE" dirty="0"/>
-              <a:t>DeepMind hat ein „</a:t>
-            </a:r>
-            <a:r>
-              <a:rPr lang="de-DE" dirty="0" err="1"/>
-              <a:t>Ethics</a:t>
-            </a:r>
-            <a:r>
-              <a:rPr lang="de-DE" dirty="0"/>
-              <a:t> &amp; Society Team“ aufgestellt, welches aus Entwicklern und Wissenschaftlern aus vielen Bereichen besteht</a:t>
-            </a:r>
-          </a:p>
-          <a:p>
-            <a:r>
-              <a:rPr lang="de-DE" dirty="0"/>
-              <a:t>Verschiedene weitere Initiativen werden als Partner genannt</a:t>
-            </a:r>
-          </a:p>
-          <a:p>
-            <a:r>
-              <a:rPr lang="de-DE" dirty="0"/>
-              <a:t>Als Arbeitsthemen des „</a:t>
-            </a:r>
-            <a:r>
-              <a:rPr lang="de-DE" dirty="0" err="1"/>
-              <a:t>Ethics</a:t>
-            </a:r>
-            <a:r>
-              <a:rPr lang="de-DE" dirty="0"/>
-              <a:t> &amp; Society Team“  werden genannt:</a:t>
-            </a:r>
-          </a:p>
-          <a:p>
-            <a:pPr lvl="1"/>
-            <a:r>
-              <a:rPr lang="de-DE" dirty="0"/>
-              <a:t>Privatsphäre, Transparenz und Fairness</a:t>
-            </a:r>
-          </a:p>
-          <a:p>
-            <a:pPr lvl="1"/>
-            <a:r>
-              <a:rPr lang="de-DE" dirty="0"/>
-              <a:t>KI-Moral und KI-Werte</a:t>
-            </a:r>
-          </a:p>
-          <a:p>
-            <a:pPr lvl="1"/>
-            <a:r>
-              <a:rPr lang="de-DE" dirty="0"/>
-              <a:t>Kontrolle und Verantwortlichkeit</a:t>
-            </a:r>
-          </a:p>
-          <a:p>
-            <a:pPr lvl="1"/>
-            <a:r>
-              <a:rPr lang="de-DE" dirty="0"/>
-              <a:t>KI und die komplexen Herausforderungen auf der Welt</a:t>
-            </a:r>
-          </a:p>
-          <a:p>
-            <a:pPr lvl="1"/>
-            <a:r>
-              <a:rPr lang="de-DE" dirty="0"/>
-              <a:t>Missbrauch und unbeabsichtigte Konsequenzen</a:t>
-            </a:r>
-          </a:p>
-          <a:p>
-            <a:pPr lvl="1"/>
-            <a:r>
-              <a:rPr lang="de-DE" dirty="0"/>
-              <a:t>Ökonomische Auswirkungen: Inklusion und Gleichstellung</a:t>
+          <a:bodyPr>
+            <a:normAutofit/>
+          </a:bodyPr>
+          <a:lstStyle/>
+          <a:p>
+            <a:r>
+              <a:rPr lang="de-DE" dirty="0"/>
+              <a:t>Microsoft hat in Deutschland einen „KI-Expertenrat“ gegründet, welcher aus Wissenschaftlern und leitenden Personen der größten Tech-Unternehmen in Deutschland besteht</a:t>
+            </a:r>
+          </a:p>
+          <a:p>
+            <a:r>
+              <a:rPr lang="de-DE" dirty="0"/>
+              <a:t>Der Expertenrat soll sich, ganz allgemein, mit allen Fragen bezüglich KI beschäftigen. Im Vergleich zu DeepMind, wird der primär wirtschaftliche Blickwinkel vom Expertenrat mehrfach betont.</a:t>
             </a:r>
           </a:p>
           <a:p>
@@ -7285,7 +7376,7 @@
     </p:spTree>
     <p:extLst>
       <p:ext uri="{BB962C8B-B14F-4D97-AF65-F5344CB8AC3E}">
-        <p14:creationId xmlns:p14="http://schemas.microsoft.com/office/powerpoint/2010/main" val="713834784"/>
+        <p14:creationId xmlns:p14="http://schemas.microsoft.com/office/powerpoint/2010/main" val="682592643"/>
       </p:ext>
     </p:extLst>
   </p:cSld>
@@ -7340,7 +7431,7 @@
           <a:p>
             <a:r>
               <a:rPr lang="de-DE" dirty="0"/>
-              <a:t>Microsoft</a:t>
+              <a:t>IBM</a:t>
             </a:r>
           </a:p>
         </p:txBody>
@@ -7375,21 +7466,19 @@
           <a:p>
             <a:r>
               <a:rPr lang="de-DE" dirty="0"/>
-              <a:t>Microsoft hat in Deutschland einen „KI-Expertenrat“ gegründet, welcher aus Wissenschaftlern und leitenden Personen der größten Tech-Unternehmen in Deutschland besteht</a:t>
-            </a:r>
-          </a:p>
-          <a:p>
-            <a:r>
-              <a:rPr lang="de-DE" dirty="0"/>
-              <a:t>Der Expertenrat soll sich </a:t>
-            </a:r>
-            <a:r>
-              <a:rPr lang="de-DE" dirty="0" err="1"/>
-              <a:t>sich</a:t>
-            </a:r>
-            <a:r>
-              <a:rPr lang="de-DE" dirty="0"/>
-              <a:t>, ganz allgemein, mit allen Fragen bezüglich KI beschäftigen. Im Vergleich zu DeepMind, wird der primär wirtschaftliche Blickwinkel vom Expertenrat mehrfach betont.</a:t>
+              <a:t>Mit IBM Research beteiligt sich IBM am Diskurs über KI</a:t>
+            </a:r>
+          </a:p>
+          <a:p>
+            <a:r>
+              <a:rPr lang="de-DE" dirty="0"/>
+              <a:t>Im Bereich „Bias in AI“ wird bei IBM Research intensiv geforscht</a:t>
+            </a:r>
+          </a:p>
+          <a:p>
+            <a:r>
+              <a:rPr lang="de-DE" dirty="0"/>
+              <a:t>Eine dedizierte Expertengruppe, wie bei DeepMind und Microsoft, wurde nicht aufgestellt</a:t>
             </a:r>
           </a:p>
           <a:p>
@@ -7403,7 +7492,7 @@
     </p:spTree>
     <p:extLst>
       <p:ext uri="{BB962C8B-B14F-4D97-AF65-F5344CB8AC3E}">
-        <p14:creationId xmlns:p14="http://schemas.microsoft.com/office/powerpoint/2010/main" val="682592643"/>
+        <p14:creationId xmlns:p14="http://schemas.microsoft.com/office/powerpoint/2010/main" val="3160441387"/>
       </p:ext>
     </p:extLst>
   </p:cSld>
@@ -7435,7 +7524,7 @@
           <p:cNvPr id="2" name="Titel 1">
             <a:extLst>
               <a:ext uri="{FF2B5EF4-FFF2-40B4-BE49-F238E27FC236}">
-                <a16:creationId xmlns:a16="http://schemas.microsoft.com/office/drawing/2014/main" id="{2829282F-D05E-4895-870D-A31523A653C8}"/>
+                <a16:creationId xmlns:a16="http://schemas.microsoft.com/office/drawing/2014/main" id="{4A661E9F-83D9-4D9E-9ADC-73B1B73453E6}"/>
               </a:ext>
             </a:extLst>
           </p:cNvPr>
@@ -7446,80 +7535,23 @@
             <p:ph type="title"/>
           </p:nvPr>
         </p:nvSpPr>
-        <p:spPr>
-          <a:xfrm>
-            <a:off x="838200" y="461379"/>
-            <a:ext cx="10515600" cy="1325563"/>
-          </a:xfrm>
-        </p:spPr>
-        <p:txBody>
-          <a:bodyPr/>
-          <a:lstStyle/>
-          <a:p>
-            <a:r>
-              <a:rPr lang="de-DE" dirty="0"/>
-              <a:t>IBM</a:t>
-            </a:r>
-          </a:p>
-        </p:txBody>
-      </p:sp>
-      <p:sp>
-        <p:nvSpPr>
-          <p:cNvPr id="3" name="Inhaltsplatzhalter 2">
-            <a:extLst>
-              <a:ext uri="{FF2B5EF4-FFF2-40B4-BE49-F238E27FC236}">
-                <a16:creationId xmlns:a16="http://schemas.microsoft.com/office/drawing/2014/main" id="{20107F49-CFBB-407B-B42A-15FE989CEABC}"/>
-              </a:ext>
-            </a:extLst>
-          </p:cNvPr>
-          <p:cNvSpPr>
-            <a:spLocks noGrp="1"/>
-          </p:cNvSpPr>
-          <p:nvPr>
-            <p:ph idx="1"/>
-          </p:nvPr>
-        </p:nvSpPr>
-        <p:spPr>
-          <a:xfrm>
-            <a:off x="838200" y="1825625"/>
-            <a:ext cx="10515600" cy="4351338"/>
-          </a:xfrm>
-        </p:spPr>
-        <p:txBody>
-          <a:bodyPr>
-            <a:normAutofit/>
-          </a:bodyPr>
-          <a:lstStyle/>
-          <a:p>
-            <a:r>
-              <a:rPr lang="de-DE" dirty="0"/>
-              <a:t>Mit IBM Research beteiligt sich IBM am Diskurs über KI</a:t>
-            </a:r>
-          </a:p>
-          <a:p>
-            <a:r>
-              <a:rPr lang="de-DE" dirty="0"/>
-              <a:t>Im Bereich „Bias in AI“ wird bei IBM Research intensiv geforscht</a:t>
-            </a:r>
-          </a:p>
-          <a:p>
-            <a:r>
-              <a:rPr lang="de-DE" dirty="0"/>
-              <a:t>Eine dedizierte Expertengruppe, wie bei DeepMind und Microsoft, wird nicht genannt</a:t>
-            </a:r>
-          </a:p>
-          <a:p>
-            <a:pPr marL="0" indent="0">
-              <a:buNone/>
-            </a:pPr>
-            <a:endParaRPr lang="de-DE" dirty="0"/>
+        <p:spPr/>
+        <p:txBody>
+          <a:bodyPr/>
+          <a:lstStyle/>
+          <a:p>
+            <a:pPr algn="ctr"/>
+            <a:r>
+              <a:rPr lang="de-DE" dirty="0"/>
+              <a:t>Beispiele für ethische Probleme mit KI-Systemen</a:t>
+            </a:r>
           </a:p>
         </p:txBody>
       </p:sp>
     </p:spTree>
     <p:extLst>
       <p:ext uri="{BB962C8B-B14F-4D97-AF65-F5344CB8AC3E}">
-        <p14:creationId xmlns:p14="http://schemas.microsoft.com/office/powerpoint/2010/main" val="3160441387"/>
+        <p14:creationId xmlns:p14="http://schemas.microsoft.com/office/powerpoint/2010/main" val="3548767222"/>
       </p:ext>
     </p:extLst>
   </p:cSld>
@@ -7551,7 +7583,7 @@
           <p:cNvPr id="2" name="Titel 1">
             <a:extLst>
               <a:ext uri="{FF2B5EF4-FFF2-40B4-BE49-F238E27FC236}">
-                <a16:creationId xmlns:a16="http://schemas.microsoft.com/office/drawing/2014/main" id="{BFE782F4-7D8A-4E23-A78C-2C1726466768}"/>
+                <a16:creationId xmlns:a16="http://schemas.microsoft.com/office/drawing/2014/main" id="{2829282F-D05E-4895-870D-A31523A653C8}"/>
               </a:ext>
             </a:extLst>
           </p:cNvPr>
@@ -7562,14 +7594,19 @@
             <p:ph type="title"/>
           </p:nvPr>
         </p:nvSpPr>
-        <p:spPr/>
-        <p:txBody>
-          <a:bodyPr/>
-          <a:lstStyle/>
-          <a:p>
-            <a:r>
-              <a:rPr lang="de-DE" dirty="0"/>
-              <a:t>Quellen</a:t>
+        <p:spPr>
+          <a:xfrm>
+            <a:off x="838200" y="461379"/>
+            <a:ext cx="10515600" cy="1325563"/>
+          </a:xfrm>
+        </p:spPr>
+        <p:txBody>
+          <a:bodyPr/>
+          <a:lstStyle/>
+          <a:p>
+            <a:r>
+              <a:rPr lang="de-DE" dirty="0"/>
+              <a:t>Beispiele</a:t>
             </a:r>
           </a:p>
         </p:txBody>
@@ -7579,7 +7616,7 @@
           <p:cNvPr id="3" name="Inhaltsplatzhalter 2">
             <a:extLst>
               <a:ext uri="{FF2B5EF4-FFF2-40B4-BE49-F238E27FC236}">
-                <a16:creationId xmlns:a16="http://schemas.microsoft.com/office/drawing/2014/main" id="{3C0DA323-2E8B-45E3-B6E8-079BE6C49975}"/>
+                <a16:creationId xmlns:a16="http://schemas.microsoft.com/office/drawing/2014/main" id="{20107F49-CFBB-407B-B42A-15FE989CEABC}"/>
               </a:ext>
             </a:extLst>
           </p:cNvPr>
@@ -7590,111 +7627,53 @@
             <p:ph idx="1"/>
           </p:nvPr>
         </p:nvSpPr>
-        <p:spPr/>
+        <p:spPr>
+          <a:xfrm>
+            <a:off x="838200" y="1825625"/>
+            <a:ext cx="10515600" cy="4351338"/>
+          </a:xfrm>
+        </p:spPr>
         <p:txBody>
           <a:bodyPr>
             <a:normAutofit/>
           </a:bodyPr>
           <a:lstStyle/>
           <a:p>
-            <a:endParaRPr lang="de-DE" sz="1600" dirty="0"/>
-          </a:p>
-          <a:p>
-            <a:r>
-              <a:rPr lang="de-DE" sz="1600" b="1" dirty="0">
-                <a:hlinkClick r:id="rId3"/>
-              </a:rPr>
-              <a:t>https://ec.europa.eu/futurium/en/ai-alliance-consultation/guidelines#Top</a:t>
-            </a:r>
-            <a:endParaRPr lang="de-DE" sz="1600" b="1" dirty="0"/>
-          </a:p>
-          <a:p>
-            <a:r>
-              <a:rPr lang="de-DE" sz="1600" b="1" dirty="0"/>
-              <a:t>Artificial Intelligence in Society : OECD </a:t>
-            </a:r>
-          </a:p>
-          <a:p>
-            <a:r>
-              <a:rPr lang="de-DE" sz="1600" b="1" dirty="0"/>
-              <a:t>ETHICS GUIDELINES FOR TRUSTWORTHY AI : European Commission</a:t>
-            </a:r>
-          </a:p>
-          <a:p>
-            <a:r>
-              <a:rPr lang="de-DE" sz="1600" b="1" dirty="0"/>
-              <a:t>AI4People’s-Ethical-Framework-for-a-Good-AI-Society : Atomium-EISMD</a:t>
-            </a:r>
-          </a:p>
-          <a:p>
-            <a:r>
-              <a:rPr lang="de-DE" sz="1600" b="1" dirty="0">
-                <a:hlinkClick r:id="rId4"/>
-              </a:rPr>
-              <a:t>https://deepmind.com/about/ethics-and-society</a:t>
-            </a:r>
-            <a:endParaRPr lang="de-DE" sz="1600" b="1" dirty="0"/>
-          </a:p>
-          <a:p>
-            <a:r>
-              <a:rPr lang="de-DE" sz="1600" b="1" dirty="0">
-                <a:hlinkClick r:id="rId5"/>
-              </a:rPr>
-              <a:t>https://news.microsoft.com/de-de/ethik-prinzipien-kuenstliche-intelligenz/</a:t>
-            </a:r>
-            <a:endParaRPr lang="de-DE" sz="1600" b="1" dirty="0"/>
-          </a:p>
-          <a:p>
-            <a:r>
-              <a:rPr lang="de-DE" sz="1600" b="1" dirty="0">
-                <a:hlinkClick r:id="rId6"/>
-              </a:rPr>
-              <a:t>https://www.research.ibm.com/5-in-5/ai-and-bias/</a:t>
-            </a:r>
-            <a:endParaRPr lang="de-DE" sz="1600" b="1" dirty="0"/>
-          </a:p>
-          <a:p>
-            <a:r>
-              <a:rPr lang="de-DE" sz="1600" b="1" dirty="0">
-                <a:hlinkClick r:id="rId7"/>
-              </a:rPr>
-              <a:t>https://www.elektroniknet.de/elektronik/neo/ethik-trifft-kuenstliche-intelligenz-169943.html</a:t>
-            </a:r>
-            <a:endParaRPr lang="de-DE" sz="1600" b="1" dirty="0"/>
-          </a:p>
-          <a:p>
-            <a:r>
-              <a:rPr lang="de-DE" sz="1600" b="1" dirty="0">
-                <a:hlinkClick r:id="rId8"/>
-              </a:rPr>
-              <a:t>https://time.com/5520558/artificial-intelligence-racial-gender-bias/</a:t>
-            </a:r>
-            <a:endParaRPr lang="de-DE" sz="1600" b="1" dirty="0"/>
-          </a:p>
-          <a:p>
-            <a:r>
-              <a:rPr lang="de-DE" sz="1600" b="1" dirty="0">
-                <a:hlinkClick r:id="rId9"/>
-              </a:rPr>
-              <a:t>https://www.newscientist.com/article/2166207-discriminating-algorithms-5-times-ai-showed-prejudice/</a:t>
-            </a:r>
-            <a:endParaRPr lang="de-DE" sz="1600" b="1" dirty="0"/>
-          </a:p>
-          <a:p>
-            <a:r>
-              <a:rPr lang="de-DE" sz="1600" b="1" dirty="0">
-                <a:hlinkClick r:id="rId10"/>
-              </a:rPr>
-              <a:t>http://moralmachine.mit.edu/hl/de</a:t>
-            </a:r>
-            <a:endParaRPr lang="de-DE" sz="1600" b="1" dirty="0"/>
+            <a:r>
+              <a:rPr lang="de-DE" dirty="0"/>
+              <a:t>Sperr Sie ein und wirf den Schlüssel weg!</a:t>
+            </a:r>
+          </a:p>
+          <a:p>
+            <a:r>
+              <a:rPr lang="de-DE" dirty="0"/>
+              <a:t>Die kriminelle Minderheit</a:t>
+            </a:r>
+          </a:p>
+          <a:p>
+            <a:r>
+              <a:rPr lang="de-DE" dirty="0"/>
+              <a:t>Mit dunkler Haut ist man gesünder?!</a:t>
+            </a:r>
+          </a:p>
+          <a:p>
+            <a:r>
+              <a:rPr lang="de-DE" dirty="0"/>
+              <a:t>Aufruf zur Intifada?</a:t>
+            </a:r>
+          </a:p>
+          <a:p>
+            <a:pPr marL="0" indent="0">
+              <a:buNone/>
+            </a:pPr>
+            <a:endParaRPr lang="de-DE" dirty="0"/>
           </a:p>
         </p:txBody>
       </p:sp>
     </p:spTree>
     <p:extLst>
       <p:ext uri="{BB962C8B-B14F-4D97-AF65-F5344CB8AC3E}">
-        <p14:creationId xmlns:p14="http://schemas.microsoft.com/office/powerpoint/2010/main" val="462788"/>
+        <p14:creationId xmlns:p14="http://schemas.microsoft.com/office/powerpoint/2010/main" val="444124376"/>
       </p:ext>
     </p:extLst>
   </p:cSld>
@@ -7704,7 +7683,7 @@
 </p:sld>
 </file>
 
-<file path=ppt/slides/slide3.xml><?xml version="1.0" encoding="utf-8"?>
+<file path=ppt/slides/slide26.xml><?xml version="1.0" encoding="utf-8"?>
 <p:sld xmlns:a="http://schemas.openxmlformats.org/drawingml/2006/main" xmlns:r="http://schemas.openxmlformats.org/officeDocument/2006/relationships" xmlns:p="http://schemas.openxmlformats.org/presentationml/2006/main">
   <p:cSld>
     <p:spTree>
@@ -7723,6 +7702,895 @@
       </p:grpSpPr>
       <p:sp>
         <p:nvSpPr>
+          <p:cNvPr id="2" name="Titel 1">
+            <a:extLst>
+              <a:ext uri="{FF2B5EF4-FFF2-40B4-BE49-F238E27FC236}">
+                <a16:creationId xmlns:a16="http://schemas.microsoft.com/office/drawing/2014/main" id="{4A661E9F-83D9-4D9E-9ADC-73B1B73453E6}"/>
+              </a:ext>
+            </a:extLst>
+          </p:cNvPr>
+          <p:cNvSpPr>
+            <a:spLocks noGrp="1"/>
+          </p:cNvSpPr>
+          <p:nvPr>
+            <p:ph type="title"/>
+          </p:nvPr>
+        </p:nvSpPr>
+        <p:spPr>
+          <a:xfrm>
+            <a:off x="831851" y="901359"/>
+            <a:ext cx="10515600" cy="2852737"/>
+          </a:xfrm>
+        </p:spPr>
+        <p:txBody>
+          <a:bodyPr/>
+          <a:lstStyle/>
+          <a:p>
+            <a:pPr algn="ctr"/>
+            <a:r>
+              <a:rPr lang="de-DE" dirty="0"/>
+              <a:t>Moral </a:t>
+            </a:r>
+            <a:r>
+              <a:rPr lang="de-DE" dirty="0" err="1"/>
+              <a:t>Machine</a:t>
+            </a:r>
+            <a:endParaRPr lang="de-DE" dirty="0"/>
+          </a:p>
+        </p:txBody>
+      </p:sp>
+    </p:spTree>
+    <p:extLst>
+      <p:ext uri="{BB962C8B-B14F-4D97-AF65-F5344CB8AC3E}">
+        <p14:creationId xmlns:p14="http://schemas.microsoft.com/office/powerpoint/2010/main" val="2064069308"/>
+      </p:ext>
+    </p:extLst>
+  </p:cSld>
+  <p:clrMapOvr>
+    <a:masterClrMapping/>
+  </p:clrMapOvr>
+</p:sld>
+</file>
+
+<file path=ppt/slides/slide27.xml><?xml version="1.0" encoding="utf-8"?>
+<p:sld xmlns:a="http://schemas.openxmlformats.org/drawingml/2006/main" xmlns:r="http://schemas.openxmlformats.org/officeDocument/2006/relationships" xmlns:p="http://schemas.openxmlformats.org/presentationml/2006/main">
+  <p:cSld>
+    <p:spTree>
+      <p:nvGrpSpPr>
+        <p:cNvPr id="1" name=""/>
+        <p:cNvGrpSpPr/>
+        <p:nvPr/>
+      </p:nvGrpSpPr>
+      <p:grpSpPr>
+        <a:xfrm>
+          <a:off x="0" y="0"/>
+          <a:ext cx="0" cy="0"/>
+          <a:chOff x="0" y="0"/>
+          <a:chExt cx="0" cy="0"/>
+        </a:xfrm>
+      </p:grpSpPr>
+      <p:sp>
+        <p:nvSpPr>
+          <p:cNvPr id="2" name="Titel 1">
+            <a:extLst>
+              <a:ext uri="{FF2B5EF4-FFF2-40B4-BE49-F238E27FC236}">
+                <a16:creationId xmlns:a16="http://schemas.microsoft.com/office/drawing/2014/main" id="{2829282F-D05E-4895-870D-A31523A653C8}"/>
+              </a:ext>
+            </a:extLst>
+          </p:cNvPr>
+          <p:cNvSpPr>
+            <a:spLocks noGrp="1"/>
+          </p:cNvSpPr>
+          <p:nvPr>
+            <p:ph type="title"/>
+          </p:nvPr>
+        </p:nvSpPr>
+        <p:spPr>
+          <a:xfrm>
+            <a:off x="838200" y="461379"/>
+            <a:ext cx="10515600" cy="1325563"/>
+          </a:xfrm>
+        </p:spPr>
+        <p:txBody>
+          <a:bodyPr/>
+          <a:lstStyle/>
+          <a:p>
+            <a:r>
+              <a:rPr lang="de-DE" dirty="0"/>
+              <a:t>Moral </a:t>
+            </a:r>
+            <a:r>
+              <a:rPr lang="de-DE" dirty="0" err="1"/>
+              <a:t>Machine</a:t>
+            </a:r>
+            <a:endParaRPr lang="de-DE" dirty="0"/>
+          </a:p>
+        </p:txBody>
+      </p:sp>
+      <p:sp>
+        <p:nvSpPr>
+          <p:cNvPr id="3" name="Inhaltsplatzhalter 2">
+            <a:extLst>
+              <a:ext uri="{FF2B5EF4-FFF2-40B4-BE49-F238E27FC236}">
+                <a16:creationId xmlns:a16="http://schemas.microsoft.com/office/drawing/2014/main" id="{20107F49-CFBB-407B-B42A-15FE989CEABC}"/>
+              </a:ext>
+            </a:extLst>
+          </p:cNvPr>
+          <p:cNvSpPr>
+            <a:spLocks noGrp="1"/>
+          </p:cNvSpPr>
+          <p:nvPr>
+            <p:ph idx="1"/>
+          </p:nvPr>
+        </p:nvSpPr>
+        <p:spPr>
+          <a:xfrm>
+            <a:off x="838200" y="1825625"/>
+            <a:ext cx="10515600" cy="4351338"/>
+          </a:xfrm>
+        </p:spPr>
+        <p:txBody>
+          <a:bodyPr>
+            <a:normAutofit/>
+          </a:bodyPr>
+          <a:lstStyle/>
+          <a:p>
+            <a:r>
+              <a:rPr lang="de-DE" dirty="0"/>
+              <a:t>Konzeptioniert und entwickelt durch Wissenschaftler des MIT</a:t>
+            </a:r>
+          </a:p>
+          <a:p>
+            <a:r>
+              <a:rPr lang="de-DE" dirty="0"/>
+              <a:t>Diese Plattform erfasst, wie Menschen zu moralischen Entscheidungen stehen, die von intelligenten Maschinen getroffen werden</a:t>
+            </a:r>
+          </a:p>
+          <a:p>
+            <a:pPr marL="0" indent="0">
+              <a:buNone/>
+            </a:pPr>
+            <a:endParaRPr lang="de-DE" dirty="0"/>
+          </a:p>
+          <a:p>
+            <a:pPr marL="0" indent="0">
+              <a:buNone/>
+            </a:pPr>
+            <a:r>
+              <a:rPr lang="de-DE" dirty="0">
+                <a:hlinkClick r:id="rId2"/>
+              </a:rPr>
+              <a:t>http://moralmachine.mit.edu/hl/de</a:t>
+            </a:r>
+            <a:endParaRPr lang="de-DE" dirty="0"/>
+          </a:p>
+          <a:p>
+            <a:pPr marL="0" indent="0">
+              <a:buNone/>
+            </a:pPr>
+            <a:endParaRPr lang="de-DE" dirty="0"/>
+          </a:p>
+        </p:txBody>
+      </p:sp>
+    </p:spTree>
+    <p:extLst>
+      <p:ext uri="{BB962C8B-B14F-4D97-AF65-F5344CB8AC3E}">
+        <p14:creationId xmlns:p14="http://schemas.microsoft.com/office/powerpoint/2010/main" val="4123339297"/>
+      </p:ext>
+    </p:extLst>
+  </p:cSld>
+  <p:clrMapOvr>
+    <a:masterClrMapping/>
+  </p:clrMapOvr>
+</p:sld>
+</file>
+
+<file path=ppt/slides/slide28.xml><?xml version="1.0" encoding="utf-8"?>
+<p:sld xmlns:a="http://schemas.openxmlformats.org/drawingml/2006/main" xmlns:r="http://schemas.openxmlformats.org/officeDocument/2006/relationships" xmlns:p="http://schemas.openxmlformats.org/presentationml/2006/main">
+  <p:cSld>
+    <p:spTree>
+      <p:nvGrpSpPr>
+        <p:cNvPr id="1" name=""/>
+        <p:cNvGrpSpPr/>
+        <p:nvPr/>
+      </p:nvGrpSpPr>
+      <p:grpSpPr>
+        <a:xfrm>
+          <a:off x="0" y="0"/>
+          <a:ext cx="0" cy="0"/>
+          <a:chOff x="0" y="0"/>
+          <a:chExt cx="0" cy="0"/>
+        </a:xfrm>
+      </p:grpSpPr>
+      <p:sp>
+        <p:nvSpPr>
+          <p:cNvPr id="2" name="Titel 1">
+            <a:extLst>
+              <a:ext uri="{FF2B5EF4-FFF2-40B4-BE49-F238E27FC236}">
+                <a16:creationId xmlns:a16="http://schemas.microsoft.com/office/drawing/2014/main" id="{4A661E9F-83D9-4D9E-9ADC-73B1B73453E6}"/>
+              </a:ext>
+            </a:extLst>
+          </p:cNvPr>
+          <p:cNvSpPr>
+            <a:spLocks noGrp="1"/>
+          </p:cNvSpPr>
+          <p:nvPr>
+            <p:ph type="title"/>
+          </p:nvPr>
+        </p:nvSpPr>
+        <p:spPr>
+          <a:xfrm>
+            <a:off x="831851" y="901359"/>
+            <a:ext cx="10515600" cy="2852737"/>
+          </a:xfrm>
+        </p:spPr>
+        <p:txBody>
+          <a:bodyPr/>
+          <a:lstStyle/>
+          <a:p>
+            <a:pPr algn="ctr"/>
+            <a:r>
+              <a:rPr lang="de-DE" dirty="0"/>
+              <a:t>Chancen und Risiken</a:t>
+            </a:r>
+          </a:p>
+        </p:txBody>
+      </p:sp>
+    </p:spTree>
+    <p:extLst>
+      <p:ext uri="{BB962C8B-B14F-4D97-AF65-F5344CB8AC3E}">
+        <p14:creationId xmlns:p14="http://schemas.microsoft.com/office/powerpoint/2010/main" val="3014107916"/>
+      </p:ext>
+    </p:extLst>
+  </p:cSld>
+  <p:clrMapOvr>
+    <a:masterClrMapping/>
+  </p:clrMapOvr>
+</p:sld>
+</file>
+
+<file path=ppt/slides/slide29.xml><?xml version="1.0" encoding="utf-8"?>
+<p:sld xmlns:a="http://schemas.openxmlformats.org/drawingml/2006/main" xmlns:r="http://schemas.openxmlformats.org/officeDocument/2006/relationships" xmlns:p="http://schemas.openxmlformats.org/presentationml/2006/main">
+  <p:cSld>
+    <p:spTree>
+      <p:nvGrpSpPr>
+        <p:cNvPr id="1" name=""/>
+        <p:cNvGrpSpPr/>
+        <p:nvPr/>
+      </p:nvGrpSpPr>
+      <p:grpSpPr>
+        <a:xfrm>
+          <a:off x="0" y="0"/>
+          <a:ext cx="0" cy="0"/>
+          <a:chOff x="0" y="0"/>
+          <a:chExt cx="0" cy="0"/>
+        </a:xfrm>
+      </p:grpSpPr>
+      <p:sp>
+        <p:nvSpPr>
+          <p:cNvPr id="2" name="Titel 1">
+            <a:extLst>
+              <a:ext uri="{FF2B5EF4-FFF2-40B4-BE49-F238E27FC236}">
+                <a16:creationId xmlns:a16="http://schemas.microsoft.com/office/drawing/2014/main" id="{2829282F-D05E-4895-870D-A31523A653C8}"/>
+              </a:ext>
+            </a:extLst>
+          </p:cNvPr>
+          <p:cNvSpPr>
+            <a:spLocks noGrp="1"/>
+          </p:cNvSpPr>
+          <p:nvPr>
+            <p:ph type="title"/>
+          </p:nvPr>
+        </p:nvSpPr>
+        <p:spPr>
+          <a:xfrm>
+            <a:off x="838200" y="461379"/>
+            <a:ext cx="10515600" cy="1325563"/>
+          </a:xfrm>
+        </p:spPr>
+        <p:txBody>
+          <a:bodyPr/>
+          <a:lstStyle/>
+          <a:p>
+            <a:r>
+              <a:rPr lang="de-DE" dirty="0"/>
+              <a:t>Chancen</a:t>
+            </a:r>
+          </a:p>
+        </p:txBody>
+      </p:sp>
+      <p:sp>
+        <p:nvSpPr>
+          <p:cNvPr id="3" name="Inhaltsplatzhalter 2">
+            <a:extLst>
+              <a:ext uri="{FF2B5EF4-FFF2-40B4-BE49-F238E27FC236}">
+                <a16:creationId xmlns:a16="http://schemas.microsoft.com/office/drawing/2014/main" id="{20107F49-CFBB-407B-B42A-15FE989CEABC}"/>
+              </a:ext>
+            </a:extLst>
+          </p:cNvPr>
+          <p:cNvSpPr>
+            <a:spLocks noGrp="1"/>
+          </p:cNvSpPr>
+          <p:nvPr>
+            <p:ph idx="1"/>
+          </p:nvPr>
+        </p:nvSpPr>
+        <p:spPr>
+          <a:xfrm>
+            <a:off x="838200" y="1825625"/>
+            <a:ext cx="10515600" cy="4351338"/>
+          </a:xfrm>
+        </p:spPr>
+        <p:txBody>
+          <a:bodyPr>
+            <a:normAutofit/>
+          </a:bodyPr>
+          <a:lstStyle/>
+          <a:p>
+            <a:r>
+              <a:rPr lang="de-DE" dirty="0"/>
+              <a:t>Klimaschutz und nachhaltige Infrastruktur</a:t>
+            </a:r>
+          </a:p>
+          <a:p>
+            <a:r>
+              <a:rPr lang="de-DE" dirty="0"/>
+              <a:t>Gesundheit und Wohlergehen</a:t>
+            </a:r>
+          </a:p>
+          <a:p>
+            <a:r>
+              <a:rPr lang="de-DE" dirty="0"/>
+              <a:t>…</a:t>
+            </a:r>
+          </a:p>
+        </p:txBody>
+      </p:sp>
+    </p:spTree>
+    <p:extLst>
+      <p:ext uri="{BB962C8B-B14F-4D97-AF65-F5344CB8AC3E}">
+        <p14:creationId xmlns:p14="http://schemas.microsoft.com/office/powerpoint/2010/main" val="2069356660"/>
+      </p:ext>
+    </p:extLst>
+  </p:cSld>
+  <p:clrMapOvr>
+    <a:masterClrMapping/>
+  </p:clrMapOvr>
+</p:sld>
+</file>
+
+<file path=ppt/slides/slide3.xml><?xml version="1.0" encoding="utf-8"?>
+<p:sld xmlns:a="http://schemas.openxmlformats.org/drawingml/2006/main" xmlns:r="http://schemas.openxmlformats.org/officeDocument/2006/relationships" xmlns:p="http://schemas.openxmlformats.org/presentationml/2006/main">
+  <p:cSld>
+    <p:bg>
+      <p:bgPr>
+        <a:solidFill>
+          <a:schemeClr val="bg1"/>
+        </a:solidFill>
+        <a:effectLst/>
+      </p:bgPr>
+    </p:bg>
+    <p:spTree>
+      <p:nvGrpSpPr>
+        <p:cNvPr id="1" name=""/>
+        <p:cNvGrpSpPr/>
+        <p:nvPr/>
+      </p:nvGrpSpPr>
+      <p:grpSpPr>
+        <a:xfrm>
+          <a:off x="0" y="0"/>
+          <a:ext cx="0" cy="0"/>
+          <a:chOff x="0" y="0"/>
+          <a:chExt cx="0" cy="0"/>
+        </a:xfrm>
+      </p:grpSpPr>
+      <p:sp>
+        <p:nvSpPr>
+          <p:cNvPr id="2" name="Titel 1">
+            <a:extLst>
+              <a:ext uri="{FF2B5EF4-FFF2-40B4-BE49-F238E27FC236}">
+                <a16:creationId xmlns:a16="http://schemas.microsoft.com/office/drawing/2014/main" id="{67E17295-A6B2-4EA8-81FC-1CC4E1398660}"/>
+              </a:ext>
+            </a:extLst>
+          </p:cNvPr>
+          <p:cNvSpPr>
+            <a:spLocks noGrp="1"/>
+          </p:cNvSpPr>
+          <p:nvPr>
+            <p:ph type="title"/>
+          </p:nvPr>
+        </p:nvSpPr>
+        <p:spPr>
+          <a:xfrm>
+            <a:off x="838200" y="624568"/>
+            <a:ext cx="3766457" cy="5412920"/>
+          </a:xfrm>
+        </p:spPr>
+        <p:txBody>
+          <a:bodyPr>
+            <a:normAutofit/>
+          </a:bodyPr>
+          <a:lstStyle/>
+          <a:p>
+            <a:r>
+              <a:rPr lang="de-DE" sz="4800" dirty="0"/>
+              <a:t>Gliederung</a:t>
+            </a:r>
+          </a:p>
+        </p:txBody>
+      </p:sp>
+      <p:sp>
+        <p:nvSpPr>
+          <p:cNvPr id="3" name="Inhaltsplatzhalter 2">
+            <a:extLst>
+              <a:ext uri="{FF2B5EF4-FFF2-40B4-BE49-F238E27FC236}">
+                <a16:creationId xmlns:a16="http://schemas.microsoft.com/office/drawing/2014/main" id="{A1FDCF08-0790-4D6E-80A8-D5498C5F4930}"/>
+              </a:ext>
+            </a:extLst>
+          </p:cNvPr>
+          <p:cNvSpPr>
+            <a:spLocks noGrp="1"/>
+          </p:cNvSpPr>
+          <p:nvPr>
+            <p:ph idx="1"/>
+          </p:nvPr>
+        </p:nvSpPr>
+        <p:spPr>
+          <a:xfrm>
+            <a:off x="5029200" y="624568"/>
+            <a:ext cx="6324598" cy="5412920"/>
+          </a:xfrm>
+        </p:spPr>
+        <p:txBody>
+          <a:bodyPr anchor="ctr">
+            <a:normAutofit/>
+          </a:bodyPr>
+          <a:lstStyle/>
+          <a:p>
+            <a:pPr marL="514350" indent="-514350">
+              <a:buAutoNum type="arabicPeriod"/>
+            </a:pPr>
+            <a:r>
+              <a:rPr lang="de-DE" sz="2400" dirty="0"/>
+              <a:t>Einleitung </a:t>
+            </a:r>
+          </a:p>
+          <a:p>
+            <a:pPr marL="514350" indent="-514350">
+              <a:buAutoNum type="arabicPeriod"/>
+            </a:pPr>
+            <a:r>
+              <a:rPr lang="de-DE" sz="2400" dirty="0"/>
+              <a:t>Ethische Richtlinien für eine vertrauenswürde KI </a:t>
+            </a:r>
+          </a:p>
+          <a:p>
+            <a:pPr marL="514350" indent="-514350">
+              <a:buFont typeface="Arial" panose="020B0604020202020204" pitchFamily="34" charset="0"/>
+              <a:buAutoNum type="arabicPeriod"/>
+            </a:pPr>
+            <a:r>
+              <a:rPr lang="de-DE" sz="2400" dirty="0"/>
+              <a:t>Ethik in der KI in der Wissenschaft und der Wirtschaft</a:t>
+            </a:r>
+          </a:p>
+          <a:p>
+            <a:pPr marL="514350" indent="-514350">
+              <a:buFont typeface="Arial" panose="020B0604020202020204" pitchFamily="34" charset="0"/>
+              <a:buAutoNum type="arabicPeriod"/>
+            </a:pPr>
+            <a:r>
+              <a:rPr lang="de-DE" sz="2400" dirty="0"/>
+              <a:t>Beispiele für ethische Probleme mit KI-Systemen</a:t>
+            </a:r>
+          </a:p>
+          <a:p>
+            <a:pPr marL="514350" indent="-514350">
+              <a:buAutoNum type="arabicPeriod"/>
+            </a:pPr>
+            <a:r>
+              <a:rPr lang="de-DE" sz="2400" dirty="0"/>
+              <a:t>Moral </a:t>
+            </a:r>
+            <a:r>
+              <a:rPr lang="de-DE" sz="2400" dirty="0" err="1"/>
+              <a:t>Machine</a:t>
+            </a:r>
+            <a:endParaRPr lang="de-DE" sz="2400" dirty="0"/>
+          </a:p>
+          <a:p>
+            <a:pPr marL="514350" indent="-514350">
+              <a:buAutoNum type="arabicPeriod"/>
+            </a:pPr>
+            <a:r>
+              <a:rPr lang="de-DE" sz="2400" dirty="0"/>
+              <a:t>Chancen und Risiken</a:t>
+            </a:r>
+          </a:p>
+        </p:txBody>
+      </p:sp>
+    </p:spTree>
+    <p:extLst>
+      <p:ext uri="{BB962C8B-B14F-4D97-AF65-F5344CB8AC3E}">
+        <p14:creationId xmlns:p14="http://schemas.microsoft.com/office/powerpoint/2010/main" val="2990007432"/>
+      </p:ext>
+    </p:extLst>
+  </p:cSld>
+  <p:clrMapOvr>
+    <a:masterClrMapping/>
+  </p:clrMapOvr>
+</p:sld>
+</file>
+
+<file path=ppt/slides/slide30.xml><?xml version="1.0" encoding="utf-8"?>
+<p:sld xmlns:a="http://schemas.openxmlformats.org/drawingml/2006/main" xmlns:r="http://schemas.openxmlformats.org/officeDocument/2006/relationships" xmlns:p="http://schemas.openxmlformats.org/presentationml/2006/main">
+  <p:cSld>
+    <p:spTree>
+      <p:nvGrpSpPr>
+        <p:cNvPr id="1" name=""/>
+        <p:cNvGrpSpPr/>
+        <p:nvPr/>
+      </p:nvGrpSpPr>
+      <p:grpSpPr>
+        <a:xfrm>
+          <a:off x="0" y="0"/>
+          <a:ext cx="0" cy="0"/>
+          <a:chOff x="0" y="0"/>
+          <a:chExt cx="0" cy="0"/>
+        </a:xfrm>
+      </p:grpSpPr>
+      <p:sp>
+        <p:nvSpPr>
+          <p:cNvPr id="2" name="Titel 1">
+            <a:extLst>
+              <a:ext uri="{FF2B5EF4-FFF2-40B4-BE49-F238E27FC236}">
+                <a16:creationId xmlns:a16="http://schemas.microsoft.com/office/drawing/2014/main" id="{2829282F-D05E-4895-870D-A31523A653C8}"/>
+              </a:ext>
+            </a:extLst>
+          </p:cNvPr>
+          <p:cNvSpPr>
+            <a:spLocks noGrp="1"/>
+          </p:cNvSpPr>
+          <p:nvPr>
+            <p:ph type="title"/>
+          </p:nvPr>
+        </p:nvSpPr>
+        <p:spPr>
+          <a:xfrm>
+            <a:off x="838200" y="461379"/>
+            <a:ext cx="10515600" cy="1325563"/>
+          </a:xfrm>
+        </p:spPr>
+        <p:txBody>
+          <a:bodyPr/>
+          <a:lstStyle/>
+          <a:p>
+            <a:r>
+              <a:rPr lang="de-DE" dirty="0"/>
+              <a:t>Risiken</a:t>
+            </a:r>
+          </a:p>
+        </p:txBody>
+      </p:sp>
+      <p:sp>
+        <p:nvSpPr>
+          <p:cNvPr id="3" name="Inhaltsplatzhalter 2">
+            <a:extLst>
+              <a:ext uri="{FF2B5EF4-FFF2-40B4-BE49-F238E27FC236}">
+                <a16:creationId xmlns:a16="http://schemas.microsoft.com/office/drawing/2014/main" id="{20107F49-CFBB-407B-B42A-15FE989CEABC}"/>
+              </a:ext>
+            </a:extLst>
+          </p:cNvPr>
+          <p:cNvSpPr>
+            <a:spLocks noGrp="1"/>
+          </p:cNvSpPr>
+          <p:nvPr>
+            <p:ph idx="1"/>
+          </p:nvPr>
+        </p:nvSpPr>
+        <p:spPr>
+          <a:xfrm>
+            <a:off x="838200" y="1825625"/>
+            <a:ext cx="10515600" cy="4351338"/>
+          </a:xfrm>
+        </p:spPr>
+        <p:txBody>
+          <a:bodyPr>
+            <a:normAutofit/>
+          </a:bodyPr>
+          <a:lstStyle/>
+          <a:p>
+            <a:r>
+              <a:rPr lang="de-DE" dirty="0"/>
+              <a:t>Identifizierung und Ortung von Personen mithilfe von KI</a:t>
+            </a:r>
+          </a:p>
+          <a:p>
+            <a:r>
+              <a:rPr lang="de-DE" dirty="0"/>
+              <a:t>Tödliche autonome Waffensysteme</a:t>
+            </a:r>
+          </a:p>
+          <a:p>
+            <a:r>
+              <a:rPr lang="de-DE" dirty="0"/>
+              <a:t>…</a:t>
+            </a:r>
+          </a:p>
+        </p:txBody>
+      </p:sp>
+    </p:spTree>
+    <p:extLst>
+      <p:ext uri="{BB962C8B-B14F-4D97-AF65-F5344CB8AC3E}">
+        <p14:creationId xmlns:p14="http://schemas.microsoft.com/office/powerpoint/2010/main" val="3483985354"/>
+      </p:ext>
+    </p:extLst>
+  </p:cSld>
+  <p:clrMapOvr>
+    <a:masterClrMapping/>
+  </p:clrMapOvr>
+</p:sld>
+</file>
+
+<file path=ppt/slides/slide31.xml><?xml version="1.0" encoding="utf-8"?>
+<p:sld xmlns:a="http://schemas.openxmlformats.org/drawingml/2006/main" xmlns:r="http://schemas.openxmlformats.org/officeDocument/2006/relationships" xmlns:p="http://schemas.openxmlformats.org/presentationml/2006/main">
+  <p:cSld>
+    <p:spTree>
+      <p:nvGrpSpPr>
+        <p:cNvPr id="1" name=""/>
+        <p:cNvGrpSpPr/>
+        <p:nvPr/>
+      </p:nvGrpSpPr>
+      <p:grpSpPr>
+        <a:xfrm>
+          <a:off x="0" y="0"/>
+          <a:ext cx="0" cy="0"/>
+          <a:chOff x="0" y="0"/>
+          <a:chExt cx="0" cy="0"/>
+        </a:xfrm>
+      </p:grpSpPr>
+      <p:sp>
+        <p:nvSpPr>
+          <p:cNvPr id="2" name="Titel 1">
+            <a:extLst>
+              <a:ext uri="{FF2B5EF4-FFF2-40B4-BE49-F238E27FC236}">
+                <a16:creationId xmlns:a16="http://schemas.microsoft.com/office/drawing/2014/main" id="{AE6FBFD7-FC8E-4416-B438-EBE70DF0FD19}"/>
+              </a:ext>
+            </a:extLst>
+          </p:cNvPr>
+          <p:cNvSpPr>
+            <a:spLocks noGrp="1"/>
+          </p:cNvSpPr>
+          <p:nvPr>
+            <p:ph type="ctrTitle"/>
+          </p:nvPr>
+        </p:nvSpPr>
+        <p:spPr>
+          <a:xfrm>
+            <a:off x="1060174" y="2235200"/>
+            <a:ext cx="10363200" cy="2387600"/>
+          </a:xfrm>
+        </p:spPr>
+        <p:txBody>
+          <a:bodyPr>
+            <a:normAutofit/>
+          </a:bodyPr>
+          <a:lstStyle/>
+          <a:p>
+            <a:r>
+              <a:rPr lang="de-DE" sz="6600" dirty="0"/>
+              <a:t>Lieber künstliche Intelligenz als menschliche Dummheit!?</a:t>
+            </a:r>
+          </a:p>
+        </p:txBody>
+      </p:sp>
+    </p:spTree>
+    <p:extLst>
+      <p:ext uri="{BB962C8B-B14F-4D97-AF65-F5344CB8AC3E}">
+        <p14:creationId xmlns:p14="http://schemas.microsoft.com/office/powerpoint/2010/main" val="644936183"/>
+      </p:ext>
+    </p:extLst>
+  </p:cSld>
+  <p:clrMapOvr>
+    <a:masterClrMapping/>
+  </p:clrMapOvr>
+</p:sld>
+</file>
+
+<file path=ppt/slides/slide32.xml><?xml version="1.0" encoding="utf-8"?>
+<p:sld xmlns:a="http://schemas.openxmlformats.org/drawingml/2006/main" xmlns:r="http://schemas.openxmlformats.org/officeDocument/2006/relationships" xmlns:p="http://schemas.openxmlformats.org/presentationml/2006/main">
+  <p:cSld>
+    <p:spTree>
+      <p:nvGrpSpPr>
+        <p:cNvPr id="1" name=""/>
+        <p:cNvGrpSpPr/>
+        <p:nvPr/>
+      </p:nvGrpSpPr>
+      <p:grpSpPr>
+        <a:xfrm>
+          <a:off x="0" y="0"/>
+          <a:ext cx="0" cy="0"/>
+          <a:chOff x="0" y="0"/>
+          <a:chExt cx="0" cy="0"/>
+        </a:xfrm>
+      </p:grpSpPr>
+      <p:sp>
+        <p:nvSpPr>
+          <p:cNvPr id="2" name="Titel 1">
+            <a:extLst>
+              <a:ext uri="{FF2B5EF4-FFF2-40B4-BE49-F238E27FC236}">
+                <a16:creationId xmlns:a16="http://schemas.microsoft.com/office/drawing/2014/main" id="{BFE782F4-7D8A-4E23-A78C-2C1726466768}"/>
+              </a:ext>
+            </a:extLst>
+          </p:cNvPr>
+          <p:cNvSpPr>
+            <a:spLocks noGrp="1"/>
+          </p:cNvSpPr>
+          <p:nvPr>
+            <p:ph type="title"/>
+          </p:nvPr>
+        </p:nvSpPr>
+        <p:spPr/>
+        <p:txBody>
+          <a:bodyPr/>
+          <a:lstStyle/>
+          <a:p>
+            <a:r>
+              <a:rPr lang="de-DE" dirty="0"/>
+              <a:t>Quellen</a:t>
+            </a:r>
+          </a:p>
+        </p:txBody>
+      </p:sp>
+      <p:sp>
+        <p:nvSpPr>
+          <p:cNvPr id="3" name="Inhaltsplatzhalter 2">
+            <a:extLst>
+              <a:ext uri="{FF2B5EF4-FFF2-40B4-BE49-F238E27FC236}">
+                <a16:creationId xmlns:a16="http://schemas.microsoft.com/office/drawing/2014/main" id="{3C0DA323-2E8B-45E3-B6E8-079BE6C49975}"/>
+              </a:ext>
+            </a:extLst>
+          </p:cNvPr>
+          <p:cNvSpPr>
+            <a:spLocks noGrp="1"/>
+          </p:cNvSpPr>
+          <p:nvPr>
+            <p:ph idx="1"/>
+          </p:nvPr>
+        </p:nvSpPr>
+        <p:spPr/>
+        <p:txBody>
+          <a:bodyPr>
+            <a:normAutofit/>
+          </a:bodyPr>
+          <a:lstStyle/>
+          <a:p>
+            <a:endParaRPr lang="de-DE" sz="1600" dirty="0"/>
+          </a:p>
+          <a:p>
+            <a:r>
+              <a:rPr lang="de-DE" sz="1600" b="1" dirty="0">
+                <a:hlinkClick r:id="rId3"/>
+              </a:rPr>
+              <a:t>https://ec.europa.eu/futurium/en/ai-alliance-consultation/guidelines#Top</a:t>
+            </a:r>
+            <a:endParaRPr lang="de-DE" sz="1600" b="1" dirty="0"/>
+          </a:p>
+          <a:p>
+            <a:r>
+              <a:rPr lang="de-DE" sz="1600" b="1" dirty="0"/>
+              <a:t>Artificial Intelligence in Society : OECD </a:t>
+            </a:r>
+          </a:p>
+          <a:p>
+            <a:r>
+              <a:rPr lang="de-DE" sz="1600" b="1" dirty="0"/>
+              <a:t>ETHICS GUIDELINES FOR TRUSTWORTHY AI : European Commission</a:t>
+            </a:r>
+          </a:p>
+          <a:p>
+            <a:r>
+              <a:rPr lang="de-DE" sz="1600" b="1" dirty="0"/>
+              <a:t>AI4People’s-Ethical-Framework-for-a-Good-AI-Society : Atomium-EISMD</a:t>
+            </a:r>
+          </a:p>
+          <a:p>
+            <a:r>
+              <a:rPr lang="de-DE" sz="1600" b="1" dirty="0">
+                <a:hlinkClick r:id="rId4"/>
+              </a:rPr>
+              <a:t>https://deepmind.com/about/ethics-and-society</a:t>
+            </a:r>
+            <a:endParaRPr lang="de-DE" sz="1600" b="1" dirty="0"/>
+          </a:p>
+          <a:p>
+            <a:r>
+              <a:rPr lang="de-DE" sz="1600" b="1" dirty="0">
+                <a:hlinkClick r:id="rId5"/>
+              </a:rPr>
+              <a:t>https://news.microsoft.com/de-de/ethik-prinzipien-kuenstliche-intelligenz/</a:t>
+            </a:r>
+            <a:endParaRPr lang="de-DE" sz="1600" b="1" dirty="0"/>
+          </a:p>
+          <a:p>
+            <a:r>
+              <a:rPr lang="de-DE" sz="1600" b="1" dirty="0">
+                <a:hlinkClick r:id="rId6"/>
+              </a:rPr>
+              <a:t>https://www.research.ibm.com/5-in-5/ai-and-bias/</a:t>
+            </a:r>
+            <a:endParaRPr lang="de-DE" sz="1600" b="1" dirty="0"/>
+          </a:p>
+          <a:p>
+            <a:r>
+              <a:rPr lang="de-DE" sz="1600" b="1" dirty="0">
+                <a:hlinkClick r:id="rId7"/>
+              </a:rPr>
+              <a:t>https://www.elektroniknet.de/elektronik/neo/ethik-trifft-kuenstliche-intelligenz-169943.html</a:t>
+            </a:r>
+            <a:endParaRPr lang="de-DE" sz="1600" b="1" dirty="0"/>
+          </a:p>
+          <a:p>
+            <a:r>
+              <a:rPr lang="de-DE" sz="1600" b="1" dirty="0">
+                <a:hlinkClick r:id="rId8"/>
+              </a:rPr>
+              <a:t>https://time.com/5520558/artificial-intelligence-racial-gender-bias/</a:t>
+            </a:r>
+            <a:endParaRPr lang="de-DE" sz="1600" b="1" dirty="0"/>
+          </a:p>
+          <a:p>
+            <a:r>
+              <a:rPr lang="de-DE" sz="1600" b="1" dirty="0">
+                <a:hlinkClick r:id="rId9"/>
+              </a:rPr>
+              <a:t>https://www.newscientist.com/article/2166207-discriminating-algorithms-5-times-ai-showed-prejudice/</a:t>
+            </a:r>
+            <a:endParaRPr lang="de-DE" sz="1600" b="1" dirty="0"/>
+          </a:p>
+          <a:p>
+            <a:r>
+              <a:rPr lang="de-DE" sz="1600" b="1" dirty="0">
+                <a:hlinkClick r:id="rId10"/>
+              </a:rPr>
+              <a:t>http://moralmachine.mit.edu/hl/de</a:t>
+            </a:r>
+            <a:endParaRPr lang="de-DE" sz="1600" b="1" dirty="0"/>
+          </a:p>
+        </p:txBody>
+      </p:sp>
+    </p:spTree>
+    <p:extLst>
+      <p:ext uri="{BB962C8B-B14F-4D97-AF65-F5344CB8AC3E}">
+        <p14:creationId xmlns:p14="http://schemas.microsoft.com/office/powerpoint/2010/main" val="462788"/>
+      </p:ext>
+    </p:extLst>
+  </p:cSld>
+  <p:clrMapOvr>
+    <a:masterClrMapping/>
+  </p:clrMapOvr>
+</p:sld>
+</file>
+
+<file path=ppt/slides/slide4.xml><?xml version="1.0" encoding="utf-8"?>
+<p:sld xmlns:a="http://schemas.openxmlformats.org/drawingml/2006/main" xmlns:r="http://schemas.openxmlformats.org/officeDocument/2006/relationships" xmlns:p="http://schemas.openxmlformats.org/presentationml/2006/main">
+  <p:cSld>
+    <p:spTree>
+      <p:nvGrpSpPr>
+        <p:cNvPr id="1" name=""/>
+        <p:cNvGrpSpPr/>
+        <p:nvPr/>
+      </p:nvGrpSpPr>
+      <p:grpSpPr>
+        <a:xfrm>
+          <a:off x="0" y="0"/>
+          <a:ext cx="0" cy="0"/>
+          <a:chOff x="0" y="0"/>
+          <a:chExt cx="0" cy="0"/>
+        </a:xfrm>
+      </p:grpSpPr>
+      <p:sp>
+        <p:nvSpPr>
           <p:cNvPr id="3" name="Inhaltsplatzhalter 2">
             <a:extLst>
               <a:ext uri="{FF2B5EF4-FFF2-40B4-BE49-F238E27FC236}">
@@ -7778,7 +8646,7 @@
             </a:r>
             <a:r>
               <a:rPr lang="de-DE" sz="3200" dirty="0"/>
-              <a:t>Wieso stellen sich ethische Fragen bezüglich KI ?</a:t>
+              <a:t>Wieso stellen sich ethische Fragen in Bezug auf KI ?</a:t>
             </a:r>
           </a:p>
           <a:p>
@@ -7805,7 +8673,7 @@
 </p:sld>
 </file>
 
-<file path=ppt/slides/slide4.xml><?xml version="1.0" encoding="utf-8"?>
+<file path=ppt/slides/slide5.xml><?xml version="1.0" encoding="utf-8"?>
 <p:sld xmlns:a="http://schemas.openxmlformats.org/drawingml/2006/main" xmlns:r="http://schemas.openxmlformats.org/officeDocument/2006/relationships" xmlns:p="http://schemas.openxmlformats.org/presentationml/2006/main">
   <p:cSld>
     <p:spTree>
@@ -7850,8 +8718,8 @@
         </p:blipFill>
         <p:spPr>
           <a:xfrm>
-            <a:off x="0" y="0"/>
-            <a:ext cx="12668250" cy="6858000"/>
+            <a:off x="-41566" y="-13855"/>
+            <a:ext cx="13357755" cy="6858000"/>
           </a:xfrm>
           <a:prstGeom prst="rect">
             <a:avLst/>
@@ -7871,7 +8739,7 @@
 </p:sld>
 </file>
 
-<file path=ppt/slides/slide5.xml><?xml version="1.0" encoding="utf-8"?>
+<file path=ppt/slides/slide6.xml><?xml version="1.0" encoding="utf-8"?>
 <p:sld xmlns:a="http://schemas.openxmlformats.org/drawingml/2006/main" xmlns:r="http://schemas.openxmlformats.org/officeDocument/2006/relationships" xmlns:p="http://schemas.openxmlformats.org/presentationml/2006/main">
   <p:cSld>
     <p:spTree>
@@ -7973,76 +8841,6 @@
 </p:sld>
 </file>
 
-<file path=ppt/slides/slide6.xml><?xml version="1.0" encoding="utf-8"?>
-<p:sld xmlns:a="http://schemas.openxmlformats.org/drawingml/2006/main" xmlns:r="http://schemas.openxmlformats.org/officeDocument/2006/relationships" xmlns:p="http://schemas.openxmlformats.org/presentationml/2006/main">
-  <p:cSld>
-    <p:spTree>
-      <p:nvGrpSpPr>
-        <p:cNvPr id="1" name=""/>
-        <p:cNvGrpSpPr/>
-        <p:nvPr/>
-      </p:nvGrpSpPr>
-      <p:grpSpPr>
-        <a:xfrm>
-          <a:off x="0" y="0"/>
-          <a:ext cx="0" cy="0"/>
-          <a:chOff x="0" y="0"/>
-          <a:chExt cx="0" cy="0"/>
-        </a:xfrm>
-      </p:grpSpPr>
-      <p:sp>
-        <p:nvSpPr>
-          <p:cNvPr id="4" name="Inhaltsplatzhalter 3">
-            <a:extLst>
-              <a:ext uri="{FF2B5EF4-FFF2-40B4-BE49-F238E27FC236}">
-                <a16:creationId xmlns:a16="http://schemas.microsoft.com/office/drawing/2014/main" id="{A2B1E647-3ECA-4E62-B9A5-C01674006D48}"/>
-              </a:ext>
-            </a:extLst>
-          </p:cNvPr>
-          <p:cNvSpPr>
-            <a:spLocks noGrp="1"/>
-          </p:cNvSpPr>
-          <p:nvPr>
-            <p:ph idx="1"/>
-          </p:nvPr>
-        </p:nvSpPr>
-        <p:spPr/>
-        <p:txBody>
-          <a:bodyPr/>
-          <a:lstStyle/>
-          <a:p>
-            <a:r>
-              <a:rPr lang="de-DE" dirty="0"/>
-              <a:t>Wie zeigte sich der Bias bei den evaluierten KI-Systemen ?</a:t>
-            </a:r>
-          </a:p>
-          <a:p>
-            <a:pPr marL="0" indent="0">
-              <a:buNone/>
-            </a:pPr>
-            <a:endParaRPr lang="de-DE" dirty="0"/>
-          </a:p>
-          <a:p>
-            <a:pPr marL="457200" lvl="1" indent="0">
-              <a:buNone/>
-            </a:pPr>
-            <a:endParaRPr lang="de-DE" dirty="0"/>
-          </a:p>
-        </p:txBody>
-      </p:sp>
-    </p:spTree>
-    <p:extLst>
-      <p:ext uri="{BB962C8B-B14F-4D97-AF65-F5344CB8AC3E}">
-        <p14:creationId xmlns:p14="http://schemas.microsoft.com/office/powerpoint/2010/main" val="1957881793"/>
-      </p:ext>
-    </p:extLst>
-  </p:cSld>
-  <p:clrMapOvr>
-    <a:masterClrMapping/>
-  </p:clrMapOvr>
-</p:sld>
-</file>
-
 <file path=ppt/slides/slide7.xml><?xml version="1.0" encoding="utf-8"?>
 <p:sld xmlns:a="http://schemas.openxmlformats.org/drawingml/2006/main" xmlns:r="http://schemas.openxmlformats.org/officeDocument/2006/relationships" xmlns:p="http://schemas.openxmlformats.org/presentationml/2006/main">
   <p:cSld>
@@ -8087,19 +8885,14 @@
             </a:r>
           </a:p>
           <a:p>
-            <a:pPr lvl="1">
-              <a:buFontTx/>
-              <a:buChar char="-"/>
+            <a:pPr marL="0" indent="0">
+              <a:buNone/>
             </a:pPr>
-            <a:r>
-              <a:rPr lang="de-DE" dirty="0"/>
-              <a:t>1 % Fehlerrate bei hellhäutigen Männern</a:t>
-            </a:r>
-          </a:p>
-          <a:p>
-            <a:pPr lvl="1">
-              <a:buFontTx/>
-              <a:buChar char="-"/>
+            <a:endParaRPr lang="de-DE" dirty="0"/>
+          </a:p>
+          <a:p>
+            <a:pPr marL="457200" lvl="1" indent="0">
+              <a:buNone/>
             </a:pPr>
             <a:endParaRPr lang="de-DE" dirty="0"/>
           </a:p>
@@ -8108,7 +8901,7 @@
     </p:spTree>
     <p:extLst>
       <p:ext uri="{BB962C8B-B14F-4D97-AF65-F5344CB8AC3E}">
-        <p14:creationId xmlns:p14="http://schemas.microsoft.com/office/powerpoint/2010/main" val="2502723606"/>
+        <p14:creationId xmlns:p14="http://schemas.microsoft.com/office/powerpoint/2010/main" val="1957881793"/>
       </p:ext>
     </p:extLst>
   </p:cSld>

--- a/Kognitive Systeme Vortrag/Ethics in AI.pptx
+++ b/Kognitive Systeme Vortrag/Ethics in AI.pptx
@@ -5,7 +5,7 @@
     <p:sldMasterId id="2147483660" r:id="rId1"/>
   </p:sldMasterIdLst>
   <p:notesMasterIdLst>
-    <p:notesMasterId r:id="rId34"/>
+    <p:notesMasterId r:id="rId37"/>
   </p:notesMasterIdLst>
   <p:sldIdLst>
     <p:sldId id="292" r:id="rId2"/>
@@ -25,21 +25,24 @@
     <p:sldId id="278" r:id="rId16"/>
     <p:sldId id="279" r:id="rId17"/>
     <p:sldId id="280" r:id="rId18"/>
-    <p:sldId id="281" r:id="rId19"/>
-    <p:sldId id="282" r:id="rId20"/>
-    <p:sldId id="283" r:id="rId21"/>
-    <p:sldId id="285" r:id="rId22"/>
-    <p:sldId id="286" r:id="rId23"/>
-    <p:sldId id="287" r:id="rId24"/>
-    <p:sldId id="289" r:id="rId25"/>
-    <p:sldId id="288" r:id="rId26"/>
-    <p:sldId id="290" r:id="rId27"/>
-    <p:sldId id="291" r:id="rId28"/>
-    <p:sldId id="294" r:id="rId29"/>
-    <p:sldId id="295" r:id="rId30"/>
-    <p:sldId id="296" r:id="rId31"/>
-    <p:sldId id="293" r:id="rId32"/>
-    <p:sldId id="263" r:id="rId33"/>
+    <p:sldId id="299" r:id="rId19"/>
+    <p:sldId id="297" r:id="rId20"/>
+    <p:sldId id="298" r:id="rId21"/>
+    <p:sldId id="281" r:id="rId22"/>
+    <p:sldId id="282" r:id="rId23"/>
+    <p:sldId id="283" r:id="rId24"/>
+    <p:sldId id="285" r:id="rId25"/>
+    <p:sldId id="286" r:id="rId26"/>
+    <p:sldId id="287" r:id="rId27"/>
+    <p:sldId id="289" r:id="rId28"/>
+    <p:sldId id="288" r:id="rId29"/>
+    <p:sldId id="290" r:id="rId30"/>
+    <p:sldId id="291" r:id="rId31"/>
+    <p:sldId id="294" r:id="rId32"/>
+    <p:sldId id="295" r:id="rId33"/>
+    <p:sldId id="296" r:id="rId34"/>
+    <p:sldId id="293" r:id="rId35"/>
+    <p:sldId id="263" r:id="rId36"/>
   </p:sldIdLst>
   <p:sldSz cx="12192000" cy="6858000"/>
   <p:notesSz cx="6858000" cy="9144000"/>
@@ -228,7 +231,7 @@
           <a:p>
             <a:fld id="{E2367494-2034-4648-A566-44C19AD24298}" type="datetimeFigureOut">
               <a:rPr lang="de-DE" smtClean="0"/>
-              <a:t>09.12.2019</a:t>
+              <a:t>11.12.2019</a:t>
             </a:fld>
             <a:endParaRPr lang="de-DE" dirty="0"/>
           </a:p>
@@ -1059,7 +1062,7 @@
                 <a:tabLst/>
                 <a:defRPr/>
               </a:pPr>
-              <a:t>19</a:t>
+              <a:t>22</a:t>
             </a:fld>
             <a:endParaRPr kumimoji="0" lang="de-DE" sz="1200" b="0" i="0" u="none" strike="noStrike" kern="1200" cap="none" spc="0" normalizeH="0" baseline="0" noProof="0" dirty="0">
               <a:ln>
@@ -1208,7 +1211,7 @@
                 <a:tabLst/>
                 <a:defRPr/>
               </a:pPr>
-              <a:t>20</a:t>
+              <a:t>23</a:t>
             </a:fld>
             <a:endParaRPr kumimoji="0" lang="de-DE" sz="1200" b="0" i="0" u="none" strike="noStrike" kern="1200" cap="none" spc="0" normalizeH="0" baseline="0" noProof="0" dirty="0">
               <a:ln>
@@ -1241,6 +1244,271 @@
 </file>
 
 <file path=ppt/notesSlides/notesSlide14.xml><?xml version="1.0" encoding="utf-8"?>
+<p:notes xmlns:a="http://schemas.openxmlformats.org/drawingml/2006/main" xmlns:r="http://schemas.openxmlformats.org/officeDocument/2006/relationships" xmlns:p="http://schemas.openxmlformats.org/presentationml/2006/main">
+  <p:cSld>
+    <p:spTree>
+      <p:nvGrpSpPr>
+        <p:cNvPr id="1" name=""/>
+        <p:cNvGrpSpPr/>
+        <p:nvPr/>
+      </p:nvGrpSpPr>
+      <p:grpSpPr>
+        <a:xfrm>
+          <a:off x="0" y="0"/>
+          <a:ext cx="0" cy="0"/>
+          <a:chOff x="0" y="0"/>
+          <a:chExt cx="0" cy="0"/>
+        </a:xfrm>
+      </p:grpSpPr>
+      <p:sp>
+        <p:nvSpPr>
+          <p:cNvPr id="2" name="Folienbildplatzhalter 1"/>
+          <p:cNvSpPr>
+            <a:spLocks noGrp="1" noRot="1" noChangeAspect="1"/>
+          </p:cNvSpPr>
+          <p:nvPr>
+            <p:ph type="sldImg"/>
+          </p:nvPr>
+        </p:nvSpPr>
+        <p:spPr/>
+      </p:sp>
+      <p:sp>
+        <p:nvSpPr>
+          <p:cNvPr id="3" name="Notizenplatzhalter 2"/>
+          <p:cNvSpPr>
+            <a:spLocks noGrp="1"/>
+          </p:cNvSpPr>
+          <p:nvPr>
+            <p:ph type="body" idx="1"/>
+          </p:nvPr>
+        </p:nvSpPr>
+        <p:spPr/>
+        <p:txBody>
+          <a:bodyPr/>
+          <a:lstStyle/>
+          <a:p>
+            <a:pPr marL="0" marR="0" lvl="0" indent="0" algn="l" defTabSz="914400" rtl="0" eaLnBrk="1" fontAlgn="auto" latinLnBrk="0" hangingPunct="1">
+              <a:lnSpc>
+                <a:spcPct val="100000"/>
+              </a:lnSpc>
+              <a:spcBef>
+                <a:spcPts val="0"/>
+              </a:spcBef>
+              <a:spcAft>
+                <a:spcPts val="0"/>
+              </a:spcAft>
+              <a:buClrTx/>
+              <a:buSzTx/>
+              <a:buFontTx/>
+              <a:buNone/>
+              <a:tabLst/>
+              <a:defRPr/>
+            </a:pPr>
+            <a:r>
+              <a:rPr lang="de-DE" dirty="0"/>
+              <a:t>„</a:t>
+            </a:r>
+            <a:r>
+              <a:rPr lang="de-DE" dirty="0" err="1"/>
+              <a:t>Ethics</a:t>
+            </a:r>
+            <a:r>
+              <a:rPr lang="de-DE" dirty="0"/>
+              <a:t> &amp; Society Team“ aufgestellt, welches aus Entwicklern und Wissenschaftlern aus vielen Bereichen besteht</a:t>
+            </a:r>
+          </a:p>
+          <a:p>
+            <a:endParaRPr lang="de-DE" dirty="0"/>
+          </a:p>
+        </p:txBody>
+      </p:sp>
+      <p:sp>
+        <p:nvSpPr>
+          <p:cNvPr id="4" name="Foliennummernplatzhalter 3"/>
+          <p:cNvSpPr>
+            <a:spLocks noGrp="1"/>
+          </p:cNvSpPr>
+          <p:nvPr>
+            <p:ph type="sldNum" sz="quarter" idx="5"/>
+          </p:nvPr>
+        </p:nvSpPr>
+        <p:spPr/>
+        <p:txBody>
+          <a:bodyPr/>
+          <a:lstStyle/>
+          <a:p>
+            <a:fld id="{E29BBB57-B96E-4FAF-A2CA-0F9A4D159581}" type="slidenum">
+              <a:rPr lang="de-DE" smtClean="0"/>
+              <a:t>24</a:t>
+            </a:fld>
+            <a:endParaRPr lang="de-DE" dirty="0"/>
+          </a:p>
+        </p:txBody>
+      </p:sp>
+    </p:spTree>
+    <p:extLst>
+      <p:ext uri="{BB962C8B-B14F-4D97-AF65-F5344CB8AC3E}">
+        <p14:creationId xmlns:p14="http://schemas.microsoft.com/office/powerpoint/2010/main" val="375839913"/>
+      </p:ext>
+    </p:extLst>
+  </p:cSld>
+  <p:clrMapOvr>
+    <a:masterClrMapping/>
+  </p:clrMapOvr>
+</p:notes>
+</file>
+
+<file path=ppt/notesSlides/notesSlide15.xml><?xml version="1.0" encoding="utf-8"?>
+<p:notes xmlns:a="http://schemas.openxmlformats.org/drawingml/2006/main" xmlns:r="http://schemas.openxmlformats.org/officeDocument/2006/relationships" xmlns:p="http://schemas.openxmlformats.org/presentationml/2006/main">
+  <p:cSld>
+    <p:spTree>
+      <p:nvGrpSpPr>
+        <p:cNvPr id="1" name=""/>
+        <p:cNvGrpSpPr/>
+        <p:nvPr/>
+      </p:nvGrpSpPr>
+      <p:grpSpPr>
+        <a:xfrm>
+          <a:off x="0" y="0"/>
+          <a:ext cx="0" cy="0"/>
+          <a:chOff x="0" y="0"/>
+          <a:chExt cx="0" cy="0"/>
+        </a:xfrm>
+      </p:grpSpPr>
+      <p:sp>
+        <p:nvSpPr>
+          <p:cNvPr id="2" name="Folienbildplatzhalter 1"/>
+          <p:cNvSpPr>
+            <a:spLocks noGrp="1" noRot="1" noChangeAspect="1"/>
+          </p:cNvSpPr>
+          <p:nvPr>
+            <p:ph type="sldImg"/>
+          </p:nvPr>
+        </p:nvSpPr>
+        <p:spPr/>
+      </p:sp>
+      <p:sp>
+        <p:nvSpPr>
+          <p:cNvPr id="3" name="Notizenplatzhalter 2"/>
+          <p:cNvSpPr>
+            <a:spLocks noGrp="1"/>
+          </p:cNvSpPr>
+          <p:nvPr>
+            <p:ph type="body" idx="1"/>
+          </p:nvPr>
+        </p:nvSpPr>
+        <p:spPr/>
+        <p:txBody>
+          <a:bodyPr/>
+          <a:lstStyle/>
+          <a:p>
+            <a:pPr marL="0" marR="0" lvl="0" indent="0" algn="l" defTabSz="914400" rtl="0" eaLnBrk="1" fontAlgn="auto" latinLnBrk="0" hangingPunct="1">
+              <a:lnSpc>
+                <a:spcPct val="100000"/>
+              </a:lnSpc>
+              <a:spcBef>
+                <a:spcPts val="0"/>
+              </a:spcBef>
+              <a:spcAft>
+                <a:spcPts val="0"/>
+              </a:spcAft>
+              <a:buClrTx/>
+              <a:buSzTx/>
+              <a:buFontTx/>
+              <a:buNone/>
+              <a:tabLst/>
+              <a:defRPr/>
+            </a:pPr>
+            <a:r>
+              <a:rPr lang="de-DE" dirty="0"/>
+              <a:t>„KI-Expertenrat“ gegründet,  welcher aus Wissenschaftlern und leitenden Personen der größten Tech-Unternehmen in Deutschland besteht</a:t>
+            </a:r>
+          </a:p>
+          <a:p>
+            <a:pPr marL="0" marR="0" lvl="0" indent="0" algn="l" defTabSz="914400" rtl="0" eaLnBrk="1" fontAlgn="auto" latinLnBrk="0" hangingPunct="1">
+              <a:lnSpc>
+                <a:spcPct val="100000"/>
+              </a:lnSpc>
+              <a:spcBef>
+                <a:spcPts val="0"/>
+              </a:spcBef>
+              <a:spcAft>
+                <a:spcPts val="0"/>
+              </a:spcAft>
+              <a:buClrTx/>
+              <a:buSzTx/>
+              <a:buFontTx/>
+              <a:buNone/>
+              <a:tabLst/>
+              <a:defRPr/>
+            </a:pPr>
+            <a:r>
+              <a:rPr lang="de-DE" dirty="0"/>
+              <a:t>Im Vergleich zu DeepMind, wird der primär wirtschaftliche Blickwinkel vom Expertenrat mehrfach betont.</a:t>
+            </a:r>
+          </a:p>
+          <a:p>
+            <a:pPr marL="0" marR="0" lvl="0" indent="0" algn="l" defTabSz="914400" rtl="0" eaLnBrk="1" fontAlgn="auto" latinLnBrk="0" hangingPunct="1">
+              <a:lnSpc>
+                <a:spcPct val="100000"/>
+              </a:lnSpc>
+              <a:spcBef>
+                <a:spcPts val="0"/>
+              </a:spcBef>
+              <a:spcAft>
+                <a:spcPts val="0"/>
+              </a:spcAft>
+              <a:buClrTx/>
+              <a:buSzTx/>
+              <a:buFontTx/>
+              <a:buNone/>
+              <a:tabLst/>
+              <a:defRPr/>
+            </a:pPr>
+            <a:endParaRPr lang="de-DE" dirty="0"/>
+          </a:p>
+          <a:p>
+            <a:endParaRPr lang="de-DE" dirty="0"/>
+          </a:p>
+        </p:txBody>
+      </p:sp>
+      <p:sp>
+        <p:nvSpPr>
+          <p:cNvPr id="4" name="Foliennummernplatzhalter 3"/>
+          <p:cNvSpPr>
+            <a:spLocks noGrp="1"/>
+          </p:cNvSpPr>
+          <p:nvPr>
+            <p:ph type="sldNum" sz="quarter" idx="5"/>
+          </p:nvPr>
+        </p:nvSpPr>
+        <p:spPr/>
+        <p:txBody>
+          <a:bodyPr/>
+          <a:lstStyle/>
+          <a:p>
+            <a:fld id="{E29BBB57-B96E-4FAF-A2CA-0F9A4D159581}" type="slidenum">
+              <a:rPr lang="de-DE" smtClean="0"/>
+              <a:t>25</a:t>
+            </a:fld>
+            <a:endParaRPr lang="de-DE" dirty="0"/>
+          </a:p>
+        </p:txBody>
+      </p:sp>
+    </p:spTree>
+    <p:extLst>
+      <p:ext uri="{BB962C8B-B14F-4D97-AF65-F5344CB8AC3E}">
+        <p14:creationId xmlns:p14="http://schemas.microsoft.com/office/powerpoint/2010/main" val="2810766144"/>
+      </p:ext>
+    </p:extLst>
+  </p:cSld>
+  <p:clrMapOvr>
+    <a:masterClrMapping/>
+  </p:clrMapOvr>
+</p:notes>
+</file>
+
+<file path=ppt/notesSlides/notesSlide16.xml><?xml version="1.0" encoding="utf-8"?>
 <p:notes xmlns:a="http://schemas.openxmlformats.org/drawingml/2006/main" xmlns:r="http://schemas.openxmlformats.org/officeDocument/2006/relationships" xmlns:p="http://schemas.openxmlformats.org/presentationml/2006/main">
   <p:cSld>
     <p:spTree>
@@ -1357,7 +1625,7 @@
                 <a:tabLst/>
                 <a:defRPr/>
               </a:pPr>
-              <a:t>24</a:t>
+              <a:t>27</a:t>
             </a:fld>
             <a:endParaRPr kumimoji="0" lang="de-DE" sz="1200" b="0" i="0" u="none" strike="noStrike" kern="1200" cap="none" spc="0" normalizeH="0" baseline="0" noProof="0" dirty="0">
               <a:ln>
@@ -1389,7 +1657,7 @@
 </p:notes>
 </file>
 
-<file path=ppt/notesSlides/notesSlide15.xml><?xml version="1.0" encoding="utf-8"?>
+<file path=ppt/notesSlides/notesSlide17.xml><?xml version="1.0" encoding="utf-8"?>
 <p:notes xmlns:a="http://schemas.openxmlformats.org/drawingml/2006/main" xmlns:r="http://schemas.openxmlformats.org/officeDocument/2006/relationships" xmlns:p="http://schemas.openxmlformats.org/presentationml/2006/main">
   <p:cSld>
     <p:spTree>
@@ -1506,7 +1774,7 @@
                 <a:tabLst/>
                 <a:defRPr/>
               </a:pPr>
-              <a:t>26</a:t>
+              <a:t>29</a:t>
             </a:fld>
             <a:endParaRPr kumimoji="0" lang="de-DE" sz="1200" b="0" i="0" u="none" strike="noStrike" kern="1200" cap="none" spc="0" normalizeH="0" baseline="0" noProof="0" dirty="0">
               <a:ln>
@@ -1538,7 +1806,7 @@
 </p:notes>
 </file>
 
-<file path=ppt/notesSlides/notesSlide16.xml><?xml version="1.0" encoding="utf-8"?>
+<file path=ppt/notesSlides/notesSlide18.xml><?xml version="1.0" encoding="utf-8"?>
 <p:notes xmlns:a="http://schemas.openxmlformats.org/drawingml/2006/main" xmlns:r="http://schemas.openxmlformats.org/officeDocument/2006/relationships" xmlns:p="http://schemas.openxmlformats.org/presentationml/2006/main">
   <p:cSld>
     <p:spTree>
@@ -1655,7 +1923,7 @@
                 <a:tabLst/>
                 <a:defRPr/>
               </a:pPr>
-              <a:t>28</a:t>
+              <a:t>31</a:t>
             </a:fld>
             <a:endParaRPr kumimoji="0" lang="de-DE" sz="1200" b="0" i="0" u="none" strike="noStrike" kern="1200" cap="none" spc="0" normalizeH="0" baseline="0" noProof="0" dirty="0">
               <a:ln>
@@ -1687,7 +1955,7 @@
 </p:notes>
 </file>
 
-<file path=ppt/notesSlides/notesSlide17.xml><?xml version="1.0" encoding="utf-8"?>
+<file path=ppt/notesSlides/notesSlide19.xml><?xml version="1.0" encoding="utf-8"?>
 <p:notes xmlns:a="http://schemas.openxmlformats.org/drawingml/2006/main" xmlns:r="http://schemas.openxmlformats.org/officeDocument/2006/relationships" xmlns:p="http://schemas.openxmlformats.org/presentationml/2006/main">
   <p:cSld>
     <p:spTree>
@@ -1759,7 +2027,7 @@
             <a:fld id="{0B4E03F4-693C-45B2-A7AD-D1F8CFC3F73E}" type="slidenum">
               <a:rPr lang="de-DE" smtClean="0"/>
               <a:pPr algn="ctr"/>
-              <a:t>32</a:t>
+              <a:t>35</a:t>
             </a:fld>
             <a:endParaRPr lang="de-DE" dirty="0"/>
           </a:p>
@@ -2124,6 +2392,58 @@
         <p:txBody>
           <a:bodyPr/>
           <a:lstStyle/>
+          <a:p>
+            <a:r>
+              <a:rPr lang="de-DE" dirty="0"/>
+              <a:t>Joy </a:t>
+            </a:r>
+            <a:r>
+              <a:rPr lang="de-DE" dirty="0" err="1"/>
+              <a:t>Buolamwini</a:t>
+            </a:r>
+            <a:r>
+              <a:rPr lang="de-DE" dirty="0"/>
+              <a:t> ist eine Informatikerin und ist die Gründerin der „</a:t>
+            </a:r>
+            <a:r>
+              <a:rPr lang="de-DE" dirty="0" err="1"/>
+              <a:t>Algorithmic</a:t>
+            </a:r>
+            <a:r>
+              <a:rPr lang="de-DE" dirty="0"/>
+              <a:t> </a:t>
+            </a:r>
+            <a:r>
+              <a:rPr lang="de-DE" dirty="0" err="1"/>
+              <a:t>justice</a:t>
+            </a:r>
+            <a:r>
+              <a:rPr lang="de-DE" dirty="0"/>
+              <a:t> </a:t>
+            </a:r>
+            <a:r>
+              <a:rPr lang="de-DE" dirty="0" err="1"/>
+              <a:t>league</a:t>
+            </a:r>
+            <a:r>
+              <a:rPr lang="de-DE" dirty="0"/>
+              <a:t>“.</a:t>
+            </a:r>
+          </a:p>
+          <a:p>
+            <a:r>
+              <a:rPr lang="de-DE" dirty="0"/>
+              <a:t>Durch Ihre Nachforschungen zu Gesichtsanalytischer KI entdeckte sie in KI Systemen, von großen Unternehmen wie Amazon und Microsoft, erhebliche Gender- und </a:t>
+            </a:r>
+            <a:r>
+              <a:rPr lang="de-DE" dirty="0" err="1"/>
+              <a:t>Racialbiases</a:t>
+            </a:r>
+            <a:r>
+              <a:rPr lang="de-DE"/>
+              <a:t>.</a:t>
+            </a:r>
+          </a:p>
           <a:p>
             <a:endParaRPr lang="de-DE" dirty="0"/>
           </a:p>
@@ -6266,7 +6586,7 @@
           <a:p>
             <a:r>
               <a:rPr lang="de-DE" dirty="0"/>
-              <a:t>Wie können diese Prinzipien in einem KI-System als explizite Richtlinien und Regeln umgesetzt werden ?</a:t>
+              <a:t>Wie können diese Prinzipien in einem KI-System als explizite Richtlinien und Regeln aussehen ?</a:t>
             </a:r>
           </a:p>
           <a:p>
@@ -6717,6 +7037,757 @@
       </p:grpSpPr>
       <p:pic>
         <p:nvPicPr>
+          <p:cNvPr id="3" name="Grafik 2" descr="Ein Bild, das Text enthält.&#10;&#10;Automatisch generierte Beschreibung">
+            <a:extLst>
+              <a:ext uri="{FF2B5EF4-FFF2-40B4-BE49-F238E27FC236}">
+                <a16:creationId xmlns:a16="http://schemas.microsoft.com/office/drawing/2014/main" id="{B1816661-8B25-4E5B-A696-C2946FD9EEE7}"/>
+              </a:ext>
+            </a:extLst>
+          </p:cNvPr>
+          <p:cNvPicPr>
+            <a:picLocks noChangeAspect="1"/>
+          </p:cNvPicPr>
+          <p:nvPr/>
+        </p:nvPicPr>
+        <p:blipFill>
+          <a:blip r:embed="rId2">
+            <a:extLst>
+              <a:ext uri="{28A0092B-C50C-407E-A947-70E740481C1C}">
+                <a14:useLocalDpi xmlns:a14="http://schemas.microsoft.com/office/drawing/2010/main" val="0"/>
+              </a:ext>
+            </a:extLst>
+          </a:blip>
+          <a:stretch>
+            <a:fillRect/>
+          </a:stretch>
+        </p:blipFill>
+        <p:spPr>
+          <a:xfrm>
+            <a:off x="494903" y="162956"/>
+            <a:ext cx="6462488" cy="6473258"/>
+          </a:xfrm>
+          <a:prstGeom prst="rect">
+            <a:avLst/>
+          </a:prstGeom>
+        </p:spPr>
+      </p:pic>
+      <p:sp>
+        <p:nvSpPr>
+          <p:cNvPr id="6" name="Inhaltsplatzhalter 2">
+            <a:extLst>
+              <a:ext uri="{FF2B5EF4-FFF2-40B4-BE49-F238E27FC236}">
+                <a16:creationId xmlns:a16="http://schemas.microsoft.com/office/drawing/2014/main" id="{03D7AFA9-68A6-4476-A0CF-FF21BC201174}"/>
+              </a:ext>
+            </a:extLst>
+          </p:cNvPr>
+          <p:cNvSpPr>
+            <a:spLocks noGrp="1"/>
+          </p:cNvSpPr>
+          <p:nvPr>
+            <p:ph idx="1"/>
+          </p:nvPr>
+        </p:nvSpPr>
+        <p:spPr>
+          <a:xfrm>
+            <a:off x="7248939" y="1073424"/>
+            <a:ext cx="4797288" cy="5695310"/>
+          </a:xfrm>
+        </p:spPr>
+        <p:txBody>
+          <a:bodyPr>
+            <a:normAutofit lnSpcReduction="10000"/>
+          </a:bodyPr>
+          <a:lstStyle/>
+          <a:p>
+            <a:pPr marL="514350" indent="-514350">
+              <a:buAutoNum type="arabicPeriod"/>
+            </a:pPr>
+            <a:r>
+              <a:rPr lang="de-DE" dirty="0"/>
+              <a:t>Grundrechte, …</a:t>
+            </a:r>
+          </a:p>
+          <a:p>
+            <a:pPr marL="514350" indent="-514350">
+              <a:buAutoNum type="arabicPeriod"/>
+            </a:pPr>
+            <a:r>
+              <a:rPr lang="de-DE" dirty="0"/>
+              <a:t>Sicherheit, Zuverlässigkeit, Reproduzierbarkeit, …</a:t>
+            </a:r>
+          </a:p>
+          <a:p>
+            <a:pPr marL="514350" indent="-514350">
+              <a:buAutoNum type="arabicPeriod"/>
+            </a:pPr>
+            <a:r>
+              <a:rPr lang="de-DE" dirty="0"/>
+              <a:t> Privatsphäre, Qualität der Daten, …</a:t>
+            </a:r>
+          </a:p>
+          <a:p>
+            <a:pPr marL="514350" indent="-514350">
+              <a:buAutoNum type="arabicPeriod"/>
+            </a:pPr>
+            <a:r>
+              <a:rPr lang="de-DE" dirty="0"/>
+              <a:t>Nachverfolgbarkeit, Erklärbarkeit, Kommunikation, …</a:t>
+            </a:r>
+          </a:p>
+          <a:p>
+            <a:pPr marL="514350" indent="-514350">
+              <a:buAutoNum type="arabicPeriod"/>
+            </a:pPr>
+            <a:r>
+              <a:rPr lang="de-DE" dirty="0"/>
+              <a:t>Zugänglichkeit, …</a:t>
+            </a:r>
+          </a:p>
+          <a:p>
+            <a:pPr marL="514350" indent="-514350">
+              <a:buAutoNum type="arabicPeriod"/>
+            </a:pPr>
+            <a:r>
+              <a:rPr lang="de-DE" dirty="0"/>
+              <a:t>Nachhaltigkeit, Umweltschutz, …</a:t>
+            </a:r>
+          </a:p>
+          <a:p>
+            <a:pPr marL="514350" indent="-514350">
+              <a:buAutoNum type="arabicPeriod"/>
+            </a:pPr>
+            <a:r>
+              <a:rPr lang="de-DE" dirty="0"/>
+              <a:t>Nachprüfbarkeit, Rechtsbehelfe,…</a:t>
+            </a:r>
+          </a:p>
+          <a:p>
+            <a:pPr marL="514350" indent="-514350">
+              <a:buAutoNum type="arabicPeriod"/>
+            </a:pPr>
+            <a:endParaRPr lang="de-DE" dirty="0"/>
+          </a:p>
+          <a:p>
+            <a:pPr marL="0" indent="0">
+              <a:buNone/>
+            </a:pPr>
+            <a:endParaRPr lang="de-DE" dirty="0"/>
+          </a:p>
+        </p:txBody>
+      </p:sp>
+      <p:sp>
+        <p:nvSpPr>
+          <p:cNvPr id="7" name="Textfeld 6">
+            <a:extLst>
+              <a:ext uri="{FF2B5EF4-FFF2-40B4-BE49-F238E27FC236}">
+                <a16:creationId xmlns:a16="http://schemas.microsoft.com/office/drawing/2014/main" id="{B0E4DBEB-F8D6-4795-8C12-219E01FB76A1}"/>
+              </a:ext>
+            </a:extLst>
+          </p:cNvPr>
+          <p:cNvSpPr txBox="1"/>
+          <p:nvPr/>
+        </p:nvSpPr>
+        <p:spPr>
+          <a:xfrm>
+            <a:off x="3617843" y="63624"/>
+            <a:ext cx="397566" cy="369332"/>
+          </a:xfrm>
+          <a:prstGeom prst="rect">
+            <a:avLst/>
+          </a:prstGeom>
+          <a:noFill/>
+        </p:spPr>
+        <p:txBody>
+          <a:bodyPr wrap="square" rtlCol="0">
+            <a:spAutoFit/>
+          </a:bodyPr>
+          <a:lstStyle/>
+          <a:p>
+            <a:r>
+              <a:rPr lang="de-DE" dirty="0"/>
+              <a:t>1.</a:t>
+            </a:r>
+          </a:p>
+        </p:txBody>
+      </p:sp>
+      <p:sp>
+        <p:nvSpPr>
+          <p:cNvPr id="8" name="Textfeld 7">
+            <a:extLst>
+              <a:ext uri="{FF2B5EF4-FFF2-40B4-BE49-F238E27FC236}">
+                <a16:creationId xmlns:a16="http://schemas.microsoft.com/office/drawing/2014/main" id="{5587FB22-362B-4837-A54D-A3C6434EDE81}"/>
+              </a:ext>
+            </a:extLst>
+          </p:cNvPr>
+          <p:cNvSpPr txBox="1"/>
+          <p:nvPr/>
+        </p:nvSpPr>
+        <p:spPr>
+          <a:xfrm>
+            <a:off x="5532782" y="967408"/>
+            <a:ext cx="397566" cy="369332"/>
+          </a:xfrm>
+          <a:prstGeom prst="rect">
+            <a:avLst/>
+          </a:prstGeom>
+          <a:noFill/>
+        </p:spPr>
+        <p:txBody>
+          <a:bodyPr wrap="square" rtlCol="0">
+            <a:spAutoFit/>
+          </a:bodyPr>
+          <a:lstStyle/>
+          <a:p>
+            <a:r>
+              <a:rPr lang="de-DE" dirty="0"/>
+              <a:t>2.</a:t>
+            </a:r>
+          </a:p>
+        </p:txBody>
+      </p:sp>
+      <p:sp>
+        <p:nvSpPr>
+          <p:cNvPr id="9" name="Textfeld 8">
+            <a:extLst>
+              <a:ext uri="{FF2B5EF4-FFF2-40B4-BE49-F238E27FC236}">
+                <a16:creationId xmlns:a16="http://schemas.microsoft.com/office/drawing/2014/main" id="{4CC688DC-D6BA-4F69-A1E4-2E13290F5946}"/>
+              </a:ext>
+            </a:extLst>
+          </p:cNvPr>
+          <p:cNvSpPr txBox="1"/>
+          <p:nvPr/>
+        </p:nvSpPr>
+        <p:spPr>
+          <a:xfrm>
+            <a:off x="6029739" y="2945972"/>
+            <a:ext cx="397566" cy="369332"/>
+          </a:xfrm>
+          <a:prstGeom prst="rect">
+            <a:avLst/>
+          </a:prstGeom>
+          <a:noFill/>
+        </p:spPr>
+        <p:txBody>
+          <a:bodyPr wrap="square" rtlCol="0">
+            <a:spAutoFit/>
+          </a:bodyPr>
+          <a:lstStyle/>
+          <a:p>
+            <a:r>
+              <a:rPr lang="de-DE" dirty="0"/>
+              <a:t>3.</a:t>
+            </a:r>
+          </a:p>
+        </p:txBody>
+      </p:sp>
+      <p:sp>
+        <p:nvSpPr>
+          <p:cNvPr id="10" name="Textfeld 9">
+            <a:extLst>
+              <a:ext uri="{FF2B5EF4-FFF2-40B4-BE49-F238E27FC236}">
+                <a16:creationId xmlns:a16="http://schemas.microsoft.com/office/drawing/2014/main" id="{25725556-3A13-41C9-A750-848C0E67A6BF}"/>
+              </a:ext>
+            </a:extLst>
+          </p:cNvPr>
+          <p:cNvSpPr txBox="1"/>
+          <p:nvPr/>
+        </p:nvSpPr>
+        <p:spPr>
+          <a:xfrm>
+            <a:off x="4750904" y="4549486"/>
+            <a:ext cx="397566" cy="369332"/>
+          </a:xfrm>
+          <a:prstGeom prst="rect">
+            <a:avLst/>
+          </a:prstGeom>
+          <a:noFill/>
+        </p:spPr>
+        <p:txBody>
+          <a:bodyPr wrap="square" rtlCol="0">
+            <a:spAutoFit/>
+          </a:bodyPr>
+          <a:lstStyle/>
+          <a:p>
+            <a:r>
+              <a:rPr lang="de-DE" dirty="0"/>
+              <a:t>4.</a:t>
+            </a:r>
+          </a:p>
+        </p:txBody>
+      </p:sp>
+      <p:sp>
+        <p:nvSpPr>
+          <p:cNvPr id="11" name="Textfeld 10">
+            <a:extLst>
+              <a:ext uri="{FF2B5EF4-FFF2-40B4-BE49-F238E27FC236}">
+                <a16:creationId xmlns:a16="http://schemas.microsoft.com/office/drawing/2014/main" id="{6EF5D1D5-898E-4D32-A88A-67DD5CBE47DD}"/>
+              </a:ext>
+            </a:extLst>
+          </p:cNvPr>
+          <p:cNvSpPr txBox="1"/>
+          <p:nvPr/>
+        </p:nvSpPr>
+        <p:spPr>
+          <a:xfrm>
+            <a:off x="2544417" y="4549486"/>
+            <a:ext cx="397566" cy="369332"/>
+          </a:xfrm>
+          <a:prstGeom prst="rect">
+            <a:avLst/>
+          </a:prstGeom>
+          <a:noFill/>
+        </p:spPr>
+        <p:txBody>
+          <a:bodyPr wrap="square" rtlCol="0">
+            <a:spAutoFit/>
+          </a:bodyPr>
+          <a:lstStyle/>
+          <a:p>
+            <a:r>
+              <a:rPr lang="de-DE" dirty="0"/>
+              <a:t>5.</a:t>
+            </a:r>
+          </a:p>
+        </p:txBody>
+      </p:sp>
+      <p:sp>
+        <p:nvSpPr>
+          <p:cNvPr id="12" name="Textfeld 11">
+            <a:extLst>
+              <a:ext uri="{FF2B5EF4-FFF2-40B4-BE49-F238E27FC236}">
+                <a16:creationId xmlns:a16="http://schemas.microsoft.com/office/drawing/2014/main" id="{250D7F9E-25CC-4EE0-BC7E-00BA3E8A8DF1}"/>
+              </a:ext>
+            </a:extLst>
+          </p:cNvPr>
+          <p:cNvSpPr txBox="1"/>
+          <p:nvPr/>
+        </p:nvSpPr>
+        <p:spPr>
+          <a:xfrm>
+            <a:off x="1252329" y="2979445"/>
+            <a:ext cx="397566" cy="369332"/>
+          </a:xfrm>
+          <a:prstGeom prst="rect">
+            <a:avLst/>
+          </a:prstGeom>
+          <a:noFill/>
+        </p:spPr>
+        <p:txBody>
+          <a:bodyPr wrap="square" rtlCol="0">
+            <a:spAutoFit/>
+          </a:bodyPr>
+          <a:lstStyle/>
+          <a:p>
+            <a:r>
+              <a:rPr lang="de-DE" dirty="0"/>
+              <a:t>6.</a:t>
+            </a:r>
+          </a:p>
+        </p:txBody>
+      </p:sp>
+      <p:sp>
+        <p:nvSpPr>
+          <p:cNvPr id="13" name="Textfeld 12">
+            <a:extLst>
+              <a:ext uri="{FF2B5EF4-FFF2-40B4-BE49-F238E27FC236}">
+                <a16:creationId xmlns:a16="http://schemas.microsoft.com/office/drawing/2014/main" id="{70655C21-62E2-4CFA-96B2-14A47060216B}"/>
+              </a:ext>
+            </a:extLst>
+          </p:cNvPr>
+          <p:cNvSpPr txBox="1"/>
+          <p:nvPr/>
+        </p:nvSpPr>
+        <p:spPr>
+          <a:xfrm>
+            <a:off x="1649895" y="967408"/>
+            <a:ext cx="397566" cy="369332"/>
+          </a:xfrm>
+          <a:prstGeom prst="rect">
+            <a:avLst/>
+          </a:prstGeom>
+          <a:noFill/>
+        </p:spPr>
+        <p:txBody>
+          <a:bodyPr wrap="square" rtlCol="0">
+            <a:spAutoFit/>
+          </a:bodyPr>
+          <a:lstStyle/>
+          <a:p>
+            <a:r>
+              <a:rPr lang="de-DE" dirty="0"/>
+              <a:t>7.</a:t>
+            </a:r>
+          </a:p>
+        </p:txBody>
+      </p:sp>
+    </p:spTree>
+    <p:extLst>
+      <p:ext uri="{BB962C8B-B14F-4D97-AF65-F5344CB8AC3E}">
+        <p14:creationId xmlns:p14="http://schemas.microsoft.com/office/powerpoint/2010/main" val="948815469"/>
+      </p:ext>
+    </p:extLst>
+  </p:cSld>
+  <p:clrMapOvr>
+    <a:masterClrMapping/>
+  </p:clrMapOvr>
+</p:sld>
+</file>
+
+<file path=ppt/slides/slide19.xml><?xml version="1.0" encoding="utf-8"?>
+<p:sld xmlns:a="http://schemas.openxmlformats.org/drawingml/2006/main" xmlns:r="http://schemas.openxmlformats.org/officeDocument/2006/relationships" xmlns:p="http://schemas.openxmlformats.org/presentationml/2006/main">
+  <p:cSld>
+    <p:spTree>
+      <p:nvGrpSpPr>
+        <p:cNvPr id="1" name=""/>
+        <p:cNvGrpSpPr/>
+        <p:nvPr/>
+      </p:nvGrpSpPr>
+      <p:grpSpPr>
+        <a:xfrm>
+          <a:off x="0" y="0"/>
+          <a:ext cx="0" cy="0"/>
+          <a:chOff x="0" y="0"/>
+          <a:chExt cx="0" cy="0"/>
+        </a:xfrm>
+      </p:grpSpPr>
+      <p:sp>
+        <p:nvSpPr>
+          <p:cNvPr id="2" name="Titel 1">
+            <a:extLst>
+              <a:ext uri="{FF2B5EF4-FFF2-40B4-BE49-F238E27FC236}">
+                <a16:creationId xmlns:a16="http://schemas.microsoft.com/office/drawing/2014/main" id="{2829282F-D05E-4895-870D-A31523A653C8}"/>
+              </a:ext>
+            </a:extLst>
+          </p:cNvPr>
+          <p:cNvSpPr>
+            <a:spLocks noGrp="1"/>
+          </p:cNvSpPr>
+          <p:nvPr>
+            <p:ph type="title"/>
+          </p:nvPr>
+        </p:nvSpPr>
+        <p:spPr>
+          <a:xfrm>
+            <a:off x="838200" y="461379"/>
+            <a:ext cx="10515600" cy="1325563"/>
+          </a:xfrm>
+        </p:spPr>
+        <p:txBody>
+          <a:bodyPr/>
+          <a:lstStyle/>
+          <a:p>
+            <a:r>
+              <a:rPr lang="de-DE" dirty="0"/>
+              <a:t>Technische Verfahren</a:t>
+            </a:r>
+          </a:p>
+        </p:txBody>
+      </p:sp>
+      <p:sp>
+        <p:nvSpPr>
+          <p:cNvPr id="3" name="Inhaltsplatzhalter 2">
+            <a:extLst>
+              <a:ext uri="{FF2B5EF4-FFF2-40B4-BE49-F238E27FC236}">
+                <a16:creationId xmlns:a16="http://schemas.microsoft.com/office/drawing/2014/main" id="{20107F49-CFBB-407B-B42A-15FE989CEABC}"/>
+              </a:ext>
+            </a:extLst>
+          </p:cNvPr>
+          <p:cNvSpPr>
+            <a:spLocks noGrp="1"/>
+          </p:cNvSpPr>
+          <p:nvPr>
+            <p:ph idx="1"/>
+          </p:nvPr>
+        </p:nvSpPr>
+        <p:spPr>
+          <a:xfrm>
+            <a:off x="838200" y="1825625"/>
+            <a:ext cx="10515600" cy="4351338"/>
+          </a:xfrm>
+        </p:spPr>
+        <p:txBody>
+          <a:bodyPr/>
+          <a:lstStyle/>
+          <a:p>
+            <a:r>
+              <a:rPr lang="de-DE" dirty="0"/>
+              <a:t>En</a:t>
+            </a:r>
+          </a:p>
+          <a:p>
+            <a:pPr marL="0" indent="0">
+              <a:buNone/>
+            </a:pPr>
+            <a:endParaRPr lang="de-DE" dirty="0"/>
+          </a:p>
+        </p:txBody>
+      </p:sp>
+    </p:spTree>
+    <p:extLst>
+      <p:ext uri="{BB962C8B-B14F-4D97-AF65-F5344CB8AC3E}">
+        <p14:creationId xmlns:p14="http://schemas.microsoft.com/office/powerpoint/2010/main" val="2966846952"/>
+      </p:ext>
+    </p:extLst>
+  </p:cSld>
+  <p:clrMapOvr>
+    <a:masterClrMapping/>
+  </p:clrMapOvr>
+</p:sld>
+</file>
+
+<file path=ppt/slides/slide2.xml><?xml version="1.0" encoding="utf-8"?>
+<p:sld xmlns:a="http://schemas.openxmlformats.org/drawingml/2006/main" xmlns:r="http://schemas.openxmlformats.org/officeDocument/2006/relationships" xmlns:p="http://schemas.openxmlformats.org/presentationml/2006/main">
+  <p:cSld>
+    <p:spTree>
+      <p:nvGrpSpPr>
+        <p:cNvPr id="1" name=""/>
+        <p:cNvGrpSpPr/>
+        <p:nvPr/>
+      </p:nvGrpSpPr>
+      <p:grpSpPr>
+        <a:xfrm>
+          <a:off x="0" y="0"/>
+          <a:ext cx="0" cy="0"/>
+          <a:chOff x="0" y="0"/>
+          <a:chExt cx="0" cy="0"/>
+        </a:xfrm>
+      </p:grpSpPr>
+      <p:sp>
+        <p:nvSpPr>
+          <p:cNvPr id="2052" name="Text Box 4">
+            <a:extLst>
+              <a:ext uri="{FF2B5EF4-FFF2-40B4-BE49-F238E27FC236}">
+                <a16:creationId xmlns:a16="http://schemas.microsoft.com/office/drawing/2014/main" id="{B51FAB6F-B618-4994-A1DA-22C00650436C}"/>
+              </a:ext>
+            </a:extLst>
+          </p:cNvPr>
+          <p:cNvSpPr txBox="1">
+            <a:spLocks noChangeArrowheads="1"/>
+          </p:cNvSpPr>
+          <p:nvPr/>
+        </p:nvSpPr>
+        <p:spPr bwMode="auto">
+          <a:xfrm>
+            <a:off x="4406349" y="2729949"/>
+            <a:ext cx="4614863" cy="1477328"/>
+          </a:xfrm>
+          <a:prstGeom prst="rect">
+            <a:avLst/>
+          </a:prstGeom>
+          <a:noFill/>
+          <a:ln>
+            <a:noFill/>
+          </a:ln>
+          <a:effectLst/>
+          <a:extLst>
+            <a:ext uri="{909E8E84-426E-40DD-AFC4-6F175D3DCCD1}">
+              <a14:hiddenFill xmlns:a14="http://schemas.microsoft.com/office/drawing/2010/main">
+                <a:solidFill>
+                  <a:schemeClr val="accent1"/>
+                </a:solidFill>
+              </a14:hiddenFill>
+            </a:ext>
+            <a:ext uri="{91240B29-F687-4F45-9708-019B960494DF}">
+              <a14:hiddenLine xmlns:a14="http://schemas.microsoft.com/office/drawing/2010/main" w="9525">
+                <a:solidFill>
+                  <a:schemeClr val="tx1"/>
+                </a:solidFill>
+                <a:miter lim="800000"/>
+                <a:headEnd/>
+                <a:tailEnd/>
+              </a14:hiddenLine>
+            </a:ext>
+            <a:ext uri="{AF507438-7753-43E0-B8FC-AC1667EBCBE1}">
+              <a14:hiddenEffects xmlns:a14="http://schemas.microsoft.com/office/drawing/2010/main">
+                <a:effectLst>
+                  <a:outerShdw dist="35921" dir="2700000" algn="ctr" rotWithShape="0">
+                    <a:schemeClr val="bg2"/>
+                  </a:outerShdw>
+                </a:effectLst>
+              </a14:hiddenEffects>
+            </a:ext>
+          </a:extLst>
+        </p:spPr>
+        <p:txBody>
+          <a:bodyPr>
+            <a:spAutoFit/>
+          </a:bodyPr>
+          <a:lstStyle/>
+          <a:p>
+            <a:pPr defTabSz="457200">
+              <a:spcBef>
+                <a:spcPct val="50000"/>
+              </a:spcBef>
+              <a:buClr>
+                <a:srgbClr val="FF6600"/>
+              </a:buClr>
+            </a:pPr>
+            <a:r>
+              <a:rPr lang="de-DE" altLang="de-DE" sz="3600" b="1" dirty="0">
+                <a:solidFill>
+                  <a:prstClr val="black"/>
+                </a:solidFill>
+                <a:latin typeface="Arial" panose="020B0604020202020204" pitchFamily="34" charset="0"/>
+              </a:rPr>
+              <a:t>Oliver Bosin</a:t>
+            </a:r>
+          </a:p>
+          <a:p>
+            <a:pPr defTabSz="457200">
+              <a:spcBef>
+                <a:spcPct val="50000"/>
+              </a:spcBef>
+              <a:buClr>
+                <a:srgbClr val="FF6600"/>
+              </a:buClr>
+            </a:pPr>
+            <a:r>
+              <a:rPr lang="de-DE" altLang="de-DE" sz="3600" b="1" dirty="0">
+                <a:solidFill>
+                  <a:prstClr val="black"/>
+                </a:solidFill>
+                <a:latin typeface="Arial" panose="020B0604020202020204" pitchFamily="34" charset="0"/>
+              </a:rPr>
+              <a:t>Ethik in der KI</a:t>
+            </a:r>
+            <a:endParaRPr lang="de-DE" altLang="de-DE" sz="2100" b="1" dirty="0">
+              <a:solidFill>
+                <a:prstClr val="black"/>
+              </a:solidFill>
+              <a:latin typeface="Arial" panose="020B0604020202020204" pitchFamily="34" charset="0"/>
+            </a:endParaRPr>
+          </a:p>
+        </p:txBody>
+      </p:sp>
+    </p:spTree>
+  </p:cSld>
+  <p:clrMapOvr>
+    <a:masterClrMapping/>
+  </p:clrMapOvr>
+</p:sld>
+</file>
+
+<file path=ppt/slides/slide20.xml><?xml version="1.0" encoding="utf-8"?>
+<p:sld xmlns:a="http://schemas.openxmlformats.org/drawingml/2006/main" xmlns:r="http://schemas.openxmlformats.org/officeDocument/2006/relationships" xmlns:p="http://schemas.openxmlformats.org/presentationml/2006/main">
+  <p:cSld>
+    <p:spTree>
+      <p:nvGrpSpPr>
+        <p:cNvPr id="1" name=""/>
+        <p:cNvGrpSpPr/>
+        <p:nvPr/>
+      </p:nvGrpSpPr>
+      <p:grpSpPr>
+        <a:xfrm>
+          <a:off x="0" y="0"/>
+          <a:ext cx="0" cy="0"/>
+          <a:chOff x="0" y="0"/>
+          <a:chExt cx="0" cy="0"/>
+        </a:xfrm>
+      </p:grpSpPr>
+      <p:sp>
+        <p:nvSpPr>
+          <p:cNvPr id="2" name="Titel 1">
+            <a:extLst>
+              <a:ext uri="{FF2B5EF4-FFF2-40B4-BE49-F238E27FC236}">
+                <a16:creationId xmlns:a16="http://schemas.microsoft.com/office/drawing/2014/main" id="{2829282F-D05E-4895-870D-A31523A653C8}"/>
+              </a:ext>
+            </a:extLst>
+          </p:cNvPr>
+          <p:cNvSpPr>
+            <a:spLocks noGrp="1"/>
+          </p:cNvSpPr>
+          <p:nvPr>
+            <p:ph type="title"/>
+          </p:nvPr>
+        </p:nvSpPr>
+        <p:spPr>
+          <a:xfrm>
+            <a:off x="838200" y="461379"/>
+            <a:ext cx="10515600" cy="1325563"/>
+          </a:xfrm>
+        </p:spPr>
+        <p:txBody>
+          <a:bodyPr/>
+          <a:lstStyle/>
+          <a:p>
+            <a:r>
+              <a:rPr lang="de-DE" dirty="0"/>
+              <a:t>Nicht technische Verfahren</a:t>
+            </a:r>
+          </a:p>
+        </p:txBody>
+      </p:sp>
+      <p:sp>
+        <p:nvSpPr>
+          <p:cNvPr id="3" name="Inhaltsplatzhalter 2">
+            <a:extLst>
+              <a:ext uri="{FF2B5EF4-FFF2-40B4-BE49-F238E27FC236}">
+                <a16:creationId xmlns:a16="http://schemas.microsoft.com/office/drawing/2014/main" id="{20107F49-CFBB-407B-B42A-15FE989CEABC}"/>
+              </a:ext>
+            </a:extLst>
+          </p:cNvPr>
+          <p:cNvSpPr>
+            <a:spLocks noGrp="1"/>
+          </p:cNvSpPr>
+          <p:nvPr>
+            <p:ph idx="1"/>
+          </p:nvPr>
+        </p:nvSpPr>
+        <p:spPr>
+          <a:xfrm>
+            <a:off x="838200" y="1825625"/>
+            <a:ext cx="10515600" cy="4351338"/>
+          </a:xfrm>
+        </p:spPr>
+        <p:txBody>
+          <a:bodyPr/>
+          <a:lstStyle/>
+          <a:p>
+            <a:r>
+              <a:rPr lang="de-DE" dirty="0"/>
+              <a:t>En</a:t>
+            </a:r>
+          </a:p>
+          <a:p>
+            <a:pPr marL="0" indent="0">
+              <a:buNone/>
+            </a:pPr>
+            <a:endParaRPr lang="de-DE" dirty="0"/>
+          </a:p>
+        </p:txBody>
+      </p:sp>
+    </p:spTree>
+    <p:extLst>
+      <p:ext uri="{BB962C8B-B14F-4D97-AF65-F5344CB8AC3E}">
+        <p14:creationId xmlns:p14="http://schemas.microsoft.com/office/powerpoint/2010/main" val="145631723"/>
+      </p:ext>
+    </p:extLst>
+  </p:cSld>
+  <p:clrMapOvr>
+    <a:masterClrMapping/>
+  </p:clrMapOvr>
+</p:sld>
+</file>
+
+<file path=ppt/slides/slide21.xml><?xml version="1.0" encoding="utf-8"?>
+<p:sld xmlns:a="http://schemas.openxmlformats.org/drawingml/2006/main" xmlns:r="http://schemas.openxmlformats.org/officeDocument/2006/relationships" xmlns:p="http://schemas.openxmlformats.org/presentationml/2006/main">
+  <p:cSld>
+    <p:spTree>
+      <p:nvGrpSpPr>
+        <p:cNvPr id="1" name=""/>
+        <p:cNvGrpSpPr/>
+        <p:nvPr/>
+      </p:nvGrpSpPr>
+      <p:grpSpPr>
+        <a:xfrm>
+          <a:off x="0" y="0"/>
+          <a:ext cx="0" cy="0"/>
+          <a:chOff x="0" y="0"/>
+          <a:chExt cx="0" cy="0"/>
+        </a:xfrm>
+      </p:grpSpPr>
+      <p:pic>
+        <p:nvPicPr>
           <p:cNvPr id="5" name="Grafik 4">
             <a:extLst>
               <a:ext uri="{FF2B5EF4-FFF2-40B4-BE49-F238E27FC236}">
@@ -6763,519 +7834,6 @@
 </p:sld>
 </file>
 
-<file path=ppt/slides/slide19.xml><?xml version="1.0" encoding="utf-8"?>
-<p:sld xmlns:a="http://schemas.openxmlformats.org/drawingml/2006/main" xmlns:r="http://schemas.openxmlformats.org/officeDocument/2006/relationships" xmlns:p="http://schemas.openxmlformats.org/presentationml/2006/main">
-  <p:cSld>
-    <p:spTree>
-      <p:nvGrpSpPr>
-        <p:cNvPr id="1" name=""/>
-        <p:cNvGrpSpPr/>
-        <p:nvPr/>
-      </p:nvGrpSpPr>
-      <p:grpSpPr>
-        <a:xfrm>
-          <a:off x="0" y="0"/>
-          <a:ext cx="0" cy="0"/>
-          <a:chOff x="0" y="0"/>
-          <a:chExt cx="0" cy="0"/>
-        </a:xfrm>
-      </p:grpSpPr>
-      <p:sp>
-        <p:nvSpPr>
-          <p:cNvPr id="2" name="Titel 1">
-            <a:extLst>
-              <a:ext uri="{FF2B5EF4-FFF2-40B4-BE49-F238E27FC236}">
-                <a16:creationId xmlns:a16="http://schemas.microsoft.com/office/drawing/2014/main" id="{4A661E9F-83D9-4D9E-9ADC-73B1B73453E6}"/>
-              </a:ext>
-            </a:extLst>
-          </p:cNvPr>
-          <p:cNvSpPr>
-            <a:spLocks noGrp="1"/>
-          </p:cNvSpPr>
-          <p:nvPr>
-            <p:ph type="title"/>
-          </p:nvPr>
-        </p:nvSpPr>
-        <p:spPr/>
-        <p:txBody>
-          <a:bodyPr/>
-          <a:lstStyle/>
-          <a:p>
-            <a:pPr algn="ctr"/>
-            <a:r>
-              <a:rPr lang="de-DE" dirty="0"/>
-              <a:t>Ethik für die KI in Wissenschaft und Unternehmen</a:t>
-            </a:r>
-          </a:p>
-        </p:txBody>
-      </p:sp>
-    </p:spTree>
-    <p:extLst>
-      <p:ext uri="{BB962C8B-B14F-4D97-AF65-F5344CB8AC3E}">
-        <p14:creationId xmlns:p14="http://schemas.microsoft.com/office/powerpoint/2010/main" val="3534936280"/>
-      </p:ext>
-    </p:extLst>
-  </p:cSld>
-  <p:clrMapOvr>
-    <a:masterClrMapping/>
-  </p:clrMapOvr>
-</p:sld>
-</file>
-
-<file path=ppt/slides/slide2.xml><?xml version="1.0" encoding="utf-8"?>
-<p:sld xmlns:a="http://schemas.openxmlformats.org/drawingml/2006/main" xmlns:r="http://schemas.openxmlformats.org/officeDocument/2006/relationships" xmlns:p="http://schemas.openxmlformats.org/presentationml/2006/main">
-  <p:cSld>
-    <p:spTree>
-      <p:nvGrpSpPr>
-        <p:cNvPr id="1" name=""/>
-        <p:cNvGrpSpPr/>
-        <p:nvPr/>
-      </p:nvGrpSpPr>
-      <p:grpSpPr>
-        <a:xfrm>
-          <a:off x="0" y="0"/>
-          <a:ext cx="0" cy="0"/>
-          <a:chOff x="0" y="0"/>
-          <a:chExt cx="0" cy="0"/>
-        </a:xfrm>
-      </p:grpSpPr>
-      <p:sp>
-        <p:nvSpPr>
-          <p:cNvPr id="2052" name="Text Box 4">
-            <a:extLst>
-              <a:ext uri="{FF2B5EF4-FFF2-40B4-BE49-F238E27FC236}">
-                <a16:creationId xmlns:a16="http://schemas.microsoft.com/office/drawing/2014/main" id="{B51FAB6F-B618-4994-A1DA-22C00650436C}"/>
-              </a:ext>
-            </a:extLst>
-          </p:cNvPr>
-          <p:cNvSpPr txBox="1">
-            <a:spLocks noChangeArrowheads="1"/>
-          </p:cNvSpPr>
-          <p:nvPr/>
-        </p:nvSpPr>
-        <p:spPr bwMode="auto">
-          <a:xfrm>
-            <a:off x="4406349" y="2729949"/>
-            <a:ext cx="4614863" cy="1477328"/>
-          </a:xfrm>
-          <a:prstGeom prst="rect">
-            <a:avLst/>
-          </a:prstGeom>
-          <a:noFill/>
-          <a:ln>
-            <a:noFill/>
-          </a:ln>
-          <a:effectLst/>
-          <a:extLst>
-            <a:ext uri="{909E8E84-426E-40DD-AFC4-6F175D3DCCD1}">
-              <a14:hiddenFill xmlns:a14="http://schemas.microsoft.com/office/drawing/2010/main">
-                <a:solidFill>
-                  <a:schemeClr val="accent1"/>
-                </a:solidFill>
-              </a14:hiddenFill>
-            </a:ext>
-            <a:ext uri="{91240B29-F687-4F45-9708-019B960494DF}">
-              <a14:hiddenLine xmlns:a14="http://schemas.microsoft.com/office/drawing/2010/main" w="9525">
-                <a:solidFill>
-                  <a:schemeClr val="tx1"/>
-                </a:solidFill>
-                <a:miter lim="800000"/>
-                <a:headEnd/>
-                <a:tailEnd/>
-              </a14:hiddenLine>
-            </a:ext>
-            <a:ext uri="{AF507438-7753-43E0-B8FC-AC1667EBCBE1}">
-              <a14:hiddenEffects xmlns:a14="http://schemas.microsoft.com/office/drawing/2010/main">
-                <a:effectLst>
-                  <a:outerShdw dist="35921" dir="2700000" algn="ctr" rotWithShape="0">
-                    <a:schemeClr val="bg2"/>
-                  </a:outerShdw>
-                </a:effectLst>
-              </a14:hiddenEffects>
-            </a:ext>
-          </a:extLst>
-        </p:spPr>
-        <p:txBody>
-          <a:bodyPr>
-            <a:spAutoFit/>
-          </a:bodyPr>
-          <a:lstStyle/>
-          <a:p>
-            <a:pPr defTabSz="457200">
-              <a:spcBef>
-                <a:spcPct val="50000"/>
-              </a:spcBef>
-              <a:buClr>
-                <a:srgbClr val="FF6600"/>
-              </a:buClr>
-            </a:pPr>
-            <a:r>
-              <a:rPr lang="de-DE" altLang="de-DE" sz="3600" b="1" dirty="0">
-                <a:solidFill>
-                  <a:prstClr val="black"/>
-                </a:solidFill>
-                <a:latin typeface="Arial" panose="020B0604020202020204" pitchFamily="34" charset="0"/>
-              </a:rPr>
-              <a:t>Oliver Bosin</a:t>
-            </a:r>
-          </a:p>
-          <a:p>
-            <a:pPr defTabSz="457200">
-              <a:spcBef>
-                <a:spcPct val="50000"/>
-              </a:spcBef>
-              <a:buClr>
-                <a:srgbClr val="FF6600"/>
-              </a:buClr>
-            </a:pPr>
-            <a:r>
-              <a:rPr lang="de-DE" altLang="de-DE" sz="3600" b="1" dirty="0">
-                <a:solidFill>
-                  <a:prstClr val="black"/>
-                </a:solidFill>
-                <a:latin typeface="Arial" panose="020B0604020202020204" pitchFamily="34" charset="0"/>
-              </a:rPr>
-              <a:t>Ethik in der KI</a:t>
-            </a:r>
-            <a:endParaRPr lang="de-DE" altLang="de-DE" sz="2100" b="1" dirty="0">
-              <a:solidFill>
-                <a:prstClr val="black"/>
-              </a:solidFill>
-              <a:latin typeface="Arial" panose="020B0604020202020204" pitchFamily="34" charset="0"/>
-            </a:endParaRPr>
-          </a:p>
-        </p:txBody>
-      </p:sp>
-    </p:spTree>
-  </p:cSld>
-  <p:clrMapOvr>
-    <a:masterClrMapping/>
-  </p:clrMapOvr>
-</p:sld>
-</file>
-
-<file path=ppt/slides/slide20.xml><?xml version="1.0" encoding="utf-8"?>
-<p:sld xmlns:a="http://schemas.openxmlformats.org/drawingml/2006/main" xmlns:r="http://schemas.openxmlformats.org/officeDocument/2006/relationships" xmlns:p="http://schemas.openxmlformats.org/presentationml/2006/main">
-  <p:cSld>
-    <p:spTree>
-      <p:nvGrpSpPr>
-        <p:cNvPr id="1" name=""/>
-        <p:cNvGrpSpPr/>
-        <p:nvPr/>
-      </p:nvGrpSpPr>
-      <p:grpSpPr>
-        <a:xfrm>
-          <a:off x="0" y="0"/>
-          <a:ext cx="0" cy="0"/>
-          <a:chOff x="0" y="0"/>
-          <a:chExt cx="0" cy="0"/>
-        </a:xfrm>
-      </p:grpSpPr>
-      <p:sp>
-        <p:nvSpPr>
-          <p:cNvPr id="3" name="Inhaltsplatzhalter 2">
-            <a:extLst>
-              <a:ext uri="{FF2B5EF4-FFF2-40B4-BE49-F238E27FC236}">
-                <a16:creationId xmlns:a16="http://schemas.microsoft.com/office/drawing/2014/main" id="{A95D0C09-CE64-40B8-BAF1-99FA0A0026CB}"/>
-              </a:ext>
-            </a:extLst>
-          </p:cNvPr>
-          <p:cNvSpPr>
-            <a:spLocks noGrp="1"/>
-          </p:cNvSpPr>
-          <p:nvPr>
-            <p:ph idx="1"/>
-          </p:nvPr>
-        </p:nvSpPr>
-        <p:spPr>
-          <a:xfrm>
-            <a:off x="838200" y="1825625"/>
-            <a:ext cx="10697308" cy="4351338"/>
-          </a:xfrm>
-        </p:spPr>
-        <p:txBody>
-          <a:bodyPr/>
-          <a:lstStyle/>
-          <a:p>
-            <a:r>
-              <a:rPr lang="de-DE" dirty="0"/>
-              <a:t>Die TUM hat das „TUM Institute </a:t>
-            </a:r>
-            <a:r>
-              <a:rPr lang="de-DE" dirty="0" err="1"/>
-              <a:t>for</a:t>
-            </a:r>
-            <a:r>
-              <a:rPr lang="de-DE" dirty="0"/>
-              <a:t> </a:t>
-            </a:r>
-            <a:r>
-              <a:rPr lang="de-DE" dirty="0" err="1"/>
-              <a:t>Ethics</a:t>
-            </a:r>
-            <a:r>
-              <a:rPr lang="de-DE" dirty="0"/>
-              <a:t> in </a:t>
-            </a:r>
-            <a:r>
-              <a:rPr lang="de-DE" dirty="0" err="1"/>
-              <a:t>Artificial</a:t>
-            </a:r>
-            <a:r>
-              <a:rPr lang="de-DE" dirty="0"/>
-              <a:t> </a:t>
-            </a:r>
-            <a:r>
-              <a:rPr lang="de-DE" dirty="0" err="1"/>
-              <a:t>Intelligence</a:t>
-            </a:r>
-            <a:r>
-              <a:rPr lang="de-DE" dirty="0"/>
-              <a:t>“ am 8. Oktober 2019 eröffnet</a:t>
-            </a:r>
-          </a:p>
-          <a:p>
-            <a:endParaRPr lang="de-DE" dirty="0"/>
-          </a:p>
-          <a:p>
-            <a:r>
-              <a:rPr lang="de-DE" dirty="0"/>
-              <a:t>Als Forschungsbereiche werden genannt:</a:t>
-            </a:r>
-          </a:p>
-          <a:p>
-            <a:pPr lvl="1"/>
-            <a:r>
-              <a:rPr lang="de-DE" dirty="0"/>
-              <a:t>Privatsphäre</a:t>
-            </a:r>
-          </a:p>
-          <a:p>
-            <a:pPr lvl="1"/>
-            <a:r>
-              <a:rPr lang="de-DE" dirty="0"/>
-              <a:t>Sicherheit</a:t>
-            </a:r>
-          </a:p>
-          <a:p>
-            <a:pPr lvl="1"/>
-            <a:r>
-              <a:rPr lang="de-DE" dirty="0"/>
-              <a:t>Ethik, Fairness und Vielfalt</a:t>
-            </a:r>
-          </a:p>
-          <a:p>
-            <a:pPr lvl="1"/>
-            <a:r>
-              <a:rPr lang="de-DE" dirty="0"/>
-              <a:t>Transparenz und Verantwortung</a:t>
-            </a:r>
-          </a:p>
-          <a:p>
-            <a:pPr lvl="1"/>
-            <a:r>
-              <a:rPr lang="de-DE" dirty="0"/>
-              <a:t>Kontrolle und Regulierung</a:t>
-            </a:r>
-          </a:p>
-          <a:p>
-            <a:pPr lvl="1"/>
-            <a:r>
-              <a:rPr lang="de-DE" dirty="0"/>
-              <a:t>…</a:t>
-            </a:r>
-          </a:p>
-          <a:p>
-            <a:pPr lvl="1"/>
-            <a:endParaRPr lang="de-DE" dirty="0"/>
-          </a:p>
-        </p:txBody>
-      </p:sp>
-    </p:spTree>
-    <p:extLst>
-      <p:ext uri="{BB962C8B-B14F-4D97-AF65-F5344CB8AC3E}">
-        <p14:creationId xmlns:p14="http://schemas.microsoft.com/office/powerpoint/2010/main" val="2168910227"/>
-      </p:ext>
-    </p:extLst>
-  </p:cSld>
-  <p:clrMapOvr>
-    <a:masterClrMapping/>
-  </p:clrMapOvr>
-</p:sld>
-</file>
-
-<file path=ppt/slides/slide21.xml><?xml version="1.0" encoding="utf-8"?>
-<p:sld xmlns:a="http://schemas.openxmlformats.org/drawingml/2006/main" xmlns:r="http://schemas.openxmlformats.org/officeDocument/2006/relationships" xmlns:p="http://schemas.openxmlformats.org/presentationml/2006/main">
-  <p:cSld>
-    <p:spTree>
-      <p:nvGrpSpPr>
-        <p:cNvPr id="1" name=""/>
-        <p:cNvGrpSpPr/>
-        <p:nvPr/>
-      </p:nvGrpSpPr>
-      <p:grpSpPr>
-        <a:xfrm>
-          <a:off x="0" y="0"/>
-          <a:ext cx="0" cy="0"/>
-          <a:chOff x="0" y="0"/>
-          <a:chExt cx="0" cy="0"/>
-        </a:xfrm>
-      </p:grpSpPr>
-      <p:sp>
-        <p:nvSpPr>
-          <p:cNvPr id="2" name="Titel 1">
-            <a:extLst>
-              <a:ext uri="{FF2B5EF4-FFF2-40B4-BE49-F238E27FC236}">
-                <a16:creationId xmlns:a16="http://schemas.microsoft.com/office/drawing/2014/main" id="{2829282F-D05E-4895-870D-A31523A653C8}"/>
-              </a:ext>
-            </a:extLst>
-          </p:cNvPr>
-          <p:cNvSpPr>
-            <a:spLocks noGrp="1"/>
-          </p:cNvSpPr>
-          <p:nvPr>
-            <p:ph type="title"/>
-          </p:nvPr>
-        </p:nvSpPr>
-        <p:spPr>
-          <a:xfrm>
-            <a:off x="838200" y="461379"/>
-            <a:ext cx="10515600" cy="1325563"/>
-          </a:xfrm>
-        </p:spPr>
-        <p:txBody>
-          <a:bodyPr/>
-          <a:lstStyle/>
-          <a:p>
-            <a:r>
-              <a:rPr lang="de-DE" dirty="0"/>
-              <a:t>DeepMind(ALPHABET)</a:t>
-            </a:r>
-          </a:p>
-        </p:txBody>
-      </p:sp>
-      <p:sp>
-        <p:nvSpPr>
-          <p:cNvPr id="3" name="Inhaltsplatzhalter 2">
-            <a:extLst>
-              <a:ext uri="{FF2B5EF4-FFF2-40B4-BE49-F238E27FC236}">
-                <a16:creationId xmlns:a16="http://schemas.microsoft.com/office/drawing/2014/main" id="{20107F49-CFBB-407B-B42A-15FE989CEABC}"/>
-              </a:ext>
-            </a:extLst>
-          </p:cNvPr>
-          <p:cNvSpPr>
-            <a:spLocks noGrp="1"/>
-          </p:cNvSpPr>
-          <p:nvPr>
-            <p:ph idx="1"/>
-          </p:nvPr>
-        </p:nvSpPr>
-        <p:spPr>
-          <a:xfrm>
-            <a:off x="838200" y="1825625"/>
-            <a:ext cx="10515600" cy="4351338"/>
-          </a:xfrm>
-        </p:spPr>
-        <p:txBody>
-          <a:bodyPr/>
-          <a:lstStyle/>
-          <a:p>
-            <a:r>
-              <a:rPr lang="de-DE" dirty="0"/>
-              <a:t>DeepMind hat ein „</a:t>
-            </a:r>
-            <a:r>
-              <a:rPr lang="de-DE" dirty="0" err="1"/>
-              <a:t>Ethics</a:t>
-            </a:r>
-            <a:r>
-              <a:rPr lang="de-DE" dirty="0"/>
-              <a:t> &amp; Society Team“ aufgestellt, welches aus Entwicklern und Wissenschaftlern aus vielen Bereichen besteht</a:t>
-            </a:r>
-          </a:p>
-          <a:p>
-            <a:r>
-              <a:rPr lang="de-DE" dirty="0"/>
-              <a:t>Verschiedene weitere Initiativen werden als Partner genannt</a:t>
-            </a:r>
-          </a:p>
-          <a:p>
-            <a:r>
-              <a:rPr lang="de-DE" dirty="0"/>
-              <a:t>Als Arbeitsthemen des „</a:t>
-            </a:r>
-            <a:r>
-              <a:rPr lang="de-DE" dirty="0" err="1"/>
-              <a:t>Ethics</a:t>
-            </a:r>
-            <a:r>
-              <a:rPr lang="de-DE" dirty="0"/>
-              <a:t> &amp; Society Team“  werden genannt:</a:t>
-            </a:r>
-          </a:p>
-          <a:p>
-            <a:pPr lvl="1"/>
-            <a:r>
-              <a:rPr lang="de-DE" dirty="0"/>
-              <a:t>Privatsphäre, Transparenz und Fairness</a:t>
-            </a:r>
-          </a:p>
-          <a:p>
-            <a:pPr lvl="1"/>
-            <a:r>
-              <a:rPr lang="de-DE" dirty="0"/>
-              <a:t>KI-Moral und KI-Werte</a:t>
-            </a:r>
-          </a:p>
-          <a:p>
-            <a:pPr lvl="1"/>
-            <a:r>
-              <a:rPr lang="de-DE" dirty="0"/>
-              <a:t>Kontrolle und Verantwortlichkeit</a:t>
-            </a:r>
-          </a:p>
-          <a:p>
-            <a:pPr lvl="1"/>
-            <a:r>
-              <a:rPr lang="de-DE" dirty="0"/>
-              <a:t>KI und die komplexen Herausforderungen auf der Welt</a:t>
-            </a:r>
-          </a:p>
-          <a:p>
-            <a:pPr lvl="1"/>
-            <a:r>
-              <a:rPr lang="de-DE" dirty="0"/>
-              <a:t>Missbrauch und unbeabsichtigte Konsequenzen</a:t>
-            </a:r>
-          </a:p>
-          <a:p>
-            <a:pPr lvl="1"/>
-            <a:r>
-              <a:rPr lang="de-DE" dirty="0"/>
-              <a:t>Ökonomische Auswirkungen: Inklusion und Gleichstellung</a:t>
-            </a:r>
-          </a:p>
-          <a:p>
-            <a:pPr marL="0" indent="0">
-              <a:buNone/>
-            </a:pPr>
-            <a:endParaRPr lang="de-DE" dirty="0"/>
-          </a:p>
-        </p:txBody>
-      </p:sp>
-    </p:spTree>
-    <p:extLst>
-      <p:ext uri="{BB962C8B-B14F-4D97-AF65-F5344CB8AC3E}">
-        <p14:creationId xmlns:p14="http://schemas.microsoft.com/office/powerpoint/2010/main" val="713834784"/>
-      </p:ext>
-    </p:extLst>
-  </p:cSld>
-  <p:clrMapOvr>
-    <a:masterClrMapping/>
-  </p:clrMapOvr>
-</p:sld>
-</file>
-
 <file path=ppt/slides/slide22.xml><?xml version="1.0" encoding="utf-8"?>
 <p:sld xmlns:a="http://schemas.openxmlformats.org/drawingml/2006/main" xmlns:r="http://schemas.openxmlformats.org/officeDocument/2006/relationships" xmlns:p="http://schemas.openxmlformats.org/presentationml/2006/main">
   <p:cSld>
@@ -7298,7 +7856,7 @@
           <p:cNvPr id="2" name="Titel 1">
             <a:extLst>
               <a:ext uri="{FF2B5EF4-FFF2-40B4-BE49-F238E27FC236}">
-                <a16:creationId xmlns:a16="http://schemas.microsoft.com/office/drawing/2014/main" id="{2829282F-D05E-4895-870D-A31523A653C8}"/>
+                <a16:creationId xmlns:a16="http://schemas.microsoft.com/office/drawing/2014/main" id="{4A661E9F-83D9-4D9E-9ADC-73B1B73453E6}"/>
               </a:ext>
             </a:extLst>
           </p:cNvPr>
@@ -7309,74 +7867,23 @@
             <p:ph type="title"/>
           </p:nvPr>
         </p:nvSpPr>
-        <p:spPr>
-          <a:xfrm>
-            <a:off x="838200" y="461379"/>
-            <a:ext cx="10515600" cy="1325563"/>
-          </a:xfrm>
-        </p:spPr>
-        <p:txBody>
-          <a:bodyPr/>
-          <a:lstStyle/>
-          <a:p>
-            <a:r>
-              <a:rPr lang="de-DE" dirty="0"/>
-              <a:t>Microsoft</a:t>
-            </a:r>
-          </a:p>
-        </p:txBody>
-      </p:sp>
-      <p:sp>
-        <p:nvSpPr>
-          <p:cNvPr id="3" name="Inhaltsplatzhalter 2">
-            <a:extLst>
-              <a:ext uri="{FF2B5EF4-FFF2-40B4-BE49-F238E27FC236}">
-                <a16:creationId xmlns:a16="http://schemas.microsoft.com/office/drawing/2014/main" id="{20107F49-CFBB-407B-B42A-15FE989CEABC}"/>
-              </a:ext>
-            </a:extLst>
-          </p:cNvPr>
-          <p:cNvSpPr>
-            <a:spLocks noGrp="1"/>
-          </p:cNvSpPr>
-          <p:nvPr>
-            <p:ph idx="1"/>
-          </p:nvPr>
-        </p:nvSpPr>
-        <p:spPr>
-          <a:xfrm>
-            <a:off x="838200" y="1825625"/>
-            <a:ext cx="10515600" cy="4351338"/>
-          </a:xfrm>
-        </p:spPr>
-        <p:txBody>
-          <a:bodyPr>
-            <a:normAutofit/>
-          </a:bodyPr>
-          <a:lstStyle/>
-          <a:p>
-            <a:r>
-              <a:rPr lang="de-DE" dirty="0"/>
-              <a:t>Microsoft hat in Deutschland einen „KI-Expertenrat“ gegründet, welcher aus Wissenschaftlern und leitenden Personen der größten Tech-Unternehmen in Deutschland besteht</a:t>
-            </a:r>
-          </a:p>
-          <a:p>
-            <a:r>
-              <a:rPr lang="de-DE" dirty="0"/>
-              <a:t>Der Expertenrat soll sich, ganz allgemein, mit allen Fragen bezüglich KI beschäftigen. Im Vergleich zu DeepMind, wird der primär wirtschaftliche Blickwinkel vom Expertenrat mehrfach betont.</a:t>
-            </a:r>
-          </a:p>
-          <a:p>
-            <a:pPr marL="0" indent="0">
-              <a:buNone/>
-            </a:pPr>
-            <a:endParaRPr lang="de-DE" dirty="0"/>
+        <p:spPr/>
+        <p:txBody>
+          <a:bodyPr/>
+          <a:lstStyle/>
+          <a:p>
+            <a:pPr algn="ctr"/>
+            <a:r>
+              <a:rPr lang="de-DE" dirty="0"/>
+              <a:t>Ethik für die KI in Wissenschaft und Unternehmen</a:t>
+            </a:r>
           </a:p>
         </p:txBody>
       </p:sp>
     </p:spTree>
     <p:extLst>
       <p:ext uri="{BB962C8B-B14F-4D97-AF65-F5344CB8AC3E}">
-        <p14:creationId xmlns:p14="http://schemas.microsoft.com/office/powerpoint/2010/main" val="682592643"/>
+        <p14:creationId xmlns:p14="http://schemas.microsoft.com/office/powerpoint/2010/main" val="3534936280"/>
       </p:ext>
     </p:extLst>
   </p:cSld>
@@ -7405,10 +7912,10 @@
       </p:grpSpPr>
       <p:sp>
         <p:nvSpPr>
-          <p:cNvPr id="2" name="Titel 1">
+          <p:cNvPr id="3" name="Inhaltsplatzhalter 2">
             <a:extLst>
               <a:ext uri="{FF2B5EF4-FFF2-40B4-BE49-F238E27FC236}">
-                <a16:creationId xmlns:a16="http://schemas.microsoft.com/office/drawing/2014/main" id="{2829282F-D05E-4895-870D-A31523A653C8}"/>
+                <a16:creationId xmlns:a16="http://schemas.microsoft.com/office/drawing/2014/main" id="{A95D0C09-CE64-40B8-BAF1-99FA0A0026CB}"/>
               </a:ext>
             </a:extLst>
           </p:cNvPr>
@@ -7416,75 +7923,109 @@
             <a:spLocks noGrp="1"/>
           </p:cNvSpPr>
           <p:nvPr>
-            <p:ph type="title"/>
-          </p:nvPr>
-        </p:nvSpPr>
-        <p:spPr>
-          <a:xfrm>
-            <a:off x="838200" y="461379"/>
-            <a:ext cx="10515600" cy="1325563"/>
-          </a:xfrm>
-        </p:spPr>
-        <p:txBody>
-          <a:bodyPr/>
-          <a:lstStyle/>
-          <a:p>
-            <a:r>
-              <a:rPr lang="de-DE" dirty="0"/>
-              <a:t>IBM</a:t>
-            </a:r>
-          </a:p>
-        </p:txBody>
-      </p:sp>
-      <p:sp>
-        <p:nvSpPr>
-          <p:cNvPr id="3" name="Inhaltsplatzhalter 2">
-            <a:extLst>
-              <a:ext uri="{FF2B5EF4-FFF2-40B4-BE49-F238E27FC236}">
-                <a16:creationId xmlns:a16="http://schemas.microsoft.com/office/drawing/2014/main" id="{20107F49-CFBB-407B-B42A-15FE989CEABC}"/>
-              </a:ext>
-            </a:extLst>
-          </p:cNvPr>
-          <p:cNvSpPr>
-            <a:spLocks noGrp="1"/>
-          </p:cNvSpPr>
-          <p:nvPr>
             <p:ph idx="1"/>
           </p:nvPr>
         </p:nvSpPr>
         <p:spPr>
           <a:xfrm>
             <a:off x="838200" y="1825625"/>
-            <a:ext cx="10515600" cy="4351338"/>
+            <a:ext cx="10697308" cy="4351338"/>
           </a:xfrm>
         </p:spPr>
         <p:txBody>
-          <a:bodyPr>
-            <a:normAutofit/>
-          </a:bodyPr>
-          <a:lstStyle/>
-          <a:p>
-            <a:r>
-              <a:rPr lang="de-DE" dirty="0"/>
-              <a:t>Mit IBM Research beteiligt sich IBM am Diskurs über KI</a:t>
-            </a:r>
-          </a:p>
-          <a:p>
-            <a:r>
-              <a:rPr lang="de-DE" dirty="0"/>
-              <a:t>Im Bereich „Bias in AI“ wird bei IBM Research intensiv geforscht</a:t>
-            </a:r>
-          </a:p>
-          <a:p>
-            <a:r>
-              <a:rPr lang="de-DE" dirty="0"/>
-              <a:t>Eine dedizierte Expertengruppe, wie bei DeepMind und Microsoft, wurde nicht aufgestellt</a:t>
-            </a:r>
-          </a:p>
-          <a:p>
-            <a:pPr marL="0" indent="0">
-              <a:buNone/>
-            </a:pPr>
+          <a:bodyPr/>
+          <a:lstStyle/>
+          <a:p>
+            <a:r>
+              <a:rPr lang="de-DE" dirty="0"/>
+              <a:t>Die TUM hat das „TUM Institute </a:t>
+            </a:r>
+            <a:r>
+              <a:rPr lang="de-DE" dirty="0" err="1"/>
+              <a:t>for</a:t>
+            </a:r>
+            <a:r>
+              <a:rPr lang="de-DE" dirty="0"/>
+              <a:t> </a:t>
+            </a:r>
+            <a:r>
+              <a:rPr lang="de-DE" dirty="0" err="1"/>
+              <a:t>Ethics</a:t>
+            </a:r>
+            <a:r>
+              <a:rPr lang="de-DE" dirty="0"/>
+              <a:t> in </a:t>
+            </a:r>
+            <a:r>
+              <a:rPr lang="de-DE" dirty="0" err="1"/>
+              <a:t>Artificial</a:t>
+            </a:r>
+            <a:r>
+              <a:rPr lang="de-DE" dirty="0"/>
+              <a:t> </a:t>
+            </a:r>
+            <a:r>
+              <a:rPr lang="de-DE" dirty="0" err="1"/>
+              <a:t>Intelligence</a:t>
+            </a:r>
+            <a:r>
+              <a:rPr lang="de-DE" dirty="0"/>
+              <a:t>“ am 8. Oktober 2019 eröffnet</a:t>
+            </a:r>
+          </a:p>
+          <a:p>
+            <a:endParaRPr lang="de-DE" dirty="0"/>
+          </a:p>
+          <a:p>
+            <a:r>
+              <a:rPr lang="de-DE" dirty="0"/>
+              <a:t>Als Forschungsbereiche werden genannt:</a:t>
+            </a:r>
+          </a:p>
+          <a:p>
+            <a:pPr lvl="1"/>
+            <a:r>
+              <a:rPr lang="de-DE" dirty="0"/>
+              <a:t>Privatsphäre</a:t>
+            </a:r>
+          </a:p>
+          <a:p>
+            <a:pPr lvl="1"/>
+            <a:r>
+              <a:rPr lang="de-DE" dirty="0"/>
+              <a:t>Sicherheit</a:t>
+            </a:r>
+          </a:p>
+          <a:p>
+            <a:pPr lvl="1"/>
+            <a:r>
+              <a:rPr lang="de-DE" dirty="0"/>
+              <a:t>Ethik, Fairness und Vielfalt</a:t>
+            </a:r>
+          </a:p>
+          <a:p>
+            <a:pPr lvl="1"/>
+            <a:r>
+              <a:rPr lang="de-DE" dirty="0"/>
+              <a:t>Transparenz und Verantwortung</a:t>
+            </a:r>
+          </a:p>
+          <a:p>
+            <a:pPr lvl="1"/>
+            <a:r>
+              <a:rPr lang="de-DE" dirty="0"/>
+              <a:t>Kontrolle und Regulierung</a:t>
+            </a:r>
+          </a:p>
+          <a:p>
+            <a:pPr lvl="1"/>
+            <a:r>
+              <a:rPr lang="de-DE" dirty="0"/>
+              <a:t>…</a:t>
+            </a:r>
+          </a:p>
+          <a:p>
+            <a:pPr lvl="1"/>
             <a:endParaRPr lang="de-DE" dirty="0"/>
           </a:p>
         </p:txBody>
@@ -7492,7 +8033,7 @@
     </p:spTree>
     <p:extLst>
       <p:ext uri="{BB962C8B-B14F-4D97-AF65-F5344CB8AC3E}">
-        <p14:creationId xmlns:p14="http://schemas.microsoft.com/office/powerpoint/2010/main" val="3160441387"/>
+        <p14:creationId xmlns:p14="http://schemas.microsoft.com/office/powerpoint/2010/main" val="2168910227"/>
       </p:ext>
     </p:extLst>
   </p:cSld>
@@ -7524,7 +8065,7 @@
           <p:cNvPr id="2" name="Titel 1">
             <a:extLst>
               <a:ext uri="{FF2B5EF4-FFF2-40B4-BE49-F238E27FC236}">
-                <a16:creationId xmlns:a16="http://schemas.microsoft.com/office/drawing/2014/main" id="{4A661E9F-83D9-4D9E-9ADC-73B1B73453E6}"/>
+                <a16:creationId xmlns:a16="http://schemas.microsoft.com/office/drawing/2014/main" id="{2829282F-D05E-4895-870D-A31523A653C8}"/>
               </a:ext>
             </a:extLst>
           </p:cNvPr>
@@ -7535,23 +8076,136 @@
             <p:ph type="title"/>
           </p:nvPr>
         </p:nvSpPr>
-        <p:spPr/>
-        <p:txBody>
-          <a:bodyPr/>
-          <a:lstStyle/>
-          <a:p>
-            <a:pPr algn="ctr"/>
-            <a:r>
-              <a:rPr lang="de-DE" dirty="0"/>
-              <a:t>Beispiele für ethische Probleme mit KI-Systemen</a:t>
-            </a:r>
+        <p:spPr>
+          <a:xfrm>
+            <a:off x="838200" y="461379"/>
+            <a:ext cx="10515600" cy="1325563"/>
+          </a:xfrm>
+        </p:spPr>
+        <p:txBody>
+          <a:bodyPr/>
+          <a:lstStyle/>
+          <a:p>
+            <a:r>
+              <a:rPr lang="de-DE" dirty="0"/>
+              <a:t>DeepMind(ALPHABET)</a:t>
+            </a:r>
+          </a:p>
+        </p:txBody>
+      </p:sp>
+      <p:sp>
+        <p:nvSpPr>
+          <p:cNvPr id="3" name="Inhaltsplatzhalter 2">
+            <a:extLst>
+              <a:ext uri="{FF2B5EF4-FFF2-40B4-BE49-F238E27FC236}">
+                <a16:creationId xmlns:a16="http://schemas.microsoft.com/office/drawing/2014/main" id="{20107F49-CFBB-407B-B42A-15FE989CEABC}"/>
+              </a:ext>
+            </a:extLst>
+          </p:cNvPr>
+          <p:cNvSpPr>
+            <a:spLocks noGrp="1"/>
+          </p:cNvSpPr>
+          <p:nvPr>
+            <p:ph idx="1"/>
+          </p:nvPr>
+        </p:nvSpPr>
+        <p:spPr>
+          <a:xfrm>
+            <a:off x="838200" y="1825625"/>
+            <a:ext cx="10515600" cy="4351338"/>
+          </a:xfrm>
+        </p:spPr>
+        <p:txBody>
+          <a:bodyPr/>
+          <a:lstStyle/>
+          <a:p>
+            <a:r>
+              <a:rPr lang="de-DE" dirty="0"/>
+              <a:t>DeepMind hat ein „</a:t>
+            </a:r>
+            <a:r>
+              <a:rPr lang="de-DE" dirty="0" err="1"/>
+              <a:t>Ethics</a:t>
+            </a:r>
+            <a:r>
+              <a:rPr lang="de-DE" dirty="0"/>
+              <a:t> &amp; Society Team“ aufgestellt</a:t>
+            </a:r>
+          </a:p>
+          <a:p>
+            <a:r>
+              <a:rPr lang="de-DE" dirty="0"/>
+              <a:t>Verschiedene weitere Initiativen werden als Partner genannt</a:t>
+            </a:r>
+          </a:p>
+          <a:p>
+            <a:r>
+              <a:rPr lang="de-DE" dirty="0"/>
+              <a:t>Als Arbeitsthemen des „</a:t>
+            </a:r>
+            <a:r>
+              <a:rPr lang="de-DE" dirty="0" err="1"/>
+              <a:t>Ethics</a:t>
+            </a:r>
+            <a:r>
+              <a:rPr lang="de-DE" dirty="0"/>
+              <a:t> &amp; Society Team“  werden genannt:</a:t>
+            </a:r>
+          </a:p>
+          <a:p>
+            <a:pPr lvl="1"/>
+            <a:r>
+              <a:rPr lang="de-DE" dirty="0"/>
+              <a:t>Privatsphäre, Transparenz und Fairness</a:t>
+            </a:r>
+          </a:p>
+          <a:p>
+            <a:pPr lvl="1"/>
+            <a:r>
+              <a:rPr lang="de-DE" dirty="0"/>
+              <a:t>KI-Moral und KI-Werte</a:t>
+            </a:r>
+          </a:p>
+          <a:p>
+            <a:pPr lvl="1"/>
+            <a:r>
+              <a:rPr lang="de-DE" dirty="0"/>
+              <a:t>Kontrolle und Verantwortlichkeit</a:t>
+            </a:r>
+          </a:p>
+          <a:p>
+            <a:pPr lvl="1"/>
+            <a:r>
+              <a:rPr lang="de-DE" dirty="0"/>
+              <a:t>KI und die komplexen Herausforderungen auf der Welt</a:t>
+            </a:r>
+          </a:p>
+          <a:p>
+            <a:pPr lvl="1"/>
+            <a:r>
+              <a:rPr lang="de-DE" dirty="0"/>
+              <a:t>Missbrauch und unbeabsichtigte Konsequenzen</a:t>
+            </a:r>
+          </a:p>
+          <a:p>
+            <a:pPr lvl="1"/>
+            <a:r>
+              <a:rPr lang="de-DE" dirty="0"/>
+              <a:t>Ökonomische Auswirkungen: Inklusion und Gleichstellung</a:t>
+            </a:r>
+          </a:p>
+          <a:p>
+            <a:pPr marL="0" indent="0">
+              <a:buNone/>
+            </a:pPr>
+            <a:endParaRPr lang="de-DE" dirty="0"/>
           </a:p>
         </p:txBody>
       </p:sp>
     </p:spTree>
     <p:extLst>
       <p:ext uri="{BB962C8B-B14F-4D97-AF65-F5344CB8AC3E}">
-        <p14:creationId xmlns:p14="http://schemas.microsoft.com/office/powerpoint/2010/main" val="3548767222"/>
+        <p14:creationId xmlns:p14="http://schemas.microsoft.com/office/powerpoint/2010/main" val="713834784"/>
       </p:ext>
     </p:extLst>
   </p:cSld>
@@ -7606,7 +8260,7 @@
           <a:p>
             <a:r>
               <a:rPr lang="de-DE" dirty="0"/>
-              <a:t>Beispiele</a:t>
+              <a:t>Microsoft</a:t>
             </a:r>
           </a:p>
         </p:txBody>
@@ -7641,39 +8295,21 @@
           <a:p>
             <a:r>
               <a:rPr lang="de-DE" dirty="0"/>
-              <a:t>Sperr Sie ein und wirf den Schlüssel weg!</a:t>
-            </a:r>
-          </a:p>
-          <a:p>
-            <a:r>
-              <a:rPr lang="de-DE" dirty="0"/>
-              <a:t>Die kriminelle Minderheit</a:t>
-            </a:r>
-          </a:p>
-          <a:p>
-            <a:r>
-              <a:rPr lang="de-DE" dirty="0"/>
-              <a:t>Mit dunkler Haut ist man gesünder?!</a:t>
-            </a:r>
-          </a:p>
-          <a:p>
-            <a:r>
-              <a:rPr lang="de-DE" dirty="0"/>
-              <a:t>Aufruf zur Intifada?</a:t>
-            </a:r>
-          </a:p>
-          <a:p>
-            <a:pPr marL="0" indent="0">
-              <a:buNone/>
-            </a:pPr>
-            <a:endParaRPr lang="de-DE" dirty="0"/>
+              <a:t>Microsoft hat in Deutschland einen „KI-Expertenrat“ gegründet </a:t>
+            </a:r>
+          </a:p>
+          <a:p>
+            <a:r>
+              <a:rPr lang="de-DE" dirty="0"/>
+              <a:t>Der Expertenrat soll sich, ganz allgemein, mit allen Fragen bezüglich KI beschäftigen</a:t>
+            </a:r>
           </a:p>
         </p:txBody>
       </p:sp>
     </p:spTree>
     <p:extLst>
       <p:ext uri="{BB962C8B-B14F-4D97-AF65-F5344CB8AC3E}">
-        <p14:creationId xmlns:p14="http://schemas.microsoft.com/office/powerpoint/2010/main" val="444124376"/>
+        <p14:creationId xmlns:p14="http://schemas.microsoft.com/office/powerpoint/2010/main" val="682592643"/>
       </p:ext>
     </p:extLst>
   </p:cSld>
@@ -7705,7 +8341,7 @@
           <p:cNvPr id="2" name="Titel 1">
             <a:extLst>
               <a:ext uri="{FF2B5EF4-FFF2-40B4-BE49-F238E27FC236}">
-                <a16:creationId xmlns:a16="http://schemas.microsoft.com/office/drawing/2014/main" id="{4A661E9F-83D9-4D9E-9ADC-73B1B73453E6}"/>
+                <a16:creationId xmlns:a16="http://schemas.microsoft.com/office/drawing/2014/main" id="{2829282F-D05E-4895-870D-A31523A653C8}"/>
               </a:ext>
             </a:extLst>
           </p:cNvPr>
@@ -7718,23 +8354,70 @@
         </p:nvSpPr>
         <p:spPr>
           <a:xfrm>
-            <a:off x="831851" y="901359"/>
-            <a:ext cx="10515600" cy="2852737"/>
+            <a:off x="838200" y="461379"/>
+            <a:ext cx="10515600" cy="1325563"/>
           </a:xfrm>
         </p:spPr>
         <p:txBody>
           <a:bodyPr/>
           <a:lstStyle/>
           <a:p>
-            <a:pPr algn="ctr"/>
-            <a:r>
-              <a:rPr lang="de-DE" dirty="0"/>
-              <a:t>Moral </a:t>
-            </a:r>
-            <a:r>
-              <a:rPr lang="de-DE" dirty="0" err="1"/>
-              <a:t>Machine</a:t>
-            </a:r>
+            <a:r>
+              <a:rPr lang="de-DE" dirty="0"/>
+              <a:t>IBM</a:t>
+            </a:r>
+          </a:p>
+        </p:txBody>
+      </p:sp>
+      <p:sp>
+        <p:nvSpPr>
+          <p:cNvPr id="3" name="Inhaltsplatzhalter 2">
+            <a:extLst>
+              <a:ext uri="{FF2B5EF4-FFF2-40B4-BE49-F238E27FC236}">
+                <a16:creationId xmlns:a16="http://schemas.microsoft.com/office/drawing/2014/main" id="{20107F49-CFBB-407B-B42A-15FE989CEABC}"/>
+              </a:ext>
+            </a:extLst>
+          </p:cNvPr>
+          <p:cNvSpPr>
+            <a:spLocks noGrp="1"/>
+          </p:cNvSpPr>
+          <p:nvPr>
+            <p:ph idx="1"/>
+          </p:nvPr>
+        </p:nvSpPr>
+        <p:spPr>
+          <a:xfrm>
+            <a:off x="838200" y="1825625"/>
+            <a:ext cx="10515600" cy="4351338"/>
+          </a:xfrm>
+        </p:spPr>
+        <p:txBody>
+          <a:bodyPr>
+            <a:normAutofit/>
+          </a:bodyPr>
+          <a:lstStyle/>
+          <a:p>
+            <a:r>
+              <a:rPr lang="de-DE" dirty="0"/>
+              <a:t>Mit IBM Research beteiligt sich IBM am Diskurs über KI</a:t>
+            </a:r>
+          </a:p>
+          <a:p>
+            <a:r>
+              <a:rPr lang="de-DE" dirty="0"/>
+              <a:t>Im Bereich „Bias in AI“ wird bei IBM Research intensiv geforscht</a:t>
+            </a:r>
+          </a:p>
+          <a:p>
+            <a:r>
+              <a:rPr lang="de-DE" dirty="0"/>
+              <a:t>Eine dedizierte Expertengruppe, wie bei DeepMind und Microsoft, wurde nicht aufgestellt</a:t>
+            </a:r>
+          </a:p>
+          <a:p>
+            <a:pPr marL="0" indent="0">
+              <a:buNone/>
+            </a:pPr>
             <a:endParaRPr lang="de-DE" dirty="0"/>
           </a:p>
         </p:txBody>
@@ -7742,7 +8425,7 @@
     </p:spTree>
     <p:extLst>
       <p:ext uri="{BB962C8B-B14F-4D97-AF65-F5344CB8AC3E}">
-        <p14:creationId xmlns:p14="http://schemas.microsoft.com/office/powerpoint/2010/main" val="2064069308"/>
+        <p14:creationId xmlns:p14="http://schemas.microsoft.com/office/powerpoint/2010/main" val="3160441387"/>
       </p:ext>
     </p:extLst>
   </p:cSld>
@@ -7774,7 +8457,7 @@
           <p:cNvPr id="2" name="Titel 1">
             <a:extLst>
               <a:ext uri="{FF2B5EF4-FFF2-40B4-BE49-F238E27FC236}">
-                <a16:creationId xmlns:a16="http://schemas.microsoft.com/office/drawing/2014/main" id="{2829282F-D05E-4895-870D-A31523A653C8}"/>
+                <a16:creationId xmlns:a16="http://schemas.microsoft.com/office/drawing/2014/main" id="{4A661E9F-83D9-4D9E-9ADC-73B1B73453E6}"/>
               </a:ext>
             </a:extLst>
           </p:cNvPr>
@@ -7785,97 +8468,23 @@
             <p:ph type="title"/>
           </p:nvPr>
         </p:nvSpPr>
-        <p:spPr>
-          <a:xfrm>
-            <a:off x="838200" y="461379"/>
-            <a:ext cx="10515600" cy="1325563"/>
-          </a:xfrm>
-        </p:spPr>
-        <p:txBody>
-          <a:bodyPr/>
-          <a:lstStyle/>
-          <a:p>
-            <a:r>
-              <a:rPr lang="de-DE" dirty="0"/>
-              <a:t>Moral </a:t>
-            </a:r>
-            <a:r>
-              <a:rPr lang="de-DE" dirty="0" err="1"/>
-              <a:t>Machine</a:t>
-            </a:r>
-            <a:endParaRPr lang="de-DE" dirty="0"/>
-          </a:p>
-        </p:txBody>
-      </p:sp>
-      <p:sp>
-        <p:nvSpPr>
-          <p:cNvPr id="3" name="Inhaltsplatzhalter 2">
-            <a:extLst>
-              <a:ext uri="{FF2B5EF4-FFF2-40B4-BE49-F238E27FC236}">
-                <a16:creationId xmlns:a16="http://schemas.microsoft.com/office/drawing/2014/main" id="{20107F49-CFBB-407B-B42A-15FE989CEABC}"/>
-              </a:ext>
-            </a:extLst>
-          </p:cNvPr>
-          <p:cNvSpPr>
-            <a:spLocks noGrp="1"/>
-          </p:cNvSpPr>
-          <p:nvPr>
-            <p:ph idx="1"/>
-          </p:nvPr>
-        </p:nvSpPr>
-        <p:spPr>
-          <a:xfrm>
-            <a:off x="838200" y="1825625"/>
-            <a:ext cx="10515600" cy="4351338"/>
-          </a:xfrm>
-        </p:spPr>
-        <p:txBody>
-          <a:bodyPr>
-            <a:normAutofit/>
-          </a:bodyPr>
-          <a:lstStyle/>
-          <a:p>
-            <a:r>
-              <a:rPr lang="de-DE" dirty="0"/>
-              <a:t>Konzeptioniert und entwickelt durch Wissenschaftler des MIT</a:t>
-            </a:r>
-          </a:p>
-          <a:p>
-            <a:r>
-              <a:rPr lang="de-DE" dirty="0"/>
-              <a:t>Diese Plattform erfasst, wie Menschen zu moralischen Entscheidungen stehen, die von intelligenten Maschinen getroffen werden</a:t>
-            </a:r>
-          </a:p>
-          <a:p>
-            <a:pPr marL="0" indent="0">
-              <a:buNone/>
-            </a:pPr>
-            <a:endParaRPr lang="de-DE" dirty="0"/>
-          </a:p>
-          <a:p>
-            <a:pPr marL="0" indent="0">
-              <a:buNone/>
-            </a:pPr>
-            <a:r>
-              <a:rPr lang="de-DE" dirty="0">
-                <a:hlinkClick r:id="rId2"/>
-              </a:rPr>
-              <a:t>http://moralmachine.mit.edu/hl/de</a:t>
-            </a:r>
-            <a:endParaRPr lang="de-DE" dirty="0"/>
-          </a:p>
-          <a:p>
-            <a:pPr marL="0" indent="0">
-              <a:buNone/>
-            </a:pPr>
-            <a:endParaRPr lang="de-DE" dirty="0"/>
+        <p:spPr/>
+        <p:txBody>
+          <a:bodyPr/>
+          <a:lstStyle/>
+          <a:p>
+            <a:pPr algn="ctr"/>
+            <a:r>
+              <a:rPr lang="de-DE" dirty="0"/>
+              <a:t>Beispiele für ethische Probleme mit KI-Systemen</a:t>
+            </a:r>
           </a:p>
         </p:txBody>
       </p:sp>
     </p:spTree>
     <p:extLst>
       <p:ext uri="{BB962C8B-B14F-4D97-AF65-F5344CB8AC3E}">
-        <p14:creationId xmlns:p14="http://schemas.microsoft.com/office/powerpoint/2010/main" val="4123339297"/>
+        <p14:creationId xmlns:p14="http://schemas.microsoft.com/office/powerpoint/2010/main" val="3548767222"/>
       </p:ext>
     </p:extLst>
   </p:cSld>
@@ -7907,7 +8516,7 @@
           <p:cNvPr id="2" name="Titel 1">
             <a:extLst>
               <a:ext uri="{FF2B5EF4-FFF2-40B4-BE49-F238E27FC236}">
-                <a16:creationId xmlns:a16="http://schemas.microsoft.com/office/drawing/2014/main" id="{4A661E9F-83D9-4D9E-9ADC-73B1B73453E6}"/>
+                <a16:creationId xmlns:a16="http://schemas.microsoft.com/office/drawing/2014/main" id="{2829282F-D05E-4895-870D-A31523A653C8}"/>
               </a:ext>
             </a:extLst>
           </p:cNvPr>
@@ -7920,26 +8529,84 @@
         </p:nvSpPr>
         <p:spPr>
           <a:xfrm>
-            <a:off x="831851" y="901359"/>
-            <a:ext cx="10515600" cy="2852737"/>
+            <a:off x="838200" y="461379"/>
+            <a:ext cx="10515600" cy="1325563"/>
           </a:xfrm>
         </p:spPr>
         <p:txBody>
           <a:bodyPr/>
           <a:lstStyle/>
           <a:p>
-            <a:pPr algn="ctr"/>
-            <a:r>
-              <a:rPr lang="de-DE" dirty="0"/>
-              <a:t>Chancen und Risiken</a:t>
-            </a:r>
+            <a:r>
+              <a:rPr lang="de-DE" dirty="0"/>
+              <a:t>Beispiele</a:t>
+            </a:r>
+          </a:p>
+        </p:txBody>
+      </p:sp>
+      <p:sp>
+        <p:nvSpPr>
+          <p:cNvPr id="3" name="Inhaltsplatzhalter 2">
+            <a:extLst>
+              <a:ext uri="{FF2B5EF4-FFF2-40B4-BE49-F238E27FC236}">
+                <a16:creationId xmlns:a16="http://schemas.microsoft.com/office/drawing/2014/main" id="{20107F49-CFBB-407B-B42A-15FE989CEABC}"/>
+              </a:ext>
+            </a:extLst>
+          </p:cNvPr>
+          <p:cNvSpPr>
+            <a:spLocks noGrp="1"/>
+          </p:cNvSpPr>
+          <p:nvPr>
+            <p:ph idx="1"/>
+          </p:nvPr>
+        </p:nvSpPr>
+        <p:spPr>
+          <a:xfrm>
+            <a:off x="838200" y="1825625"/>
+            <a:ext cx="10515600" cy="4351338"/>
+          </a:xfrm>
+        </p:spPr>
+        <p:txBody>
+          <a:bodyPr>
+            <a:normAutofit/>
+          </a:bodyPr>
+          <a:lstStyle/>
+          <a:p>
+            <a:r>
+              <a:rPr lang="de-DE" dirty="0"/>
+              <a:t>Sperr Sie ein und wirf den Schlüssel weg!</a:t>
+            </a:r>
+          </a:p>
+          <a:p>
+            <a:r>
+              <a:rPr lang="de-DE" dirty="0"/>
+              <a:t>Die kriminelle Minderheit</a:t>
+            </a:r>
+          </a:p>
+          <a:p>
+            <a:r>
+              <a:rPr lang="de-DE" dirty="0"/>
+              <a:t>Mit dunkler Haut ist man gesünder?!</a:t>
+            </a:r>
+          </a:p>
+          <a:p>
+            <a:r>
+              <a:rPr lang="de-DE" dirty="0"/>
+              <a:t>Aufruf zur Intifada?</a:t>
+            </a:r>
+          </a:p>
+          <a:p>
+            <a:pPr marL="0" indent="0">
+              <a:buNone/>
+            </a:pPr>
+            <a:endParaRPr lang="de-DE" dirty="0"/>
           </a:p>
         </p:txBody>
       </p:sp>
     </p:spTree>
     <p:extLst>
       <p:ext uri="{BB962C8B-B14F-4D97-AF65-F5344CB8AC3E}">
-        <p14:creationId xmlns:p14="http://schemas.microsoft.com/office/powerpoint/2010/main" val="3014107916"/>
+        <p14:creationId xmlns:p14="http://schemas.microsoft.com/office/powerpoint/2010/main" val="444124376"/>
       </p:ext>
     </p:extLst>
   </p:cSld>
@@ -7971,7 +8638,7 @@
           <p:cNvPr id="2" name="Titel 1">
             <a:extLst>
               <a:ext uri="{FF2B5EF4-FFF2-40B4-BE49-F238E27FC236}">
-                <a16:creationId xmlns:a16="http://schemas.microsoft.com/office/drawing/2014/main" id="{2829282F-D05E-4895-870D-A31523A653C8}"/>
+                <a16:creationId xmlns:a16="http://schemas.microsoft.com/office/drawing/2014/main" id="{4A661E9F-83D9-4D9E-9ADC-73B1B73453E6}"/>
               </a:ext>
             </a:extLst>
           </p:cNvPr>
@@ -7984,72 +8651,31 @@
         </p:nvSpPr>
         <p:spPr>
           <a:xfrm>
-            <a:off x="838200" y="461379"/>
-            <a:ext cx="10515600" cy="1325563"/>
+            <a:off x="831851" y="901359"/>
+            <a:ext cx="10515600" cy="2852737"/>
           </a:xfrm>
         </p:spPr>
         <p:txBody>
           <a:bodyPr/>
           <a:lstStyle/>
           <a:p>
-            <a:r>
-              <a:rPr lang="de-DE" dirty="0"/>
-              <a:t>Chancen</a:t>
-            </a:r>
-          </a:p>
-        </p:txBody>
-      </p:sp>
-      <p:sp>
-        <p:nvSpPr>
-          <p:cNvPr id="3" name="Inhaltsplatzhalter 2">
-            <a:extLst>
-              <a:ext uri="{FF2B5EF4-FFF2-40B4-BE49-F238E27FC236}">
-                <a16:creationId xmlns:a16="http://schemas.microsoft.com/office/drawing/2014/main" id="{20107F49-CFBB-407B-B42A-15FE989CEABC}"/>
-              </a:ext>
-            </a:extLst>
-          </p:cNvPr>
-          <p:cNvSpPr>
-            <a:spLocks noGrp="1"/>
-          </p:cNvSpPr>
-          <p:nvPr>
-            <p:ph idx="1"/>
-          </p:nvPr>
-        </p:nvSpPr>
-        <p:spPr>
-          <a:xfrm>
-            <a:off x="838200" y="1825625"/>
-            <a:ext cx="10515600" cy="4351338"/>
-          </a:xfrm>
-        </p:spPr>
-        <p:txBody>
-          <a:bodyPr>
-            <a:normAutofit/>
-          </a:bodyPr>
-          <a:lstStyle/>
-          <a:p>
-            <a:r>
-              <a:rPr lang="de-DE" dirty="0"/>
-              <a:t>Klimaschutz und nachhaltige Infrastruktur</a:t>
-            </a:r>
-          </a:p>
-          <a:p>
-            <a:r>
-              <a:rPr lang="de-DE" dirty="0"/>
-              <a:t>Gesundheit und Wohlergehen</a:t>
-            </a:r>
-          </a:p>
-          <a:p>
-            <a:r>
-              <a:rPr lang="de-DE" dirty="0"/>
-              <a:t>…</a:t>
-            </a:r>
+            <a:pPr algn="ctr"/>
+            <a:r>
+              <a:rPr lang="de-DE" dirty="0"/>
+              <a:t>Moral </a:t>
+            </a:r>
+            <a:r>
+              <a:rPr lang="de-DE" dirty="0" err="1"/>
+              <a:t>Machine</a:t>
+            </a:r>
+            <a:endParaRPr lang="de-DE" dirty="0"/>
           </a:p>
         </p:txBody>
       </p:sp>
     </p:spTree>
     <p:extLst>
       <p:ext uri="{BB962C8B-B14F-4D97-AF65-F5344CB8AC3E}">
-        <p14:creationId xmlns:p14="http://schemas.microsoft.com/office/powerpoint/2010/main" val="2069356660"/>
+        <p14:creationId xmlns:p14="http://schemas.microsoft.com/office/powerpoint/2010/main" val="2064069308"/>
       </p:ext>
     </p:extLst>
   </p:cSld>
@@ -8267,8 +8893,13 @@
           <a:p>
             <a:r>
               <a:rPr lang="de-DE" dirty="0"/>
-              <a:t>Risiken</a:t>
-            </a:r>
+              <a:t>Moral </a:t>
+            </a:r>
+            <a:r>
+              <a:rPr lang="de-DE" dirty="0" err="1"/>
+              <a:t>Machine</a:t>
+            </a:r>
+            <a:endParaRPr lang="de-DE" dirty="0"/>
           </a:p>
         </p:txBody>
       </p:sp>
@@ -8302,27 +8933,45 @@
           <a:p>
             <a:r>
               <a:rPr lang="de-DE" dirty="0"/>
-              <a:t>Identifizierung und Ortung von Personen mithilfe von KI</a:t>
-            </a:r>
-          </a:p>
-          <a:p>
-            <a:r>
-              <a:rPr lang="de-DE" dirty="0"/>
-              <a:t>Tödliche autonome Waffensysteme</a:t>
-            </a:r>
-          </a:p>
-          <a:p>
-            <a:r>
-              <a:rPr lang="de-DE" dirty="0"/>
-              <a:t>…</a:t>
-            </a:r>
+              <a:t>Konzeptioniert und entwickelt durch Wissenschaftler des MIT</a:t>
+            </a:r>
+          </a:p>
+          <a:p>
+            <a:r>
+              <a:rPr lang="de-DE" dirty="0"/>
+              <a:t>Diese Plattform erfasst, wie Menschen zu moralischen Entscheidungen stehen, die von intelligenten Maschinen getroffen werden</a:t>
+            </a:r>
+          </a:p>
+          <a:p>
+            <a:pPr marL="0" indent="0">
+              <a:buNone/>
+            </a:pPr>
+            <a:endParaRPr lang="de-DE" dirty="0"/>
+          </a:p>
+          <a:p>
+            <a:pPr marL="0" indent="0">
+              <a:buNone/>
+            </a:pPr>
+            <a:r>
+              <a:rPr lang="de-DE" dirty="0">
+                <a:hlinkClick r:id="rId2"/>
+              </a:rPr>
+              <a:t>http://moralmachine.mit.edu/hl/de</a:t>
+            </a:r>
+            <a:endParaRPr lang="de-DE" dirty="0"/>
+          </a:p>
+          <a:p>
+            <a:pPr marL="0" indent="0">
+              <a:buNone/>
+            </a:pPr>
+            <a:endParaRPr lang="de-DE" dirty="0"/>
           </a:p>
         </p:txBody>
       </p:sp>
     </p:spTree>
     <p:extLst>
       <p:ext uri="{BB962C8B-B14F-4D97-AF65-F5344CB8AC3E}">
-        <p14:creationId xmlns:p14="http://schemas.microsoft.com/office/powerpoint/2010/main" val="3483985354"/>
+        <p14:creationId xmlns:p14="http://schemas.microsoft.com/office/powerpoint/2010/main" val="4123339297"/>
       </p:ext>
     </p:extLst>
   </p:cSld>
@@ -8354,6 +9003,290 @@
           <p:cNvPr id="2" name="Titel 1">
             <a:extLst>
               <a:ext uri="{FF2B5EF4-FFF2-40B4-BE49-F238E27FC236}">
+                <a16:creationId xmlns:a16="http://schemas.microsoft.com/office/drawing/2014/main" id="{4A661E9F-83D9-4D9E-9ADC-73B1B73453E6}"/>
+              </a:ext>
+            </a:extLst>
+          </p:cNvPr>
+          <p:cNvSpPr>
+            <a:spLocks noGrp="1"/>
+          </p:cNvSpPr>
+          <p:nvPr>
+            <p:ph type="title"/>
+          </p:nvPr>
+        </p:nvSpPr>
+        <p:spPr>
+          <a:xfrm>
+            <a:off x="831851" y="901359"/>
+            <a:ext cx="10515600" cy="2852737"/>
+          </a:xfrm>
+        </p:spPr>
+        <p:txBody>
+          <a:bodyPr/>
+          <a:lstStyle/>
+          <a:p>
+            <a:pPr algn="ctr"/>
+            <a:r>
+              <a:rPr lang="de-DE" dirty="0"/>
+              <a:t>Chancen und Risiken</a:t>
+            </a:r>
+          </a:p>
+        </p:txBody>
+      </p:sp>
+    </p:spTree>
+    <p:extLst>
+      <p:ext uri="{BB962C8B-B14F-4D97-AF65-F5344CB8AC3E}">
+        <p14:creationId xmlns:p14="http://schemas.microsoft.com/office/powerpoint/2010/main" val="3014107916"/>
+      </p:ext>
+    </p:extLst>
+  </p:cSld>
+  <p:clrMapOvr>
+    <a:masterClrMapping/>
+  </p:clrMapOvr>
+</p:sld>
+</file>
+
+<file path=ppt/slides/slide32.xml><?xml version="1.0" encoding="utf-8"?>
+<p:sld xmlns:a="http://schemas.openxmlformats.org/drawingml/2006/main" xmlns:r="http://schemas.openxmlformats.org/officeDocument/2006/relationships" xmlns:p="http://schemas.openxmlformats.org/presentationml/2006/main">
+  <p:cSld>
+    <p:spTree>
+      <p:nvGrpSpPr>
+        <p:cNvPr id="1" name=""/>
+        <p:cNvGrpSpPr/>
+        <p:nvPr/>
+      </p:nvGrpSpPr>
+      <p:grpSpPr>
+        <a:xfrm>
+          <a:off x="0" y="0"/>
+          <a:ext cx="0" cy="0"/>
+          <a:chOff x="0" y="0"/>
+          <a:chExt cx="0" cy="0"/>
+        </a:xfrm>
+      </p:grpSpPr>
+      <p:sp>
+        <p:nvSpPr>
+          <p:cNvPr id="2" name="Titel 1">
+            <a:extLst>
+              <a:ext uri="{FF2B5EF4-FFF2-40B4-BE49-F238E27FC236}">
+                <a16:creationId xmlns:a16="http://schemas.microsoft.com/office/drawing/2014/main" id="{2829282F-D05E-4895-870D-A31523A653C8}"/>
+              </a:ext>
+            </a:extLst>
+          </p:cNvPr>
+          <p:cNvSpPr>
+            <a:spLocks noGrp="1"/>
+          </p:cNvSpPr>
+          <p:nvPr>
+            <p:ph type="title"/>
+          </p:nvPr>
+        </p:nvSpPr>
+        <p:spPr>
+          <a:xfrm>
+            <a:off x="838200" y="461379"/>
+            <a:ext cx="10515600" cy="1325563"/>
+          </a:xfrm>
+        </p:spPr>
+        <p:txBody>
+          <a:bodyPr/>
+          <a:lstStyle/>
+          <a:p>
+            <a:r>
+              <a:rPr lang="de-DE" dirty="0"/>
+              <a:t>Chancen</a:t>
+            </a:r>
+          </a:p>
+        </p:txBody>
+      </p:sp>
+      <p:sp>
+        <p:nvSpPr>
+          <p:cNvPr id="3" name="Inhaltsplatzhalter 2">
+            <a:extLst>
+              <a:ext uri="{FF2B5EF4-FFF2-40B4-BE49-F238E27FC236}">
+                <a16:creationId xmlns:a16="http://schemas.microsoft.com/office/drawing/2014/main" id="{20107F49-CFBB-407B-B42A-15FE989CEABC}"/>
+              </a:ext>
+            </a:extLst>
+          </p:cNvPr>
+          <p:cNvSpPr>
+            <a:spLocks noGrp="1"/>
+          </p:cNvSpPr>
+          <p:nvPr>
+            <p:ph idx="1"/>
+          </p:nvPr>
+        </p:nvSpPr>
+        <p:spPr>
+          <a:xfrm>
+            <a:off x="838200" y="1825625"/>
+            <a:ext cx="10515600" cy="4351338"/>
+          </a:xfrm>
+        </p:spPr>
+        <p:txBody>
+          <a:bodyPr>
+            <a:normAutofit/>
+          </a:bodyPr>
+          <a:lstStyle/>
+          <a:p>
+            <a:r>
+              <a:rPr lang="de-DE" dirty="0"/>
+              <a:t>Klimaschutz und nachhaltige Infrastruktur</a:t>
+            </a:r>
+          </a:p>
+          <a:p>
+            <a:r>
+              <a:rPr lang="de-DE" dirty="0"/>
+              <a:t>Gesundheit und Wohlergehen</a:t>
+            </a:r>
+          </a:p>
+          <a:p>
+            <a:r>
+              <a:rPr lang="de-DE" dirty="0"/>
+              <a:t>…</a:t>
+            </a:r>
+          </a:p>
+        </p:txBody>
+      </p:sp>
+    </p:spTree>
+    <p:extLst>
+      <p:ext uri="{BB962C8B-B14F-4D97-AF65-F5344CB8AC3E}">
+        <p14:creationId xmlns:p14="http://schemas.microsoft.com/office/powerpoint/2010/main" val="2069356660"/>
+      </p:ext>
+    </p:extLst>
+  </p:cSld>
+  <p:clrMapOvr>
+    <a:masterClrMapping/>
+  </p:clrMapOvr>
+</p:sld>
+</file>
+
+<file path=ppt/slides/slide33.xml><?xml version="1.0" encoding="utf-8"?>
+<p:sld xmlns:a="http://schemas.openxmlformats.org/drawingml/2006/main" xmlns:r="http://schemas.openxmlformats.org/officeDocument/2006/relationships" xmlns:p="http://schemas.openxmlformats.org/presentationml/2006/main">
+  <p:cSld>
+    <p:spTree>
+      <p:nvGrpSpPr>
+        <p:cNvPr id="1" name=""/>
+        <p:cNvGrpSpPr/>
+        <p:nvPr/>
+      </p:nvGrpSpPr>
+      <p:grpSpPr>
+        <a:xfrm>
+          <a:off x="0" y="0"/>
+          <a:ext cx="0" cy="0"/>
+          <a:chOff x="0" y="0"/>
+          <a:chExt cx="0" cy="0"/>
+        </a:xfrm>
+      </p:grpSpPr>
+      <p:sp>
+        <p:nvSpPr>
+          <p:cNvPr id="2" name="Titel 1">
+            <a:extLst>
+              <a:ext uri="{FF2B5EF4-FFF2-40B4-BE49-F238E27FC236}">
+                <a16:creationId xmlns:a16="http://schemas.microsoft.com/office/drawing/2014/main" id="{2829282F-D05E-4895-870D-A31523A653C8}"/>
+              </a:ext>
+            </a:extLst>
+          </p:cNvPr>
+          <p:cNvSpPr>
+            <a:spLocks noGrp="1"/>
+          </p:cNvSpPr>
+          <p:nvPr>
+            <p:ph type="title"/>
+          </p:nvPr>
+        </p:nvSpPr>
+        <p:spPr>
+          <a:xfrm>
+            <a:off x="838200" y="461379"/>
+            <a:ext cx="10515600" cy="1325563"/>
+          </a:xfrm>
+        </p:spPr>
+        <p:txBody>
+          <a:bodyPr/>
+          <a:lstStyle/>
+          <a:p>
+            <a:r>
+              <a:rPr lang="de-DE" dirty="0"/>
+              <a:t>Risiken</a:t>
+            </a:r>
+          </a:p>
+        </p:txBody>
+      </p:sp>
+      <p:sp>
+        <p:nvSpPr>
+          <p:cNvPr id="3" name="Inhaltsplatzhalter 2">
+            <a:extLst>
+              <a:ext uri="{FF2B5EF4-FFF2-40B4-BE49-F238E27FC236}">
+                <a16:creationId xmlns:a16="http://schemas.microsoft.com/office/drawing/2014/main" id="{20107F49-CFBB-407B-B42A-15FE989CEABC}"/>
+              </a:ext>
+            </a:extLst>
+          </p:cNvPr>
+          <p:cNvSpPr>
+            <a:spLocks noGrp="1"/>
+          </p:cNvSpPr>
+          <p:nvPr>
+            <p:ph idx="1"/>
+          </p:nvPr>
+        </p:nvSpPr>
+        <p:spPr>
+          <a:xfrm>
+            <a:off x="838200" y="1825625"/>
+            <a:ext cx="10515600" cy="4351338"/>
+          </a:xfrm>
+        </p:spPr>
+        <p:txBody>
+          <a:bodyPr>
+            <a:normAutofit/>
+          </a:bodyPr>
+          <a:lstStyle/>
+          <a:p>
+            <a:r>
+              <a:rPr lang="de-DE" dirty="0"/>
+              <a:t>Identifizierung und Ortung von Personen mithilfe von KI</a:t>
+            </a:r>
+          </a:p>
+          <a:p>
+            <a:r>
+              <a:rPr lang="de-DE" dirty="0"/>
+              <a:t>Tödliche autonome Waffensysteme</a:t>
+            </a:r>
+          </a:p>
+          <a:p>
+            <a:r>
+              <a:rPr lang="de-DE" dirty="0"/>
+              <a:t>…</a:t>
+            </a:r>
+          </a:p>
+        </p:txBody>
+      </p:sp>
+    </p:spTree>
+    <p:extLst>
+      <p:ext uri="{BB962C8B-B14F-4D97-AF65-F5344CB8AC3E}">
+        <p14:creationId xmlns:p14="http://schemas.microsoft.com/office/powerpoint/2010/main" val="3483985354"/>
+      </p:ext>
+    </p:extLst>
+  </p:cSld>
+  <p:clrMapOvr>
+    <a:masterClrMapping/>
+  </p:clrMapOvr>
+</p:sld>
+</file>
+
+<file path=ppt/slides/slide34.xml><?xml version="1.0" encoding="utf-8"?>
+<p:sld xmlns:a="http://schemas.openxmlformats.org/drawingml/2006/main" xmlns:r="http://schemas.openxmlformats.org/officeDocument/2006/relationships" xmlns:p="http://schemas.openxmlformats.org/presentationml/2006/main">
+  <p:cSld>
+    <p:spTree>
+      <p:nvGrpSpPr>
+        <p:cNvPr id="1" name=""/>
+        <p:cNvGrpSpPr/>
+        <p:nvPr/>
+      </p:nvGrpSpPr>
+      <p:grpSpPr>
+        <a:xfrm>
+          <a:off x="0" y="0"/>
+          <a:ext cx="0" cy="0"/>
+          <a:chOff x="0" y="0"/>
+          <a:chExt cx="0" cy="0"/>
+        </a:xfrm>
+      </p:grpSpPr>
+      <p:sp>
+        <p:nvSpPr>
+          <p:cNvPr id="2" name="Titel 1">
+            <a:extLst>
+              <a:ext uri="{FF2B5EF4-FFF2-40B4-BE49-F238E27FC236}">
                 <a16:creationId xmlns:a16="http://schemas.microsoft.com/office/drawing/2014/main" id="{AE6FBFD7-FC8E-4416-B438-EBE70DF0FD19}"/>
               </a:ext>
             </a:extLst>
@@ -8397,7 +9330,7 @@
 </p:sld>
 </file>
 
-<file path=ppt/slides/slide32.xml><?xml version="1.0" encoding="utf-8"?>
+<file path=ppt/slides/slide35.xml><?xml version="1.0" encoding="utf-8"?>
 <p:sld xmlns:a="http://schemas.openxmlformats.org/drawingml/2006/main" xmlns:r="http://schemas.openxmlformats.org/officeDocument/2006/relationships" xmlns:p="http://schemas.openxmlformats.org/presentationml/2006/main">
   <p:cSld>
     <p:spTree>

--- a/Kognitive Systeme Vortrag/Ethics in AI.pptx
+++ b/Kognitive Systeme Vortrag/Ethics in AI.pptx
@@ -5,7 +5,7 @@
     <p:sldMasterId id="2147483660" r:id="rId1"/>
   </p:sldMasterIdLst>
   <p:notesMasterIdLst>
-    <p:notesMasterId r:id="rId37"/>
+    <p:notesMasterId r:id="rId39"/>
   </p:notesMasterIdLst>
   <p:sldIdLst>
     <p:sldId id="292" r:id="rId2"/>
@@ -26,23 +26,25 @@
     <p:sldId id="279" r:id="rId17"/>
     <p:sldId id="280" r:id="rId18"/>
     <p:sldId id="299" r:id="rId19"/>
-    <p:sldId id="297" r:id="rId20"/>
-    <p:sldId id="298" r:id="rId21"/>
-    <p:sldId id="281" r:id="rId22"/>
-    <p:sldId id="282" r:id="rId23"/>
-    <p:sldId id="283" r:id="rId24"/>
-    <p:sldId id="285" r:id="rId25"/>
-    <p:sldId id="286" r:id="rId26"/>
-    <p:sldId id="287" r:id="rId27"/>
-    <p:sldId id="289" r:id="rId28"/>
-    <p:sldId id="288" r:id="rId29"/>
-    <p:sldId id="290" r:id="rId30"/>
-    <p:sldId id="291" r:id="rId31"/>
-    <p:sldId id="294" r:id="rId32"/>
-    <p:sldId id="295" r:id="rId33"/>
-    <p:sldId id="296" r:id="rId34"/>
-    <p:sldId id="293" r:id="rId35"/>
-    <p:sldId id="263" r:id="rId36"/>
+    <p:sldId id="300" r:id="rId20"/>
+    <p:sldId id="297" r:id="rId21"/>
+    <p:sldId id="298" r:id="rId22"/>
+    <p:sldId id="281" r:id="rId23"/>
+    <p:sldId id="301" r:id="rId24"/>
+    <p:sldId id="282" r:id="rId25"/>
+    <p:sldId id="283" r:id="rId26"/>
+    <p:sldId id="285" r:id="rId27"/>
+    <p:sldId id="286" r:id="rId28"/>
+    <p:sldId id="287" r:id="rId29"/>
+    <p:sldId id="289" r:id="rId30"/>
+    <p:sldId id="288" r:id="rId31"/>
+    <p:sldId id="290" r:id="rId32"/>
+    <p:sldId id="291" r:id="rId33"/>
+    <p:sldId id="294" r:id="rId34"/>
+    <p:sldId id="295" r:id="rId35"/>
+    <p:sldId id="296" r:id="rId36"/>
+    <p:sldId id="293" r:id="rId37"/>
+    <p:sldId id="263" r:id="rId38"/>
   </p:sldIdLst>
   <p:sldSz cx="12192000" cy="6858000"/>
   <p:notesSz cx="6858000" cy="9144000"/>
@@ -1062,7 +1064,7 @@
                 <a:tabLst/>
                 <a:defRPr/>
               </a:pPr>
-              <a:t>22</a:t>
+              <a:t>24</a:t>
             </a:fld>
             <a:endParaRPr kumimoji="0" lang="de-DE" sz="1200" b="0" i="0" u="none" strike="noStrike" kern="1200" cap="none" spc="0" normalizeH="0" baseline="0" noProof="0" dirty="0">
               <a:ln>
@@ -1211,7 +1213,7 @@
                 <a:tabLst/>
                 <a:defRPr/>
               </a:pPr>
-              <a:t>23</a:t>
+              <a:t>25</a:t>
             </a:fld>
             <a:endParaRPr kumimoji="0" lang="de-DE" sz="1200" b="0" i="0" u="none" strike="noStrike" kern="1200" cap="none" spc="0" normalizeH="0" baseline="0" noProof="0" dirty="0">
               <a:ln>
@@ -1339,7 +1341,7 @@
           <a:p>
             <a:fld id="{E29BBB57-B96E-4FAF-A2CA-0F9A4D159581}" type="slidenum">
               <a:rPr lang="de-DE" smtClean="0"/>
-              <a:t>24</a:t>
+              <a:t>26</a:t>
             </a:fld>
             <a:endParaRPr lang="de-DE" dirty="0"/>
           </a:p>
@@ -1489,7 +1491,7 @@
           <a:p>
             <a:fld id="{E29BBB57-B96E-4FAF-A2CA-0F9A4D159581}" type="slidenum">
               <a:rPr lang="de-DE" smtClean="0"/>
-              <a:t>25</a:t>
+              <a:t>27</a:t>
             </a:fld>
             <a:endParaRPr lang="de-DE" dirty="0"/>
           </a:p>
@@ -1509,155 +1511,6 @@
 </file>
 
 <file path=ppt/notesSlides/notesSlide16.xml><?xml version="1.0" encoding="utf-8"?>
-<p:notes xmlns:a="http://schemas.openxmlformats.org/drawingml/2006/main" xmlns:r="http://schemas.openxmlformats.org/officeDocument/2006/relationships" xmlns:p="http://schemas.openxmlformats.org/presentationml/2006/main">
-  <p:cSld>
-    <p:spTree>
-      <p:nvGrpSpPr>
-        <p:cNvPr id="1" name=""/>
-        <p:cNvGrpSpPr/>
-        <p:nvPr/>
-      </p:nvGrpSpPr>
-      <p:grpSpPr>
-        <a:xfrm>
-          <a:off x="0" y="0"/>
-          <a:ext cx="0" cy="0"/>
-          <a:chOff x="0" y="0"/>
-          <a:chExt cx="0" cy="0"/>
-        </a:xfrm>
-      </p:grpSpPr>
-      <p:sp>
-        <p:nvSpPr>
-          <p:cNvPr id="2" name="Folienbildplatzhalter 1"/>
-          <p:cNvSpPr>
-            <a:spLocks noGrp="1" noRot="1" noChangeAspect="1"/>
-          </p:cNvSpPr>
-          <p:nvPr>
-            <p:ph type="sldImg"/>
-          </p:nvPr>
-        </p:nvSpPr>
-        <p:spPr>
-          <a:xfrm>
-            <a:off x="685800" y="1143000"/>
-            <a:ext cx="5486400" cy="3086100"/>
-          </a:xfrm>
-        </p:spPr>
-      </p:sp>
-      <p:sp>
-        <p:nvSpPr>
-          <p:cNvPr id="3" name="Notizenplatzhalter 2"/>
-          <p:cNvSpPr>
-            <a:spLocks noGrp="1"/>
-          </p:cNvSpPr>
-          <p:nvPr>
-            <p:ph type="body" idx="1"/>
-          </p:nvPr>
-        </p:nvSpPr>
-        <p:spPr/>
-        <p:txBody>
-          <a:bodyPr/>
-          <a:lstStyle/>
-          <a:p>
-            <a:endParaRPr lang="de-DE" dirty="0"/>
-          </a:p>
-        </p:txBody>
-      </p:sp>
-      <p:sp>
-        <p:nvSpPr>
-          <p:cNvPr id="4" name="Foliennummernplatzhalter 3"/>
-          <p:cNvSpPr>
-            <a:spLocks noGrp="1"/>
-          </p:cNvSpPr>
-          <p:nvPr>
-            <p:ph type="sldNum" sz="quarter" idx="5"/>
-          </p:nvPr>
-        </p:nvSpPr>
-        <p:spPr/>
-        <p:txBody>
-          <a:bodyPr/>
-          <a:lstStyle/>
-          <a:p>
-            <a:pPr marL="0" marR="0" lvl="0" indent="0" algn="ctr" defTabSz="457200" rtl="0" eaLnBrk="1" fontAlgn="auto" latinLnBrk="0" hangingPunct="1">
-              <a:lnSpc>
-                <a:spcPct val="100000"/>
-              </a:lnSpc>
-              <a:spcBef>
-                <a:spcPts val="0"/>
-              </a:spcBef>
-              <a:spcAft>
-                <a:spcPts val="0"/>
-              </a:spcAft>
-              <a:buClrTx/>
-              <a:buSzTx/>
-              <a:buFontTx/>
-              <a:buNone/>
-              <a:tabLst/>
-              <a:defRPr/>
-            </a:pPr>
-            <a:fld id="{0B4E03F4-693C-45B2-A7AD-D1F8CFC3F73E}" type="slidenum">
-              <a:rPr kumimoji="0" lang="de-DE" sz="1200" b="0" i="0" u="none" strike="noStrike" kern="1200" cap="none" spc="0" normalizeH="0" baseline="0" noProof="0" smtClean="0">
-                <a:ln>
-                  <a:noFill/>
-                </a:ln>
-                <a:solidFill>
-                  <a:prstClr val="black"/>
-                </a:solidFill>
-                <a:effectLst/>
-                <a:uLnTx/>
-                <a:uFillTx/>
-                <a:latin typeface="Calibri" panose="020F0502020204030204"/>
-                <a:ea typeface="+mn-ea"/>
-                <a:cs typeface="+mn-cs"/>
-              </a:rPr>
-              <a:pPr marL="0" marR="0" lvl="0" indent="0" algn="ctr" defTabSz="457200" rtl="0" eaLnBrk="1" fontAlgn="auto" latinLnBrk="0" hangingPunct="1">
-                <a:lnSpc>
-                  <a:spcPct val="100000"/>
-                </a:lnSpc>
-                <a:spcBef>
-                  <a:spcPts val="0"/>
-                </a:spcBef>
-                <a:spcAft>
-                  <a:spcPts val="0"/>
-                </a:spcAft>
-                <a:buClrTx/>
-                <a:buSzTx/>
-                <a:buFontTx/>
-                <a:buNone/>
-                <a:tabLst/>
-                <a:defRPr/>
-              </a:pPr>
-              <a:t>27</a:t>
-            </a:fld>
-            <a:endParaRPr kumimoji="0" lang="de-DE" sz="1200" b="0" i="0" u="none" strike="noStrike" kern="1200" cap="none" spc="0" normalizeH="0" baseline="0" noProof="0" dirty="0">
-              <a:ln>
-                <a:noFill/>
-              </a:ln>
-              <a:solidFill>
-                <a:prstClr val="black"/>
-              </a:solidFill>
-              <a:effectLst/>
-              <a:uLnTx/>
-              <a:uFillTx/>
-              <a:latin typeface="Calibri" panose="020F0502020204030204"/>
-              <a:ea typeface="+mn-ea"/>
-              <a:cs typeface="+mn-cs"/>
-            </a:endParaRPr>
-          </a:p>
-        </p:txBody>
-      </p:sp>
-    </p:spTree>
-    <p:extLst>
-      <p:ext uri="{BB962C8B-B14F-4D97-AF65-F5344CB8AC3E}">
-        <p14:creationId xmlns:p14="http://schemas.microsoft.com/office/powerpoint/2010/main" val="776846606"/>
-      </p:ext>
-    </p:extLst>
-  </p:cSld>
-  <p:clrMapOvr>
-    <a:masterClrMapping/>
-  </p:clrMapOvr>
-</p:notes>
-</file>
-
-<file path=ppt/notesSlides/notesSlide17.xml><?xml version="1.0" encoding="utf-8"?>
 <p:notes xmlns:a="http://schemas.openxmlformats.org/drawingml/2006/main" xmlns:r="http://schemas.openxmlformats.org/officeDocument/2006/relationships" xmlns:p="http://schemas.openxmlformats.org/presentationml/2006/main">
   <p:cSld>
     <p:spTree>
@@ -1796,7 +1649,7 @@
     </p:spTree>
     <p:extLst>
       <p:ext uri="{BB962C8B-B14F-4D97-AF65-F5344CB8AC3E}">
-        <p14:creationId xmlns:p14="http://schemas.microsoft.com/office/powerpoint/2010/main" val="1721736728"/>
+        <p14:creationId xmlns:p14="http://schemas.microsoft.com/office/powerpoint/2010/main" val="776846606"/>
       </p:ext>
     </p:extLst>
   </p:cSld>
@@ -1806,7 +1659,7 @@
 </p:notes>
 </file>
 
-<file path=ppt/notesSlides/notesSlide18.xml><?xml version="1.0" encoding="utf-8"?>
+<file path=ppt/notesSlides/notesSlide17.xml><?xml version="1.0" encoding="utf-8"?>
 <p:notes xmlns:a="http://schemas.openxmlformats.org/drawingml/2006/main" xmlns:r="http://schemas.openxmlformats.org/officeDocument/2006/relationships" xmlns:p="http://schemas.openxmlformats.org/presentationml/2006/main">
   <p:cSld>
     <p:spTree>
@@ -1945,6 +1798,155 @@
     </p:spTree>
     <p:extLst>
       <p:ext uri="{BB962C8B-B14F-4D97-AF65-F5344CB8AC3E}">
+        <p14:creationId xmlns:p14="http://schemas.microsoft.com/office/powerpoint/2010/main" val="1721736728"/>
+      </p:ext>
+    </p:extLst>
+  </p:cSld>
+  <p:clrMapOvr>
+    <a:masterClrMapping/>
+  </p:clrMapOvr>
+</p:notes>
+</file>
+
+<file path=ppt/notesSlides/notesSlide18.xml><?xml version="1.0" encoding="utf-8"?>
+<p:notes xmlns:a="http://schemas.openxmlformats.org/drawingml/2006/main" xmlns:r="http://schemas.openxmlformats.org/officeDocument/2006/relationships" xmlns:p="http://schemas.openxmlformats.org/presentationml/2006/main">
+  <p:cSld>
+    <p:spTree>
+      <p:nvGrpSpPr>
+        <p:cNvPr id="1" name=""/>
+        <p:cNvGrpSpPr/>
+        <p:nvPr/>
+      </p:nvGrpSpPr>
+      <p:grpSpPr>
+        <a:xfrm>
+          <a:off x="0" y="0"/>
+          <a:ext cx="0" cy="0"/>
+          <a:chOff x="0" y="0"/>
+          <a:chExt cx="0" cy="0"/>
+        </a:xfrm>
+      </p:grpSpPr>
+      <p:sp>
+        <p:nvSpPr>
+          <p:cNvPr id="2" name="Folienbildplatzhalter 1"/>
+          <p:cNvSpPr>
+            <a:spLocks noGrp="1" noRot="1" noChangeAspect="1"/>
+          </p:cNvSpPr>
+          <p:nvPr>
+            <p:ph type="sldImg"/>
+          </p:nvPr>
+        </p:nvSpPr>
+        <p:spPr>
+          <a:xfrm>
+            <a:off x="685800" y="1143000"/>
+            <a:ext cx="5486400" cy="3086100"/>
+          </a:xfrm>
+        </p:spPr>
+      </p:sp>
+      <p:sp>
+        <p:nvSpPr>
+          <p:cNvPr id="3" name="Notizenplatzhalter 2"/>
+          <p:cNvSpPr>
+            <a:spLocks noGrp="1"/>
+          </p:cNvSpPr>
+          <p:nvPr>
+            <p:ph type="body" idx="1"/>
+          </p:nvPr>
+        </p:nvSpPr>
+        <p:spPr/>
+        <p:txBody>
+          <a:bodyPr/>
+          <a:lstStyle/>
+          <a:p>
+            <a:endParaRPr lang="de-DE" dirty="0"/>
+          </a:p>
+        </p:txBody>
+      </p:sp>
+      <p:sp>
+        <p:nvSpPr>
+          <p:cNvPr id="4" name="Foliennummernplatzhalter 3"/>
+          <p:cNvSpPr>
+            <a:spLocks noGrp="1"/>
+          </p:cNvSpPr>
+          <p:nvPr>
+            <p:ph type="sldNum" sz="quarter" idx="5"/>
+          </p:nvPr>
+        </p:nvSpPr>
+        <p:spPr/>
+        <p:txBody>
+          <a:bodyPr/>
+          <a:lstStyle/>
+          <a:p>
+            <a:pPr marL="0" marR="0" lvl="0" indent="0" algn="ctr" defTabSz="457200" rtl="0" eaLnBrk="1" fontAlgn="auto" latinLnBrk="0" hangingPunct="1">
+              <a:lnSpc>
+                <a:spcPct val="100000"/>
+              </a:lnSpc>
+              <a:spcBef>
+                <a:spcPts val="0"/>
+              </a:spcBef>
+              <a:spcAft>
+                <a:spcPts val="0"/>
+              </a:spcAft>
+              <a:buClrTx/>
+              <a:buSzTx/>
+              <a:buFontTx/>
+              <a:buNone/>
+              <a:tabLst/>
+              <a:defRPr/>
+            </a:pPr>
+            <a:fld id="{0B4E03F4-693C-45B2-A7AD-D1F8CFC3F73E}" type="slidenum">
+              <a:rPr kumimoji="0" lang="de-DE" sz="1200" b="0" i="0" u="none" strike="noStrike" kern="1200" cap="none" spc="0" normalizeH="0" baseline="0" noProof="0" smtClean="0">
+                <a:ln>
+                  <a:noFill/>
+                </a:ln>
+                <a:solidFill>
+                  <a:prstClr val="black"/>
+                </a:solidFill>
+                <a:effectLst/>
+                <a:uLnTx/>
+                <a:uFillTx/>
+                <a:latin typeface="Calibri" panose="020F0502020204030204"/>
+                <a:ea typeface="+mn-ea"/>
+                <a:cs typeface="+mn-cs"/>
+              </a:rPr>
+              <a:pPr marL="0" marR="0" lvl="0" indent="0" algn="ctr" defTabSz="457200" rtl="0" eaLnBrk="1" fontAlgn="auto" latinLnBrk="0" hangingPunct="1">
+                <a:lnSpc>
+                  <a:spcPct val="100000"/>
+                </a:lnSpc>
+                <a:spcBef>
+                  <a:spcPts val="0"/>
+                </a:spcBef>
+                <a:spcAft>
+                  <a:spcPts val="0"/>
+                </a:spcAft>
+                <a:buClrTx/>
+                <a:buSzTx/>
+                <a:buFontTx/>
+                <a:buNone/>
+                <a:tabLst/>
+                <a:defRPr/>
+              </a:pPr>
+              <a:t>33</a:t>
+            </a:fld>
+            <a:endParaRPr kumimoji="0" lang="de-DE" sz="1200" b="0" i="0" u="none" strike="noStrike" kern="1200" cap="none" spc="0" normalizeH="0" baseline="0" noProof="0" dirty="0">
+              <a:ln>
+                <a:noFill/>
+              </a:ln>
+              <a:solidFill>
+                <a:prstClr val="black"/>
+              </a:solidFill>
+              <a:effectLst/>
+              <a:uLnTx/>
+              <a:uFillTx/>
+              <a:latin typeface="Calibri" panose="020F0502020204030204"/>
+              <a:ea typeface="+mn-ea"/>
+              <a:cs typeface="+mn-cs"/>
+            </a:endParaRPr>
+          </a:p>
+        </p:txBody>
+      </p:sp>
+    </p:spTree>
+    <p:extLst>
+      <p:ext uri="{BB962C8B-B14F-4D97-AF65-F5344CB8AC3E}">
         <p14:creationId xmlns:p14="http://schemas.microsoft.com/office/powerpoint/2010/main" val="2187319991"/>
       </p:ext>
     </p:extLst>
@@ -2027,7 +2029,7 @@
             <a:fld id="{0B4E03F4-693C-45B2-A7AD-D1F8CFC3F73E}" type="slidenum">
               <a:rPr lang="de-DE" smtClean="0"/>
               <a:pPr algn="ctr"/>
-              <a:t>35</a:t>
+              <a:t>37</a:t>
             </a:fld>
             <a:endParaRPr lang="de-DE" dirty="0"/>
           </a:p>
@@ -7450,82 +7452,45 @@
           <a:chExt cx="0" cy="0"/>
         </a:xfrm>
       </p:grpSpPr>
-      <p:sp>
-        <p:nvSpPr>
-          <p:cNvPr id="2" name="Titel 1">
+      <p:pic>
+        <p:nvPicPr>
+          <p:cNvPr id="5" name="Grafik 4">
             <a:extLst>
               <a:ext uri="{FF2B5EF4-FFF2-40B4-BE49-F238E27FC236}">
-                <a16:creationId xmlns:a16="http://schemas.microsoft.com/office/drawing/2014/main" id="{2829282F-D05E-4895-870D-A31523A653C8}"/>
+                <a16:creationId xmlns:a16="http://schemas.microsoft.com/office/drawing/2014/main" id="{3562E66D-A0EF-4AC6-9879-75EDA4165195}"/>
               </a:ext>
             </a:extLst>
           </p:cNvPr>
-          <p:cNvSpPr>
-            <a:spLocks noGrp="1"/>
-          </p:cNvSpPr>
-          <p:nvPr>
-            <p:ph type="title"/>
-          </p:nvPr>
-        </p:nvSpPr>
+          <p:cNvPicPr>
+            <a:picLocks noChangeAspect="1"/>
+          </p:cNvPicPr>
+          <p:nvPr/>
+        </p:nvPicPr>
+        <p:blipFill rotWithShape="1">
+          <a:blip r:embed="rId2">
+            <a:extLst>
+              <a:ext uri="{28A0092B-C50C-407E-A947-70E740481C1C}">
+                <a14:useLocalDpi xmlns:a14="http://schemas.microsoft.com/office/drawing/2010/main" val="0"/>
+              </a:ext>
+            </a:extLst>
+          </a:blip>
+          <a:srcRect b="15045"/>
+          <a:stretch/>
+        </p:blipFill>
         <p:spPr>
           <a:xfrm>
-            <a:off x="838200" y="461379"/>
-            <a:ext cx="10515600" cy="1325563"/>
+            <a:off x="2109536" y="868277"/>
+            <a:ext cx="7274161" cy="4955474"/>
           </a:xfrm>
+          <a:prstGeom prst="rect">
+            <a:avLst/>
+          </a:prstGeom>
         </p:spPr>
-        <p:txBody>
-          <a:bodyPr/>
-          <a:lstStyle/>
-          <a:p>
-            <a:r>
-              <a:rPr lang="de-DE" dirty="0"/>
-              <a:t>Technische Verfahren</a:t>
-            </a:r>
-          </a:p>
-        </p:txBody>
-      </p:sp>
-      <p:sp>
-        <p:nvSpPr>
-          <p:cNvPr id="3" name="Inhaltsplatzhalter 2">
-            <a:extLst>
-              <a:ext uri="{FF2B5EF4-FFF2-40B4-BE49-F238E27FC236}">
-                <a16:creationId xmlns:a16="http://schemas.microsoft.com/office/drawing/2014/main" id="{20107F49-CFBB-407B-B42A-15FE989CEABC}"/>
-              </a:ext>
-            </a:extLst>
-          </p:cNvPr>
-          <p:cNvSpPr>
-            <a:spLocks noGrp="1"/>
-          </p:cNvSpPr>
-          <p:nvPr>
-            <p:ph idx="1"/>
-          </p:nvPr>
-        </p:nvSpPr>
-        <p:spPr>
-          <a:xfrm>
-            <a:off x="838200" y="1825625"/>
-            <a:ext cx="10515600" cy="4351338"/>
-          </a:xfrm>
-        </p:spPr>
-        <p:txBody>
-          <a:bodyPr/>
-          <a:lstStyle/>
-          <a:p>
-            <a:r>
-              <a:rPr lang="de-DE" dirty="0"/>
-              <a:t>En</a:t>
-            </a:r>
-          </a:p>
-          <a:p>
-            <a:pPr marL="0" indent="0">
-              <a:buNone/>
-            </a:pPr>
-            <a:endParaRPr lang="de-DE" dirty="0"/>
-          </a:p>
-        </p:txBody>
-      </p:sp>
+      </p:pic>
     </p:spTree>
     <p:extLst>
       <p:ext uri="{BB962C8B-B14F-4D97-AF65-F5344CB8AC3E}">
-        <p14:creationId xmlns:p14="http://schemas.microsoft.com/office/powerpoint/2010/main" val="2966846952"/>
+        <p14:creationId xmlns:p14="http://schemas.microsoft.com/office/powerpoint/2010/main" val="1894132305"/>
       </p:ext>
     </p:extLst>
   </p:cSld>
@@ -7712,7 +7677,7 @@
           <a:p>
             <a:r>
               <a:rPr lang="de-DE" dirty="0"/>
-              <a:t>Nicht technische Verfahren</a:t>
+              <a:t>Technische Verfahren</a:t>
             </a:r>
           </a:p>
         </p:txBody>
@@ -7745,7 +7710,139 @@
           <a:p>
             <a:r>
               <a:rPr lang="de-DE" dirty="0"/>
-              <a:t>En</a:t>
+              <a:t>Architekturen für eine vertrauenswürdige KI</a:t>
+            </a:r>
+          </a:p>
+          <a:p>
+            <a:r>
+              <a:rPr lang="de-DE" dirty="0"/>
+              <a:t>Erklärungsmethoden</a:t>
+            </a:r>
+          </a:p>
+          <a:p>
+            <a:r>
+              <a:rPr lang="de-DE" dirty="0"/>
+              <a:t>Erproben und prüfen</a:t>
+            </a:r>
+          </a:p>
+        </p:txBody>
+      </p:sp>
+    </p:spTree>
+    <p:extLst>
+      <p:ext uri="{BB962C8B-B14F-4D97-AF65-F5344CB8AC3E}">
+        <p14:creationId xmlns:p14="http://schemas.microsoft.com/office/powerpoint/2010/main" val="2966846952"/>
+      </p:ext>
+    </p:extLst>
+  </p:cSld>
+  <p:clrMapOvr>
+    <a:masterClrMapping/>
+  </p:clrMapOvr>
+</p:sld>
+</file>
+
+<file path=ppt/slides/slide21.xml><?xml version="1.0" encoding="utf-8"?>
+<p:sld xmlns:a="http://schemas.openxmlformats.org/drawingml/2006/main" xmlns:r="http://schemas.openxmlformats.org/officeDocument/2006/relationships" xmlns:p="http://schemas.openxmlformats.org/presentationml/2006/main">
+  <p:cSld>
+    <p:spTree>
+      <p:nvGrpSpPr>
+        <p:cNvPr id="1" name=""/>
+        <p:cNvGrpSpPr/>
+        <p:nvPr/>
+      </p:nvGrpSpPr>
+      <p:grpSpPr>
+        <a:xfrm>
+          <a:off x="0" y="0"/>
+          <a:ext cx="0" cy="0"/>
+          <a:chOff x="0" y="0"/>
+          <a:chExt cx="0" cy="0"/>
+        </a:xfrm>
+      </p:grpSpPr>
+      <p:sp>
+        <p:nvSpPr>
+          <p:cNvPr id="2" name="Titel 1">
+            <a:extLst>
+              <a:ext uri="{FF2B5EF4-FFF2-40B4-BE49-F238E27FC236}">
+                <a16:creationId xmlns:a16="http://schemas.microsoft.com/office/drawing/2014/main" id="{2829282F-D05E-4895-870D-A31523A653C8}"/>
+              </a:ext>
+            </a:extLst>
+          </p:cNvPr>
+          <p:cNvSpPr>
+            <a:spLocks noGrp="1"/>
+          </p:cNvSpPr>
+          <p:nvPr>
+            <p:ph type="title"/>
+          </p:nvPr>
+        </p:nvSpPr>
+        <p:spPr>
+          <a:xfrm>
+            <a:off x="838200" y="461379"/>
+            <a:ext cx="10515600" cy="1325563"/>
+          </a:xfrm>
+        </p:spPr>
+        <p:txBody>
+          <a:bodyPr/>
+          <a:lstStyle/>
+          <a:p>
+            <a:r>
+              <a:rPr lang="de-DE" dirty="0"/>
+              <a:t>Nicht technische Verfahren</a:t>
+            </a:r>
+          </a:p>
+        </p:txBody>
+      </p:sp>
+      <p:sp>
+        <p:nvSpPr>
+          <p:cNvPr id="3" name="Inhaltsplatzhalter 2">
+            <a:extLst>
+              <a:ext uri="{FF2B5EF4-FFF2-40B4-BE49-F238E27FC236}">
+                <a16:creationId xmlns:a16="http://schemas.microsoft.com/office/drawing/2014/main" id="{20107F49-CFBB-407B-B42A-15FE989CEABC}"/>
+              </a:ext>
+            </a:extLst>
+          </p:cNvPr>
+          <p:cNvSpPr>
+            <a:spLocks noGrp="1"/>
+          </p:cNvSpPr>
+          <p:nvPr>
+            <p:ph idx="1"/>
+          </p:nvPr>
+        </p:nvSpPr>
+        <p:spPr>
+          <a:xfrm>
+            <a:off x="838200" y="1825625"/>
+            <a:ext cx="10515600" cy="4351338"/>
+          </a:xfrm>
+        </p:spPr>
+        <p:txBody>
+          <a:bodyPr/>
+          <a:lstStyle/>
+          <a:p>
+            <a:r>
+              <a:rPr lang="de-DE" dirty="0"/>
+              <a:t>Regulierung</a:t>
+            </a:r>
+          </a:p>
+          <a:p>
+            <a:r>
+              <a:rPr lang="de-DE" dirty="0"/>
+              <a:t>Standardisierung</a:t>
+            </a:r>
+          </a:p>
+          <a:p>
+            <a:r>
+              <a:rPr lang="de-DE" dirty="0"/>
+              <a:t>Zertifizierung</a:t>
+            </a:r>
+          </a:p>
+          <a:p>
+            <a:r>
+              <a:rPr lang="de-DE" dirty="0"/>
+              <a:t>Beteiligung der Interessenträger und sozialer Dialog</a:t>
+            </a:r>
+          </a:p>
+          <a:p>
+            <a:r>
+              <a:rPr lang="de-DE" dirty="0"/>
+              <a:t>Vielfalt und inklusive Entwurfsteams</a:t>
             </a:r>
           </a:p>
           <a:p>
@@ -7769,7 +7866,7 @@
 </p:sld>
 </file>
 
-<file path=ppt/slides/slide21.xml><?xml version="1.0" encoding="utf-8"?>
+<file path=ppt/slides/slide22.xml><?xml version="1.0" encoding="utf-8"?>
 <p:sld xmlns:a="http://schemas.openxmlformats.org/drawingml/2006/main" xmlns:r="http://schemas.openxmlformats.org/officeDocument/2006/relationships" xmlns:p="http://schemas.openxmlformats.org/presentationml/2006/main">
   <p:cSld>
     <p:spTree>
@@ -7834,65 +7931,6 @@
 </p:sld>
 </file>
 
-<file path=ppt/slides/slide22.xml><?xml version="1.0" encoding="utf-8"?>
-<p:sld xmlns:a="http://schemas.openxmlformats.org/drawingml/2006/main" xmlns:r="http://schemas.openxmlformats.org/officeDocument/2006/relationships" xmlns:p="http://schemas.openxmlformats.org/presentationml/2006/main">
-  <p:cSld>
-    <p:spTree>
-      <p:nvGrpSpPr>
-        <p:cNvPr id="1" name=""/>
-        <p:cNvGrpSpPr/>
-        <p:nvPr/>
-      </p:nvGrpSpPr>
-      <p:grpSpPr>
-        <a:xfrm>
-          <a:off x="0" y="0"/>
-          <a:ext cx="0" cy="0"/>
-          <a:chOff x="0" y="0"/>
-          <a:chExt cx="0" cy="0"/>
-        </a:xfrm>
-      </p:grpSpPr>
-      <p:sp>
-        <p:nvSpPr>
-          <p:cNvPr id="2" name="Titel 1">
-            <a:extLst>
-              <a:ext uri="{FF2B5EF4-FFF2-40B4-BE49-F238E27FC236}">
-                <a16:creationId xmlns:a16="http://schemas.microsoft.com/office/drawing/2014/main" id="{4A661E9F-83D9-4D9E-9ADC-73B1B73453E6}"/>
-              </a:ext>
-            </a:extLst>
-          </p:cNvPr>
-          <p:cNvSpPr>
-            <a:spLocks noGrp="1"/>
-          </p:cNvSpPr>
-          <p:nvPr>
-            <p:ph type="title"/>
-          </p:nvPr>
-        </p:nvSpPr>
-        <p:spPr/>
-        <p:txBody>
-          <a:bodyPr/>
-          <a:lstStyle/>
-          <a:p>
-            <a:pPr algn="ctr"/>
-            <a:r>
-              <a:rPr lang="de-DE" dirty="0"/>
-              <a:t>Ethik für die KI in Wissenschaft und Unternehmen</a:t>
-            </a:r>
-          </a:p>
-        </p:txBody>
-      </p:sp>
-    </p:spTree>
-    <p:extLst>
-      <p:ext uri="{BB962C8B-B14F-4D97-AF65-F5344CB8AC3E}">
-        <p14:creationId xmlns:p14="http://schemas.microsoft.com/office/powerpoint/2010/main" val="3534936280"/>
-      </p:ext>
-    </p:extLst>
-  </p:cSld>
-  <p:clrMapOvr>
-    <a:masterClrMapping/>
-  </p:clrMapOvr>
-</p:sld>
-</file>
-
 <file path=ppt/slides/slide23.xml><?xml version="1.0" encoding="utf-8"?>
 <p:sld xmlns:a="http://schemas.openxmlformats.org/drawingml/2006/main" xmlns:r="http://schemas.openxmlformats.org/officeDocument/2006/relationships" xmlns:p="http://schemas.openxmlformats.org/presentationml/2006/main">
   <p:cSld>
@@ -7912,10 +7950,10 @@
       </p:grpSpPr>
       <p:sp>
         <p:nvSpPr>
-          <p:cNvPr id="3" name="Inhaltsplatzhalter 2">
+          <p:cNvPr id="2" name="Titel 1">
             <a:extLst>
               <a:ext uri="{FF2B5EF4-FFF2-40B4-BE49-F238E27FC236}">
-                <a16:creationId xmlns:a16="http://schemas.microsoft.com/office/drawing/2014/main" id="{A95D0C09-CE64-40B8-BAF1-99FA0A0026CB}"/>
+                <a16:creationId xmlns:a16="http://schemas.microsoft.com/office/drawing/2014/main" id="{2829282F-D05E-4895-870D-A31523A653C8}"/>
               </a:ext>
             </a:extLst>
           </p:cNvPr>
@@ -7923,117 +7961,68 @@
             <a:spLocks noGrp="1"/>
           </p:cNvSpPr>
           <p:nvPr>
-            <p:ph idx="1"/>
+            <p:ph type="title"/>
           </p:nvPr>
         </p:nvSpPr>
         <p:spPr>
           <a:xfrm>
-            <a:off x="838200" y="1825625"/>
-            <a:ext cx="10697308" cy="4351338"/>
+            <a:off x="465338" y="461379"/>
+            <a:ext cx="10515600" cy="1325563"/>
           </a:xfrm>
         </p:spPr>
         <p:txBody>
-          <a:bodyPr/>
-          <a:lstStyle/>
-          <a:p>
-            <a:r>
-              <a:rPr lang="de-DE" dirty="0"/>
-              <a:t>Die TUM hat das „TUM Institute </a:t>
-            </a:r>
-            <a:r>
-              <a:rPr lang="de-DE" dirty="0" err="1"/>
-              <a:t>for</a:t>
-            </a:r>
-            <a:r>
-              <a:rPr lang="de-DE" dirty="0"/>
-              <a:t> </a:t>
-            </a:r>
-            <a:r>
-              <a:rPr lang="de-DE" dirty="0" err="1"/>
-              <a:t>Ethics</a:t>
-            </a:r>
-            <a:r>
-              <a:rPr lang="de-DE" dirty="0"/>
-              <a:t> in </a:t>
-            </a:r>
-            <a:r>
-              <a:rPr lang="de-DE" dirty="0" err="1"/>
-              <a:t>Artificial</a:t>
-            </a:r>
-            <a:r>
-              <a:rPr lang="de-DE" dirty="0"/>
-              <a:t> </a:t>
-            </a:r>
-            <a:r>
-              <a:rPr lang="de-DE" dirty="0" err="1"/>
-              <a:t>Intelligence</a:t>
-            </a:r>
-            <a:r>
-              <a:rPr lang="de-DE" dirty="0"/>
-              <a:t>“ am 8. Oktober 2019 eröffnet</a:t>
-            </a:r>
-          </a:p>
-          <a:p>
-            <a:endParaRPr lang="de-DE" dirty="0"/>
-          </a:p>
-          <a:p>
-            <a:r>
-              <a:rPr lang="de-DE" dirty="0"/>
-              <a:t>Als Forschungsbereiche werden genannt:</a:t>
-            </a:r>
-          </a:p>
-          <a:p>
-            <a:pPr lvl="1"/>
-            <a:r>
-              <a:rPr lang="de-DE" dirty="0"/>
-              <a:t>Privatsphäre</a:t>
-            </a:r>
-          </a:p>
-          <a:p>
-            <a:pPr lvl="1"/>
-            <a:r>
-              <a:rPr lang="de-DE" dirty="0"/>
-              <a:t>Sicherheit</a:t>
-            </a:r>
-          </a:p>
-          <a:p>
-            <a:pPr lvl="1"/>
-            <a:r>
-              <a:rPr lang="de-DE" dirty="0"/>
-              <a:t>Ethik, Fairness und Vielfalt</a:t>
-            </a:r>
-          </a:p>
-          <a:p>
-            <a:pPr lvl="1"/>
-            <a:r>
-              <a:rPr lang="de-DE" dirty="0"/>
-              <a:t>Transparenz und Verantwortung</a:t>
-            </a:r>
-          </a:p>
-          <a:p>
-            <a:pPr lvl="1"/>
-            <a:r>
-              <a:rPr lang="de-DE" dirty="0"/>
-              <a:t>Kontrolle und Regulierung</a:t>
-            </a:r>
-          </a:p>
-          <a:p>
-            <a:pPr lvl="1"/>
-            <a:r>
-              <a:rPr lang="de-DE" dirty="0"/>
-              <a:t>…</a:t>
-            </a:r>
-          </a:p>
-          <a:p>
-            <a:pPr lvl="1"/>
-            <a:endParaRPr lang="de-DE" dirty="0"/>
-          </a:p>
-        </p:txBody>
-      </p:sp>
+          <a:bodyPr>
+            <a:normAutofit/>
+          </a:bodyPr>
+          <a:lstStyle/>
+          <a:p>
+            <a:r>
+              <a:rPr lang="de-DE" sz="4000" dirty="0"/>
+              <a:t>Bewertung einer vertrauenswürdigen KI</a:t>
+            </a:r>
+          </a:p>
+        </p:txBody>
+      </p:sp>
+      <p:pic>
+        <p:nvPicPr>
+          <p:cNvPr id="5" name="Grafik 4" descr="Ein Bild, das Screenshot enthält.&#10;&#10;Automatisch generierte Beschreibung">
+            <a:extLst>
+              <a:ext uri="{FF2B5EF4-FFF2-40B4-BE49-F238E27FC236}">
+                <a16:creationId xmlns:a16="http://schemas.microsoft.com/office/drawing/2014/main" id="{92F11EAA-813F-43B0-9BE3-09B0CFD50168}"/>
+              </a:ext>
+            </a:extLst>
+          </p:cNvPr>
+          <p:cNvPicPr>
+            <a:picLocks noChangeAspect="1"/>
+          </p:cNvPicPr>
+          <p:nvPr/>
+        </p:nvPicPr>
+        <p:blipFill>
+          <a:blip r:embed="rId2">
+            <a:extLst>
+              <a:ext uri="{28A0092B-C50C-407E-A947-70E740481C1C}">
+                <a14:useLocalDpi xmlns:a14="http://schemas.microsoft.com/office/drawing/2010/main" val="0"/>
+              </a:ext>
+            </a:extLst>
+          </a:blip>
+          <a:stretch>
+            <a:fillRect/>
+          </a:stretch>
+        </p:blipFill>
+        <p:spPr>
+          <a:xfrm>
+            <a:off x="838200" y="1481980"/>
+            <a:ext cx="7652657" cy="5376020"/>
+          </a:xfrm>
+          <a:prstGeom prst="rect">
+            <a:avLst/>
+          </a:prstGeom>
+        </p:spPr>
+      </p:pic>
     </p:spTree>
     <p:extLst>
       <p:ext uri="{BB962C8B-B14F-4D97-AF65-F5344CB8AC3E}">
-        <p14:creationId xmlns:p14="http://schemas.microsoft.com/office/powerpoint/2010/main" val="2168910227"/>
+        <p14:creationId xmlns:p14="http://schemas.microsoft.com/office/powerpoint/2010/main" val="1607175401"/>
       </p:ext>
     </p:extLst>
   </p:cSld>
@@ -8065,7 +8054,7 @@
           <p:cNvPr id="2" name="Titel 1">
             <a:extLst>
               <a:ext uri="{FF2B5EF4-FFF2-40B4-BE49-F238E27FC236}">
-                <a16:creationId xmlns:a16="http://schemas.microsoft.com/office/drawing/2014/main" id="{2829282F-D05E-4895-870D-A31523A653C8}"/>
+                <a16:creationId xmlns:a16="http://schemas.microsoft.com/office/drawing/2014/main" id="{4A661E9F-83D9-4D9E-9ADC-73B1B73453E6}"/>
               </a:ext>
             </a:extLst>
           </p:cNvPr>
@@ -8076,136 +8065,23 @@
             <p:ph type="title"/>
           </p:nvPr>
         </p:nvSpPr>
-        <p:spPr>
-          <a:xfrm>
-            <a:off x="838200" y="461379"/>
-            <a:ext cx="10515600" cy="1325563"/>
-          </a:xfrm>
-        </p:spPr>
-        <p:txBody>
-          <a:bodyPr/>
-          <a:lstStyle/>
-          <a:p>
-            <a:r>
-              <a:rPr lang="de-DE" dirty="0"/>
-              <a:t>DeepMind(ALPHABET)</a:t>
-            </a:r>
-          </a:p>
-        </p:txBody>
-      </p:sp>
-      <p:sp>
-        <p:nvSpPr>
-          <p:cNvPr id="3" name="Inhaltsplatzhalter 2">
-            <a:extLst>
-              <a:ext uri="{FF2B5EF4-FFF2-40B4-BE49-F238E27FC236}">
-                <a16:creationId xmlns:a16="http://schemas.microsoft.com/office/drawing/2014/main" id="{20107F49-CFBB-407B-B42A-15FE989CEABC}"/>
-              </a:ext>
-            </a:extLst>
-          </p:cNvPr>
-          <p:cNvSpPr>
-            <a:spLocks noGrp="1"/>
-          </p:cNvSpPr>
-          <p:nvPr>
-            <p:ph idx="1"/>
-          </p:nvPr>
-        </p:nvSpPr>
-        <p:spPr>
-          <a:xfrm>
-            <a:off x="838200" y="1825625"/>
-            <a:ext cx="10515600" cy="4351338"/>
-          </a:xfrm>
-        </p:spPr>
-        <p:txBody>
-          <a:bodyPr/>
-          <a:lstStyle/>
-          <a:p>
-            <a:r>
-              <a:rPr lang="de-DE" dirty="0"/>
-              <a:t>DeepMind hat ein „</a:t>
-            </a:r>
-            <a:r>
-              <a:rPr lang="de-DE" dirty="0" err="1"/>
-              <a:t>Ethics</a:t>
-            </a:r>
-            <a:r>
-              <a:rPr lang="de-DE" dirty="0"/>
-              <a:t> &amp; Society Team“ aufgestellt</a:t>
-            </a:r>
-          </a:p>
-          <a:p>
-            <a:r>
-              <a:rPr lang="de-DE" dirty="0"/>
-              <a:t>Verschiedene weitere Initiativen werden als Partner genannt</a:t>
-            </a:r>
-          </a:p>
-          <a:p>
-            <a:r>
-              <a:rPr lang="de-DE" dirty="0"/>
-              <a:t>Als Arbeitsthemen des „</a:t>
-            </a:r>
-            <a:r>
-              <a:rPr lang="de-DE" dirty="0" err="1"/>
-              <a:t>Ethics</a:t>
-            </a:r>
-            <a:r>
-              <a:rPr lang="de-DE" dirty="0"/>
-              <a:t> &amp; Society Team“  werden genannt:</a:t>
-            </a:r>
-          </a:p>
-          <a:p>
-            <a:pPr lvl="1"/>
-            <a:r>
-              <a:rPr lang="de-DE" dirty="0"/>
-              <a:t>Privatsphäre, Transparenz und Fairness</a:t>
-            </a:r>
-          </a:p>
-          <a:p>
-            <a:pPr lvl="1"/>
-            <a:r>
-              <a:rPr lang="de-DE" dirty="0"/>
-              <a:t>KI-Moral und KI-Werte</a:t>
-            </a:r>
-          </a:p>
-          <a:p>
-            <a:pPr lvl="1"/>
-            <a:r>
-              <a:rPr lang="de-DE" dirty="0"/>
-              <a:t>Kontrolle und Verantwortlichkeit</a:t>
-            </a:r>
-          </a:p>
-          <a:p>
-            <a:pPr lvl="1"/>
-            <a:r>
-              <a:rPr lang="de-DE" dirty="0"/>
-              <a:t>KI und die komplexen Herausforderungen auf der Welt</a:t>
-            </a:r>
-          </a:p>
-          <a:p>
-            <a:pPr lvl="1"/>
-            <a:r>
-              <a:rPr lang="de-DE" dirty="0"/>
-              <a:t>Missbrauch und unbeabsichtigte Konsequenzen</a:t>
-            </a:r>
-          </a:p>
-          <a:p>
-            <a:pPr lvl="1"/>
-            <a:r>
-              <a:rPr lang="de-DE" dirty="0"/>
-              <a:t>Ökonomische Auswirkungen: Inklusion und Gleichstellung</a:t>
-            </a:r>
-          </a:p>
-          <a:p>
-            <a:pPr marL="0" indent="0">
-              <a:buNone/>
-            </a:pPr>
-            <a:endParaRPr lang="de-DE" dirty="0"/>
+        <p:spPr/>
+        <p:txBody>
+          <a:bodyPr/>
+          <a:lstStyle/>
+          <a:p>
+            <a:pPr algn="ctr"/>
+            <a:r>
+              <a:rPr lang="de-DE" dirty="0"/>
+              <a:t>Ethik für die KI in Wissenschaft und Unternehmen</a:t>
+            </a:r>
           </a:p>
         </p:txBody>
       </p:sp>
     </p:spTree>
     <p:extLst>
       <p:ext uri="{BB962C8B-B14F-4D97-AF65-F5344CB8AC3E}">
-        <p14:creationId xmlns:p14="http://schemas.microsoft.com/office/powerpoint/2010/main" val="713834784"/>
+        <p14:creationId xmlns:p14="http://schemas.microsoft.com/office/powerpoint/2010/main" val="3534936280"/>
       </p:ext>
     </p:extLst>
   </p:cSld>
@@ -8234,10 +8110,10 @@
       </p:grpSpPr>
       <p:sp>
         <p:nvSpPr>
-          <p:cNvPr id="2" name="Titel 1">
+          <p:cNvPr id="3" name="Inhaltsplatzhalter 2">
             <a:extLst>
               <a:ext uri="{FF2B5EF4-FFF2-40B4-BE49-F238E27FC236}">
-                <a16:creationId xmlns:a16="http://schemas.microsoft.com/office/drawing/2014/main" id="{2829282F-D05E-4895-870D-A31523A653C8}"/>
+                <a16:creationId xmlns:a16="http://schemas.microsoft.com/office/drawing/2014/main" id="{A95D0C09-CE64-40B8-BAF1-99FA0A0026CB}"/>
               </a:ext>
             </a:extLst>
           </p:cNvPr>
@@ -8245,71 +8121,117 @@
             <a:spLocks noGrp="1"/>
           </p:cNvSpPr>
           <p:nvPr>
-            <p:ph type="title"/>
-          </p:nvPr>
-        </p:nvSpPr>
-        <p:spPr>
-          <a:xfrm>
-            <a:off x="838200" y="461379"/>
-            <a:ext cx="10515600" cy="1325563"/>
-          </a:xfrm>
-        </p:spPr>
-        <p:txBody>
-          <a:bodyPr/>
-          <a:lstStyle/>
-          <a:p>
-            <a:r>
-              <a:rPr lang="de-DE" dirty="0"/>
-              <a:t>Microsoft</a:t>
-            </a:r>
-          </a:p>
-        </p:txBody>
-      </p:sp>
-      <p:sp>
-        <p:nvSpPr>
-          <p:cNvPr id="3" name="Inhaltsplatzhalter 2">
-            <a:extLst>
-              <a:ext uri="{FF2B5EF4-FFF2-40B4-BE49-F238E27FC236}">
-                <a16:creationId xmlns:a16="http://schemas.microsoft.com/office/drawing/2014/main" id="{20107F49-CFBB-407B-B42A-15FE989CEABC}"/>
-              </a:ext>
-            </a:extLst>
-          </p:cNvPr>
-          <p:cNvSpPr>
-            <a:spLocks noGrp="1"/>
-          </p:cNvSpPr>
-          <p:nvPr>
             <p:ph idx="1"/>
           </p:nvPr>
         </p:nvSpPr>
         <p:spPr>
           <a:xfrm>
             <a:off x="838200" y="1825625"/>
-            <a:ext cx="10515600" cy="4351338"/>
+            <a:ext cx="10697308" cy="4351338"/>
           </a:xfrm>
         </p:spPr>
         <p:txBody>
-          <a:bodyPr>
-            <a:normAutofit/>
-          </a:bodyPr>
-          <a:lstStyle/>
-          <a:p>
-            <a:r>
-              <a:rPr lang="de-DE" dirty="0"/>
-              <a:t>Microsoft hat in Deutschland einen „KI-Expertenrat“ gegründet </a:t>
-            </a:r>
-          </a:p>
-          <a:p>
-            <a:r>
-              <a:rPr lang="de-DE" dirty="0"/>
-              <a:t>Der Expertenrat soll sich, ganz allgemein, mit allen Fragen bezüglich KI beschäftigen</a:t>
-            </a:r>
+          <a:bodyPr/>
+          <a:lstStyle/>
+          <a:p>
+            <a:r>
+              <a:rPr lang="de-DE" dirty="0"/>
+              <a:t>Die TUM hat das „TUM Institute </a:t>
+            </a:r>
+            <a:r>
+              <a:rPr lang="de-DE" dirty="0" err="1"/>
+              <a:t>for</a:t>
+            </a:r>
+            <a:r>
+              <a:rPr lang="de-DE" dirty="0"/>
+              <a:t> </a:t>
+            </a:r>
+            <a:r>
+              <a:rPr lang="de-DE" dirty="0" err="1"/>
+              <a:t>Ethics</a:t>
+            </a:r>
+            <a:r>
+              <a:rPr lang="de-DE" dirty="0"/>
+              <a:t> in </a:t>
+            </a:r>
+            <a:r>
+              <a:rPr lang="de-DE" dirty="0" err="1"/>
+              <a:t>Artificial</a:t>
+            </a:r>
+            <a:r>
+              <a:rPr lang="de-DE" dirty="0"/>
+              <a:t> </a:t>
+            </a:r>
+            <a:r>
+              <a:rPr lang="de-DE" dirty="0" err="1"/>
+              <a:t>Intelligence</a:t>
+            </a:r>
+            <a:r>
+              <a:rPr lang="de-DE" dirty="0"/>
+              <a:t>“ am 8. Oktober 2019 eröffnet</a:t>
+            </a:r>
+          </a:p>
+          <a:p>
+            <a:endParaRPr lang="de-DE" dirty="0"/>
+          </a:p>
+          <a:p>
+            <a:r>
+              <a:rPr lang="de-DE" dirty="0"/>
+              <a:t>Als Forschungsbereiche werden genannt:</a:t>
+            </a:r>
+          </a:p>
+          <a:p>
+            <a:pPr lvl="1"/>
+            <a:r>
+              <a:rPr lang="de-DE" dirty="0"/>
+              <a:t>Privatsphäre</a:t>
+            </a:r>
+          </a:p>
+          <a:p>
+            <a:pPr lvl="1"/>
+            <a:r>
+              <a:rPr lang="de-DE" dirty="0"/>
+              <a:t>Sicherheit</a:t>
+            </a:r>
+          </a:p>
+          <a:p>
+            <a:pPr lvl="1"/>
+            <a:r>
+              <a:rPr lang="de-DE" dirty="0"/>
+              <a:t>Ethik, Fairness und Vielfalt</a:t>
+            </a:r>
+          </a:p>
+          <a:p>
+            <a:pPr lvl="1"/>
+            <a:r>
+              <a:rPr lang="de-DE" dirty="0"/>
+              <a:t>Transparenz und Verantwortung</a:t>
+            </a:r>
+          </a:p>
+          <a:p>
+            <a:pPr lvl="1"/>
+            <a:r>
+              <a:rPr lang="de-DE" dirty="0"/>
+              <a:t>Kontrolle und Regulierung</a:t>
+            </a:r>
+          </a:p>
+          <a:p>
+            <a:pPr lvl="1"/>
+            <a:r>
+              <a:rPr lang="de-DE" dirty="0"/>
+              <a:t>…</a:t>
+            </a:r>
+          </a:p>
+          <a:p>
+            <a:pPr lvl="1"/>
+            <a:endParaRPr lang="de-DE" dirty="0"/>
           </a:p>
         </p:txBody>
       </p:sp>
     </p:spTree>
     <p:extLst>
       <p:ext uri="{BB962C8B-B14F-4D97-AF65-F5344CB8AC3E}">
-        <p14:creationId xmlns:p14="http://schemas.microsoft.com/office/powerpoint/2010/main" val="682592643"/>
+        <p14:creationId xmlns:p14="http://schemas.microsoft.com/office/powerpoint/2010/main" val="2168910227"/>
       </p:ext>
     </p:extLst>
   </p:cSld>
@@ -8364,7 +8286,7 @@
           <a:p>
             <a:r>
               <a:rPr lang="de-DE" dirty="0"/>
-              <a:t>IBM</a:t>
+              <a:t>DeepMind(ALPHABET)</a:t>
             </a:r>
           </a:p>
         </p:txBody>
@@ -8392,26 +8314,82 @@
           </a:xfrm>
         </p:spPr>
         <p:txBody>
-          <a:bodyPr>
-            <a:normAutofit/>
-          </a:bodyPr>
-          <a:lstStyle/>
-          <a:p>
-            <a:r>
-              <a:rPr lang="de-DE" dirty="0"/>
-              <a:t>Mit IBM Research beteiligt sich IBM am Diskurs über KI</a:t>
-            </a:r>
-          </a:p>
-          <a:p>
-            <a:r>
-              <a:rPr lang="de-DE" dirty="0"/>
-              <a:t>Im Bereich „Bias in AI“ wird bei IBM Research intensiv geforscht</a:t>
-            </a:r>
-          </a:p>
-          <a:p>
-            <a:r>
-              <a:rPr lang="de-DE" dirty="0"/>
-              <a:t>Eine dedizierte Expertengruppe, wie bei DeepMind und Microsoft, wurde nicht aufgestellt</a:t>
+          <a:bodyPr/>
+          <a:lstStyle/>
+          <a:p>
+            <a:r>
+              <a:rPr lang="de-DE" dirty="0"/>
+              <a:t>DeepMind hat ein „</a:t>
+            </a:r>
+            <a:r>
+              <a:rPr lang="de-DE" dirty="0" err="1"/>
+              <a:t>Ethics</a:t>
+            </a:r>
+            <a:r>
+              <a:rPr lang="de-DE" dirty="0"/>
+              <a:t> &amp; Society Team“ aufgestellt</a:t>
+            </a:r>
+          </a:p>
+          <a:p>
+            <a:r>
+              <a:rPr lang="de-DE" dirty="0"/>
+              <a:t>Verschiedene weitere Initiativen werden als Partner genannt</a:t>
+            </a:r>
+          </a:p>
+          <a:p>
+            <a:r>
+              <a:rPr lang="de-DE" dirty="0"/>
+              <a:t>Als Arbeitsthemen des „</a:t>
+            </a:r>
+            <a:r>
+              <a:rPr lang="de-DE" dirty="0" err="1"/>
+              <a:t>Ethics</a:t>
+            </a:r>
+            <a:r>
+              <a:rPr lang="de-DE" dirty="0"/>
+              <a:t> &amp; Society Team“  werden genannt:</a:t>
+            </a:r>
+          </a:p>
+          <a:p>
+            <a:pPr lvl="1"/>
+            <a:r>
+              <a:rPr lang="de-DE" dirty="0"/>
+              <a:t>Privatsphäre, Transparenz und Fairness</a:t>
+            </a:r>
+          </a:p>
+          <a:p>
+            <a:pPr lvl="1"/>
+            <a:r>
+              <a:rPr lang="de-DE" dirty="0"/>
+              <a:t>KI-Moral und KI-Werte</a:t>
+            </a:r>
+          </a:p>
+          <a:p>
+            <a:pPr lvl="1"/>
+            <a:r>
+              <a:rPr lang="de-DE" dirty="0"/>
+              <a:t>Kontrolle und Verantwortlichkeit</a:t>
+            </a:r>
+          </a:p>
+          <a:p>
+            <a:pPr lvl="1"/>
+            <a:r>
+              <a:rPr lang="de-DE" dirty="0"/>
+              <a:t>KI und die komplexen Herausforderungen auf der Welt</a:t>
+            </a:r>
+          </a:p>
+          <a:p>
+            <a:pPr lvl="1"/>
+            <a:r>
+              <a:rPr lang="de-DE" dirty="0"/>
+              <a:t>Missbrauch und unbeabsichtigte Konsequenzen</a:t>
+            </a:r>
+          </a:p>
+          <a:p>
+            <a:pPr lvl="1"/>
+            <a:r>
+              <a:rPr lang="de-DE" dirty="0"/>
+              <a:t>Ökonomische Auswirkungen: Inklusion und Gleichstellung</a:t>
             </a:r>
           </a:p>
           <a:p>
@@ -8425,7 +8403,7 @@
     </p:spTree>
     <p:extLst>
       <p:ext uri="{BB962C8B-B14F-4D97-AF65-F5344CB8AC3E}">
-        <p14:creationId xmlns:p14="http://schemas.microsoft.com/office/powerpoint/2010/main" val="3160441387"/>
+        <p14:creationId xmlns:p14="http://schemas.microsoft.com/office/powerpoint/2010/main" val="713834784"/>
       </p:ext>
     </p:extLst>
   </p:cSld>
@@ -8457,7 +8435,7 @@
           <p:cNvPr id="2" name="Titel 1">
             <a:extLst>
               <a:ext uri="{FF2B5EF4-FFF2-40B4-BE49-F238E27FC236}">
-                <a16:creationId xmlns:a16="http://schemas.microsoft.com/office/drawing/2014/main" id="{4A661E9F-83D9-4D9E-9ADC-73B1B73453E6}"/>
+                <a16:creationId xmlns:a16="http://schemas.microsoft.com/office/drawing/2014/main" id="{2829282F-D05E-4895-870D-A31523A653C8}"/>
               </a:ext>
             </a:extLst>
           </p:cNvPr>
@@ -8468,15 +8446,60 @@
             <p:ph type="title"/>
           </p:nvPr>
         </p:nvSpPr>
-        <p:spPr/>
-        <p:txBody>
-          <a:bodyPr/>
-          <a:lstStyle/>
-          <a:p>
-            <a:pPr algn="ctr"/>
-            <a:r>
-              <a:rPr lang="de-DE" dirty="0"/>
-              <a:t>Beispiele für ethische Probleme mit KI-Systemen</a:t>
+        <p:spPr>
+          <a:xfrm>
+            <a:off x="838200" y="461379"/>
+            <a:ext cx="10515600" cy="1325563"/>
+          </a:xfrm>
+        </p:spPr>
+        <p:txBody>
+          <a:bodyPr/>
+          <a:lstStyle/>
+          <a:p>
+            <a:r>
+              <a:rPr lang="de-DE" dirty="0"/>
+              <a:t>Microsoft</a:t>
+            </a:r>
+          </a:p>
+        </p:txBody>
+      </p:sp>
+      <p:sp>
+        <p:nvSpPr>
+          <p:cNvPr id="3" name="Inhaltsplatzhalter 2">
+            <a:extLst>
+              <a:ext uri="{FF2B5EF4-FFF2-40B4-BE49-F238E27FC236}">
+                <a16:creationId xmlns:a16="http://schemas.microsoft.com/office/drawing/2014/main" id="{20107F49-CFBB-407B-B42A-15FE989CEABC}"/>
+              </a:ext>
+            </a:extLst>
+          </p:cNvPr>
+          <p:cNvSpPr>
+            <a:spLocks noGrp="1"/>
+          </p:cNvSpPr>
+          <p:nvPr>
+            <p:ph idx="1"/>
+          </p:nvPr>
+        </p:nvSpPr>
+        <p:spPr>
+          <a:xfrm>
+            <a:off x="838200" y="1825625"/>
+            <a:ext cx="10515600" cy="4351338"/>
+          </a:xfrm>
+        </p:spPr>
+        <p:txBody>
+          <a:bodyPr>
+            <a:normAutofit/>
+          </a:bodyPr>
+          <a:lstStyle/>
+          <a:p>
+            <a:r>
+              <a:rPr lang="de-DE" dirty="0"/>
+              <a:t>Microsoft hat in Deutschland einen „KI-Expertenrat“ gegründet </a:t>
+            </a:r>
+          </a:p>
+          <a:p>
+            <a:r>
+              <a:rPr lang="de-DE" dirty="0"/>
+              <a:t>Der Expertenrat soll sich, ganz allgemein, mit allen Fragen bezüglich KI beschäftigen</a:t>
             </a:r>
           </a:p>
         </p:txBody>
@@ -8484,7 +8507,7 @@
     </p:spTree>
     <p:extLst>
       <p:ext uri="{BB962C8B-B14F-4D97-AF65-F5344CB8AC3E}">
-        <p14:creationId xmlns:p14="http://schemas.microsoft.com/office/powerpoint/2010/main" val="3548767222"/>
+        <p14:creationId xmlns:p14="http://schemas.microsoft.com/office/powerpoint/2010/main" val="682592643"/>
       </p:ext>
     </p:extLst>
   </p:cSld>
@@ -8539,7 +8562,7 @@
           <a:p>
             <a:r>
               <a:rPr lang="de-DE" dirty="0"/>
-              <a:t>Beispiele</a:t>
+              <a:t>IBM</a:t>
             </a:r>
           </a:p>
         </p:txBody>
@@ -8574,25 +8597,19 @@
           <a:p>
             <a:r>
               <a:rPr lang="de-DE" dirty="0"/>
-              <a:t>Sperr Sie ein und wirf den Schlüssel weg!</a:t>
-            </a:r>
-          </a:p>
-          <a:p>
-            <a:r>
-              <a:rPr lang="de-DE" dirty="0"/>
-              <a:t>Die kriminelle Minderheit</a:t>
-            </a:r>
-          </a:p>
-          <a:p>
-            <a:r>
-              <a:rPr lang="de-DE" dirty="0"/>
-              <a:t>Mit dunkler Haut ist man gesünder?!</a:t>
-            </a:r>
-          </a:p>
-          <a:p>
-            <a:r>
-              <a:rPr lang="de-DE" dirty="0"/>
-              <a:t>Aufruf zur Intifada?</a:t>
+              <a:t>Mit IBM Research beteiligt sich IBM am Diskurs über KI</a:t>
+            </a:r>
+          </a:p>
+          <a:p>
+            <a:r>
+              <a:rPr lang="de-DE" dirty="0"/>
+              <a:t>Im Bereich „Bias in AI“ wird bei IBM Research intensiv geforscht</a:t>
+            </a:r>
+          </a:p>
+          <a:p>
+            <a:r>
+              <a:rPr lang="de-DE" dirty="0"/>
+              <a:t>Eine dedizierte Expertengruppe, wie bei DeepMind und Microsoft, wurde nicht aufgestellt</a:t>
             </a:r>
           </a:p>
           <a:p>
@@ -8606,7 +8623,7 @@
     </p:spTree>
     <p:extLst>
       <p:ext uri="{BB962C8B-B14F-4D97-AF65-F5344CB8AC3E}">
-        <p14:creationId xmlns:p14="http://schemas.microsoft.com/office/powerpoint/2010/main" val="444124376"/>
+        <p14:creationId xmlns:p14="http://schemas.microsoft.com/office/powerpoint/2010/main" val="3160441387"/>
       </p:ext>
     </p:extLst>
   </p:cSld>
@@ -8649,12 +8666,7 @@
             <p:ph type="title"/>
           </p:nvPr>
         </p:nvSpPr>
-        <p:spPr>
-          <a:xfrm>
-            <a:off x="831851" y="901359"/>
-            <a:ext cx="10515600" cy="2852737"/>
-          </a:xfrm>
-        </p:spPr>
+        <p:spPr/>
         <p:txBody>
           <a:bodyPr/>
           <a:lstStyle/>
@@ -8662,20 +8674,15 @@
             <a:pPr algn="ctr"/>
             <a:r>
               <a:rPr lang="de-DE" dirty="0"/>
-              <a:t>Moral </a:t>
-            </a:r>
-            <a:r>
-              <a:rPr lang="de-DE" dirty="0" err="1"/>
-              <a:t>Machine</a:t>
-            </a:r>
-            <a:endParaRPr lang="de-DE" dirty="0"/>
+              <a:t>Beispiele für ethische Probleme mit KI-Systemen</a:t>
+            </a:r>
           </a:p>
         </p:txBody>
       </p:sp>
     </p:spTree>
     <p:extLst>
       <p:ext uri="{BB962C8B-B14F-4D97-AF65-F5344CB8AC3E}">
-        <p14:creationId xmlns:p14="http://schemas.microsoft.com/office/powerpoint/2010/main" val="2064069308"/>
+        <p14:creationId xmlns:p14="http://schemas.microsoft.com/office/powerpoint/2010/main" val="3548767222"/>
       </p:ext>
     </p:extLst>
   </p:cSld>
@@ -8893,13 +8900,8 @@
           <a:p>
             <a:r>
               <a:rPr lang="de-DE" dirty="0"/>
-              <a:t>Moral </a:t>
-            </a:r>
-            <a:r>
-              <a:rPr lang="de-DE" dirty="0" err="1"/>
-              <a:t>Machine</a:t>
-            </a:r>
-            <a:endParaRPr lang="de-DE" dirty="0"/>
+              <a:t>Beispiele</a:t>
+            </a:r>
           </a:p>
         </p:txBody>
       </p:sp>
@@ -8931,15 +8933,39 @@
           </a:bodyPr>
           <a:lstStyle/>
           <a:p>
-            <a:r>
-              <a:rPr lang="de-DE" dirty="0"/>
-              <a:t>Konzeptioniert und entwickelt durch Wissenschaftler des MIT</a:t>
-            </a:r>
-          </a:p>
-          <a:p>
-            <a:r>
-              <a:rPr lang="de-DE" dirty="0"/>
-              <a:t>Diese Plattform erfasst, wie Menschen zu moralischen Entscheidungen stehen, die von intelligenten Maschinen getroffen werden</a:t>
+            <a:pPr marL="514350" indent="-514350">
+              <a:buAutoNum type="arabicPeriod"/>
+            </a:pPr>
+            <a:r>
+              <a:rPr lang="de-DE" dirty="0"/>
+              <a:t>Sperr Sie ein und wirf den Schlüssel weg!</a:t>
+            </a:r>
+          </a:p>
+          <a:p>
+            <a:pPr marL="514350" indent="-514350">
+              <a:buAutoNum type="arabicPeriod"/>
+            </a:pPr>
+            <a:r>
+              <a:rPr lang="de-DE" dirty="0"/>
+              <a:t>Die kriminelle Minderheit</a:t>
+            </a:r>
+          </a:p>
+          <a:p>
+            <a:pPr marL="514350" indent="-514350">
+              <a:buAutoNum type="arabicPeriod"/>
+            </a:pPr>
+            <a:r>
+              <a:rPr lang="de-DE" dirty="0"/>
+              <a:t>Mit dunkler Haut ist man gesünder?!</a:t>
+            </a:r>
+          </a:p>
+          <a:p>
+            <a:pPr marL="514350" indent="-514350">
+              <a:buAutoNum type="arabicPeriod"/>
+            </a:pPr>
+            <a:r>
+              <a:rPr lang="de-DE" dirty="0"/>
+              <a:t>Aufruf zur Intifada?</a:t>
             </a:r>
           </a:p>
           <a:p>
@@ -8948,30 +8974,12 @@
             </a:pPr>
             <a:endParaRPr lang="de-DE" dirty="0"/>
           </a:p>
-          <a:p>
-            <a:pPr marL="0" indent="0">
-              <a:buNone/>
-            </a:pPr>
-            <a:r>
-              <a:rPr lang="de-DE" dirty="0">
-                <a:hlinkClick r:id="rId2"/>
-              </a:rPr>
-              <a:t>http://moralmachine.mit.edu/hl/de</a:t>
-            </a:r>
-            <a:endParaRPr lang="de-DE" dirty="0"/>
-          </a:p>
-          <a:p>
-            <a:pPr marL="0" indent="0">
-              <a:buNone/>
-            </a:pPr>
-            <a:endParaRPr lang="de-DE" dirty="0"/>
-          </a:p>
         </p:txBody>
       </p:sp>
     </p:spTree>
     <p:extLst>
       <p:ext uri="{BB962C8B-B14F-4D97-AF65-F5344CB8AC3E}">
-        <p14:creationId xmlns:p14="http://schemas.microsoft.com/office/powerpoint/2010/main" val="4123339297"/>
+        <p14:creationId xmlns:p14="http://schemas.microsoft.com/office/powerpoint/2010/main" val="444124376"/>
       </p:ext>
     </p:extLst>
   </p:cSld>
@@ -9027,15 +9035,20 @@
             <a:pPr algn="ctr"/>
             <a:r>
               <a:rPr lang="de-DE" dirty="0"/>
-              <a:t>Chancen und Risiken</a:t>
-            </a:r>
+              <a:t>Moral </a:t>
+            </a:r>
+            <a:r>
+              <a:rPr lang="de-DE" dirty="0" err="1"/>
+              <a:t>Machine</a:t>
+            </a:r>
+            <a:endParaRPr lang="de-DE" dirty="0"/>
           </a:p>
         </p:txBody>
       </p:sp>
     </p:spTree>
     <p:extLst>
       <p:ext uri="{BB962C8B-B14F-4D97-AF65-F5344CB8AC3E}">
-        <p14:creationId xmlns:p14="http://schemas.microsoft.com/office/powerpoint/2010/main" val="3014107916"/>
+        <p14:creationId xmlns:p14="http://schemas.microsoft.com/office/powerpoint/2010/main" val="2064069308"/>
       </p:ext>
     </p:extLst>
   </p:cSld>
@@ -9090,8 +9103,13 @@
           <a:p>
             <a:r>
               <a:rPr lang="de-DE" dirty="0"/>
-              <a:t>Chancen</a:t>
-            </a:r>
+              <a:t>Moral </a:t>
+            </a:r>
+            <a:r>
+              <a:rPr lang="de-DE" dirty="0" err="1"/>
+              <a:t>Machine</a:t>
+            </a:r>
+            <a:endParaRPr lang="de-DE" dirty="0"/>
           </a:p>
         </p:txBody>
       </p:sp>
@@ -9125,27 +9143,45 @@
           <a:p>
             <a:r>
               <a:rPr lang="de-DE" dirty="0"/>
-              <a:t>Klimaschutz und nachhaltige Infrastruktur</a:t>
-            </a:r>
-          </a:p>
-          <a:p>
-            <a:r>
-              <a:rPr lang="de-DE" dirty="0"/>
-              <a:t>Gesundheit und Wohlergehen</a:t>
-            </a:r>
-          </a:p>
-          <a:p>
-            <a:r>
-              <a:rPr lang="de-DE" dirty="0"/>
-              <a:t>…</a:t>
-            </a:r>
+              <a:t>Konzeptioniert und entwickelt durch Wissenschaftler des MIT</a:t>
+            </a:r>
+          </a:p>
+          <a:p>
+            <a:r>
+              <a:rPr lang="de-DE" dirty="0"/>
+              <a:t>Diese Plattform erfasst, wie Menschen zu moralischen Entscheidungen stehen, die von intelligenten Maschinen getroffen werden</a:t>
+            </a:r>
+          </a:p>
+          <a:p>
+            <a:pPr marL="0" indent="0">
+              <a:buNone/>
+            </a:pPr>
+            <a:endParaRPr lang="de-DE" dirty="0"/>
+          </a:p>
+          <a:p>
+            <a:pPr marL="0" indent="0">
+              <a:buNone/>
+            </a:pPr>
+            <a:r>
+              <a:rPr lang="de-DE" dirty="0">
+                <a:hlinkClick r:id="rId2"/>
+              </a:rPr>
+              <a:t>http://moralmachine.mit.edu/hl/de</a:t>
+            </a:r>
+            <a:endParaRPr lang="de-DE" dirty="0"/>
+          </a:p>
+          <a:p>
+            <a:pPr marL="0" indent="0">
+              <a:buNone/>
+            </a:pPr>
+            <a:endParaRPr lang="de-DE" dirty="0"/>
           </a:p>
         </p:txBody>
       </p:sp>
     </p:spTree>
     <p:extLst>
       <p:ext uri="{BB962C8B-B14F-4D97-AF65-F5344CB8AC3E}">
-        <p14:creationId xmlns:p14="http://schemas.microsoft.com/office/powerpoint/2010/main" val="2069356660"/>
+        <p14:creationId xmlns:p14="http://schemas.microsoft.com/office/powerpoint/2010/main" val="4123339297"/>
       </p:ext>
     </p:extLst>
   </p:cSld>
@@ -9177,7 +9213,7 @@
           <p:cNvPr id="2" name="Titel 1">
             <a:extLst>
               <a:ext uri="{FF2B5EF4-FFF2-40B4-BE49-F238E27FC236}">
-                <a16:creationId xmlns:a16="http://schemas.microsoft.com/office/drawing/2014/main" id="{2829282F-D05E-4895-870D-A31523A653C8}"/>
+                <a16:creationId xmlns:a16="http://schemas.microsoft.com/office/drawing/2014/main" id="{4A661E9F-83D9-4D9E-9ADC-73B1B73453E6}"/>
               </a:ext>
             </a:extLst>
           </p:cNvPr>
@@ -9190,64 +9226,18 @@
         </p:nvSpPr>
         <p:spPr>
           <a:xfrm>
-            <a:off x="838200" y="461379"/>
-            <a:ext cx="10515600" cy="1325563"/>
+            <a:off x="831851" y="901359"/>
+            <a:ext cx="10515600" cy="2852737"/>
           </a:xfrm>
         </p:spPr>
         <p:txBody>
           <a:bodyPr/>
           <a:lstStyle/>
           <a:p>
-            <a:r>
-              <a:rPr lang="de-DE" dirty="0"/>
-              <a:t>Risiken</a:t>
-            </a:r>
-          </a:p>
-        </p:txBody>
-      </p:sp>
-      <p:sp>
-        <p:nvSpPr>
-          <p:cNvPr id="3" name="Inhaltsplatzhalter 2">
-            <a:extLst>
-              <a:ext uri="{FF2B5EF4-FFF2-40B4-BE49-F238E27FC236}">
-                <a16:creationId xmlns:a16="http://schemas.microsoft.com/office/drawing/2014/main" id="{20107F49-CFBB-407B-B42A-15FE989CEABC}"/>
-              </a:ext>
-            </a:extLst>
-          </p:cNvPr>
-          <p:cNvSpPr>
-            <a:spLocks noGrp="1"/>
-          </p:cNvSpPr>
-          <p:nvPr>
-            <p:ph idx="1"/>
-          </p:nvPr>
-        </p:nvSpPr>
-        <p:spPr>
-          <a:xfrm>
-            <a:off x="838200" y="1825625"/>
-            <a:ext cx="10515600" cy="4351338"/>
-          </a:xfrm>
-        </p:spPr>
-        <p:txBody>
-          <a:bodyPr>
-            <a:normAutofit/>
-          </a:bodyPr>
-          <a:lstStyle/>
-          <a:p>
-            <a:r>
-              <a:rPr lang="de-DE" dirty="0"/>
-              <a:t>Identifizierung und Ortung von Personen mithilfe von KI</a:t>
-            </a:r>
-          </a:p>
-          <a:p>
-            <a:r>
-              <a:rPr lang="de-DE" dirty="0"/>
-              <a:t>Tödliche autonome Waffensysteme</a:t>
-            </a:r>
-          </a:p>
-          <a:p>
-            <a:r>
-              <a:rPr lang="de-DE" dirty="0"/>
-              <a:t>…</a:t>
+            <a:pPr algn="ctr"/>
+            <a:r>
+              <a:rPr lang="de-DE" dirty="0"/>
+              <a:t>Chancen und Risiken</a:t>
             </a:r>
           </a:p>
         </p:txBody>
@@ -9255,7 +9245,7 @@
     </p:spTree>
     <p:extLst>
       <p:ext uri="{BB962C8B-B14F-4D97-AF65-F5344CB8AC3E}">
-        <p14:creationId xmlns:p14="http://schemas.microsoft.com/office/powerpoint/2010/main" val="3483985354"/>
+        <p14:creationId xmlns:p14="http://schemas.microsoft.com/office/powerpoint/2010/main" val="3014107916"/>
       </p:ext>
     </p:extLst>
   </p:cSld>
@@ -9287,6 +9277,226 @@
           <p:cNvPr id="2" name="Titel 1">
             <a:extLst>
               <a:ext uri="{FF2B5EF4-FFF2-40B4-BE49-F238E27FC236}">
+                <a16:creationId xmlns:a16="http://schemas.microsoft.com/office/drawing/2014/main" id="{2829282F-D05E-4895-870D-A31523A653C8}"/>
+              </a:ext>
+            </a:extLst>
+          </p:cNvPr>
+          <p:cNvSpPr>
+            <a:spLocks noGrp="1"/>
+          </p:cNvSpPr>
+          <p:nvPr>
+            <p:ph type="title"/>
+          </p:nvPr>
+        </p:nvSpPr>
+        <p:spPr>
+          <a:xfrm>
+            <a:off x="838200" y="461379"/>
+            <a:ext cx="10515600" cy="1325563"/>
+          </a:xfrm>
+        </p:spPr>
+        <p:txBody>
+          <a:bodyPr/>
+          <a:lstStyle/>
+          <a:p>
+            <a:r>
+              <a:rPr lang="de-DE" dirty="0"/>
+              <a:t>Chancen</a:t>
+            </a:r>
+          </a:p>
+        </p:txBody>
+      </p:sp>
+      <p:sp>
+        <p:nvSpPr>
+          <p:cNvPr id="3" name="Inhaltsplatzhalter 2">
+            <a:extLst>
+              <a:ext uri="{FF2B5EF4-FFF2-40B4-BE49-F238E27FC236}">
+                <a16:creationId xmlns:a16="http://schemas.microsoft.com/office/drawing/2014/main" id="{20107F49-CFBB-407B-B42A-15FE989CEABC}"/>
+              </a:ext>
+            </a:extLst>
+          </p:cNvPr>
+          <p:cNvSpPr>
+            <a:spLocks noGrp="1"/>
+          </p:cNvSpPr>
+          <p:nvPr>
+            <p:ph idx="1"/>
+          </p:nvPr>
+        </p:nvSpPr>
+        <p:spPr>
+          <a:xfrm>
+            <a:off x="838200" y="1825625"/>
+            <a:ext cx="10515600" cy="4351338"/>
+          </a:xfrm>
+        </p:spPr>
+        <p:txBody>
+          <a:bodyPr>
+            <a:normAutofit/>
+          </a:bodyPr>
+          <a:lstStyle/>
+          <a:p>
+            <a:r>
+              <a:rPr lang="de-DE" dirty="0"/>
+              <a:t>Klimaschutz und nachhaltige Infrastruktur</a:t>
+            </a:r>
+          </a:p>
+          <a:p>
+            <a:r>
+              <a:rPr lang="de-DE" dirty="0"/>
+              <a:t>Gesundheit und Wohlergehen</a:t>
+            </a:r>
+          </a:p>
+          <a:p>
+            <a:r>
+              <a:rPr lang="de-DE" dirty="0"/>
+              <a:t>…</a:t>
+            </a:r>
+          </a:p>
+        </p:txBody>
+      </p:sp>
+    </p:spTree>
+    <p:extLst>
+      <p:ext uri="{BB962C8B-B14F-4D97-AF65-F5344CB8AC3E}">
+        <p14:creationId xmlns:p14="http://schemas.microsoft.com/office/powerpoint/2010/main" val="2069356660"/>
+      </p:ext>
+    </p:extLst>
+  </p:cSld>
+  <p:clrMapOvr>
+    <a:masterClrMapping/>
+  </p:clrMapOvr>
+</p:sld>
+</file>
+
+<file path=ppt/slides/slide35.xml><?xml version="1.0" encoding="utf-8"?>
+<p:sld xmlns:a="http://schemas.openxmlformats.org/drawingml/2006/main" xmlns:r="http://schemas.openxmlformats.org/officeDocument/2006/relationships" xmlns:p="http://schemas.openxmlformats.org/presentationml/2006/main">
+  <p:cSld>
+    <p:spTree>
+      <p:nvGrpSpPr>
+        <p:cNvPr id="1" name=""/>
+        <p:cNvGrpSpPr/>
+        <p:nvPr/>
+      </p:nvGrpSpPr>
+      <p:grpSpPr>
+        <a:xfrm>
+          <a:off x="0" y="0"/>
+          <a:ext cx="0" cy="0"/>
+          <a:chOff x="0" y="0"/>
+          <a:chExt cx="0" cy="0"/>
+        </a:xfrm>
+      </p:grpSpPr>
+      <p:sp>
+        <p:nvSpPr>
+          <p:cNvPr id="2" name="Titel 1">
+            <a:extLst>
+              <a:ext uri="{FF2B5EF4-FFF2-40B4-BE49-F238E27FC236}">
+                <a16:creationId xmlns:a16="http://schemas.microsoft.com/office/drawing/2014/main" id="{2829282F-D05E-4895-870D-A31523A653C8}"/>
+              </a:ext>
+            </a:extLst>
+          </p:cNvPr>
+          <p:cNvSpPr>
+            <a:spLocks noGrp="1"/>
+          </p:cNvSpPr>
+          <p:nvPr>
+            <p:ph type="title"/>
+          </p:nvPr>
+        </p:nvSpPr>
+        <p:spPr>
+          <a:xfrm>
+            <a:off x="838200" y="461379"/>
+            <a:ext cx="10515600" cy="1325563"/>
+          </a:xfrm>
+        </p:spPr>
+        <p:txBody>
+          <a:bodyPr/>
+          <a:lstStyle/>
+          <a:p>
+            <a:r>
+              <a:rPr lang="de-DE" dirty="0"/>
+              <a:t>Risiken</a:t>
+            </a:r>
+          </a:p>
+        </p:txBody>
+      </p:sp>
+      <p:sp>
+        <p:nvSpPr>
+          <p:cNvPr id="3" name="Inhaltsplatzhalter 2">
+            <a:extLst>
+              <a:ext uri="{FF2B5EF4-FFF2-40B4-BE49-F238E27FC236}">
+                <a16:creationId xmlns:a16="http://schemas.microsoft.com/office/drawing/2014/main" id="{20107F49-CFBB-407B-B42A-15FE989CEABC}"/>
+              </a:ext>
+            </a:extLst>
+          </p:cNvPr>
+          <p:cNvSpPr>
+            <a:spLocks noGrp="1"/>
+          </p:cNvSpPr>
+          <p:nvPr>
+            <p:ph idx="1"/>
+          </p:nvPr>
+        </p:nvSpPr>
+        <p:spPr>
+          <a:xfrm>
+            <a:off x="838200" y="1825625"/>
+            <a:ext cx="10515600" cy="4351338"/>
+          </a:xfrm>
+        </p:spPr>
+        <p:txBody>
+          <a:bodyPr>
+            <a:normAutofit/>
+          </a:bodyPr>
+          <a:lstStyle/>
+          <a:p>
+            <a:r>
+              <a:rPr lang="de-DE" dirty="0"/>
+              <a:t>Identifizierung und Ortung von Personen mithilfe von KI</a:t>
+            </a:r>
+          </a:p>
+          <a:p>
+            <a:r>
+              <a:rPr lang="de-DE" dirty="0"/>
+              <a:t>Tödliche autonome Waffensysteme</a:t>
+            </a:r>
+          </a:p>
+          <a:p>
+            <a:r>
+              <a:rPr lang="de-DE" dirty="0"/>
+              <a:t>…</a:t>
+            </a:r>
+          </a:p>
+        </p:txBody>
+      </p:sp>
+    </p:spTree>
+    <p:extLst>
+      <p:ext uri="{BB962C8B-B14F-4D97-AF65-F5344CB8AC3E}">
+        <p14:creationId xmlns:p14="http://schemas.microsoft.com/office/powerpoint/2010/main" val="3483985354"/>
+      </p:ext>
+    </p:extLst>
+  </p:cSld>
+  <p:clrMapOvr>
+    <a:masterClrMapping/>
+  </p:clrMapOvr>
+</p:sld>
+</file>
+
+<file path=ppt/slides/slide36.xml><?xml version="1.0" encoding="utf-8"?>
+<p:sld xmlns:a="http://schemas.openxmlformats.org/drawingml/2006/main" xmlns:r="http://schemas.openxmlformats.org/officeDocument/2006/relationships" xmlns:p="http://schemas.openxmlformats.org/presentationml/2006/main">
+  <p:cSld>
+    <p:spTree>
+      <p:nvGrpSpPr>
+        <p:cNvPr id="1" name=""/>
+        <p:cNvGrpSpPr/>
+        <p:nvPr/>
+      </p:nvGrpSpPr>
+      <p:grpSpPr>
+        <a:xfrm>
+          <a:off x="0" y="0"/>
+          <a:ext cx="0" cy="0"/>
+          <a:chOff x="0" y="0"/>
+          <a:chExt cx="0" cy="0"/>
+        </a:xfrm>
+      </p:grpSpPr>
+      <p:sp>
+        <p:nvSpPr>
+          <p:cNvPr id="2" name="Titel 1">
+            <a:extLst>
+              <a:ext uri="{FF2B5EF4-FFF2-40B4-BE49-F238E27FC236}">
                 <a16:creationId xmlns:a16="http://schemas.microsoft.com/office/drawing/2014/main" id="{AE6FBFD7-FC8E-4416-B438-EBE70DF0FD19}"/>
               </a:ext>
             </a:extLst>
@@ -9330,7 +9540,7 @@
 </p:sld>
 </file>
 
-<file path=ppt/slides/slide35.xml><?xml version="1.0" encoding="utf-8"?>
+<file path=ppt/slides/slide37.xml><?xml version="1.0" encoding="utf-8"?>
 <p:sld xmlns:a="http://schemas.openxmlformats.org/drawingml/2006/main" xmlns:r="http://schemas.openxmlformats.org/officeDocument/2006/relationships" xmlns:p="http://schemas.openxmlformats.org/presentationml/2006/main">
   <p:cSld>
     <p:spTree>
